--- a/file_management.pptx
+++ b/file_management.pptx
@@ -5,31 +5,28 @@
     <p:sldMasterId id="2147483648" r:id="rId1"/>
   </p:sldMasterIdLst>
   <p:notesMasterIdLst>
-    <p:notesMasterId r:id="rId24"/>
+    <p:notesMasterId r:id="rId21"/>
   </p:notesMasterIdLst>
   <p:sldIdLst>
     <p:sldId id="256" r:id="rId2"/>
     <p:sldId id="257" r:id="rId3"/>
-    <p:sldId id="258" r:id="rId4"/>
-    <p:sldId id="259" r:id="rId5"/>
-    <p:sldId id="260" r:id="rId6"/>
-    <p:sldId id="262" r:id="rId7"/>
-    <p:sldId id="263" r:id="rId8"/>
-    <p:sldId id="264" r:id="rId9"/>
-    <p:sldId id="261" r:id="rId10"/>
-    <p:sldId id="265" r:id="rId11"/>
-    <p:sldId id="266" r:id="rId12"/>
-    <p:sldId id="267" r:id="rId13"/>
-    <p:sldId id="268" r:id="rId14"/>
-    <p:sldId id="291" r:id="rId15"/>
-    <p:sldId id="292" r:id="rId16"/>
-    <p:sldId id="269" r:id="rId17"/>
-    <p:sldId id="290" r:id="rId18"/>
-    <p:sldId id="272" r:id="rId19"/>
-    <p:sldId id="273" r:id="rId20"/>
-    <p:sldId id="275" r:id="rId21"/>
-    <p:sldId id="293" r:id="rId22"/>
-    <p:sldId id="274" r:id="rId23"/>
+    <p:sldId id="259" r:id="rId4"/>
+    <p:sldId id="260" r:id="rId5"/>
+    <p:sldId id="262" r:id="rId6"/>
+    <p:sldId id="263" r:id="rId7"/>
+    <p:sldId id="264" r:id="rId8"/>
+    <p:sldId id="261" r:id="rId9"/>
+    <p:sldId id="265" r:id="rId10"/>
+    <p:sldId id="266" r:id="rId11"/>
+    <p:sldId id="267" r:id="rId12"/>
+    <p:sldId id="268" r:id="rId13"/>
+    <p:sldId id="269" r:id="rId14"/>
+    <p:sldId id="290" r:id="rId15"/>
+    <p:sldId id="272" r:id="rId16"/>
+    <p:sldId id="275" r:id="rId17"/>
+    <p:sldId id="273" r:id="rId18"/>
+    <p:sldId id="293" r:id="rId19"/>
+    <p:sldId id="274" r:id="rId20"/>
   </p:sldIdLst>
   <p:sldSz cx="9144000" cy="6858000" type="screen4x3"/>
   <p:notesSz cx="6858000" cy="9144000"/>
@@ -130,7 +127,7 @@
   </p:defaultTextStyle>
   <p:extLst>
     <p:ext uri="{EFAFB233-063F-42B5-8137-9DF3F51BA10A}">
-      <p15:sldGuideLst xmlns:p15="http://schemas.microsoft.com/office/powerpoint/2012/main">
+      <p15:sldGuideLst xmlns:p15="http://schemas.microsoft.com/office/powerpoint/2012/main" xmlns="">
         <p15:guide id="1" orient="horz" pos="2160">
           <p15:clr>
             <a:srgbClr val="A4A3A4"/>
@@ -229,7 +226,7 @@
           <a:p>
             <a:fld id="{51692F88-D5C3-BB44-8F9F-C03624D04443}" type="datetimeFigureOut">
               <a:rPr lang="en-US" smtClean="0"/>
-              <a:t>2/26/19</a:t>
+              <a:t>28/11/19</a:t>
             </a:fld>
             <a:endParaRPr lang="en-US"/>
           </a:p>
@@ -696,76 +693,16 @@
           <a:lstStyle/>
           <a:p>
             <a:r>
-              <a:rPr lang="en-US" dirty="0"/>
-              <a:t>Why file organization of your research data is important</a:t>
-            </a:r>
-          </a:p>
-          <a:p>
-            <a:r>
-              <a:rPr lang="en-US" dirty="0"/>
-              <a:t>Specific techniques for organizing your research data,</a:t>
-            </a:r>
-          </a:p>
-          <a:p>
-            <a:r>
-              <a:rPr lang="en-US" dirty="0"/>
-              <a:t>including developing plans for:</a:t>
-            </a:r>
-          </a:p>
-          <a:p>
-            <a:r>
-              <a:rPr lang="en-US" dirty="0"/>
-              <a:t>– File structures - where to put data so you won’t lose it</a:t>
-            </a:r>
-          </a:p>
-          <a:p>
-            <a:r>
-              <a:rPr lang="en-US" dirty="0"/>
-              <a:t>(including tips on embedding </a:t>
-            </a:r>
-            <a:r>
-              <a:rPr lang="en-US" u="sng" dirty="0"/>
-              <a:t>metadata)</a:t>
-            </a:r>
-          </a:p>
-          <a:p>
-            <a:r>
-              <a:rPr lang="en-US" dirty="0"/>
-              <a:t>– File naming - what to call data so you know what it is</a:t>
-            </a:r>
-          </a:p>
-          <a:p>
-            <a:r>
-              <a:rPr lang="en-US" dirty="0"/>
-              <a:t>– A bit on version control - keeping track of data</a:t>
-            </a:r>
-          </a:p>
-          <a:p>
-            <a:r>
-              <a:rPr lang="en-US" dirty="0"/>
-              <a:t>• Will also include opportunities for:</a:t>
-            </a:r>
-          </a:p>
-          <a:p>
-            <a:r>
-              <a:rPr lang="en-US" dirty="0"/>
-              <a:t>– Small group discussion</a:t>
-            </a:r>
-          </a:p>
-          <a:p>
-            <a:r>
-              <a:rPr lang="en-US" dirty="0"/>
-              <a:t>– Exercise for organizing your own data</a:t>
-            </a:r>
-          </a:p>
-          <a:p>
-            <a:r>
-              <a:rPr lang="en-US" dirty="0"/>
-              <a:t>• Focuses on research data, but applies to other types of files as well</a:t>
-            </a:r>
-          </a:p>
-          <a:p>
-            <a:endParaRPr lang="en-US" dirty="0"/>
+              <a:rPr lang="en-US" sz="1200" kern="1200" dirty="0">
+                <a:solidFill>
+                  <a:schemeClr val="tx1"/>
+                </a:solidFill>
+                <a:latin typeface="+mn-lt"/>
+                <a:ea typeface="+mn-ea"/>
+                <a:cs typeface="+mn-cs"/>
+              </a:rPr>
+              <a:t>content-specific or descriptive information</a:t>
+            </a:r>
           </a:p>
         </p:txBody>
       </p:sp>
@@ -850,16 +787,76 @@
           <a:lstStyle/>
           <a:p>
             <a:r>
-              <a:rPr lang="en-US" sz="1200" kern="1200" dirty="0">
-                <a:solidFill>
-                  <a:schemeClr val="tx1"/>
-                </a:solidFill>
-                <a:latin typeface="+mn-lt"/>
-                <a:ea typeface="+mn-ea"/>
-                <a:cs typeface="+mn-cs"/>
-              </a:rPr>
-              <a:t>content-specific or descriptive information</a:t>
-            </a:r>
+              <a:rPr lang="en-US" dirty="0"/>
+              <a:t>Why file organization of your research data is important</a:t>
+            </a:r>
+          </a:p>
+          <a:p>
+            <a:r>
+              <a:rPr lang="en-US" dirty="0"/>
+              <a:t>Specific techniques for organizing your research data,</a:t>
+            </a:r>
+          </a:p>
+          <a:p>
+            <a:r>
+              <a:rPr lang="en-US" dirty="0"/>
+              <a:t>including developing plans for:</a:t>
+            </a:r>
+          </a:p>
+          <a:p>
+            <a:r>
+              <a:rPr lang="en-US" dirty="0"/>
+              <a:t>– File structures - where to put data so you won’t lose it</a:t>
+            </a:r>
+          </a:p>
+          <a:p>
+            <a:r>
+              <a:rPr lang="en-US" dirty="0"/>
+              <a:t>(including tips on embedding </a:t>
+            </a:r>
+            <a:r>
+              <a:rPr lang="en-US" u="sng" dirty="0"/>
+              <a:t>metadata)</a:t>
+            </a:r>
+          </a:p>
+          <a:p>
+            <a:r>
+              <a:rPr lang="en-US" dirty="0"/>
+              <a:t>– File naming - what to call data so you know what it is</a:t>
+            </a:r>
+          </a:p>
+          <a:p>
+            <a:r>
+              <a:rPr lang="en-US" dirty="0"/>
+              <a:t>– A bit on version control - keeping track of data</a:t>
+            </a:r>
+          </a:p>
+          <a:p>
+            <a:r>
+              <a:rPr lang="en-US" dirty="0"/>
+              <a:t>• Will also include opportunities for:</a:t>
+            </a:r>
+          </a:p>
+          <a:p>
+            <a:r>
+              <a:rPr lang="en-US" dirty="0"/>
+              <a:t>– Small group discussion</a:t>
+            </a:r>
+          </a:p>
+          <a:p>
+            <a:r>
+              <a:rPr lang="en-US" dirty="0"/>
+              <a:t>– Exercise for organizing your own data</a:t>
+            </a:r>
+          </a:p>
+          <a:p>
+            <a:r>
+              <a:rPr lang="en-US" dirty="0"/>
+              <a:t>• Focuses on research data, but applies to other types of files as well</a:t>
+            </a:r>
+          </a:p>
+          <a:p>
+            <a:endParaRPr lang="en-US" dirty="0"/>
           </a:p>
         </p:txBody>
       </p:sp>
@@ -1197,7 +1194,7 @@
     </p:spTree>
     <p:extLst>
       <p:ext uri="{BB962C8B-B14F-4D97-AF65-F5344CB8AC3E}">
-        <p14:creationId xmlns:p14="http://schemas.microsoft.com/office/powerpoint/2010/main" val="32558449"/>
+        <p14:creationId xmlns:p14="http://schemas.microsoft.com/office/powerpoint/2010/main" val="901667478"/>
       </p:ext>
     </p:extLst>
   </p:cSld>
@@ -1351,7 +1348,7 @@
     </p:spTree>
     <p:extLst>
       <p:ext uri="{BB962C8B-B14F-4D97-AF65-F5344CB8AC3E}">
-        <p14:creationId xmlns:p14="http://schemas.microsoft.com/office/powerpoint/2010/main" val="2708035205"/>
+        <p14:creationId xmlns:p14="http://schemas.microsoft.com/office/powerpoint/2010/main" val="901667478"/>
       </p:ext>
     </p:extLst>
   </p:cSld>
@@ -1406,73 +1403,446 @@
           <a:lstStyle/>
           <a:p>
             <a:r>
-              <a:rPr lang="en-US" dirty="0"/>
-              <a:t>Why file organization of your research data is important</a:t>
-            </a:r>
-          </a:p>
-          <a:p>
-            <a:r>
-              <a:rPr lang="en-US" dirty="0"/>
-              <a:t>Specific techniques for organizing your research data,</a:t>
-            </a:r>
-          </a:p>
-          <a:p>
-            <a:r>
-              <a:rPr lang="en-US" dirty="0"/>
-              <a:t>including developing plans for:</a:t>
-            </a:r>
-          </a:p>
-          <a:p>
-            <a:r>
-              <a:rPr lang="en-US" dirty="0"/>
-              <a:t>– File structures - where to put data so you won’t lose it</a:t>
-            </a:r>
-          </a:p>
-          <a:p>
-            <a:r>
-              <a:rPr lang="en-US" dirty="0"/>
-              <a:t>(including tips on embedding </a:t>
-            </a:r>
-            <a:r>
-              <a:rPr lang="en-US" u="sng" dirty="0"/>
-              <a:t>metadata)</a:t>
-            </a:r>
-          </a:p>
-          <a:p>
-            <a:r>
-              <a:rPr lang="en-US" dirty="0"/>
-              <a:t>– File naming - what to call data so you know what it is</a:t>
-            </a:r>
-          </a:p>
-          <a:p>
-            <a:r>
-              <a:rPr lang="en-US" dirty="0"/>
-              <a:t>– A bit on version control - keeping track of data</a:t>
-            </a:r>
-          </a:p>
-          <a:p>
-            <a:r>
-              <a:rPr lang="en-US" dirty="0"/>
-              <a:t>• Will also include opportunities for:</a:t>
-            </a:r>
-          </a:p>
-          <a:p>
-            <a:r>
-              <a:rPr lang="en-US" dirty="0"/>
-              <a:t>– Small group discussion</a:t>
-            </a:r>
-          </a:p>
-          <a:p>
-            <a:r>
-              <a:rPr lang="en-US" dirty="0"/>
-              <a:t>– Exercise for organizing your own data</a:t>
-            </a:r>
-          </a:p>
-          <a:p>
-            <a:r>
-              <a:rPr lang="en-US" dirty="0"/>
-              <a:t>• Focuses on research data, but applies to other types of files as well</a:t>
-            </a:r>
+              <a:rPr lang="en-US" sz="1200" kern="1200" dirty="0">
+                <a:solidFill>
+                  <a:schemeClr val="tx1"/>
+                </a:solidFill>
+                <a:latin typeface="+mn-lt"/>
+                <a:ea typeface="+mn-ea"/>
+                <a:cs typeface="+mn-cs"/>
+              </a:rPr>
+              <a:t>Tag-based systems: benefits</a:t>
+            </a:r>
+          </a:p>
+          <a:p>
+            <a:r>
+              <a:rPr lang="en-US" sz="1200" kern="1200" dirty="0">
+                <a:solidFill>
+                  <a:schemeClr val="tx1"/>
+                </a:solidFill>
+                <a:latin typeface="+mn-lt"/>
+                <a:ea typeface="+mn-ea"/>
+                <a:cs typeface="+mn-cs"/>
+              </a:rPr>
+              <a:t>• Items can go in more than one category</a:t>
+            </a:r>
+          </a:p>
+          <a:p>
+            <a:r>
+              <a:rPr lang="en-US" sz="1200" kern="1200" dirty="0">
+                <a:solidFill>
+                  <a:schemeClr val="tx1"/>
+                </a:solidFill>
+                <a:latin typeface="+mn-lt"/>
+                <a:ea typeface="+mn-ea"/>
+                <a:cs typeface="+mn-cs"/>
+              </a:rPr>
+              <a:t>– Moreover, multiple types of category can be used</a:t>
+            </a:r>
+          </a:p>
+          <a:p>
+            <a:r>
+              <a:rPr lang="en-US" sz="1200" kern="1200" dirty="0">
+                <a:solidFill>
+                  <a:schemeClr val="tx1"/>
+                </a:solidFill>
+                <a:latin typeface="+mn-lt"/>
+                <a:ea typeface="+mn-ea"/>
+                <a:cs typeface="+mn-cs"/>
+              </a:rPr>
+              <a:t>• Many people find tagging quicker and easier</a:t>
+            </a:r>
+          </a:p>
+          <a:p>
+            <a:r>
+              <a:rPr lang="en-US" sz="1200" kern="1200" dirty="0">
+                <a:solidFill>
+                  <a:schemeClr val="tx1"/>
+                </a:solidFill>
+                <a:latin typeface="+mn-lt"/>
+                <a:ea typeface="+mn-ea"/>
+                <a:cs typeface="+mn-cs"/>
+              </a:rPr>
+              <a:t>than hierarchical filing</a:t>
+            </a:r>
+          </a:p>
+          <a:p>
+            <a:r>
+              <a:rPr lang="en-US" sz="1200" kern="1200" dirty="0">
+                <a:solidFill>
+                  <a:schemeClr val="tx1"/>
+                </a:solidFill>
+                <a:latin typeface="+mn-lt"/>
+                <a:ea typeface="+mn-ea"/>
+                <a:cs typeface="+mn-cs"/>
+              </a:rPr>
+              <a:t>• When collaborating, can be easier to combine</a:t>
+            </a:r>
+          </a:p>
+          <a:p>
+            <a:r>
+              <a:rPr lang="en-US" sz="1200" kern="1200" dirty="0">
+                <a:solidFill>
+                  <a:schemeClr val="tx1"/>
+                </a:solidFill>
+                <a:latin typeface="+mn-lt"/>
+                <a:ea typeface="+mn-ea"/>
+                <a:cs typeface="+mn-cs"/>
+              </a:rPr>
+              <a:t>than hierarchical systems</a:t>
+            </a:r>
+          </a:p>
+          <a:p>
+            <a:r>
+              <a:rPr lang="en-US" sz="1200" kern="1200" dirty="0">
+                <a:solidFill>
+                  <a:schemeClr val="tx1"/>
+                </a:solidFill>
+                <a:latin typeface="+mn-lt"/>
+                <a:ea typeface="+mn-ea"/>
+                <a:cs typeface="+mn-cs"/>
+              </a:rPr>
+              <a:t>14</a:t>
+            </a:r>
+          </a:p>
+          <a:p>
+            <a:r>
+              <a:rPr lang="en-US" sz="1200" kern="1200" dirty="0">
+                <a:solidFill>
+                  <a:schemeClr val="tx1"/>
+                </a:solidFill>
+                <a:latin typeface="+mn-lt"/>
+                <a:ea typeface="+mn-ea"/>
+                <a:cs typeface="+mn-cs"/>
+              </a:rPr>
+              <a:t>Tag-based systems: drawbacks</a:t>
+            </a:r>
+          </a:p>
+          <a:p>
+            <a:r>
+              <a:rPr lang="en-US" sz="1200" kern="1200" dirty="0">
+                <a:solidFill>
+                  <a:schemeClr val="tx1"/>
+                </a:solidFill>
+                <a:latin typeface="+mn-lt"/>
+                <a:ea typeface="+mn-ea"/>
+                <a:cs typeface="+mn-cs"/>
+              </a:rPr>
+              <a:t>• Not how operating systems store files</a:t>
+            </a:r>
+          </a:p>
+          <a:p>
+            <a:r>
+              <a:rPr lang="en-US" sz="1200" kern="1200" dirty="0">
+                <a:solidFill>
+                  <a:schemeClr val="tx1"/>
+                </a:solidFill>
+                <a:latin typeface="+mn-lt"/>
+                <a:ea typeface="+mn-ea"/>
+                <a:cs typeface="+mn-cs"/>
+              </a:rPr>
+              <a:t>• If material isn’t tagged properly when first</a:t>
+            </a:r>
+          </a:p>
+          <a:p>
+            <a:r>
+              <a:rPr lang="en-US" sz="1200" kern="1200" dirty="0">
+                <a:solidFill>
+                  <a:schemeClr val="tx1"/>
+                </a:solidFill>
+                <a:latin typeface="+mn-lt"/>
+                <a:ea typeface="+mn-ea"/>
+                <a:cs typeface="+mn-cs"/>
+              </a:rPr>
+              <a:t>acquired, it can be hard to find later</a:t>
+            </a:r>
+          </a:p>
+          <a:p>
+            <a:r>
+              <a:rPr lang="en-US" sz="1200" kern="1200" dirty="0">
+                <a:solidFill>
+                  <a:schemeClr val="tx1"/>
+                </a:solidFill>
+                <a:latin typeface="+mn-lt"/>
+                <a:ea typeface="+mn-ea"/>
+                <a:cs typeface="+mn-cs"/>
+              </a:rPr>
+              <a:t>• There’s a risk of inconsistent tagging</a:t>
+            </a:r>
+          </a:p>
+          <a:p>
+            <a:r>
+              <a:rPr lang="en-US" sz="1200" kern="1200" dirty="0">
+                <a:solidFill>
+                  <a:schemeClr val="tx1"/>
+                </a:solidFill>
+                <a:latin typeface="+mn-lt"/>
+                <a:ea typeface="+mn-ea"/>
+                <a:cs typeface="+mn-cs"/>
+              </a:rPr>
+              <a:t>• And of similarly named categories getting</a:t>
+            </a:r>
+          </a:p>
+          <a:p>
+            <a:r>
+              <a:rPr lang="en-US" sz="1200" kern="1200" dirty="0">
+                <a:solidFill>
+                  <a:schemeClr val="tx1"/>
+                </a:solidFill>
+                <a:latin typeface="+mn-lt"/>
+                <a:ea typeface="+mn-ea"/>
+                <a:cs typeface="+mn-cs"/>
+              </a:rPr>
+              <a:t>mixed</a:t>
+            </a:r>
+          </a:p>
+          <a:p>
+            <a:r>
+              <a:rPr lang="en-US" sz="1200" kern="1200" dirty="0">
+                <a:solidFill>
+                  <a:schemeClr val="tx1"/>
+                </a:solidFill>
+                <a:latin typeface="+mn-lt"/>
+                <a:ea typeface="+mn-ea"/>
+                <a:cs typeface="+mn-cs"/>
+              </a:rPr>
+              <a:t>• Less good at representing the structure of</a:t>
+            </a:r>
+          </a:p>
+          <a:p>
+            <a:r>
+              <a:rPr lang="en-US" sz="1200" kern="1200" dirty="0">
+                <a:solidFill>
+                  <a:schemeClr val="tx1"/>
+                </a:solidFill>
+                <a:latin typeface="+mn-lt"/>
+                <a:ea typeface="+mn-ea"/>
+                <a:cs typeface="+mn-cs"/>
+              </a:rPr>
+              <a:t>information</a:t>
+            </a:r>
+          </a:p>
+          <a:p>
+            <a:endParaRPr lang="en-US" dirty="0"/>
+          </a:p>
+          <a:p>
+            <a:r>
+              <a:rPr lang="en-US" sz="1200" kern="1200" dirty="0">
+                <a:solidFill>
+                  <a:schemeClr val="tx1"/>
+                </a:solidFill>
+                <a:latin typeface="+mn-lt"/>
+                <a:ea typeface="+mn-ea"/>
+                <a:cs typeface="+mn-cs"/>
+              </a:rPr>
+              <a:t>Creating a tag-based system</a:t>
+            </a:r>
+          </a:p>
+          <a:p>
+            <a:r>
+              <a:rPr lang="en-US" sz="1200" kern="1200" dirty="0">
+                <a:solidFill>
+                  <a:schemeClr val="tx1"/>
+                </a:solidFill>
+                <a:latin typeface="+mn-lt"/>
+                <a:ea typeface="+mn-ea"/>
+                <a:cs typeface="+mn-cs"/>
+              </a:rPr>
+              <a:t>• Possible tools include:</a:t>
+            </a:r>
+          </a:p>
+          <a:p>
+            <a:r>
+              <a:rPr lang="en-US" sz="1200" kern="1200" dirty="0">
+                <a:solidFill>
+                  <a:schemeClr val="tx1"/>
+                </a:solidFill>
+                <a:latin typeface="+mn-lt"/>
+                <a:ea typeface="+mn-ea"/>
+                <a:cs typeface="+mn-cs"/>
+              </a:rPr>
+              <a:t>• Bibliographic software</a:t>
+            </a:r>
+          </a:p>
+          <a:p>
+            <a:r>
+              <a:rPr lang="en-US" sz="1200" kern="1200" dirty="0">
+                <a:solidFill>
+                  <a:schemeClr val="tx1"/>
+                </a:solidFill>
+                <a:latin typeface="+mn-lt"/>
+                <a:ea typeface="+mn-ea"/>
+                <a:cs typeface="+mn-cs"/>
+              </a:rPr>
+              <a:t>– EndNote, </a:t>
+            </a:r>
+            <a:r>
+              <a:rPr lang="en-US" sz="1200" u="sng" kern="1200" dirty="0" err="1">
+                <a:solidFill>
+                  <a:schemeClr val="tx1"/>
+                </a:solidFill>
+                <a:latin typeface="+mn-lt"/>
+                <a:ea typeface="+mn-ea"/>
+                <a:cs typeface="+mn-cs"/>
+              </a:rPr>
+              <a:t>Zotero</a:t>
+            </a:r>
+            <a:r>
+              <a:rPr lang="en-US" sz="1200" u="sng" kern="1200" dirty="0">
+                <a:solidFill>
+                  <a:schemeClr val="tx1"/>
+                </a:solidFill>
+                <a:latin typeface="+mn-lt"/>
+                <a:ea typeface="+mn-ea"/>
+                <a:cs typeface="+mn-cs"/>
+              </a:rPr>
+              <a:t>, </a:t>
+            </a:r>
+            <a:r>
+              <a:rPr lang="en-US" sz="1200" u="sng" kern="1200" dirty="0" err="1">
+                <a:solidFill>
+                  <a:schemeClr val="tx1"/>
+                </a:solidFill>
+                <a:latin typeface="+mn-lt"/>
+                <a:ea typeface="+mn-ea"/>
+                <a:cs typeface="+mn-cs"/>
+              </a:rPr>
+              <a:t>Mendeley</a:t>
+            </a:r>
+            <a:r>
+              <a:rPr lang="en-US" sz="1200" u="sng" kern="1200" dirty="0">
+                <a:solidFill>
+                  <a:schemeClr val="tx1"/>
+                </a:solidFill>
+                <a:latin typeface="+mn-lt"/>
+                <a:ea typeface="+mn-ea"/>
+                <a:cs typeface="+mn-cs"/>
+              </a:rPr>
+              <a:t>...</a:t>
+            </a:r>
+          </a:p>
+          <a:p>
+            <a:r>
+              <a:rPr lang="en-US" sz="1200" kern="1200" dirty="0">
+                <a:solidFill>
+                  <a:schemeClr val="tx1"/>
+                </a:solidFill>
+                <a:latin typeface="+mn-lt"/>
+                <a:ea typeface="+mn-ea"/>
+                <a:cs typeface="+mn-cs"/>
+              </a:rPr>
+              <a:t>• Image management programs</a:t>
+            </a:r>
+          </a:p>
+          <a:p>
+            <a:r>
+              <a:rPr lang="en-US" sz="1200" kern="1200" dirty="0">
+                <a:solidFill>
+                  <a:schemeClr val="tx1"/>
+                </a:solidFill>
+                <a:latin typeface="+mn-lt"/>
+                <a:ea typeface="+mn-ea"/>
+                <a:cs typeface="+mn-cs"/>
+              </a:rPr>
+              <a:t>– </a:t>
+            </a:r>
+            <a:r>
+              <a:rPr lang="en-US" sz="1200" u="sng" kern="1200" dirty="0">
+                <a:solidFill>
+                  <a:schemeClr val="tx1"/>
+                </a:solidFill>
+                <a:latin typeface="+mn-lt"/>
+                <a:ea typeface="+mn-ea"/>
+                <a:cs typeface="+mn-cs"/>
+              </a:rPr>
+              <a:t>Flickr, Picasa...</a:t>
+            </a:r>
+          </a:p>
+          <a:p>
+            <a:r>
+              <a:rPr lang="en-US" sz="1200" kern="1200" dirty="0">
+                <a:solidFill>
+                  <a:schemeClr val="tx1"/>
+                </a:solidFill>
+                <a:latin typeface="+mn-lt"/>
+                <a:ea typeface="+mn-ea"/>
+                <a:cs typeface="+mn-cs"/>
+              </a:rPr>
+              <a:t>• Google tools</a:t>
+            </a:r>
+          </a:p>
+          <a:p>
+            <a:r>
+              <a:rPr lang="en-US" sz="1200" kern="1200" dirty="0">
+                <a:solidFill>
+                  <a:schemeClr val="tx1"/>
+                </a:solidFill>
+                <a:latin typeface="+mn-lt"/>
+                <a:ea typeface="+mn-ea"/>
+                <a:cs typeface="+mn-cs"/>
+              </a:rPr>
+              <a:t>• See our guide to Tagging and Finding Your</a:t>
+            </a:r>
+          </a:p>
+          <a:p>
+            <a:r>
+              <a:rPr lang="en-US" sz="1200" kern="1200" dirty="0">
+                <a:solidFill>
+                  <a:schemeClr val="tx1"/>
+                </a:solidFill>
+                <a:latin typeface="+mn-lt"/>
+                <a:ea typeface="+mn-ea"/>
+                <a:cs typeface="+mn-cs"/>
+              </a:rPr>
+              <a:t>Files: http://</a:t>
+            </a:r>
+            <a:r>
+              <a:rPr lang="en-US" sz="1200" kern="1200" dirty="0" err="1">
+                <a:solidFill>
+                  <a:schemeClr val="tx1"/>
+                </a:solidFill>
+                <a:latin typeface="+mn-lt"/>
+                <a:ea typeface="+mn-ea"/>
+                <a:cs typeface="+mn-cs"/>
+              </a:rPr>
+              <a:t>libguides.mit.edu</a:t>
+            </a:r>
+            <a:r>
+              <a:rPr lang="en-US" sz="1200" kern="1200" dirty="0">
+                <a:solidFill>
+                  <a:schemeClr val="tx1"/>
+                </a:solidFill>
+                <a:latin typeface="+mn-lt"/>
+                <a:ea typeface="+mn-ea"/>
+                <a:cs typeface="+mn-cs"/>
+              </a:rPr>
+              <a:t>/</a:t>
+            </a:r>
+            <a:r>
+              <a:rPr lang="en-US" sz="1200" kern="1200" dirty="0" err="1">
+                <a:solidFill>
+                  <a:schemeClr val="tx1"/>
+                </a:solidFill>
+                <a:latin typeface="+mn-lt"/>
+                <a:ea typeface="+mn-ea"/>
+                <a:cs typeface="+mn-cs"/>
+              </a:rPr>
+              <a:t>metadataTools</a:t>
+            </a:r>
+            <a:r>
+              <a:rPr lang="en-US" sz="1200" kern="1200" dirty="0">
+                <a:solidFill>
+                  <a:schemeClr val="tx1"/>
+                </a:solidFill>
+                <a:latin typeface="+mn-lt"/>
+                <a:ea typeface="+mn-ea"/>
+                <a:cs typeface="+mn-cs"/>
+              </a:rPr>
+              <a:t>/</a:t>
+            </a:r>
+          </a:p>
+          <a:p>
+            <a:endParaRPr lang="en-US" dirty="0"/>
           </a:p>
           <a:p>
             <a:endParaRPr lang="en-US" dirty="0"/>
@@ -1560,75 +1930,248 @@
           <a:lstStyle/>
           <a:p>
             <a:r>
-              <a:rPr lang="en-US" dirty="0"/>
-              <a:t>Why file organization of your research data is important</a:t>
-            </a:r>
-          </a:p>
-          <a:p>
-            <a:r>
-              <a:rPr lang="en-US" dirty="0"/>
-              <a:t>Specific techniques for organizing your research data,</a:t>
-            </a:r>
-          </a:p>
-          <a:p>
-            <a:r>
-              <a:rPr lang="en-US" dirty="0"/>
-              <a:t>including developing plans for:</a:t>
-            </a:r>
-          </a:p>
-          <a:p>
-            <a:r>
-              <a:rPr lang="en-US" dirty="0"/>
-              <a:t>– File structures - where to put data so you won’t lose it</a:t>
-            </a:r>
-          </a:p>
-          <a:p>
-            <a:r>
-              <a:rPr lang="en-US" dirty="0"/>
-              <a:t>(including tips on embedding </a:t>
-            </a:r>
-            <a:r>
-              <a:rPr lang="en-US" u="sng" dirty="0"/>
-              <a:t>metadata)</a:t>
-            </a:r>
-          </a:p>
-          <a:p>
-            <a:r>
-              <a:rPr lang="en-US" dirty="0"/>
-              <a:t>– File naming - what to call data so you know what it is</a:t>
-            </a:r>
-          </a:p>
-          <a:p>
-            <a:r>
-              <a:rPr lang="en-US" dirty="0"/>
-              <a:t>– A bit on version control - keeping track of data</a:t>
-            </a:r>
-          </a:p>
-          <a:p>
-            <a:r>
-              <a:rPr lang="en-US" dirty="0"/>
-              <a:t>• Will also include opportunities for:</a:t>
-            </a:r>
-          </a:p>
-          <a:p>
-            <a:r>
-              <a:rPr lang="en-US" dirty="0"/>
-              <a:t>– Small group discussion</a:t>
-            </a:r>
-          </a:p>
-          <a:p>
-            <a:r>
-              <a:rPr lang="en-US" dirty="0"/>
-              <a:t>– Exercise for organizing your own data</a:t>
-            </a:r>
-          </a:p>
-          <a:p>
-            <a:r>
-              <a:rPr lang="en-US" dirty="0"/>
-              <a:t>• Focuses on research data, but applies to other types of files as well</a:t>
-            </a:r>
-          </a:p>
-          <a:p>
+              <a:rPr lang="en-US" sz="1200" dirty="0"/>
+              <a:t>benefits</a:t>
+            </a:r>
+          </a:p>
+          <a:p>
+            <a:r>
+              <a:rPr lang="en-US" sz="1200" dirty="0"/>
+              <a:t>• Familiar and widely used</a:t>
+            </a:r>
+          </a:p>
+          <a:p>
+            <a:r>
+              <a:rPr lang="en-US" sz="1200" dirty="0"/>
+              <a:t>• Good at representing the structure of</a:t>
+            </a:r>
+          </a:p>
+          <a:p>
+            <a:r>
+              <a:rPr lang="en-US" sz="1200" dirty="0"/>
+              <a:t>information</a:t>
+            </a:r>
+          </a:p>
+          <a:p>
+            <a:r>
+              <a:rPr lang="en-US" sz="1200" dirty="0"/>
+              <a:t>– Constructing the hierarchy can itself be a helpful</a:t>
+            </a:r>
+          </a:p>
+          <a:p>
+            <a:r>
+              <a:rPr lang="en-US" sz="1200" dirty="0"/>
+              <a:t>exercise</a:t>
+            </a:r>
+          </a:p>
+          <a:p>
+            <a:r>
+              <a:rPr lang="en-US" sz="1200" dirty="0"/>
+              <a:t>• Similar items are stored together</a:t>
+            </a:r>
+          </a:p>
+          <a:p>
+            <a:r>
+              <a:rPr lang="en-US" sz="1200" dirty="0"/>
+              <a:t>• Sub-folders can function as task lists</a:t>
+            </a:r>
+          </a:p>
+          <a:p>
+            <a:r>
+              <a:rPr lang="en-US" sz="1200" dirty="0"/>
+              <a:t>• Great for location-based finding</a:t>
+            </a:r>
+          </a:p>
+          <a:p>
+            <a:r>
+              <a:rPr lang="en-US" sz="1200" dirty="0"/>
+              <a:t>12</a:t>
+            </a:r>
+          </a:p>
+          <a:p>
+            <a:r>
+              <a:rPr lang="en-US" sz="1200" dirty="0"/>
+              <a:t>Hierarchical systems: drawbacks</a:t>
+            </a:r>
+          </a:p>
+          <a:p>
+            <a:r>
+              <a:rPr lang="en-US" sz="1200" dirty="0"/>
+              <a:t>• Surprisingly hard work to set up and maintain</a:t>
+            </a:r>
+          </a:p>
+          <a:p>
+            <a:r>
+              <a:rPr lang="en-US" sz="1200" dirty="0"/>
+              <a:t>– ‘a </a:t>
+            </a:r>
+            <a:r>
+              <a:rPr lang="en-US" sz="1200" u="sng" dirty="0"/>
+              <a:t>heavyweight cognitive activity’</a:t>
+            </a:r>
+          </a:p>
+          <a:p>
+            <a:r>
+              <a:rPr lang="en-US" sz="1200" dirty="0"/>
+              <a:t>• Can be hard to get the right balance between</a:t>
+            </a:r>
+          </a:p>
+          <a:p>
+            <a:r>
+              <a:rPr lang="en-US" sz="1200" dirty="0"/>
+              <a:t>breadth and depth</a:t>
+            </a:r>
+          </a:p>
+          <a:p>
+            <a:r>
+              <a:rPr lang="en-US" sz="1200" dirty="0"/>
+              <a:t>• Items can only go in one place</a:t>
+            </a:r>
+          </a:p>
+          <a:p>
+            <a:r>
+              <a:rPr lang="en-US" sz="1200" dirty="0"/>
+              <a:t>• Time consuming to </a:t>
+            </a:r>
+            <a:r>
+              <a:rPr lang="en-US" sz="1200" u="sng" dirty="0" err="1"/>
+              <a:t>reorganise</a:t>
+            </a:r>
+            <a:r>
+              <a:rPr lang="en-US" sz="1200" u="sng" dirty="0"/>
+              <a:t> if the hierarchy</a:t>
+            </a:r>
+          </a:p>
+          <a:p>
+            <a:r>
+              <a:rPr lang="en-US" sz="1200" dirty="0"/>
+              <a:t>becomes out of date</a:t>
+            </a:r>
+            <a:endParaRPr lang="en-US" sz="1200" u="sng" dirty="0">
+              <a:solidFill>
+                <a:srgbClr val="0000FF"/>
+              </a:solidFill>
+            </a:endParaRPr>
+          </a:p>
+          <a:p>
+            <a:endParaRPr lang="en-US" dirty="0"/>
+          </a:p>
+          <a:p>
+            <a:r>
+              <a:rPr lang="en-US" sz="1200" kern="1200" dirty="0">
+                <a:solidFill>
+                  <a:schemeClr val="tx1"/>
+                </a:solidFill>
+                <a:latin typeface="+mn-lt"/>
+                <a:ea typeface="+mn-ea"/>
+                <a:cs typeface="+mn-cs"/>
+              </a:rPr>
+              <a:t>Tips for managing a hierarchical</a:t>
+            </a:r>
+          </a:p>
+          <a:p>
+            <a:r>
+              <a:rPr lang="en-US" sz="1200" kern="1200" dirty="0">
+                <a:solidFill>
+                  <a:schemeClr val="tx1"/>
+                </a:solidFill>
+                <a:latin typeface="+mn-lt"/>
+                <a:ea typeface="+mn-ea"/>
+                <a:cs typeface="+mn-cs"/>
+              </a:rPr>
+              <a:t>system</a:t>
+            </a:r>
+          </a:p>
+          <a:p>
+            <a:r>
+              <a:rPr lang="en-US" sz="1200" kern="1200" dirty="0">
+                <a:solidFill>
+                  <a:schemeClr val="tx1"/>
+                </a:solidFill>
+                <a:latin typeface="+mn-lt"/>
+                <a:ea typeface="+mn-ea"/>
+                <a:cs typeface="+mn-cs"/>
+              </a:rPr>
+              <a:t>• In Windows, Windows Explorer is a good tool</a:t>
+            </a:r>
+          </a:p>
+          <a:p>
+            <a:r>
+              <a:rPr lang="en-US" sz="1200" kern="1200" dirty="0">
+                <a:solidFill>
+                  <a:schemeClr val="tx1"/>
+                </a:solidFill>
+                <a:latin typeface="+mn-lt"/>
+                <a:ea typeface="+mn-ea"/>
+                <a:cs typeface="+mn-cs"/>
+              </a:rPr>
+              <a:t>• If possible, avoid overlapping categories</a:t>
+            </a:r>
+          </a:p>
+          <a:p>
+            <a:r>
+              <a:rPr lang="en-US" sz="1200" kern="1200" dirty="0">
+                <a:solidFill>
+                  <a:schemeClr val="tx1"/>
+                </a:solidFill>
+                <a:latin typeface="+mn-lt"/>
+                <a:ea typeface="+mn-ea"/>
+                <a:cs typeface="+mn-cs"/>
+              </a:rPr>
+              <a:t>– Find other ways of linking items</a:t>
+            </a:r>
+          </a:p>
+          <a:p>
+            <a:r>
+              <a:rPr lang="en-US" sz="1200" kern="1200" dirty="0">
+                <a:solidFill>
+                  <a:schemeClr val="tx1"/>
+                </a:solidFill>
+                <a:latin typeface="+mn-lt"/>
+                <a:ea typeface="+mn-ea"/>
+                <a:cs typeface="+mn-cs"/>
+              </a:rPr>
+              <a:t>• Don’t let your folders get too big – or</a:t>
+            </a:r>
+          </a:p>
+          <a:p>
+            <a:r>
+              <a:rPr lang="en-US" sz="1200" kern="1200" dirty="0">
+                <a:solidFill>
+                  <a:schemeClr val="tx1"/>
+                </a:solidFill>
+                <a:latin typeface="+mn-lt"/>
+                <a:ea typeface="+mn-ea"/>
+                <a:cs typeface="+mn-cs"/>
+              </a:rPr>
+              <a:t>your structure get too deep</a:t>
+            </a:r>
+          </a:p>
+          <a:p>
+            <a:r>
+              <a:rPr lang="en-US" sz="1200" kern="1200" dirty="0">
+                <a:solidFill>
+                  <a:schemeClr val="tx1"/>
+                </a:solidFill>
+                <a:latin typeface="+mn-lt"/>
+                <a:ea typeface="+mn-ea"/>
+                <a:cs typeface="+mn-cs"/>
+              </a:rPr>
+              <a:t>– Create separate folders for older (no longer</a:t>
+            </a:r>
+          </a:p>
+          <a:p>
+            <a:r>
+              <a:rPr lang="en-US" sz="1200" kern="1200" dirty="0">
+                <a:solidFill>
+                  <a:schemeClr val="tx1"/>
+                </a:solidFill>
+                <a:latin typeface="+mn-lt"/>
+                <a:ea typeface="+mn-ea"/>
+                <a:cs typeface="+mn-cs"/>
+              </a:rPr>
+              <a:t>active) material</a:t>
+            </a:r>
             <a:endParaRPr lang="en-US" dirty="0"/>
           </a:p>
         </p:txBody>
@@ -1813,7 +2356,7 @@
     </p:spTree>
     <p:extLst>
       <p:ext uri="{BB962C8B-B14F-4D97-AF65-F5344CB8AC3E}">
-        <p14:creationId xmlns:p14="http://schemas.microsoft.com/office/powerpoint/2010/main" val="901667478"/>
+        <p14:creationId xmlns:p14="http://schemas.microsoft.com/office/powerpoint/2010/main" val="508783295"/>
       </p:ext>
     </p:extLst>
   </p:cSld>
@@ -1868,248 +2411,75 @@
           <a:lstStyle/>
           <a:p>
             <a:r>
-              <a:rPr lang="en-US" sz="1200" dirty="0"/>
-              <a:t>benefits</a:t>
-            </a:r>
-          </a:p>
-          <a:p>
-            <a:r>
-              <a:rPr lang="en-US" sz="1200" dirty="0"/>
-              <a:t>• Familiar and widely used</a:t>
-            </a:r>
-          </a:p>
-          <a:p>
-            <a:r>
-              <a:rPr lang="en-US" sz="1200" dirty="0"/>
-              <a:t>• Good at representing the structure of</a:t>
-            </a:r>
-          </a:p>
-          <a:p>
-            <a:r>
-              <a:rPr lang="en-US" sz="1200" dirty="0"/>
-              <a:t>information</a:t>
-            </a:r>
-          </a:p>
-          <a:p>
-            <a:r>
-              <a:rPr lang="en-US" sz="1200" dirty="0"/>
-              <a:t>– Constructing the hierarchy can itself be a helpful</a:t>
-            </a:r>
-          </a:p>
-          <a:p>
-            <a:r>
-              <a:rPr lang="en-US" sz="1200" dirty="0"/>
-              <a:t>exercise</a:t>
-            </a:r>
-          </a:p>
-          <a:p>
-            <a:r>
-              <a:rPr lang="en-US" sz="1200" dirty="0"/>
-              <a:t>• Similar items are stored together</a:t>
-            </a:r>
-          </a:p>
-          <a:p>
-            <a:r>
-              <a:rPr lang="en-US" sz="1200" dirty="0"/>
-              <a:t>• Sub-folders can function as task lists</a:t>
-            </a:r>
-          </a:p>
-          <a:p>
-            <a:r>
-              <a:rPr lang="en-US" sz="1200" dirty="0"/>
-              <a:t>• Great for location-based finding</a:t>
-            </a:r>
-          </a:p>
-          <a:p>
-            <a:r>
-              <a:rPr lang="en-US" sz="1200" dirty="0"/>
-              <a:t>12</a:t>
-            </a:r>
-          </a:p>
-          <a:p>
-            <a:r>
-              <a:rPr lang="en-US" sz="1200" dirty="0"/>
-              <a:t>Hierarchical systems: drawbacks</a:t>
-            </a:r>
-          </a:p>
-          <a:p>
-            <a:r>
-              <a:rPr lang="en-US" sz="1200" dirty="0"/>
-              <a:t>• Surprisingly hard work to set up and maintain</a:t>
-            </a:r>
-          </a:p>
-          <a:p>
-            <a:r>
-              <a:rPr lang="en-US" sz="1200" dirty="0"/>
-              <a:t>– ‘a </a:t>
-            </a:r>
-            <a:r>
-              <a:rPr lang="en-US" sz="1200" u="sng" dirty="0"/>
-              <a:t>heavyweight cognitive activity’</a:t>
-            </a:r>
-          </a:p>
-          <a:p>
-            <a:r>
-              <a:rPr lang="en-US" sz="1200" dirty="0"/>
-              <a:t>• Can be hard to get the right balance between</a:t>
-            </a:r>
-          </a:p>
-          <a:p>
-            <a:r>
-              <a:rPr lang="en-US" sz="1200" dirty="0"/>
-              <a:t>breadth and depth</a:t>
-            </a:r>
-          </a:p>
-          <a:p>
-            <a:r>
-              <a:rPr lang="en-US" sz="1200" dirty="0"/>
-              <a:t>• Items can only go in one place</a:t>
-            </a:r>
-          </a:p>
-          <a:p>
-            <a:r>
-              <a:rPr lang="en-US" sz="1200" dirty="0"/>
-              <a:t>• Time consuming to </a:t>
-            </a:r>
-            <a:r>
-              <a:rPr lang="en-US" sz="1200" u="sng" dirty="0" err="1"/>
-              <a:t>reorganise</a:t>
-            </a:r>
-            <a:r>
-              <a:rPr lang="en-US" sz="1200" u="sng" dirty="0"/>
-              <a:t> if the hierarchy</a:t>
-            </a:r>
-          </a:p>
-          <a:p>
-            <a:r>
-              <a:rPr lang="en-US" sz="1200" dirty="0"/>
-              <a:t>becomes out of date</a:t>
-            </a:r>
-            <a:endParaRPr lang="en-US" sz="1200" u="sng" dirty="0">
-              <a:solidFill>
-                <a:srgbClr val="0000FF"/>
-              </a:solidFill>
-            </a:endParaRPr>
-          </a:p>
-          <a:p>
-            <a:endParaRPr lang="en-US" dirty="0"/>
-          </a:p>
-          <a:p>
-            <a:r>
-              <a:rPr lang="en-US" sz="1200" kern="1200" dirty="0">
-                <a:solidFill>
-                  <a:schemeClr val="tx1"/>
-                </a:solidFill>
-                <a:latin typeface="+mn-lt"/>
-                <a:ea typeface="+mn-ea"/>
-                <a:cs typeface="+mn-cs"/>
-              </a:rPr>
-              <a:t>Tips for managing a hierarchical</a:t>
-            </a:r>
-          </a:p>
-          <a:p>
-            <a:r>
-              <a:rPr lang="en-US" sz="1200" kern="1200" dirty="0">
-                <a:solidFill>
-                  <a:schemeClr val="tx1"/>
-                </a:solidFill>
-                <a:latin typeface="+mn-lt"/>
-                <a:ea typeface="+mn-ea"/>
-                <a:cs typeface="+mn-cs"/>
-              </a:rPr>
-              <a:t>system</a:t>
-            </a:r>
-          </a:p>
-          <a:p>
-            <a:r>
-              <a:rPr lang="en-US" sz="1200" kern="1200" dirty="0">
-                <a:solidFill>
-                  <a:schemeClr val="tx1"/>
-                </a:solidFill>
-                <a:latin typeface="+mn-lt"/>
-                <a:ea typeface="+mn-ea"/>
-                <a:cs typeface="+mn-cs"/>
-              </a:rPr>
-              <a:t>• In Windows, Windows Explorer is a good tool</a:t>
-            </a:r>
-          </a:p>
-          <a:p>
-            <a:r>
-              <a:rPr lang="en-US" sz="1200" kern="1200" dirty="0">
-                <a:solidFill>
-                  <a:schemeClr val="tx1"/>
-                </a:solidFill>
-                <a:latin typeface="+mn-lt"/>
-                <a:ea typeface="+mn-ea"/>
-                <a:cs typeface="+mn-cs"/>
-              </a:rPr>
-              <a:t>• If possible, avoid overlapping categories</a:t>
-            </a:r>
-          </a:p>
-          <a:p>
-            <a:r>
-              <a:rPr lang="en-US" sz="1200" kern="1200" dirty="0">
-                <a:solidFill>
-                  <a:schemeClr val="tx1"/>
-                </a:solidFill>
-                <a:latin typeface="+mn-lt"/>
-                <a:ea typeface="+mn-ea"/>
-                <a:cs typeface="+mn-cs"/>
-              </a:rPr>
-              <a:t>– Find other ways of linking items</a:t>
-            </a:r>
-          </a:p>
-          <a:p>
-            <a:r>
-              <a:rPr lang="en-US" sz="1200" kern="1200" dirty="0">
-                <a:solidFill>
-                  <a:schemeClr val="tx1"/>
-                </a:solidFill>
-                <a:latin typeface="+mn-lt"/>
-                <a:ea typeface="+mn-ea"/>
-                <a:cs typeface="+mn-cs"/>
-              </a:rPr>
-              <a:t>• Don’t let your folders get too big – or</a:t>
-            </a:r>
-          </a:p>
-          <a:p>
-            <a:r>
-              <a:rPr lang="en-US" sz="1200" kern="1200" dirty="0">
-                <a:solidFill>
-                  <a:schemeClr val="tx1"/>
-                </a:solidFill>
-                <a:latin typeface="+mn-lt"/>
-                <a:ea typeface="+mn-ea"/>
-                <a:cs typeface="+mn-cs"/>
-              </a:rPr>
-              <a:t>your structure get too deep</a:t>
-            </a:r>
-          </a:p>
-          <a:p>
-            <a:r>
-              <a:rPr lang="en-US" sz="1200" kern="1200" dirty="0">
-                <a:solidFill>
-                  <a:schemeClr val="tx1"/>
-                </a:solidFill>
-                <a:latin typeface="+mn-lt"/>
-                <a:ea typeface="+mn-ea"/>
-                <a:cs typeface="+mn-cs"/>
-              </a:rPr>
-              <a:t>– Create separate folders for older (no longer</a:t>
-            </a:r>
-          </a:p>
-          <a:p>
-            <a:r>
-              <a:rPr lang="en-US" sz="1200" kern="1200" dirty="0">
-                <a:solidFill>
-                  <a:schemeClr val="tx1"/>
-                </a:solidFill>
-                <a:latin typeface="+mn-lt"/>
-                <a:ea typeface="+mn-ea"/>
-                <a:cs typeface="+mn-cs"/>
-              </a:rPr>
-              <a:t>active) material</a:t>
-            </a:r>
+              <a:rPr lang="en-US" dirty="0"/>
+              <a:t>Why file organization of your research data is important</a:t>
+            </a:r>
+          </a:p>
+          <a:p>
+            <a:r>
+              <a:rPr lang="en-US" dirty="0"/>
+              <a:t>Specific techniques for organizing your research data,</a:t>
+            </a:r>
+          </a:p>
+          <a:p>
+            <a:r>
+              <a:rPr lang="en-US" dirty="0"/>
+              <a:t>including developing plans for:</a:t>
+            </a:r>
+          </a:p>
+          <a:p>
+            <a:r>
+              <a:rPr lang="en-US" dirty="0"/>
+              <a:t>– File structures - where to put data so you won’t lose it</a:t>
+            </a:r>
+          </a:p>
+          <a:p>
+            <a:r>
+              <a:rPr lang="en-US" dirty="0"/>
+              <a:t>(including tips on embedding </a:t>
+            </a:r>
+            <a:r>
+              <a:rPr lang="en-US" u="sng" dirty="0"/>
+              <a:t>metadata)</a:t>
+            </a:r>
+          </a:p>
+          <a:p>
+            <a:r>
+              <a:rPr lang="en-US" dirty="0"/>
+              <a:t>– File naming - what to call data so you know what it is</a:t>
+            </a:r>
+          </a:p>
+          <a:p>
+            <a:r>
+              <a:rPr lang="en-US" dirty="0"/>
+              <a:t>– A bit on version control - keeping track of data</a:t>
+            </a:r>
+          </a:p>
+          <a:p>
+            <a:r>
+              <a:rPr lang="en-US" dirty="0"/>
+              <a:t>• Will also include opportunities for:</a:t>
+            </a:r>
+          </a:p>
+          <a:p>
+            <a:r>
+              <a:rPr lang="en-US" dirty="0"/>
+              <a:t>– Small group discussion</a:t>
+            </a:r>
+          </a:p>
+          <a:p>
+            <a:r>
+              <a:rPr lang="en-US" dirty="0"/>
+              <a:t>– Exercise for organizing your own data</a:t>
+            </a:r>
+          </a:p>
+          <a:p>
+            <a:r>
+              <a:rPr lang="en-US" dirty="0"/>
+              <a:t>• Focuses on research data, but applies to other types of files as well</a:t>
+            </a:r>
+          </a:p>
+          <a:p>
             <a:endParaRPr lang="en-US" dirty="0"/>
           </a:p>
         </p:txBody>
@@ -2132,533 +2502,6 @@
             <a:fld id="{B4AC918C-6F91-DF42-885D-FB52621DA1E3}" type="slidenum">
               <a:rPr lang="en-US" smtClean="0"/>
               <a:t>19</a:t>
-            </a:fld>
-            <a:endParaRPr lang="en-US"/>
-          </a:p>
-        </p:txBody>
-      </p:sp>
-    </p:spTree>
-    <p:extLst>
-      <p:ext uri="{BB962C8B-B14F-4D97-AF65-F5344CB8AC3E}">
-        <p14:creationId xmlns:p14="http://schemas.microsoft.com/office/powerpoint/2010/main" val="901667478"/>
-      </p:ext>
-    </p:extLst>
-  </p:cSld>
-  <p:clrMapOvr>
-    <a:masterClrMapping/>
-  </p:clrMapOvr>
-</p:notes>
-</file>
-
-<file path=ppt/notesSlides/notesSlide19.xml><?xml version="1.0" encoding="utf-8"?>
-<p:notes xmlns:a="http://schemas.openxmlformats.org/drawingml/2006/main" xmlns:r="http://schemas.openxmlformats.org/officeDocument/2006/relationships" xmlns:p="http://schemas.openxmlformats.org/presentationml/2006/main">
-  <p:cSld>
-    <p:spTree>
-      <p:nvGrpSpPr>
-        <p:cNvPr id="1" name=""/>
-        <p:cNvGrpSpPr/>
-        <p:nvPr/>
-      </p:nvGrpSpPr>
-      <p:grpSpPr>
-        <a:xfrm>
-          <a:off x="0" y="0"/>
-          <a:ext cx="0" cy="0"/>
-          <a:chOff x="0" y="0"/>
-          <a:chExt cx="0" cy="0"/>
-        </a:xfrm>
-      </p:grpSpPr>
-      <p:sp>
-        <p:nvSpPr>
-          <p:cNvPr id="2" name="Slide Image Placeholder 1"/>
-          <p:cNvSpPr>
-            <a:spLocks noGrp="1" noRot="1" noChangeAspect="1"/>
-          </p:cNvSpPr>
-          <p:nvPr>
-            <p:ph type="sldImg"/>
-          </p:nvPr>
-        </p:nvSpPr>
-        <p:spPr/>
-      </p:sp>
-      <p:sp>
-        <p:nvSpPr>
-          <p:cNvPr id="3" name="Notes Placeholder 2"/>
-          <p:cNvSpPr>
-            <a:spLocks noGrp="1"/>
-          </p:cNvSpPr>
-          <p:nvPr>
-            <p:ph type="body" idx="1"/>
-          </p:nvPr>
-        </p:nvSpPr>
-        <p:spPr/>
-        <p:txBody>
-          <a:bodyPr/>
-          <a:lstStyle/>
-          <a:p>
-            <a:r>
-              <a:rPr lang="en-US" sz="1200" kern="1200" dirty="0">
-                <a:solidFill>
-                  <a:schemeClr val="tx1"/>
-                </a:solidFill>
-                <a:latin typeface="+mn-lt"/>
-                <a:ea typeface="+mn-ea"/>
-                <a:cs typeface="+mn-cs"/>
-              </a:rPr>
-              <a:t>Tag-based systems: benefits</a:t>
-            </a:r>
-          </a:p>
-          <a:p>
-            <a:r>
-              <a:rPr lang="en-US" sz="1200" kern="1200" dirty="0">
-                <a:solidFill>
-                  <a:schemeClr val="tx1"/>
-                </a:solidFill>
-                <a:latin typeface="+mn-lt"/>
-                <a:ea typeface="+mn-ea"/>
-                <a:cs typeface="+mn-cs"/>
-              </a:rPr>
-              <a:t>• Items can go in more than one category</a:t>
-            </a:r>
-          </a:p>
-          <a:p>
-            <a:r>
-              <a:rPr lang="en-US" sz="1200" kern="1200" dirty="0">
-                <a:solidFill>
-                  <a:schemeClr val="tx1"/>
-                </a:solidFill>
-                <a:latin typeface="+mn-lt"/>
-                <a:ea typeface="+mn-ea"/>
-                <a:cs typeface="+mn-cs"/>
-              </a:rPr>
-              <a:t>– Moreover, multiple types of category can be used</a:t>
-            </a:r>
-          </a:p>
-          <a:p>
-            <a:r>
-              <a:rPr lang="en-US" sz="1200" kern="1200" dirty="0">
-                <a:solidFill>
-                  <a:schemeClr val="tx1"/>
-                </a:solidFill>
-                <a:latin typeface="+mn-lt"/>
-                <a:ea typeface="+mn-ea"/>
-                <a:cs typeface="+mn-cs"/>
-              </a:rPr>
-              <a:t>• Many people find tagging quicker and easier</a:t>
-            </a:r>
-          </a:p>
-          <a:p>
-            <a:r>
-              <a:rPr lang="en-US" sz="1200" kern="1200" dirty="0">
-                <a:solidFill>
-                  <a:schemeClr val="tx1"/>
-                </a:solidFill>
-                <a:latin typeface="+mn-lt"/>
-                <a:ea typeface="+mn-ea"/>
-                <a:cs typeface="+mn-cs"/>
-              </a:rPr>
-              <a:t>than hierarchical filing</a:t>
-            </a:r>
-          </a:p>
-          <a:p>
-            <a:r>
-              <a:rPr lang="en-US" sz="1200" kern="1200" dirty="0">
-                <a:solidFill>
-                  <a:schemeClr val="tx1"/>
-                </a:solidFill>
-                <a:latin typeface="+mn-lt"/>
-                <a:ea typeface="+mn-ea"/>
-                <a:cs typeface="+mn-cs"/>
-              </a:rPr>
-              <a:t>• When collaborating, can be easier to combine</a:t>
-            </a:r>
-          </a:p>
-          <a:p>
-            <a:r>
-              <a:rPr lang="en-US" sz="1200" kern="1200" dirty="0">
-                <a:solidFill>
-                  <a:schemeClr val="tx1"/>
-                </a:solidFill>
-                <a:latin typeface="+mn-lt"/>
-                <a:ea typeface="+mn-ea"/>
-                <a:cs typeface="+mn-cs"/>
-              </a:rPr>
-              <a:t>than hierarchical systems</a:t>
-            </a:r>
-          </a:p>
-          <a:p>
-            <a:r>
-              <a:rPr lang="en-US" sz="1200" kern="1200" dirty="0">
-                <a:solidFill>
-                  <a:schemeClr val="tx1"/>
-                </a:solidFill>
-                <a:latin typeface="+mn-lt"/>
-                <a:ea typeface="+mn-ea"/>
-                <a:cs typeface="+mn-cs"/>
-              </a:rPr>
-              <a:t>14</a:t>
-            </a:r>
-          </a:p>
-          <a:p>
-            <a:r>
-              <a:rPr lang="en-US" sz="1200" kern="1200" dirty="0">
-                <a:solidFill>
-                  <a:schemeClr val="tx1"/>
-                </a:solidFill>
-                <a:latin typeface="+mn-lt"/>
-                <a:ea typeface="+mn-ea"/>
-                <a:cs typeface="+mn-cs"/>
-              </a:rPr>
-              <a:t>Tag-based systems: drawbacks</a:t>
-            </a:r>
-          </a:p>
-          <a:p>
-            <a:r>
-              <a:rPr lang="en-US" sz="1200" kern="1200" dirty="0">
-                <a:solidFill>
-                  <a:schemeClr val="tx1"/>
-                </a:solidFill>
-                <a:latin typeface="+mn-lt"/>
-                <a:ea typeface="+mn-ea"/>
-                <a:cs typeface="+mn-cs"/>
-              </a:rPr>
-              <a:t>• Not how operating systems store files</a:t>
-            </a:r>
-          </a:p>
-          <a:p>
-            <a:r>
-              <a:rPr lang="en-US" sz="1200" kern="1200" dirty="0">
-                <a:solidFill>
-                  <a:schemeClr val="tx1"/>
-                </a:solidFill>
-                <a:latin typeface="+mn-lt"/>
-                <a:ea typeface="+mn-ea"/>
-                <a:cs typeface="+mn-cs"/>
-              </a:rPr>
-              <a:t>• If material isn’t tagged properly when first</a:t>
-            </a:r>
-          </a:p>
-          <a:p>
-            <a:r>
-              <a:rPr lang="en-US" sz="1200" kern="1200" dirty="0">
-                <a:solidFill>
-                  <a:schemeClr val="tx1"/>
-                </a:solidFill>
-                <a:latin typeface="+mn-lt"/>
-                <a:ea typeface="+mn-ea"/>
-                <a:cs typeface="+mn-cs"/>
-              </a:rPr>
-              <a:t>acquired, it can be hard to find later</a:t>
-            </a:r>
-          </a:p>
-          <a:p>
-            <a:r>
-              <a:rPr lang="en-US" sz="1200" kern="1200" dirty="0">
-                <a:solidFill>
-                  <a:schemeClr val="tx1"/>
-                </a:solidFill>
-                <a:latin typeface="+mn-lt"/>
-                <a:ea typeface="+mn-ea"/>
-                <a:cs typeface="+mn-cs"/>
-              </a:rPr>
-              <a:t>• There’s a risk of inconsistent tagging</a:t>
-            </a:r>
-          </a:p>
-          <a:p>
-            <a:r>
-              <a:rPr lang="en-US" sz="1200" kern="1200" dirty="0">
-                <a:solidFill>
-                  <a:schemeClr val="tx1"/>
-                </a:solidFill>
-                <a:latin typeface="+mn-lt"/>
-                <a:ea typeface="+mn-ea"/>
-                <a:cs typeface="+mn-cs"/>
-              </a:rPr>
-              <a:t>• And of similarly named categories getting</a:t>
-            </a:r>
-          </a:p>
-          <a:p>
-            <a:r>
-              <a:rPr lang="en-US" sz="1200" kern="1200" dirty="0">
-                <a:solidFill>
-                  <a:schemeClr val="tx1"/>
-                </a:solidFill>
-                <a:latin typeface="+mn-lt"/>
-                <a:ea typeface="+mn-ea"/>
-                <a:cs typeface="+mn-cs"/>
-              </a:rPr>
-              <a:t>mixed</a:t>
-            </a:r>
-          </a:p>
-          <a:p>
-            <a:r>
-              <a:rPr lang="en-US" sz="1200" kern="1200" dirty="0">
-                <a:solidFill>
-                  <a:schemeClr val="tx1"/>
-                </a:solidFill>
-                <a:latin typeface="+mn-lt"/>
-                <a:ea typeface="+mn-ea"/>
-                <a:cs typeface="+mn-cs"/>
-              </a:rPr>
-              <a:t>• Less good at representing the structure of</a:t>
-            </a:r>
-          </a:p>
-          <a:p>
-            <a:r>
-              <a:rPr lang="en-US" sz="1200" kern="1200" dirty="0">
-                <a:solidFill>
-                  <a:schemeClr val="tx1"/>
-                </a:solidFill>
-                <a:latin typeface="+mn-lt"/>
-                <a:ea typeface="+mn-ea"/>
-                <a:cs typeface="+mn-cs"/>
-              </a:rPr>
-              <a:t>information</a:t>
-            </a:r>
-          </a:p>
-          <a:p>
-            <a:endParaRPr lang="en-US" dirty="0"/>
-          </a:p>
-          <a:p>
-            <a:r>
-              <a:rPr lang="en-US" sz="1200" kern="1200" dirty="0">
-                <a:solidFill>
-                  <a:schemeClr val="tx1"/>
-                </a:solidFill>
-                <a:latin typeface="+mn-lt"/>
-                <a:ea typeface="+mn-ea"/>
-                <a:cs typeface="+mn-cs"/>
-              </a:rPr>
-              <a:t>Creating a tag-based system</a:t>
-            </a:r>
-          </a:p>
-          <a:p>
-            <a:r>
-              <a:rPr lang="en-US" sz="1200" kern="1200" dirty="0">
-                <a:solidFill>
-                  <a:schemeClr val="tx1"/>
-                </a:solidFill>
-                <a:latin typeface="+mn-lt"/>
-                <a:ea typeface="+mn-ea"/>
-                <a:cs typeface="+mn-cs"/>
-              </a:rPr>
-              <a:t>• Possible tools include:</a:t>
-            </a:r>
-          </a:p>
-          <a:p>
-            <a:r>
-              <a:rPr lang="en-US" sz="1200" kern="1200" dirty="0">
-                <a:solidFill>
-                  <a:schemeClr val="tx1"/>
-                </a:solidFill>
-                <a:latin typeface="+mn-lt"/>
-                <a:ea typeface="+mn-ea"/>
-                <a:cs typeface="+mn-cs"/>
-              </a:rPr>
-              <a:t>• Bibliographic software</a:t>
-            </a:r>
-          </a:p>
-          <a:p>
-            <a:r>
-              <a:rPr lang="en-US" sz="1200" kern="1200" dirty="0">
-                <a:solidFill>
-                  <a:schemeClr val="tx1"/>
-                </a:solidFill>
-                <a:latin typeface="+mn-lt"/>
-                <a:ea typeface="+mn-ea"/>
-                <a:cs typeface="+mn-cs"/>
-              </a:rPr>
-              <a:t>– EndNote, </a:t>
-            </a:r>
-            <a:r>
-              <a:rPr lang="en-US" sz="1200" u="sng" kern="1200" dirty="0" err="1">
-                <a:solidFill>
-                  <a:schemeClr val="tx1"/>
-                </a:solidFill>
-                <a:latin typeface="+mn-lt"/>
-                <a:ea typeface="+mn-ea"/>
-                <a:cs typeface="+mn-cs"/>
-              </a:rPr>
-              <a:t>Zotero</a:t>
-            </a:r>
-            <a:r>
-              <a:rPr lang="en-US" sz="1200" u="sng" kern="1200" dirty="0">
-                <a:solidFill>
-                  <a:schemeClr val="tx1"/>
-                </a:solidFill>
-                <a:latin typeface="+mn-lt"/>
-                <a:ea typeface="+mn-ea"/>
-                <a:cs typeface="+mn-cs"/>
-              </a:rPr>
-              <a:t>, </a:t>
-            </a:r>
-            <a:r>
-              <a:rPr lang="en-US" sz="1200" u="sng" kern="1200" dirty="0" err="1">
-                <a:solidFill>
-                  <a:schemeClr val="tx1"/>
-                </a:solidFill>
-                <a:latin typeface="+mn-lt"/>
-                <a:ea typeface="+mn-ea"/>
-                <a:cs typeface="+mn-cs"/>
-              </a:rPr>
-              <a:t>Mendeley</a:t>
-            </a:r>
-            <a:r>
-              <a:rPr lang="en-US" sz="1200" u="sng" kern="1200" dirty="0">
-                <a:solidFill>
-                  <a:schemeClr val="tx1"/>
-                </a:solidFill>
-                <a:latin typeface="+mn-lt"/>
-                <a:ea typeface="+mn-ea"/>
-                <a:cs typeface="+mn-cs"/>
-              </a:rPr>
-              <a:t>...</a:t>
-            </a:r>
-          </a:p>
-          <a:p>
-            <a:r>
-              <a:rPr lang="en-US" sz="1200" kern="1200" dirty="0">
-                <a:solidFill>
-                  <a:schemeClr val="tx1"/>
-                </a:solidFill>
-                <a:latin typeface="+mn-lt"/>
-                <a:ea typeface="+mn-ea"/>
-                <a:cs typeface="+mn-cs"/>
-              </a:rPr>
-              <a:t>• Image management programs</a:t>
-            </a:r>
-          </a:p>
-          <a:p>
-            <a:r>
-              <a:rPr lang="en-US" sz="1200" kern="1200" dirty="0">
-                <a:solidFill>
-                  <a:schemeClr val="tx1"/>
-                </a:solidFill>
-                <a:latin typeface="+mn-lt"/>
-                <a:ea typeface="+mn-ea"/>
-                <a:cs typeface="+mn-cs"/>
-              </a:rPr>
-              <a:t>– </a:t>
-            </a:r>
-            <a:r>
-              <a:rPr lang="en-US" sz="1200" u="sng" kern="1200" dirty="0">
-                <a:solidFill>
-                  <a:schemeClr val="tx1"/>
-                </a:solidFill>
-                <a:latin typeface="+mn-lt"/>
-                <a:ea typeface="+mn-ea"/>
-                <a:cs typeface="+mn-cs"/>
-              </a:rPr>
-              <a:t>Flickr, Picasa...</a:t>
-            </a:r>
-          </a:p>
-          <a:p>
-            <a:r>
-              <a:rPr lang="en-US" sz="1200" kern="1200" dirty="0">
-                <a:solidFill>
-                  <a:schemeClr val="tx1"/>
-                </a:solidFill>
-                <a:latin typeface="+mn-lt"/>
-                <a:ea typeface="+mn-ea"/>
-                <a:cs typeface="+mn-cs"/>
-              </a:rPr>
-              <a:t>• Google tools</a:t>
-            </a:r>
-          </a:p>
-          <a:p>
-            <a:r>
-              <a:rPr lang="en-US" sz="1200" kern="1200" dirty="0">
-                <a:solidFill>
-                  <a:schemeClr val="tx1"/>
-                </a:solidFill>
-                <a:latin typeface="+mn-lt"/>
-                <a:ea typeface="+mn-ea"/>
-                <a:cs typeface="+mn-cs"/>
-              </a:rPr>
-              <a:t>• See our guide to Tagging and Finding Your</a:t>
-            </a:r>
-          </a:p>
-          <a:p>
-            <a:r>
-              <a:rPr lang="en-US" sz="1200" kern="1200" dirty="0">
-                <a:solidFill>
-                  <a:schemeClr val="tx1"/>
-                </a:solidFill>
-                <a:latin typeface="+mn-lt"/>
-                <a:ea typeface="+mn-ea"/>
-                <a:cs typeface="+mn-cs"/>
-              </a:rPr>
-              <a:t>Files: http://</a:t>
-            </a:r>
-            <a:r>
-              <a:rPr lang="en-US" sz="1200" kern="1200" dirty="0" err="1">
-                <a:solidFill>
-                  <a:schemeClr val="tx1"/>
-                </a:solidFill>
-                <a:latin typeface="+mn-lt"/>
-                <a:ea typeface="+mn-ea"/>
-                <a:cs typeface="+mn-cs"/>
-              </a:rPr>
-              <a:t>libguides.mit.edu</a:t>
-            </a:r>
-            <a:r>
-              <a:rPr lang="en-US" sz="1200" kern="1200" dirty="0">
-                <a:solidFill>
-                  <a:schemeClr val="tx1"/>
-                </a:solidFill>
-                <a:latin typeface="+mn-lt"/>
-                <a:ea typeface="+mn-ea"/>
-                <a:cs typeface="+mn-cs"/>
-              </a:rPr>
-              <a:t>/</a:t>
-            </a:r>
-            <a:r>
-              <a:rPr lang="en-US" sz="1200" kern="1200" dirty="0" err="1">
-                <a:solidFill>
-                  <a:schemeClr val="tx1"/>
-                </a:solidFill>
-                <a:latin typeface="+mn-lt"/>
-                <a:ea typeface="+mn-ea"/>
-                <a:cs typeface="+mn-cs"/>
-              </a:rPr>
-              <a:t>metadataTools</a:t>
-            </a:r>
-            <a:r>
-              <a:rPr lang="en-US" sz="1200" kern="1200" dirty="0">
-                <a:solidFill>
-                  <a:schemeClr val="tx1"/>
-                </a:solidFill>
-                <a:latin typeface="+mn-lt"/>
-                <a:ea typeface="+mn-ea"/>
-                <a:cs typeface="+mn-cs"/>
-              </a:rPr>
-              <a:t>/</a:t>
-            </a:r>
-          </a:p>
-          <a:p>
-            <a:endParaRPr lang="en-US" dirty="0"/>
-          </a:p>
-          <a:p>
-            <a:endParaRPr lang="en-US" dirty="0"/>
-          </a:p>
-        </p:txBody>
-      </p:sp>
-      <p:sp>
-        <p:nvSpPr>
-          <p:cNvPr id="4" name="Slide Number Placeholder 3"/>
-          <p:cNvSpPr>
-            <a:spLocks noGrp="1"/>
-          </p:cNvSpPr>
-          <p:nvPr>
-            <p:ph type="sldNum" sz="quarter" idx="10"/>
-          </p:nvPr>
-        </p:nvSpPr>
-        <p:spPr/>
-        <p:txBody>
-          <a:bodyPr/>
-          <a:lstStyle/>
-          <a:p>
-            <a:fld id="{B4AC918C-6F91-DF42-885D-FB52621DA1E3}" type="slidenum">
-              <a:rPr lang="en-US" smtClean="0"/>
-              <a:t>20</a:t>
             </a:fld>
             <a:endParaRPr lang="en-US"/>
           </a:p>
@@ -2722,72 +2565,39 @@
           <a:lstStyle/>
           <a:p>
             <a:r>
-              <a:rPr lang="en-US" dirty="0"/>
-              <a:t>Why file organization of your research data is important</a:t>
-            </a:r>
-          </a:p>
-          <a:p>
-            <a:r>
-              <a:rPr lang="en-US" dirty="0"/>
-              <a:t>Specific techniques for organizing your research data,</a:t>
-            </a:r>
-          </a:p>
-          <a:p>
-            <a:r>
-              <a:rPr lang="en-US" dirty="0"/>
-              <a:t>including developing plans for:</a:t>
-            </a:r>
-          </a:p>
-          <a:p>
-            <a:r>
-              <a:rPr lang="en-US" dirty="0"/>
-              <a:t>– File structures - where to put data so you won’t lose it</a:t>
-            </a:r>
-          </a:p>
-          <a:p>
-            <a:r>
-              <a:rPr lang="en-US" dirty="0"/>
-              <a:t>(including tips on embedding </a:t>
-            </a:r>
-            <a:r>
-              <a:rPr lang="en-US" u="sng" dirty="0"/>
-              <a:t>metadata)</a:t>
-            </a:r>
-          </a:p>
-          <a:p>
-            <a:r>
-              <a:rPr lang="en-US" dirty="0"/>
-              <a:t>– File naming - what to call data so you know what it is</a:t>
-            </a:r>
-          </a:p>
-          <a:p>
-            <a:r>
-              <a:rPr lang="en-US" dirty="0"/>
-              <a:t>– A bit on version control - keeping track of data</a:t>
-            </a:r>
-          </a:p>
-          <a:p>
-            <a:r>
-              <a:rPr lang="en-US" dirty="0"/>
-              <a:t>• Will also include opportunities for:</a:t>
-            </a:r>
-          </a:p>
-          <a:p>
-            <a:r>
-              <a:rPr lang="en-US" dirty="0"/>
-              <a:t>– Small group discussion</a:t>
-            </a:r>
-          </a:p>
-          <a:p>
-            <a:r>
-              <a:rPr lang="en-US" dirty="0"/>
-              <a:t>– Exercise for organizing your own data</a:t>
-            </a:r>
-          </a:p>
-          <a:p>
-            <a:r>
-              <a:rPr lang="en-US" dirty="0"/>
-              <a:t>• Focuses on research data, but applies to other types of files as well</a:t>
+              <a:rPr lang="en-US" sz="1200" kern="1200" dirty="0">
+                <a:solidFill>
+                  <a:schemeClr val="tx1"/>
+                </a:solidFill>
+                <a:latin typeface="+mn-lt"/>
+                <a:ea typeface="+mn-ea"/>
+                <a:cs typeface="+mn-cs"/>
+              </a:rPr>
+              <a:t>- Diagram to explain when to collect and how the data is used through the project etc..</a:t>
+            </a:r>
+          </a:p>
+          <a:p>
+            <a:r>
+              <a:rPr lang="en-US" sz="1200" kern="1200" dirty="0">
+                <a:solidFill>
+                  <a:schemeClr val="tx1"/>
+                </a:solidFill>
+                <a:latin typeface="+mn-lt"/>
+                <a:ea typeface="+mn-ea"/>
+                <a:cs typeface="+mn-cs"/>
+              </a:rPr>
+              <a:t>- Data management plan, </a:t>
+            </a:r>
+            <a:r>
+              <a:rPr lang="en-US" sz="1200" u="sng" kern="1200" dirty="0">
+                <a:solidFill>
+                  <a:schemeClr val="tx1"/>
+                </a:solidFill>
+                <a:latin typeface="+mn-lt"/>
+                <a:ea typeface="+mn-ea"/>
+                <a:cs typeface="+mn-cs"/>
+              </a:rPr>
+              <a:t>checklist</a:t>
             </a:r>
           </a:p>
           <a:p>
@@ -2813,314 +2623,6 @@
             <a:fld id="{B4AC918C-6F91-DF42-885D-FB52621DA1E3}" type="slidenum">
               <a:rPr lang="en-US" smtClean="0"/>
               <a:t>3</a:t>
-            </a:fld>
-            <a:endParaRPr lang="en-US"/>
-          </a:p>
-        </p:txBody>
-      </p:sp>
-    </p:spTree>
-    <p:extLst>
-      <p:ext uri="{BB962C8B-B14F-4D97-AF65-F5344CB8AC3E}">
-        <p14:creationId xmlns:p14="http://schemas.microsoft.com/office/powerpoint/2010/main" val="901667478"/>
-      </p:ext>
-    </p:extLst>
-  </p:cSld>
-  <p:clrMapOvr>
-    <a:masterClrMapping/>
-  </p:clrMapOvr>
-</p:notes>
-</file>
-
-<file path=ppt/notesSlides/notesSlide20.xml><?xml version="1.0" encoding="utf-8"?>
-<p:notes xmlns:a="http://schemas.openxmlformats.org/drawingml/2006/main" xmlns:r="http://schemas.openxmlformats.org/officeDocument/2006/relationships" xmlns:p="http://schemas.openxmlformats.org/presentationml/2006/main">
-  <p:cSld>
-    <p:spTree>
-      <p:nvGrpSpPr>
-        <p:cNvPr id="1" name=""/>
-        <p:cNvGrpSpPr/>
-        <p:nvPr/>
-      </p:nvGrpSpPr>
-      <p:grpSpPr>
-        <a:xfrm>
-          <a:off x="0" y="0"/>
-          <a:ext cx="0" cy="0"/>
-          <a:chOff x="0" y="0"/>
-          <a:chExt cx="0" cy="0"/>
-        </a:xfrm>
-      </p:grpSpPr>
-      <p:sp>
-        <p:nvSpPr>
-          <p:cNvPr id="2" name="Slide Image Placeholder 1"/>
-          <p:cNvSpPr>
-            <a:spLocks noGrp="1" noRot="1" noChangeAspect="1"/>
-          </p:cNvSpPr>
-          <p:nvPr>
-            <p:ph type="sldImg"/>
-          </p:nvPr>
-        </p:nvSpPr>
-        <p:spPr/>
-      </p:sp>
-      <p:sp>
-        <p:nvSpPr>
-          <p:cNvPr id="3" name="Notes Placeholder 2"/>
-          <p:cNvSpPr>
-            <a:spLocks noGrp="1"/>
-          </p:cNvSpPr>
-          <p:nvPr>
-            <p:ph type="body" idx="1"/>
-          </p:nvPr>
-        </p:nvSpPr>
-        <p:spPr/>
-        <p:txBody>
-          <a:bodyPr/>
-          <a:lstStyle/>
-          <a:p>
-            <a:r>
-              <a:rPr lang="en-US" dirty="0"/>
-              <a:t>Why file organization of your research data is important</a:t>
-            </a:r>
-          </a:p>
-          <a:p>
-            <a:r>
-              <a:rPr lang="en-US" dirty="0"/>
-              <a:t>Specific techniques for organizing your research data,</a:t>
-            </a:r>
-          </a:p>
-          <a:p>
-            <a:r>
-              <a:rPr lang="en-US" dirty="0"/>
-              <a:t>including developing plans for:</a:t>
-            </a:r>
-          </a:p>
-          <a:p>
-            <a:r>
-              <a:rPr lang="en-US" dirty="0"/>
-              <a:t>– File structures - where to put data so you won’t lose it</a:t>
-            </a:r>
-          </a:p>
-          <a:p>
-            <a:r>
-              <a:rPr lang="en-US" dirty="0"/>
-              <a:t>(including tips on embedding </a:t>
-            </a:r>
-            <a:r>
-              <a:rPr lang="en-US" u="sng" dirty="0"/>
-              <a:t>metadata)</a:t>
-            </a:r>
-          </a:p>
-          <a:p>
-            <a:r>
-              <a:rPr lang="en-US" dirty="0"/>
-              <a:t>– File naming - what to call data so you know what it is</a:t>
-            </a:r>
-          </a:p>
-          <a:p>
-            <a:r>
-              <a:rPr lang="en-US" dirty="0"/>
-              <a:t>– A bit on version control - keeping track of data</a:t>
-            </a:r>
-          </a:p>
-          <a:p>
-            <a:r>
-              <a:rPr lang="en-US" dirty="0"/>
-              <a:t>• Will also include opportunities for:</a:t>
-            </a:r>
-          </a:p>
-          <a:p>
-            <a:r>
-              <a:rPr lang="en-US" dirty="0"/>
-              <a:t>– Small group discussion</a:t>
-            </a:r>
-          </a:p>
-          <a:p>
-            <a:r>
-              <a:rPr lang="en-US" dirty="0"/>
-              <a:t>– Exercise for organizing your own data</a:t>
-            </a:r>
-          </a:p>
-          <a:p>
-            <a:r>
-              <a:rPr lang="en-US" dirty="0"/>
-              <a:t>• Focuses on research data, but applies to other types of files as well</a:t>
-            </a:r>
-          </a:p>
-          <a:p>
-            <a:endParaRPr lang="en-US" dirty="0"/>
-          </a:p>
-        </p:txBody>
-      </p:sp>
-      <p:sp>
-        <p:nvSpPr>
-          <p:cNvPr id="4" name="Slide Number Placeholder 3"/>
-          <p:cNvSpPr>
-            <a:spLocks noGrp="1"/>
-          </p:cNvSpPr>
-          <p:nvPr>
-            <p:ph type="sldNum" sz="quarter" idx="10"/>
-          </p:nvPr>
-        </p:nvSpPr>
-        <p:spPr/>
-        <p:txBody>
-          <a:bodyPr/>
-          <a:lstStyle/>
-          <a:p>
-            <a:fld id="{B4AC918C-6F91-DF42-885D-FB52621DA1E3}" type="slidenum">
-              <a:rPr lang="en-US" smtClean="0"/>
-              <a:t>21</a:t>
-            </a:fld>
-            <a:endParaRPr lang="en-US"/>
-          </a:p>
-        </p:txBody>
-      </p:sp>
-    </p:spTree>
-    <p:extLst>
-      <p:ext uri="{BB962C8B-B14F-4D97-AF65-F5344CB8AC3E}">
-        <p14:creationId xmlns:p14="http://schemas.microsoft.com/office/powerpoint/2010/main" val="508783295"/>
-      </p:ext>
-    </p:extLst>
-  </p:cSld>
-  <p:clrMapOvr>
-    <a:masterClrMapping/>
-  </p:clrMapOvr>
-</p:notes>
-</file>
-
-<file path=ppt/notesSlides/notesSlide21.xml><?xml version="1.0" encoding="utf-8"?>
-<p:notes xmlns:a="http://schemas.openxmlformats.org/drawingml/2006/main" xmlns:r="http://schemas.openxmlformats.org/officeDocument/2006/relationships" xmlns:p="http://schemas.openxmlformats.org/presentationml/2006/main">
-  <p:cSld>
-    <p:spTree>
-      <p:nvGrpSpPr>
-        <p:cNvPr id="1" name=""/>
-        <p:cNvGrpSpPr/>
-        <p:nvPr/>
-      </p:nvGrpSpPr>
-      <p:grpSpPr>
-        <a:xfrm>
-          <a:off x="0" y="0"/>
-          <a:ext cx="0" cy="0"/>
-          <a:chOff x="0" y="0"/>
-          <a:chExt cx="0" cy="0"/>
-        </a:xfrm>
-      </p:grpSpPr>
-      <p:sp>
-        <p:nvSpPr>
-          <p:cNvPr id="2" name="Slide Image Placeholder 1"/>
-          <p:cNvSpPr>
-            <a:spLocks noGrp="1" noRot="1" noChangeAspect="1"/>
-          </p:cNvSpPr>
-          <p:nvPr>
-            <p:ph type="sldImg"/>
-          </p:nvPr>
-        </p:nvSpPr>
-        <p:spPr/>
-      </p:sp>
-      <p:sp>
-        <p:nvSpPr>
-          <p:cNvPr id="3" name="Notes Placeholder 2"/>
-          <p:cNvSpPr>
-            <a:spLocks noGrp="1"/>
-          </p:cNvSpPr>
-          <p:nvPr>
-            <p:ph type="body" idx="1"/>
-          </p:nvPr>
-        </p:nvSpPr>
-        <p:spPr/>
-        <p:txBody>
-          <a:bodyPr/>
-          <a:lstStyle/>
-          <a:p>
-            <a:r>
-              <a:rPr lang="en-US" dirty="0"/>
-              <a:t>Why file organization of your research data is important</a:t>
-            </a:r>
-          </a:p>
-          <a:p>
-            <a:r>
-              <a:rPr lang="en-US" dirty="0"/>
-              <a:t>Specific techniques for organizing your research data,</a:t>
-            </a:r>
-          </a:p>
-          <a:p>
-            <a:r>
-              <a:rPr lang="en-US" dirty="0"/>
-              <a:t>including developing plans for:</a:t>
-            </a:r>
-          </a:p>
-          <a:p>
-            <a:r>
-              <a:rPr lang="en-US" dirty="0"/>
-              <a:t>– File structures - where to put data so you won’t lose it</a:t>
-            </a:r>
-          </a:p>
-          <a:p>
-            <a:r>
-              <a:rPr lang="en-US" dirty="0"/>
-              <a:t>(including tips on embedding </a:t>
-            </a:r>
-            <a:r>
-              <a:rPr lang="en-US" u="sng" dirty="0"/>
-              <a:t>metadata)</a:t>
-            </a:r>
-          </a:p>
-          <a:p>
-            <a:r>
-              <a:rPr lang="en-US" dirty="0"/>
-              <a:t>– File naming - what to call data so you know what it is</a:t>
-            </a:r>
-          </a:p>
-          <a:p>
-            <a:r>
-              <a:rPr lang="en-US" dirty="0"/>
-              <a:t>– A bit on version control - keeping track of data</a:t>
-            </a:r>
-          </a:p>
-          <a:p>
-            <a:r>
-              <a:rPr lang="en-US" dirty="0"/>
-              <a:t>• Will also include opportunities for:</a:t>
-            </a:r>
-          </a:p>
-          <a:p>
-            <a:r>
-              <a:rPr lang="en-US" dirty="0"/>
-              <a:t>– Small group discussion</a:t>
-            </a:r>
-          </a:p>
-          <a:p>
-            <a:r>
-              <a:rPr lang="en-US" dirty="0"/>
-              <a:t>– Exercise for organizing your own data</a:t>
-            </a:r>
-          </a:p>
-          <a:p>
-            <a:r>
-              <a:rPr lang="en-US" dirty="0"/>
-              <a:t>• Focuses on research data, but applies to other types of files as well</a:t>
-            </a:r>
-          </a:p>
-          <a:p>
-            <a:endParaRPr lang="en-US" dirty="0"/>
-          </a:p>
-        </p:txBody>
-      </p:sp>
-      <p:sp>
-        <p:nvSpPr>
-          <p:cNvPr id="4" name="Slide Number Placeholder 3"/>
-          <p:cNvSpPr>
-            <a:spLocks noGrp="1"/>
-          </p:cNvSpPr>
-          <p:nvPr>
-            <p:ph type="sldNum" sz="quarter" idx="10"/>
-          </p:nvPr>
-        </p:nvSpPr>
-        <p:spPr/>
-        <p:txBody>
-          <a:bodyPr/>
-          <a:lstStyle/>
-          <a:p>
-            <a:fld id="{B4AC918C-6F91-DF42-885D-FB52621DA1E3}" type="slidenum">
-              <a:rPr lang="en-US" smtClean="0"/>
-              <a:t>22</a:t>
             </a:fld>
             <a:endParaRPr lang="en-US"/>
           </a:p>
@@ -3184,39 +2686,72 @@
           <a:lstStyle/>
           <a:p>
             <a:r>
-              <a:rPr lang="en-US" sz="1200" kern="1200" dirty="0">
-                <a:solidFill>
-                  <a:schemeClr val="tx1"/>
-                </a:solidFill>
-                <a:latin typeface="+mn-lt"/>
-                <a:ea typeface="+mn-ea"/>
-                <a:cs typeface="+mn-cs"/>
-              </a:rPr>
-              <a:t>- Diagram to explain when to collect and how the data is used through the project etc..</a:t>
-            </a:r>
-          </a:p>
-          <a:p>
-            <a:r>
-              <a:rPr lang="en-US" sz="1200" kern="1200" dirty="0">
-                <a:solidFill>
-                  <a:schemeClr val="tx1"/>
-                </a:solidFill>
-                <a:latin typeface="+mn-lt"/>
-                <a:ea typeface="+mn-ea"/>
-                <a:cs typeface="+mn-cs"/>
-              </a:rPr>
-              <a:t>- Data management plan, </a:t>
-            </a:r>
-            <a:r>
-              <a:rPr lang="en-US" sz="1200" u="sng" kern="1200" dirty="0">
-                <a:solidFill>
-                  <a:schemeClr val="tx1"/>
-                </a:solidFill>
-                <a:latin typeface="+mn-lt"/>
-                <a:ea typeface="+mn-ea"/>
-                <a:cs typeface="+mn-cs"/>
-              </a:rPr>
-              <a:t>checklist</a:t>
+              <a:rPr lang="en-US" dirty="0"/>
+              <a:t>Why file organization of your research data is important</a:t>
+            </a:r>
+          </a:p>
+          <a:p>
+            <a:r>
+              <a:rPr lang="en-US" dirty="0"/>
+              <a:t>Specific techniques for organizing your research data,</a:t>
+            </a:r>
+          </a:p>
+          <a:p>
+            <a:r>
+              <a:rPr lang="en-US" dirty="0"/>
+              <a:t>including developing plans for:</a:t>
+            </a:r>
+          </a:p>
+          <a:p>
+            <a:r>
+              <a:rPr lang="en-US" dirty="0"/>
+              <a:t>– File structures - where to put data so you won’t lose it</a:t>
+            </a:r>
+          </a:p>
+          <a:p>
+            <a:r>
+              <a:rPr lang="en-US" dirty="0"/>
+              <a:t>(including tips on embedding </a:t>
+            </a:r>
+            <a:r>
+              <a:rPr lang="en-US" u="sng" dirty="0"/>
+              <a:t>metadata)</a:t>
+            </a:r>
+          </a:p>
+          <a:p>
+            <a:r>
+              <a:rPr lang="en-US" dirty="0"/>
+              <a:t>– File naming - what to call data so you know what it is</a:t>
+            </a:r>
+          </a:p>
+          <a:p>
+            <a:r>
+              <a:rPr lang="en-US" dirty="0"/>
+              <a:t>– A bit on version control - keeping track of data</a:t>
+            </a:r>
+          </a:p>
+          <a:p>
+            <a:r>
+              <a:rPr lang="en-US" dirty="0"/>
+              <a:t>• Will also include opportunities for:</a:t>
+            </a:r>
+          </a:p>
+          <a:p>
+            <a:r>
+              <a:rPr lang="en-US" dirty="0"/>
+              <a:t>– Small group discussion</a:t>
+            </a:r>
+          </a:p>
+          <a:p>
+            <a:r>
+              <a:rPr lang="en-US" dirty="0"/>
+              <a:t>– Exercise for organizing your own data</a:t>
+            </a:r>
+          </a:p>
+          <a:p>
+            <a:r>
+              <a:rPr lang="en-US" dirty="0"/>
+              <a:t>• Focuses on research data, but applies to other types of files as well</a:t>
             </a:r>
           </a:p>
           <a:p>
@@ -3459,73 +2994,140 @@
           <a:lstStyle/>
           <a:p>
             <a:r>
-              <a:rPr lang="en-US" dirty="0"/>
-              <a:t>Why file organization of your research data is important</a:t>
-            </a:r>
-          </a:p>
-          <a:p>
-            <a:r>
-              <a:rPr lang="en-US" dirty="0"/>
-              <a:t>Specific techniques for organizing your research data,</a:t>
-            </a:r>
-          </a:p>
-          <a:p>
-            <a:r>
-              <a:rPr lang="en-US" dirty="0"/>
-              <a:t>including developing plans for:</a:t>
-            </a:r>
-          </a:p>
-          <a:p>
-            <a:r>
-              <a:rPr lang="en-US" dirty="0"/>
-              <a:t>– File structures - where to put data so you won’t lose it</a:t>
-            </a:r>
-          </a:p>
-          <a:p>
-            <a:r>
-              <a:rPr lang="en-US" dirty="0"/>
-              <a:t>(including tips on embedding </a:t>
-            </a:r>
-            <a:r>
-              <a:rPr lang="en-US" u="sng" dirty="0"/>
-              <a:t>metadata)</a:t>
-            </a:r>
-          </a:p>
-          <a:p>
-            <a:r>
-              <a:rPr lang="en-US" dirty="0"/>
-              <a:t>– File naming - what to call data so you know what it is</a:t>
-            </a:r>
-          </a:p>
-          <a:p>
-            <a:r>
-              <a:rPr lang="en-US" dirty="0"/>
-              <a:t>– A bit on version control - keeping track of data</a:t>
-            </a:r>
-          </a:p>
-          <a:p>
-            <a:r>
-              <a:rPr lang="en-US" dirty="0"/>
-              <a:t>• Will also include opportunities for:</a:t>
-            </a:r>
-          </a:p>
-          <a:p>
-            <a:r>
-              <a:rPr lang="en-US" dirty="0"/>
-              <a:t>– Small group discussion</a:t>
-            </a:r>
-          </a:p>
-          <a:p>
-            <a:r>
-              <a:rPr lang="en-US" dirty="0"/>
-              <a:t>– Exercise for organizing your own data</a:t>
-            </a:r>
-          </a:p>
-          <a:p>
-            <a:r>
-              <a:rPr lang="en-US" dirty="0"/>
-              <a:t>• Focuses on research data, but applies to other types of files as well</a:t>
-            </a:r>
+              <a:rPr lang="en-US" sz="1200" kern="1200" dirty="0">
+                <a:solidFill>
+                  <a:schemeClr val="tx1"/>
+                </a:solidFill>
+                <a:latin typeface="+mn-lt"/>
+                <a:ea typeface="+mn-ea"/>
+                <a:cs typeface="+mn-cs"/>
+              </a:rPr>
+              <a:t>1.1 Data type and sources</a:t>
+            </a:r>
+          </a:p>
+          <a:p>
+            <a:r>
+              <a:rPr lang="en-US" sz="1200" kern="1200" dirty="0">
+                <a:solidFill>
+                  <a:schemeClr val="tx1"/>
+                </a:solidFill>
+                <a:latin typeface="+mn-lt"/>
+                <a:ea typeface="+mn-ea"/>
+                <a:cs typeface="+mn-cs"/>
+              </a:rPr>
+              <a:t>- What types of data, samples, physical collections, code, software, curriculum materials</a:t>
+            </a:r>
+          </a:p>
+          <a:p>
+            <a:r>
+              <a:rPr lang="en-US" sz="1200" kern="1200" dirty="0">
+                <a:solidFill>
+                  <a:schemeClr val="tx1"/>
+                </a:solidFill>
+                <a:latin typeface="+mn-lt"/>
+                <a:ea typeface="+mn-ea"/>
+                <a:cs typeface="+mn-cs"/>
+              </a:rPr>
+              <a:t>and other materials will be produced in the course of the project?</a:t>
+            </a:r>
+          </a:p>
+          <a:p>
+            <a:r>
+              <a:rPr lang="en-US" sz="1200" kern="1200" dirty="0">
+                <a:solidFill>
+                  <a:schemeClr val="tx1"/>
+                </a:solidFill>
+                <a:latin typeface="+mn-lt"/>
+                <a:ea typeface="+mn-ea"/>
+                <a:cs typeface="+mn-cs"/>
+              </a:rPr>
+              <a:t>- including a brief description of each type of data to be generated, e.g. experimental, </a:t>
+            </a:r>
+          </a:p>
+          <a:p>
+            <a:r>
+              <a:rPr lang="en-US" sz="1200" kern="1200" dirty="0">
+                <a:solidFill>
+                  <a:schemeClr val="tx1"/>
+                </a:solidFill>
+                <a:latin typeface="+mn-lt"/>
+                <a:ea typeface="+mn-ea"/>
+                <a:cs typeface="+mn-cs"/>
+              </a:rPr>
+              <a:t>qualitative, raw, processed</a:t>
+            </a:r>
+          </a:p>
+          <a:p>
+            <a:r>
+              <a:rPr lang="en-US" sz="1200" kern="1200" dirty="0">
+                <a:solidFill>
+                  <a:schemeClr val="tx1"/>
+                </a:solidFill>
+                <a:latin typeface="+mn-lt"/>
+                <a:ea typeface="+mn-ea"/>
+                <a:cs typeface="+mn-cs"/>
+              </a:rPr>
+              <a:t>- Which data you will share and at what stage (raw, processed, reduced, analyzed) </a:t>
+            </a:r>
+          </a:p>
+          <a:p>
+            <a:r>
+              <a:rPr lang="en-US" sz="1200" kern="1200" dirty="0">
+                <a:solidFill>
+                  <a:schemeClr val="tx1"/>
+                </a:solidFill>
+                <a:latin typeface="+mn-lt"/>
+                <a:ea typeface="+mn-ea"/>
+                <a:cs typeface="+mn-cs"/>
+              </a:rPr>
+              <a:t>- if you are using data from other sources, provide a brief description, including content,</a:t>
+            </a:r>
+          </a:p>
+          <a:p>
+            <a:r>
+              <a:rPr lang="en-US" sz="1200" kern="1200" dirty="0">
+                <a:solidFill>
+                  <a:schemeClr val="tx1"/>
+                </a:solidFill>
+                <a:latin typeface="+mn-lt"/>
+                <a:ea typeface="+mn-ea"/>
+                <a:cs typeface="+mn-cs"/>
+              </a:rPr>
+              <a:t>source, any any conditions required for obtaining and using that data. If you combine existing</a:t>
+            </a:r>
+          </a:p>
+          <a:p>
+            <a:r>
+              <a:rPr lang="en-US" sz="1200" kern="1200" dirty="0">
+                <a:solidFill>
+                  <a:schemeClr val="tx1"/>
+                </a:solidFill>
+                <a:latin typeface="+mn-lt"/>
+                <a:ea typeface="+mn-ea"/>
+                <a:cs typeface="+mn-cs"/>
+              </a:rPr>
+              <a:t>data with your own, describe the relationship between the data sets.</a:t>
+            </a:r>
+          </a:p>
+          <a:p>
+            <a:endParaRPr lang="en-US" sz="1200" kern="1200" dirty="0">
+              <a:solidFill>
+                <a:schemeClr val="tx1"/>
+              </a:solidFill>
+              <a:latin typeface="+mn-lt"/>
+              <a:ea typeface="+mn-ea"/>
+              <a:cs typeface="+mn-cs"/>
+            </a:endParaRPr>
+          </a:p>
+          <a:p>
+            <a:endParaRPr lang="en-US" sz="1200" kern="1200" dirty="0">
+              <a:solidFill>
+                <a:schemeClr val="tx1"/>
+              </a:solidFill>
+              <a:latin typeface="+mn-lt"/>
+              <a:ea typeface="+mn-ea"/>
+              <a:cs typeface="+mn-cs"/>
+            </a:endParaRPr>
           </a:p>
           <a:p>
             <a:endParaRPr lang="en-US" dirty="0"/>
@@ -3834,140 +3436,73 @@
           <a:lstStyle/>
           <a:p>
             <a:r>
-              <a:rPr lang="en-US" sz="1200" kern="1200" dirty="0">
-                <a:solidFill>
-                  <a:schemeClr val="tx1"/>
-                </a:solidFill>
-                <a:latin typeface="+mn-lt"/>
-                <a:ea typeface="+mn-ea"/>
-                <a:cs typeface="+mn-cs"/>
-              </a:rPr>
-              <a:t>1.1 Data type and sources</a:t>
-            </a:r>
-          </a:p>
-          <a:p>
-            <a:r>
-              <a:rPr lang="en-US" sz="1200" kern="1200" dirty="0">
-                <a:solidFill>
-                  <a:schemeClr val="tx1"/>
-                </a:solidFill>
-                <a:latin typeface="+mn-lt"/>
-                <a:ea typeface="+mn-ea"/>
-                <a:cs typeface="+mn-cs"/>
-              </a:rPr>
-              <a:t>- What types of data, samples, physical collections, code, software, curriculum materials</a:t>
-            </a:r>
-          </a:p>
-          <a:p>
-            <a:r>
-              <a:rPr lang="en-US" sz="1200" kern="1200" dirty="0">
-                <a:solidFill>
-                  <a:schemeClr val="tx1"/>
-                </a:solidFill>
-                <a:latin typeface="+mn-lt"/>
-                <a:ea typeface="+mn-ea"/>
-                <a:cs typeface="+mn-cs"/>
-              </a:rPr>
-              <a:t>and other materials will be produced in the course of the project?</a:t>
-            </a:r>
-          </a:p>
-          <a:p>
-            <a:r>
-              <a:rPr lang="en-US" sz="1200" kern="1200" dirty="0">
-                <a:solidFill>
-                  <a:schemeClr val="tx1"/>
-                </a:solidFill>
-                <a:latin typeface="+mn-lt"/>
-                <a:ea typeface="+mn-ea"/>
-                <a:cs typeface="+mn-cs"/>
-              </a:rPr>
-              <a:t>- including a brief description of each type of data to be generated, e.g. experimental, </a:t>
-            </a:r>
-          </a:p>
-          <a:p>
-            <a:r>
-              <a:rPr lang="en-US" sz="1200" kern="1200" dirty="0">
-                <a:solidFill>
-                  <a:schemeClr val="tx1"/>
-                </a:solidFill>
-                <a:latin typeface="+mn-lt"/>
-                <a:ea typeface="+mn-ea"/>
-                <a:cs typeface="+mn-cs"/>
-              </a:rPr>
-              <a:t>qualitative, raw, processed</a:t>
-            </a:r>
-          </a:p>
-          <a:p>
-            <a:r>
-              <a:rPr lang="en-US" sz="1200" kern="1200" dirty="0">
-                <a:solidFill>
-                  <a:schemeClr val="tx1"/>
-                </a:solidFill>
-                <a:latin typeface="+mn-lt"/>
-                <a:ea typeface="+mn-ea"/>
-                <a:cs typeface="+mn-cs"/>
-              </a:rPr>
-              <a:t>- Which data you will share and at what stage (raw, processed, reduced, analyzed) </a:t>
-            </a:r>
-          </a:p>
-          <a:p>
-            <a:r>
-              <a:rPr lang="en-US" sz="1200" kern="1200" dirty="0">
-                <a:solidFill>
-                  <a:schemeClr val="tx1"/>
-                </a:solidFill>
-                <a:latin typeface="+mn-lt"/>
-                <a:ea typeface="+mn-ea"/>
-                <a:cs typeface="+mn-cs"/>
-              </a:rPr>
-              <a:t>- if you are using data from other sources, provide a brief description, including content,</a:t>
-            </a:r>
-          </a:p>
-          <a:p>
-            <a:r>
-              <a:rPr lang="en-US" sz="1200" kern="1200" dirty="0">
-                <a:solidFill>
-                  <a:schemeClr val="tx1"/>
-                </a:solidFill>
-                <a:latin typeface="+mn-lt"/>
-                <a:ea typeface="+mn-ea"/>
-                <a:cs typeface="+mn-cs"/>
-              </a:rPr>
-              <a:t>source, any any conditions required for obtaining and using that data. If you combine existing</a:t>
-            </a:r>
-          </a:p>
-          <a:p>
-            <a:r>
-              <a:rPr lang="en-US" sz="1200" kern="1200" dirty="0">
-                <a:solidFill>
-                  <a:schemeClr val="tx1"/>
-                </a:solidFill>
-                <a:latin typeface="+mn-lt"/>
-                <a:ea typeface="+mn-ea"/>
-                <a:cs typeface="+mn-cs"/>
-              </a:rPr>
-              <a:t>data with your own, describe the relationship between the data sets.</a:t>
-            </a:r>
-          </a:p>
-          <a:p>
-            <a:endParaRPr lang="en-US" sz="1200" kern="1200" dirty="0">
-              <a:solidFill>
-                <a:schemeClr val="tx1"/>
-              </a:solidFill>
-              <a:latin typeface="+mn-lt"/>
-              <a:ea typeface="+mn-ea"/>
-              <a:cs typeface="+mn-cs"/>
-            </a:endParaRPr>
-          </a:p>
-          <a:p>
-            <a:endParaRPr lang="en-US" sz="1200" kern="1200" dirty="0">
-              <a:solidFill>
-                <a:schemeClr val="tx1"/>
-              </a:solidFill>
-              <a:latin typeface="+mn-lt"/>
-              <a:ea typeface="+mn-ea"/>
-              <a:cs typeface="+mn-cs"/>
-            </a:endParaRPr>
+              <a:rPr lang="en-US" dirty="0"/>
+              <a:t>Why file organization of your research data is important</a:t>
+            </a:r>
+          </a:p>
+          <a:p>
+            <a:r>
+              <a:rPr lang="en-US" dirty="0"/>
+              <a:t>Specific techniques for organizing your research data,</a:t>
+            </a:r>
+          </a:p>
+          <a:p>
+            <a:r>
+              <a:rPr lang="en-US" dirty="0"/>
+              <a:t>including developing plans for:</a:t>
+            </a:r>
+          </a:p>
+          <a:p>
+            <a:r>
+              <a:rPr lang="en-US" dirty="0"/>
+              <a:t>– File structures - where to put data so you won’t lose it</a:t>
+            </a:r>
+          </a:p>
+          <a:p>
+            <a:r>
+              <a:rPr lang="en-US" dirty="0"/>
+              <a:t>(including tips on embedding </a:t>
+            </a:r>
+            <a:r>
+              <a:rPr lang="en-US" u="sng" dirty="0"/>
+              <a:t>metadata)</a:t>
+            </a:r>
+          </a:p>
+          <a:p>
+            <a:r>
+              <a:rPr lang="en-US" dirty="0"/>
+              <a:t>– File naming - what to call data so you know what it is</a:t>
+            </a:r>
+          </a:p>
+          <a:p>
+            <a:r>
+              <a:rPr lang="en-US" dirty="0"/>
+              <a:t>– A bit on version control - keeping track of data</a:t>
+            </a:r>
+          </a:p>
+          <a:p>
+            <a:r>
+              <a:rPr lang="en-US" dirty="0"/>
+              <a:t>• Will also include opportunities for:</a:t>
+            </a:r>
+          </a:p>
+          <a:p>
+            <a:r>
+              <a:rPr lang="en-US" dirty="0"/>
+              <a:t>– Small group discussion</a:t>
+            </a:r>
+          </a:p>
+          <a:p>
+            <a:r>
+              <a:rPr lang="en-US" dirty="0"/>
+              <a:t>– Exercise for organizing your own data</a:t>
+            </a:r>
+          </a:p>
+          <a:p>
+            <a:r>
+              <a:rPr lang="en-US" dirty="0"/>
+              <a:t>• Focuses on research data, but applies to other types of files as well</a:t>
+            </a:r>
           </a:p>
           <a:p>
             <a:endParaRPr lang="en-US" dirty="0"/>
@@ -4499,7 +4034,7 @@
           <a:p>
             <a:fld id="{346017C1-C055-114C-B2C2-19CD44202EC9}" type="datetimeFigureOut">
               <a:rPr lang="en-US" smtClean="0"/>
-              <a:t>2/26/19</a:t>
+              <a:t>28/11/19</a:t>
             </a:fld>
             <a:endParaRPr lang="en-US"/>
           </a:p>
@@ -4669,7 +4204,7 @@
           <a:p>
             <a:fld id="{346017C1-C055-114C-B2C2-19CD44202EC9}" type="datetimeFigureOut">
               <a:rPr lang="en-US" smtClean="0"/>
-              <a:t>2/26/19</a:t>
+              <a:t>28/11/19</a:t>
             </a:fld>
             <a:endParaRPr lang="en-US"/>
           </a:p>
@@ -4849,7 +4384,7 @@
           <a:p>
             <a:fld id="{346017C1-C055-114C-B2C2-19CD44202EC9}" type="datetimeFigureOut">
               <a:rPr lang="en-US" smtClean="0"/>
-              <a:t>2/26/19</a:t>
+              <a:t>28/11/19</a:t>
             </a:fld>
             <a:endParaRPr lang="en-US"/>
           </a:p>
@@ -5019,7 +4554,7 @@
           <a:p>
             <a:fld id="{346017C1-C055-114C-B2C2-19CD44202EC9}" type="datetimeFigureOut">
               <a:rPr lang="en-US" smtClean="0"/>
-              <a:t>2/26/19</a:t>
+              <a:t>28/11/19</a:t>
             </a:fld>
             <a:endParaRPr lang="en-US"/>
           </a:p>
@@ -5265,7 +4800,7 @@
           <a:p>
             <a:fld id="{346017C1-C055-114C-B2C2-19CD44202EC9}" type="datetimeFigureOut">
               <a:rPr lang="en-US" smtClean="0"/>
-              <a:t>2/26/19</a:t>
+              <a:t>28/11/19</a:t>
             </a:fld>
             <a:endParaRPr lang="en-US"/>
           </a:p>
@@ -5553,7 +5088,7 @@
           <a:p>
             <a:fld id="{346017C1-C055-114C-B2C2-19CD44202EC9}" type="datetimeFigureOut">
               <a:rPr lang="en-US" smtClean="0"/>
-              <a:t>2/26/19</a:t>
+              <a:t>28/11/19</a:t>
             </a:fld>
             <a:endParaRPr lang="en-US"/>
           </a:p>
@@ -5975,7 +5510,7 @@
           <a:p>
             <a:fld id="{346017C1-C055-114C-B2C2-19CD44202EC9}" type="datetimeFigureOut">
               <a:rPr lang="en-US" smtClean="0"/>
-              <a:t>2/26/19</a:t>
+              <a:t>28/11/19</a:t>
             </a:fld>
             <a:endParaRPr lang="en-US"/>
           </a:p>
@@ -6093,7 +5628,7 @@
           <a:p>
             <a:fld id="{346017C1-C055-114C-B2C2-19CD44202EC9}" type="datetimeFigureOut">
               <a:rPr lang="en-US" smtClean="0"/>
-              <a:t>2/26/19</a:t>
+              <a:t>28/11/19</a:t>
             </a:fld>
             <a:endParaRPr lang="en-US"/>
           </a:p>
@@ -6188,7 +5723,7 @@
           <a:p>
             <a:fld id="{346017C1-C055-114C-B2C2-19CD44202EC9}" type="datetimeFigureOut">
               <a:rPr lang="en-US" smtClean="0"/>
-              <a:t>2/26/19</a:t>
+              <a:t>28/11/19</a:t>
             </a:fld>
             <a:endParaRPr lang="en-US"/>
           </a:p>
@@ -6465,7 +6000,7 @@
           <a:p>
             <a:fld id="{346017C1-C055-114C-B2C2-19CD44202EC9}" type="datetimeFigureOut">
               <a:rPr lang="en-US" smtClean="0"/>
-              <a:t>2/26/19</a:t>
+              <a:t>28/11/19</a:t>
             </a:fld>
             <a:endParaRPr lang="en-US"/>
           </a:p>
@@ -6718,7 +6253,7 @@
           <a:p>
             <a:fld id="{346017C1-C055-114C-B2C2-19CD44202EC9}" type="datetimeFigureOut">
               <a:rPr lang="en-US" smtClean="0"/>
-              <a:t>2/26/19</a:t>
+              <a:t>28/11/19</a:t>
             </a:fld>
             <a:endParaRPr lang="en-US"/>
           </a:p>
@@ -6931,7 +6466,7 @@
           <a:p>
             <a:fld id="{346017C1-C055-114C-B2C2-19CD44202EC9}" type="datetimeFigureOut">
               <a:rPr lang="en-US" smtClean="0"/>
-              <a:t>2/26/19</a:t>
+              <a:t>28/11/19</a:t>
             </a:fld>
             <a:endParaRPr lang="en-US"/>
           </a:p>
@@ -7354,21 +6889,24 @@
             <p:ph type="subTitle" idx="1"/>
           </p:nvPr>
         </p:nvSpPr>
-        <p:spPr/>
-        <p:txBody>
-          <a:bodyPr/>
-          <a:lstStyle/>
-          <a:p>
-            <a:r>
-              <a:rPr lang="en-US" dirty="0"/>
-              <a:t>Jing Su</a:t>
-            </a:r>
-          </a:p>
-          <a:p>
-            <a:r>
-              <a:rPr lang="en-US" sz="2400" dirty="0"/>
-              <a:t>20190226</a:t>
-            </a:r>
+        <p:spPr>
+          <a:xfrm>
+            <a:off x="2570424" y="6279328"/>
+            <a:ext cx="6400800" cy="392177"/>
+          </a:xfrm>
+        </p:spPr>
+        <p:txBody>
+          <a:bodyPr>
+            <a:normAutofit lnSpcReduction="10000"/>
+          </a:bodyPr>
+          <a:lstStyle/>
+          <a:p>
+            <a:pPr algn="r"/>
+            <a:r>
+              <a:rPr lang="en-US" sz="2000" dirty="0" smtClean="0"/>
+              <a:t>Based on Slides by Jing Su</a:t>
+            </a:r>
+            <a:endParaRPr lang="en-US" sz="1600" dirty="0"/>
           </a:p>
         </p:txBody>
       </p:sp>
@@ -7382,10 +6920,3241 @@
   <p:clrMapOvr>
     <a:masterClrMapping/>
   </p:clrMapOvr>
+  <p:timing>
+    <p:tnLst>
+      <p:par>
+        <p:cTn xmlns:p14="http://schemas.microsoft.com/office/powerpoint/2010/main" id="1" dur="indefinite" restart="never" nodeType="tmRoot"/>
+      </p:par>
+    </p:tnLst>
+  </p:timing>
 </p:sld>
 </file>
 
 <file path=ppt/slides/slide10.xml><?xml version="1.0" encoding="utf-8"?>
+<p:sld xmlns:a="http://schemas.openxmlformats.org/drawingml/2006/main" xmlns:r="http://schemas.openxmlformats.org/officeDocument/2006/relationships" xmlns:p="http://schemas.openxmlformats.org/presentationml/2006/main">
+  <p:cSld>
+    <p:spTree>
+      <p:nvGrpSpPr>
+        <p:cNvPr id="1" name=""/>
+        <p:cNvGrpSpPr/>
+        <p:nvPr/>
+      </p:nvGrpSpPr>
+      <p:grpSpPr>
+        <a:xfrm>
+          <a:off x="0" y="0"/>
+          <a:ext cx="0" cy="0"/>
+          <a:chOff x="0" y="0"/>
+          <a:chExt cx="0" cy="0"/>
+        </a:xfrm>
+      </p:grpSpPr>
+      <p:sp>
+        <p:nvSpPr>
+          <p:cNvPr id="2" name="Title 1"/>
+          <p:cNvSpPr>
+            <a:spLocks noGrp="1"/>
+          </p:cNvSpPr>
+          <p:nvPr>
+            <p:ph type="title"/>
+          </p:nvPr>
+        </p:nvSpPr>
+        <p:spPr/>
+        <p:txBody>
+          <a:bodyPr>
+            <a:normAutofit/>
+          </a:bodyPr>
+          <a:lstStyle/>
+          <a:p>
+            <a:pPr algn="l"/>
+            <a:r>
+              <a:rPr lang="en-US" sz="3200" u="sng" dirty="0">
+                <a:solidFill>
+                  <a:schemeClr val="tx2"/>
+                </a:solidFill>
+              </a:rPr>
+              <a:t>File Naming Conventions									</a:t>
+            </a:r>
+          </a:p>
+        </p:txBody>
+      </p:sp>
+      <p:sp>
+        <p:nvSpPr>
+          <p:cNvPr id="3" name="Content Placeholder 2"/>
+          <p:cNvSpPr>
+            <a:spLocks noGrp="1"/>
+          </p:cNvSpPr>
+          <p:nvPr>
+            <p:ph idx="1"/>
+          </p:nvPr>
+        </p:nvSpPr>
+        <p:spPr>
+          <a:xfrm>
+            <a:off x="457200" y="1417638"/>
+            <a:ext cx="8229600" cy="4916630"/>
+          </a:xfrm>
+        </p:spPr>
+        <p:txBody>
+          <a:bodyPr>
+            <a:normAutofit fontScale="92500" lnSpcReduction="20000"/>
+          </a:bodyPr>
+          <a:lstStyle/>
+          <a:p>
+            <a:r>
+              <a:rPr lang="en-US" sz="2400" dirty="0"/>
+              <a:t>Make file names unique </a:t>
+            </a:r>
+          </a:p>
+          <a:p>
+            <a:r>
+              <a:rPr lang="en-US" sz="2400" dirty="0"/>
+              <a:t>Include most important identifying information of the project: </a:t>
+            </a:r>
+          </a:p>
+          <a:p>
+            <a:pPr lvl="1">
+              <a:buFont typeface="Wingdings" charset="2"/>
+              <a:buChar char="ü"/>
+            </a:pPr>
+            <a:r>
+              <a:rPr lang="en-US" sz="2000" dirty="0">
+                <a:solidFill>
+                  <a:schemeClr val="accent3"/>
+                </a:solidFill>
+              </a:rPr>
+              <a:t>project name</a:t>
+            </a:r>
+          </a:p>
+          <a:p>
+            <a:pPr lvl="1">
+              <a:buFont typeface="Wingdings" charset="2"/>
+              <a:buChar char="ü"/>
+            </a:pPr>
+            <a:r>
+              <a:rPr lang="en-US" sz="2000" dirty="0">
+                <a:solidFill>
+                  <a:schemeClr val="accent3"/>
+                </a:solidFill>
+              </a:rPr>
+              <a:t>acronym, or research data name</a:t>
+            </a:r>
+          </a:p>
+          <a:p>
+            <a:pPr lvl="1">
+              <a:buFont typeface="Wingdings" charset="2"/>
+              <a:buChar char="ü"/>
+            </a:pPr>
+            <a:r>
+              <a:rPr lang="en-US" sz="2000" dirty="0">
+                <a:solidFill>
+                  <a:schemeClr val="accent3"/>
+                </a:solidFill>
+              </a:rPr>
+              <a:t> study title</a:t>
+            </a:r>
+          </a:p>
+          <a:p>
+            <a:pPr lvl="1">
+              <a:buFont typeface="Wingdings" charset="2"/>
+              <a:buChar char="ü"/>
+            </a:pPr>
+            <a:r>
+              <a:rPr lang="en-US" sz="2000" dirty="0">
+                <a:solidFill>
+                  <a:schemeClr val="accent3"/>
+                </a:solidFill>
+              </a:rPr>
+              <a:t>location information </a:t>
+            </a:r>
+          </a:p>
+          <a:p>
+            <a:pPr lvl="1">
+              <a:buFont typeface="Wingdings" charset="2"/>
+              <a:buChar char="ü"/>
+            </a:pPr>
+            <a:r>
+              <a:rPr lang="en-US" sz="2000" dirty="0">
+                <a:solidFill>
+                  <a:schemeClr val="accent3"/>
+                </a:solidFill>
+              </a:rPr>
+              <a:t>researcher initials</a:t>
+            </a:r>
+          </a:p>
+          <a:p>
+            <a:pPr lvl="1">
+              <a:buFont typeface="Wingdings" charset="2"/>
+              <a:buChar char="ü"/>
+            </a:pPr>
+            <a:r>
+              <a:rPr lang="en-US" sz="2000" dirty="0">
+                <a:solidFill>
+                  <a:schemeClr val="accent3"/>
+                </a:solidFill>
+              </a:rPr>
+              <a:t>date (consistently formatted, e.g. YYYYMMDD)</a:t>
+            </a:r>
+          </a:p>
+          <a:p>
+            <a:pPr lvl="1">
+              <a:buFont typeface="Wingdings" charset="2"/>
+              <a:buChar char="ü"/>
+            </a:pPr>
+            <a:r>
+              <a:rPr lang="en-US" sz="2000" dirty="0">
+                <a:solidFill>
+                  <a:schemeClr val="accent3"/>
+                </a:solidFill>
+              </a:rPr>
+              <a:t>version</a:t>
+            </a:r>
+            <a:endParaRPr lang="en-US" sz="2400" dirty="0"/>
+          </a:p>
+          <a:p>
+            <a:r>
+              <a:rPr lang="en-US" sz="2400" dirty="0"/>
+              <a:t>Use underscores to separate elements; avoid special characters, spaces and periods.</a:t>
+            </a:r>
+          </a:p>
+          <a:p>
+            <a:r>
+              <a:rPr lang="en-US" sz="2400" dirty="0"/>
+              <a:t>Use leading zeros when incorporating numbers to enable sorting (a sequence of 1-100 should be numbered 001-100).</a:t>
+            </a:r>
+          </a:p>
+          <a:p>
+            <a:r>
+              <a:rPr lang="en-US" sz="2400" dirty="0"/>
+              <a:t>File names should be short enough to be readable, while still conveying enough pertinent </a:t>
+            </a:r>
+            <a:r>
+              <a:rPr lang="en-US" sz="2400" dirty="0" smtClean="0"/>
+              <a:t>information</a:t>
+            </a:r>
+            <a:endParaRPr lang="en-US" sz="2400" dirty="0"/>
+          </a:p>
+          <a:p>
+            <a:pPr marL="0" indent="0">
+              <a:buNone/>
+            </a:pPr>
+            <a:endParaRPr lang="en-US" sz="2400" u="sng" dirty="0">
+              <a:solidFill>
+                <a:srgbClr val="0000FF"/>
+              </a:solidFill>
+            </a:endParaRPr>
+          </a:p>
+        </p:txBody>
+      </p:sp>
+    </p:spTree>
+    <p:extLst>
+      <p:ext uri="{BB962C8B-B14F-4D97-AF65-F5344CB8AC3E}">
+        <p14:creationId xmlns:p14="http://schemas.microsoft.com/office/powerpoint/2010/main" val="2116630936"/>
+      </p:ext>
+    </p:extLst>
+  </p:cSld>
+  <p:clrMapOvr>
+    <a:masterClrMapping/>
+  </p:clrMapOvr>
+  <p:timing>
+    <p:tnLst>
+      <p:par>
+        <p:cTn xmlns:p14="http://schemas.microsoft.com/office/powerpoint/2010/main" id="1" dur="indefinite" restart="never" nodeType="tmRoot"/>
+      </p:par>
+    </p:tnLst>
+  </p:timing>
+</p:sld>
+</file>
+
+<file path=ppt/slides/slide11.xml><?xml version="1.0" encoding="utf-8"?>
+<p:sld xmlns:a="http://schemas.openxmlformats.org/drawingml/2006/main" xmlns:r="http://schemas.openxmlformats.org/officeDocument/2006/relationships" xmlns:p="http://schemas.openxmlformats.org/presentationml/2006/main">
+  <p:cSld>
+    <p:spTree>
+      <p:nvGrpSpPr>
+        <p:cNvPr id="1" name=""/>
+        <p:cNvGrpSpPr/>
+        <p:nvPr/>
+      </p:nvGrpSpPr>
+      <p:grpSpPr>
+        <a:xfrm>
+          <a:off x="0" y="0"/>
+          <a:ext cx="0" cy="0"/>
+          <a:chOff x="0" y="0"/>
+          <a:chExt cx="0" cy="0"/>
+        </a:xfrm>
+      </p:grpSpPr>
+      <p:sp>
+        <p:nvSpPr>
+          <p:cNvPr id="2" name="Title 1"/>
+          <p:cNvSpPr>
+            <a:spLocks noGrp="1"/>
+          </p:cNvSpPr>
+          <p:nvPr>
+            <p:ph type="title"/>
+          </p:nvPr>
+        </p:nvSpPr>
+        <p:spPr/>
+        <p:txBody>
+          <a:bodyPr>
+            <a:normAutofit/>
+          </a:bodyPr>
+          <a:lstStyle/>
+          <a:p>
+            <a:pPr algn="l"/>
+            <a:r>
+              <a:rPr lang="en-US" sz="3200" u="sng" dirty="0">
+                <a:solidFill>
+                  <a:schemeClr val="tx2"/>
+                </a:solidFill>
+              </a:rPr>
+              <a:t>File Naming Conventions Examples					</a:t>
+            </a:r>
+          </a:p>
+        </p:txBody>
+      </p:sp>
+      <p:sp>
+        <p:nvSpPr>
+          <p:cNvPr id="3" name="Content Placeholder 2"/>
+          <p:cNvSpPr>
+            <a:spLocks noGrp="1"/>
+          </p:cNvSpPr>
+          <p:nvPr>
+            <p:ph idx="1"/>
+          </p:nvPr>
+        </p:nvSpPr>
+        <p:spPr>
+          <a:xfrm>
+            <a:off x="457200" y="1219691"/>
+            <a:ext cx="8229600" cy="5440363"/>
+          </a:xfrm>
+        </p:spPr>
+        <p:txBody>
+          <a:bodyPr>
+            <a:normAutofit fontScale="92500" lnSpcReduction="10000"/>
+          </a:bodyPr>
+          <a:lstStyle/>
+          <a:p>
+            <a:r>
+              <a:rPr lang="en-US" sz="2400" b="1" dirty="0">
+                <a:solidFill>
+                  <a:srgbClr val="0000FF"/>
+                </a:solidFill>
+              </a:rPr>
+              <a:t>The Good: </a:t>
+            </a:r>
+            <a:r>
+              <a:rPr lang="en-US" sz="2400" b="1" dirty="0">
+                <a:solidFill>
+                  <a:srgbClr val="008000"/>
+                </a:solidFill>
+              </a:rPr>
+              <a:t>DryValleySoil_ICPOES_20101115_JDSv2.</a:t>
+            </a:r>
+            <a:r>
+              <a:rPr lang="en-US" sz="2400" b="1" u="sng" dirty="0">
+                <a:solidFill>
+                  <a:srgbClr val="008000"/>
+                </a:solidFill>
+              </a:rPr>
+              <a:t>dat</a:t>
+            </a:r>
+          </a:p>
+          <a:p>
+            <a:pPr lvl="1"/>
+            <a:r>
+              <a:rPr lang="en-US" sz="2000" dirty="0" err="1"/>
+              <a:t>DryValleySoil</a:t>
+            </a:r>
+            <a:r>
+              <a:rPr lang="en-US" sz="2000" dirty="0"/>
+              <a:t>, project name</a:t>
+            </a:r>
+          </a:p>
+          <a:p>
+            <a:pPr lvl="1"/>
+            <a:r>
+              <a:rPr lang="en-US" sz="2000" dirty="0"/>
+              <a:t>ICPOES, instrument name</a:t>
+            </a:r>
+          </a:p>
+          <a:p>
+            <a:pPr lvl="1"/>
+            <a:r>
+              <a:rPr lang="en-US" sz="2000" dirty="0"/>
+              <a:t>20101115 date of sample created</a:t>
+            </a:r>
+          </a:p>
+          <a:p>
+            <a:pPr lvl="1"/>
+            <a:r>
+              <a:rPr lang="en-US" sz="2000" dirty="0"/>
+              <a:t>JDS, initials of the scientist </a:t>
+            </a:r>
+          </a:p>
+          <a:p>
+            <a:pPr lvl="1"/>
+            <a:r>
+              <a:rPr lang="en-US" sz="2000" dirty="0"/>
+              <a:t>V2, second version</a:t>
+            </a:r>
+          </a:p>
+          <a:p>
+            <a:pPr marL="0" indent="0">
+              <a:buNone/>
+            </a:pPr>
+            <a:endParaRPr lang="en-US" sz="2400" dirty="0"/>
+          </a:p>
+          <a:p>
+            <a:r>
+              <a:rPr lang="en-US" sz="2400" b="1" dirty="0">
+                <a:solidFill>
+                  <a:srgbClr val="0000FF"/>
+                </a:solidFill>
+              </a:rPr>
+              <a:t>The Bad</a:t>
+            </a:r>
+            <a:r>
+              <a:rPr lang="en-US" sz="2400" b="1" dirty="0"/>
+              <a:t>: </a:t>
+            </a:r>
+            <a:r>
+              <a:rPr lang="en-US" sz="2000" b="1" dirty="0">
+                <a:solidFill>
+                  <a:srgbClr val="FF6600"/>
+                </a:solidFill>
+              </a:rPr>
+              <a:t>my Data @</a:t>
+            </a:r>
+            <a:r>
+              <a:rPr lang="en-US" sz="2000" b="1" dirty="0" err="1">
+                <a:solidFill>
+                  <a:srgbClr val="FF6600"/>
+                </a:solidFill>
+              </a:rPr>
+              <a:t>DryValley</a:t>
+            </a:r>
+            <a:r>
+              <a:rPr lang="en-US" sz="2000" b="1" dirty="0">
+                <a:solidFill>
+                  <a:srgbClr val="FF6600"/>
+                </a:solidFill>
+              </a:rPr>
+              <a:t> November 15 </a:t>
+            </a:r>
+            <a:r>
+              <a:rPr lang="en-US" sz="2000" dirty="0">
+                <a:solidFill>
+                  <a:srgbClr val="FF6600"/>
+                </a:solidFill>
+              </a:rPr>
+              <a:t>2010.v2.</a:t>
+            </a:r>
+            <a:r>
+              <a:rPr lang="en-US" sz="2000" u="sng" dirty="0">
+                <a:solidFill>
+                  <a:srgbClr val="FF6600"/>
+                </a:solidFill>
+              </a:rPr>
+              <a:t>dat</a:t>
+            </a:r>
+          </a:p>
+          <a:p>
+            <a:pPr marL="0" indent="0">
+              <a:buNone/>
+            </a:pPr>
+            <a:endParaRPr lang="en-US" sz="2400" dirty="0"/>
+          </a:p>
+          <a:p>
+            <a:r>
+              <a:rPr lang="en-US" sz="2400" b="1" dirty="0">
+                <a:solidFill>
+                  <a:srgbClr val="0000FF"/>
+                </a:solidFill>
+              </a:rPr>
+              <a:t>The Ugly:</a:t>
+            </a:r>
+          </a:p>
+          <a:p>
+            <a:pPr marL="0" indent="0">
+              <a:buNone/>
+            </a:pPr>
+            <a:r>
+              <a:rPr lang="en-US" sz="2400" dirty="0"/>
+              <a:t>	</a:t>
+            </a:r>
+            <a:r>
+              <a:rPr lang="en-US" sz="1900" dirty="0"/>
+              <a:t>Can you understand/use these data files? Would anyone 5 years from now?</a:t>
+            </a:r>
+          </a:p>
+          <a:p>
+            <a:pPr marL="800100" lvl="2" indent="0">
+              <a:buNone/>
+            </a:pPr>
+            <a:r>
+              <a:rPr lang="en-US" sz="1900" dirty="0">
+                <a:solidFill>
+                  <a:srgbClr val="FF6600"/>
+                </a:solidFill>
+              </a:rPr>
+              <a:t>• </a:t>
+            </a:r>
+            <a:r>
+              <a:rPr lang="en-US" sz="1900" dirty="0" err="1">
+                <a:solidFill>
+                  <a:srgbClr val="FF6600"/>
+                </a:solidFill>
+              </a:rPr>
+              <a:t>SrvMthdDraft.doc</a:t>
+            </a:r>
+            <a:endParaRPr lang="en-US" sz="1900" dirty="0">
+              <a:solidFill>
+                <a:srgbClr val="FF6600"/>
+              </a:solidFill>
+            </a:endParaRPr>
+          </a:p>
+          <a:p>
+            <a:pPr marL="800100" lvl="2" indent="0">
+              <a:buNone/>
+            </a:pPr>
+            <a:r>
+              <a:rPr lang="en-US" sz="1900" dirty="0">
+                <a:solidFill>
+                  <a:srgbClr val="FF6600"/>
+                </a:solidFill>
+              </a:rPr>
+              <a:t>• </a:t>
+            </a:r>
+            <a:r>
+              <a:rPr lang="en-US" sz="1900" dirty="0" err="1">
+                <a:solidFill>
+                  <a:srgbClr val="FF6600"/>
+                </a:solidFill>
+              </a:rPr>
+              <a:t>SrvMthdFinal.doc</a:t>
+            </a:r>
+            <a:endParaRPr lang="en-US" sz="1900" dirty="0">
+              <a:solidFill>
+                <a:srgbClr val="FF6600"/>
+              </a:solidFill>
+            </a:endParaRPr>
+          </a:p>
+          <a:p>
+            <a:pPr marL="800100" lvl="2" indent="0">
+              <a:buNone/>
+            </a:pPr>
+            <a:r>
+              <a:rPr lang="en-US" sz="1900" dirty="0">
+                <a:solidFill>
+                  <a:srgbClr val="FF6600"/>
+                </a:solidFill>
+              </a:rPr>
+              <a:t>• </a:t>
+            </a:r>
+            <a:r>
+              <a:rPr lang="en-US" sz="1900" dirty="0" err="1">
+                <a:solidFill>
+                  <a:srgbClr val="FF6600"/>
+                </a:solidFill>
+              </a:rPr>
+              <a:t>SrvMthdLastOne.doc</a:t>
+            </a:r>
+            <a:endParaRPr lang="en-US" sz="1900" dirty="0">
+              <a:solidFill>
+                <a:srgbClr val="FF6600"/>
+              </a:solidFill>
+            </a:endParaRPr>
+          </a:p>
+          <a:p>
+            <a:pPr marL="800100" lvl="2" indent="0">
+              <a:buNone/>
+            </a:pPr>
+            <a:r>
+              <a:rPr lang="en-US" sz="1900" dirty="0">
+                <a:solidFill>
+                  <a:srgbClr val="FF6600"/>
+                </a:solidFill>
+              </a:rPr>
+              <a:t>• </a:t>
+            </a:r>
+            <a:r>
+              <a:rPr lang="en-US" sz="1900" dirty="0" err="1">
+                <a:solidFill>
+                  <a:srgbClr val="FF6600"/>
+                </a:solidFill>
+              </a:rPr>
+              <a:t>SrvMthdRealVersion.doc</a:t>
+            </a:r>
+            <a:endParaRPr lang="en-US" sz="1900" dirty="0">
+              <a:solidFill>
+                <a:srgbClr val="FF6600"/>
+              </a:solidFill>
+            </a:endParaRPr>
+          </a:p>
+          <a:p>
+            <a:pPr marL="800100" lvl="2" indent="0">
+              <a:buNone/>
+            </a:pPr>
+            <a:r>
+              <a:rPr lang="en-US" sz="2000" dirty="0"/>
+              <a:t>Use content-or descriptive information</a:t>
+            </a:r>
+          </a:p>
+          <a:p>
+            <a:pPr marL="800100" lvl="2" indent="0">
+              <a:buNone/>
+            </a:pPr>
+            <a:endParaRPr lang="en-US" sz="1900" u="sng" dirty="0">
+              <a:solidFill>
+                <a:srgbClr val="0000FF"/>
+              </a:solidFill>
+            </a:endParaRPr>
+          </a:p>
+        </p:txBody>
+      </p:sp>
+    </p:spTree>
+    <p:extLst>
+      <p:ext uri="{BB962C8B-B14F-4D97-AF65-F5344CB8AC3E}">
+        <p14:creationId xmlns:p14="http://schemas.microsoft.com/office/powerpoint/2010/main" val="1887716706"/>
+      </p:ext>
+    </p:extLst>
+  </p:cSld>
+  <p:clrMapOvr>
+    <a:masterClrMapping/>
+  </p:clrMapOvr>
+  <p:timing>
+    <p:tnLst>
+      <p:par>
+        <p:cTn xmlns:p14="http://schemas.microsoft.com/office/powerpoint/2010/main" id="1" dur="indefinite" restart="never" nodeType="tmRoot"/>
+      </p:par>
+    </p:tnLst>
+  </p:timing>
+</p:sld>
+</file>
+
+<file path=ppt/slides/slide12.xml><?xml version="1.0" encoding="utf-8"?>
+<p:sld xmlns:a="http://schemas.openxmlformats.org/drawingml/2006/main" xmlns:r="http://schemas.openxmlformats.org/officeDocument/2006/relationships" xmlns:p="http://schemas.openxmlformats.org/presentationml/2006/main">
+  <p:cSld>
+    <p:spTree>
+      <p:nvGrpSpPr>
+        <p:cNvPr id="1" name=""/>
+        <p:cNvGrpSpPr/>
+        <p:nvPr/>
+      </p:nvGrpSpPr>
+      <p:grpSpPr>
+        <a:xfrm>
+          <a:off x="0" y="0"/>
+          <a:ext cx="0" cy="0"/>
+          <a:chOff x="0" y="0"/>
+          <a:chExt cx="0" cy="0"/>
+        </a:xfrm>
+      </p:grpSpPr>
+      <p:sp>
+        <p:nvSpPr>
+          <p:cNvPr id="2" name="Title 1"/>
+          <p:cNvSpPr>
+            <a:spLocks noGrp="1"/>
+          </p:cNvSpPr>
+          <p:nvPr>
+            <p:ph type="title"/>
+          </p:nvPr>
+        </p:nvSpPr>
+        <p:spPr/>
+        <p:txBody>
+          <a:bodyPr>
+            <a:normAutofit/>
+          </a:bodyPr>
+          <a:lstStyle/>
+          <a:p>
+            <a:pPr algn="l"/>
+            <a:r>
+              <a:rPr lang="en-US" sz="3200" u="sng" dirty="0">
+                <a:solidFill>
+                  <a:schemeClr val="tx2"/>
+                </a:solidFill>
+              </a:rPr>
+              <a:t>Batching Renaming Tools								</a:t>
+            </a:r>
+          </a:p>
+        </p:txBody>
+      </p:sp>
+      <p:sp>
+        <p:nvSpPr>
+          <p:cNvPr id="3" name="Content Placeholder 2"/>
+          <p:cNvSpPr>
+            <a:spLocks noGrp="1"/>
+          </p:cNvSpPr>
+          <p:nvPr>
+            <p:ph idx="1"/>
+          </p:nvPr>
+        </p:nvSpPr>
+        <p:spPr>
+          <a:xfrm>
+            <a:off x="457200" y="1022720"/>
+            <a:ext cx="8229600" cy="5707440"/>
+          </a:xfrm>
+        </p:spPr>
+        <p:txBody>
+          <a:bodyPr>
+            <a:noAutofit/>
+          </a:bodyPr>
+          <a:lstStyle/>
+          <a:p>
+            <a:r>
+              <a:rPr lang="en-US" sz="2000" dirty="0"/>
+              <a:t>Windows:</a:t>
+            </a:r>
+          </a:p>
+          <a:p>
+            <a:pPr marL="400050" lvl="1" indent="0">
+              <a:buNone/>
+            </a:pPr>
+            <a:r>
+              <a:rPr lang="en-US" sz="1800" dirty="0" smtClean="0"/>
+              <a:t>• </a:t>
+            </a:r>
+            <a:r>
+              <a:rPr lang="en-US" sz="1800" dirty="0"/>
+              <a:t>Ant </a:t>
+            </a:r>
+            <a:r>
+              <a:rPr lang="en-US" sz="1800" u="sng" dirty="0" err="1"/>
+              <a:t>Renamer</a:t>
+            </a:r>
+            <a:r>
+              <a:rPr lang="en-US" sz="1800" u="sng" dirty="0"/>
+              <a:t>: http://</a:t>
+            </a:r>
+            <a:r>
+              <a:rPr lang="en-US" sz="1800" u="sng" dirty="0" err="1"/>
+              <a:t>www.antp.be</a:t>
+            </a:r>
+            <a:r>
+              <a:rPr lang="en-US" sz="1800" u="sng" dirty="0"/>
+              <a:t>/software/</a:t>
+            </a:r>
+            <a:r>
+              <a:rPr lang="en-US" sz="1800" u="sng" dirty="0" err="1"/>
+              <a:t>renamer</a:t>
+            </a:r>
+            <a:endParaRPr lang="en-US" sz="1800" u="sng" dirty="0"/>
+          </a:p>
+          <a:p>
+            <a:pPr marL="400050" lvl="1" indent="0">
+              <a:buNone/>
+            </a:pPr>
+            <a:r>
+              <a:rPr lang="en-US" sz="1800" dirty="0"/>
+              <a:t>• Bulk Rename Utility: </a:t>
+            </a:r>
+            <a:r>
+              <a:rPr lang="en-US" sz="1800" dirty="0">
+                <a:hlinkClick r:id="rId3"/>
+              </a:rPr>
+              <a:t>http://www.bulkrenameutility.co.uk</a:t>
+            </a:r>
+            <a:r>
+              <a:rPr lang="en-US" sz="1800" dirty="0" smtClean="0">
+                <a:hlinkClick r:id="rId3"/>
+              </a:rPr>
+              <a:t>/</a:t>
+            </a:r>
+            <a:endParaRPr lang="en-US" sz="1800" dirty="0" smtClean="0"/>
+          </a:p>
+          <a:p>
+            <a:pPr marL="400050" lvl="1" indent="0">
+              <a:buNone/>
+            </a:pPr>
+            <a:r>
+              <a:rPr lang="en-US" sz="1800" dirty="0" smtClean="0"/>
+              <a:t>• </a:t>
+            </a:r>
+            <a:r>
+              <a:rPr lang="en-US" sz="1800" dirty="0" err="1"/>
+              <a:t>PSRenamer</a:t>
+            </a:r>
+            <a:r>
+              <a:rPr lang="en-US" sz="1800" dirty="0"/>
+              <a:t>: http://</a:t>
+            </a:r>
+            <a:r>
+              <a:rPr lang="en-US" sz="1800" dirty="0" err="1"/>
+              <a:t>www.powersurgepub.com</a:t>
+            </a:r>
+            <a:r>
+              <a:rPr lang="en-US" sz="1800" dirty="0"/>
+              <a:t>/products/</a:t>
+            </a:r>
+            <a:r>
+              <a:rPr lang="en-US" sz="1800" dirty="0" err="1" smtClean="0"/>
+              <a:t>psrenamer.html</a:t>
+            </a:r>
+            <a:endParaRPr lang="en-US" sz="1800" dirty="0" smtClean="0"/>
+          </a:p>
+          <a:p>
+            <a:r>
+              <a:rPr lang="en-US" sz="2000" dirty="0" smtClean="0"/>
+              <a:t>Mac:</a:t>
+            </a:r>
+          </a:p>
+          <a:p>
+            <a:pPr marL="400050" lvl="1" indent="0">
+              <a:buNone/>
+            </a:pPr>
+            <a:r>
+              <a:rPr lang="en-US" sz="1800" dirty="0" smtClean="0"/>
+              <a:t>• </a:t>
+            </a:r>
+            <a:r>
+              <a:rPr lang="en-US" sz="1800" dirty="0" err="1"/>
+              <a:t>PSRenamer</a:t>
+            </a:r>
+            <a:r>
+              <a:rPr lang="en-US" sz="1800" dirty="0"/>
+              <a:t>: http://</a:t>
+            </a:r>
+            <a:r>
+              <a:rPr lang="en-US" sz="1800" dirty="0" err="1"/>
+              <a:t>www.powersurgepub.com</a:t>
+            </a:r>
+            <a:r>
+              <a:rPr lang="en-US" sz="1800" dirty="0"/>
+              <a:t>/products/</a:t>
+            </a:r>
+            <a:r>
+              <a:rPr lang="en-US" sz="1800" dirty="0" err="1"/>
+              <a:t>psrenamer.html</a:t>
+            </a:r>
+            <a:endParaRPr lang="en-US" sz="1800" dirty="0"/>
+          </a:p>
+          <a:p>
+            <a:pPr marL="400050" lvl="1" indent="0">
+              <a:buNone/>
+            </a:pPr>
+            <a:r>
+              <a:rPr lang="en-US" sz="1800" dirty="0"/>
+              <a:t>• Renamer4Mac : http://renamer4mac.com/</a:t>
+            </a:r>
+          </a:p>
+          <a:p>
+            <a:pPr marL="400050" lvl="1" indent="0">
+              <a:buNone/>
+            </a:pPr>
+            <a:r>
+              <a:rPr lang="en-US" sz="1800" dirty="0"/>
+              <a:t>• Name </a:t>
+            </a:r>
+            <a:r>
+              <a:rPr lang="en-US" sz="1800" dirty="0" err="1"/>
+              <a:t>Mangler</a:t>
+            </a:r>
+            <a:r>
+              <a:rPr lang="en-US" sz="1800" dirty="0"/>
+              <a:t>: http://</a:t>
+            </a:r>
+            <a:r>
+              <a:rPr lang="en-US" sz="1800" dirty="0" err="1"/>
+              <a:t>manytricks.com</a:t>
+            </a:r>
+            <a:r>
+              <a:rPr lang="en-US" sz="1800" dirty="0"/>
+              <a:t>/</a:t>
+            </a:r>
+            <a:r>
+              <a:rPr lang="en-US" sz="1800" dirty="0" err="1"/>
+              <a:t>namemangler</a:t>
+            </a:r>
+            <a:r>
+              <a:rPr lang="en-US" sz="1800" dirty="0"/>
+              <a:t>/</a:t>
+            </a:r>
+          </a:p>
+          <a:p>
+            <a:r>
+              <a:rPr lang="en-US" sz="2000" dirty="0" smtClean="0"/>
+              <a:t>Linux/Unix:</a:t>
+            </a:r>
+            <a:endParaRPr lang="en-US" sz="2000" dirty="0"/>
+          </a:p>
+          <a:p>
+            <a:pPr marL="400050" lvl="1" indent="0">
+              <a:buNone/>
+            </a:pPr>
+            <a:r>
+              <a:rPr lang="en-US" sz="1800" dirty="0"/>
+              <a:t>• GNOME Commander: </a:t>
+            </a:r>
+            <a:r>
+              <a:rPr lang="en-US" sz="1800" dirty="0">
+                <a:hlinkClick r:id="rId4"/>
+              </a:rPr>
+              <a:t>http://www.nongnu.org/gcmd</a:t>
+            </a:r>
+            <a:r>
+              <a:rPr lang="en-US" sz="1800" dirty="0" smtClean="0">
+                <a:hlinkClick r:id="rId4"/>
+              </a:rPr>
+              <a:t>/</a:t>
+            </a:r>
+            <a:endParaRPr lang="en-US" sz="1800" dirty="0" smtClean="0"/>
+          </a:p>
+          <a:p>
+            <a:pPr marL="400050" lvl="1" indent="0">
+              <a:buNone/>
+            </a:pPr>
+            <a:r>
+              <a:rPr lang="en-US" sz="1800" dirty="0" smtClean="0"/>
+              <a:t>• </a:t>
+            </a:r>
+            <a:r>
+              <a:rPr lang="en-US" sz="1800" dirty="0" err="1"/>
+              <a:t>PSRenamer</a:t>
+            </a:r>
+            <a:r>
+              <a:rPr lang="en-US" sz="1800" dirty="0"/>
+              <a:t>: </a:t>
+            </a:r>
+            <a:r>
+              <a:rPr lang="en-US" sz="1800" dirty="0">
+                <a:hlinkClick r:id="rId5"/>
+              </a:rPr>
+              <a:t>http://www.powersurgepub.com/products/</a:t>
+            </a:r>
+            <a:r>
+              <a:rPr lang="en-US" sz="1800" dirty="0" smtClean="0">
+                <a:hlinkClick r:id="rId5"/>
+              </a:rPr>
+              <a:t>psrenamer.html</a:t>
+            </a:r>
+            <a:endParaRPr lang="en-US" sz="1800" dirty="0" smtClean="0"/>
+          </a:p>
+          <a:p>
+            <a:pPr marL="400050" lvl="1" indent="0">
+              <a:buNone/>
+            </a:pPr>
+            <a:r>
+              <a:rPr lang="en-US" sz="1800" dirty="0" smtClean="0"/>
+              <a:t>• </a:t>
+            </a:r>
+            <a:r>
+              <a:rPr lang="en-US" sz="1800" dirty="0"/>
+              <a:t>U</a:t>
+            </a:r>
+            <a:r>
+              <a:rPr lang="en-US" sz="1800" dirty="0" smtClean="0"/>
+              <a:t>se </a:t>
+            </a:r>
+            <a:r>
+              <a:rPr lang="en-US" sz="1800" i="1" u="sng" dirty="0" err="1" smtClean="0"/>
+              <a:t>grep</a:t>
+            </a:r>
+            <a:r>
+              <a:rPr lang="en-US" sz="1800" i="1" u="sng" dirty="0" smtClean="0"/>
+              <a:t>, </a:t>
+            </a:r>
+            <a:r>
+              <a:rPr lang="en-US" sz="1800" i="1" u="sng" dirty="0" err="1" smtClean="0"/>
+              <a:t>sed</a:t>
+            </a:r>
+            <a:r>
+              <a:rPr lang="en-US" sz="1800" i="1" u="sng" dirty="0"/>
+              <a:t> </a:t>
+            </a:r>
+            <a:r>
+              <a:rPr lang="en-US" sz="1800" i="1" u="sng" dirty="0" smtClean="0"/>
+              <a:t>and </a:t>
+            </a:r>
+            <a:r>
+              <a:rPr lang="en-US" sz="1800" i="1" u="sng" dirty="0" err="1" smtClean="0"/>
+              <a:t>awk</a:t>
+            </a:r>
+            <a:r>
+              <a:rPr lang="en-US" sz="1800" i="1" u="sng" dirty="0" smtClean="0"/>
+              <a:t> </a:t>
+            </a:r>
+            <a:r>
+              <a:rPr lang="en-US" sz="1800" u="sng" dirty="0" smtClean="0"/>
+              <a:t>to </a:t>
+            </a:r>
+            <a:r>
+              <a:rPr lang="en-US" sz="1800" u="sng" dirty="0"/>
+              <a:t>search for </a:t>
+            </a:r>
+            <a:r>
+              <a:rPr lang="en-US" sz="1800" u="sng" dirty="0" smtClean="0"/>
+              <a:t>and change</a:t>
+            </a:r>
+            <a:endParaRPr lang="en-US" sz="1800" u="sng" dirty="0">
+              <a:solidFill>
+                <a:srgbClr val="0000FF"/>
+              </a:solidFill>
+            </a:endParaRPr>
+          </a:p>
+        </p:txBody>
+      </p:sp>
+    </p:spTree>
+    <p:extLst>
+      <p:ext uri="{BB962C8B-B14F-4D97-AF65-F5344CB8AC3E}">
+        <p14:creationId xmlns:p14="http://schemas.microsoft.com/office/powerpoint/2010/main" val="1531381446"/>
+      </p:ext>
+    </p:extLst>
+  </p:cSld>
+  <p:clrMapOvr>
+    <a:masterClrMapping/>
+  </p:clrMapOvr>
+  <p:timing>
+    <p:tnLst>
+      <p:par>
+        <p:cTn xmlns:p14="http://schemas.microsoft.com/office/powerpoint/2010/main" id="1" dur="indefinite" restart="never" nodeType="tmRoot"/>
+      </p:par>
+    </p:tnLst>
+  </p:timing>
+</p:sld>
+</file>
+
+<file path=ppt/slides/slide13.xml><?xml version="1.0" encoding="utf-8"?>
+<p:sld xmlns:a="http://schemas.openxmlformats.org/drawingml/2006/main" xmlns:r="http://schemas.openxmlformats.org/officeDocument/2006/relationships" xmlns:p="http://schemas.openxmlformats.org/presentationml/2006/main">
+  <p:cSld>
+    <p:spTree>
+      <p:nvGrpSpPr>
+        <p:cNvPr id="1" name=""/>
+        <p:cNvGrpSpPr/>
+        <p:nvPr/>
+      </p:nvGrpSpPr>
+      <p:grpSpPr>
+        <a:xfrm>
+          <a:off x="0" y="0"/>
+          <a:ext cx="0" cy="0"/>
+          <a:chOff x="0" y="0"/>
+          <a:chExt cx="0" cy="0"/>
+        </a:xfrm>
+      </p:grpSpPr>
+      <p:sp>
+        <p:nvSpPr>
+          <p:cNvPr id="2" name="Title 1"/>
+          <p:cNvSpPr>
+            <a:spLocks noGrp="1"/>
+          </p:cNvSpPr>
+          <p:nvPr>
+            <p:ph type="title"/>
+          </p:nvPr>
+        </p:nvSpPr>
+        <p:spPr/>
+        <p:txBody>
+          <a:bodyPr>
+            <a:normAutofit/>
+          </a:bodyPr>
+          <a:lstStyle/>
+          <a:p>
+            <a:pPr algn="l"/>
+            <a:r>
+              <a:rPr lang="en-US" sz="3200" u="sng" dirty="0">
+                <a:solidFill>
+                  <a:schemeClr val="tx2"/>
+                </a:solidFill>
+              </a:rPr>
+              <a:t>Version Control												</a:t>
+            </a:r>
+          </a:p>
+        </p:txBody>
+      </p:sp>
+      <p:sp>
+        <p:nvSpPr>
+          <p:cNvPr id="3" name="Content Placeholder 2"/>
+          <p:cNvSpPr>
+            <a:spLocks noGrp="1"/>
+          </p:cNvSpPr>
+          <p:nvPr>
+            <p:ph idx="1"/>
+          </p:nvPr>
+        </p:nvSpPr>
+        <p:spPr>
+          <a:xfrm>
+            <a:off x="457200" y="1204171"/>
+            <a:ext cx="8229600" cy="5130097"/>
+          </a:xfrm>
+        </p:spPr>
+        <p:txBody>
+          <a:bodyPr>
+            <a:normAutofit fontScale="85000" lnSpcReduction="20000"/>
+          </a:bodyPr>
+          <a:lstStyle/>
+          <a:p>
+            <a:pPr marL="0" indent="0">
+              <a:buNone/>
+            </a:pPr>
+            <a:r>
+              <a:rPr lang="en-US" sz="2400" b="1" dirty="0">
+                <a:solidFill>
+                  <a:srgbClr val="0000FF"/>
+                </a:solidFill>
+              </a:rPr>
+              <a:t>Aim</a:t>
+            </a:r>
+            <a:r>
+              <a:rPr lang="en-US" sz="2400" dirty="0"/>
+              <a:t>: </a:t>
+            </a:r>
+            <a:r>
+              <a:rPr lang="en-US" sz="2400" dirty="0">
+                <a:solidFill>
+                  <a:schemeClr val="accent3"/>
+                </a:solidFill>
+              </a:rPr>
+              <a:t>Keep raw data untouched and reverse to earlier version</a:t>
+            </a:r>
+          </a:p>
+          <a:p>
+            <a:pPr marL="0" indent="0">
+              <a:buNone/>
+            </a:pPr>
+            <a:endParaRPr lang="en-US" sz="1100" dirty="0"/>
+          </a:p>
+          <a:p>
+            <a:r>
+              <a:rPr lang="en-US" sz="2400" dirty="0"/>
+              <a:t>Save an untouched copy of the raw data, work on save untouched copy</a:t>
+            </a:r>
+          </a:p>
+          <a:p>
+            <a:r>
+              <a:rPr lang="en-US" sz="2400" dirty="0"/>
+              <a:t>Use a file naming convention (like v001, v002 or v1_0, v1_2, v2_0</a:t>
+            </a:r>
+          </a:p>
+          <a:p>
+            <a:r>
+              <a:rPr lang="en-US" sz="2400" dirty="0"/>
+              <a:t>Use a directory structure naming convention that includes version information</a:t>
+            </a:r>
+          </a:p>
+          <a:p>
+            <a:r>
+              <a:rPr lang="en-US" sz="2400" dirty="0"/>
+              <a:t>Date can be part of the file name, e.g. </a:t>
+            </a:r>
+          </a:p>
+          <a:p>
+            <a:pPr marL="0" indent="0">
+              <a:buNone/>
+            </a:pPr>
+            <a:r>
+              <a:rPr lang="en-US" sz="2400" b="1" dirty="0">
+                <a:solidFill>
+                  <a:schemeClr val="accent3"/>
+                </a:solidFill>
+              </a:rPr>
+              <a:t>		2012-02-27_Template_soil _</a:t>
+            </a:r>
+            <a:r>
+              <a:rPr lang="en-US" sz="2400" b="1" dirty="0" err="1">
+                <a:solidFill>
+                  <a:schemeClr val="accent3"/>
+                </a:solidFill>
+              </a:rPr>
+              <a:t>testing.xlsx</a:t>
+            </a:r>
+            <a:endParaRPr lang="en-US" sz="2400" b="1" dirty="0">
+              <a:solidFill>
+                <a:schemeClr val="accent3"/>
+              </a:solidFill>
+            </a:endParaRPr>
+          </a:p>
+          <a:p>
+            <a:r>
+              <a:rPr lang="en-US" sz="2400" dirty="0"/>
+              <a:t>Append the author’s name to the file name, e.g. </a:t>
+            </a:r>
+          </a:p>
+          <a:p>
+            <a:pPr marL="0" indent="0">
+              <a:buNone/>
+            </a:pPr>
+            <a:r>
+              <a:rPr lang="en-US" sz="2200" b="1" dirty="0">
+                <a:solidFill>
+                  <a:srgbClr val="9BBB59"/>
+                </a:solidFill>
+              </a:rPr>
+              <a:t>		</a:t>
+            </a:r>
+            <a:r>
+              <a:rPr lang="en-US" sz="2200" b="1" dirty="0" err="1">
+                <a:solidFill>
+                  <a:srgbClr val="9BBB59"/>
+                </a:solidFill>
+              </a:rPr>
+              <a:t>Template_soil</a:t>
+            </a:r>
+            <a:r>
+              <a:rPr lang="en-US" sz="2200" b="1" dirty="0">
+                <a:solidFill>
+                  <a:srgbClr val="9BBB59"/>
+                </a:solidFill>
+              </a:rPr>
+              <a:t> _</a:t>
+            </a:r>
+            <a:r>
+              <a:rPr lang="en-US" sz="2200" b="1" dirty="0" err="1">
+                <a:solidFill>
+                  <a:srgbClr val="9BBB59"/>
+                </a:solidFill>
+              </a:rPr>
+              <a:t>testing_modified_by_AH.xlsx</a:t>
+            </a:r>
+            <a:endParaRPr lang="en-US" sz="2200" b="1" dirty="0">
+              <a:solidFill>
+                <a:srgbClr val="9BBB59"/>
+              </a:solidFill>
+            </a:endParaRPr>
+          </a:p>
+          <a:p>
+            <a:r>
+              <a:rPr lang="en-US" sz="2400" dirty="0"/>
+              <a:t>Add a version number after reach major edit, e.g.  </a:t>
+            </a:r>
+          </a:p>
+          <a:p>
+            <a:pPr marL="914400" lvl="2" indent="0">
+              <a:buNone/>
+            </a:pPr>
+            <a:r>
+              <a:rPr lang="en-US" sz="2200" b="1" dirty="0" err="1">
+                <a:solidFill>
+                  <a:srgbClr val="9BBB59"/>
+                </a:solidFill>
+              </a:rPr>
+              <a:t>Template_soil</a:t>
+            </a:r>
+            <a:r>
+              <a:rPr lang="en-US" sz="2200" b="1" dirty="0">
+                <a:solidFill>
+                  <a:srgbClr val="9BBB59"/>
+                </a:solidFill>
+              </a:rPr>
+              <a:t> _testing_v03.xlsx</a:t>
+            </a:r>
+          </a:p>
+          <a:p>
+            <a:r>
+              <a:rPr lang="en-US" sz="2400" dirty="0"/>
+              <a:t>Directory top-level folders should include the project title, unique identifier, and date (year), but the files themselves </a:t>
+            </a:r>
+            <a:r>
+              <a:rPr lang="en-US" sz="2400" dirty="0" smtClean="0"/>
+              <a:t>should </a:t>
+            </a:r>
+            <a:r>
+              <a:rPr lang="en-US" sz="2400" dirty="0"/>
+              <a:t>be well-described independent of the directory structure.</a:t>
+            </a:r>
+          </a:p>
+          <a:p>
+            <a:r>
+              <a:rPr lang="en-US" sz="2400" dirty="0"/>
+              <a:t>Version control tools: </a:t>
+            </a:r>
+          </a:p>
+          <a:p>
+            <a:pPr lvl="1" indent="-342900"/>
+            <a:r>
+              <a:rPr lang="en-US" sz="2000" dirty="0"/>
+              <a:t>Wet lab: Electronic Lab Notebooks/Box/LIMS</a:t>
+            </a:r>
+          </a:p>
+          <a:p>
+            <a:pPr lvl="1" indent="-342900"/>
+            <a:r>
+              <a:rPr lang="en-US" sz="2000" dirty="0"/>
+              <a:t>Dry lab: </a:t>
+            </a:r>
+            <a:r>
+              <a:rPr lang="en-US" sz="2000" dirty="0" err="1" smtClean="0"/>
+              <a:t>Git</a:t>
+            </a:r>
+            <a:r>
+              <a:rPr lang="en-US" sz="2000" dirty="0" smtClean="0"/>
+              <a:t> (</a:t>
+            </a:r>
+            <a:r>
+              <a:rPr lang="en-US" sz="2000" dirty="0" err="1" smtClean="0"/>
+              <a:t>GitHub</a:t>
+            </a:r>
+            <a:r>
+              <a:rPr lang="en-US" sz="2000" dirty="0" smtClean="0"/>
+              <a:t>/</a:t>
+            </a:r>
+            <a:r>
+              <a:rPr lang="en-US" sz="2000" dirty="0" err="1" smtClean="0"/>
+              <a:t>GitLab</a:t>
+            </a:r>
+            <a:r>
+              <a:rPr lang="en-US" sz="2000" dirty="0" smtClean="0"/>
+              <a:t>), Subversion (SVN)</a:t>
+            </a:r>
+            <a:endParaRPr lang="en-US" sz="2000" dirty="0"/>
+          </a:p>
+          <a:p>
+            <a:pPr marL="0" indent="0">
+              <a:buNone/>
+            </a:pPr>
+            <a:endParaRPr lang="en-US" sz="2400" dirty="0"/>
+          </a:p>
+          <a:p>
+            <a:pPr marL="0" indent="0">
+              <a:buNone/>
+            </a:pPr>
+            <a:endParaRPr lang="en-US" sz="2400" u="sng" dirty="0">
+              <a:solidFill>
+                <a:srgbClr val="0000FF"/>
+              </a:solidFill>
+            </a:endParaRPr>
+          </a:p>
+        </p:txBody>
+      </p:sp>
+    </p:spTree>
+    <p:extLst>
+      <p:ext uri="{BB962C8B-B14F-4D97-AF65-F5344CB8AC3E}">
+        <p14:creationId xmlns:p14="http://schemas.microsoft.com/office/powerpoint/2010/main" val="2849588677"/>
+      </p:ext>
+    </p:extLst>
+  </p:cSld>
+  <p:clrMapOvr>
+    <a:masterClrMapping/>
+  </p:clrMapOvr>
+  <p:timing>
+    <p:tnLst>
+      <p:par>
+        <p:cTn xmlns:p14="http://schemas.microsoft.com/office/powerpoint/2010/main" id="1" dur="indefinite" restart="never" nodeType="tmRoot"/>
+      </p:par>
+    </p:tnLst>
+  </p:timing>
+</p:sld>
+</file>
+
+<file path=ppt/slides/slide14.xml><?xml version="1.0" encoding="utf-8"?>
+<p:sld xmlns:a="http://schemas.openxmlformats.org/drawingml/2006/main" xmlns:r="http://schemas.openxmlformats.org/officeDocument/2006/relationships" xmlns:p="http://schemas.openxmlformats.org/presentationml/2006/main">
+  <p:cSld>
+    <p:spTree>
+      <p:nvGrpSpPr>
+        <p:cNvPr id="1" name=""/>
+        <p:cNvGrpSpPr/>
+        <p:nvPr/>
+      </p:nvGrpSpPr>
+      <p:grpSpPr>
+        <a:xfrm>
+          <a:off x="0" y="0"/>
+          <a:ext cx="0" cy="0"/>
+          <a:chOff x="0" y="0"/>
+          <a:chExt cx="0" cy="0"/>
+        </a:xfrm>
+      </p:grpSpPr>
+      <p:sp>
+        <p:nvSpPr>
+          <p:cNvPr id="2" name="Title 1"/>
+          <p:cNvSpPr>
+            <a:spLocks noGrp="1"/>
+          </p:cNvSpPr>
+          <p:nvPr>
+            <p:ph type="title"/>
+          </p:nvPr>
+        </p:nvSpPr>
+        <p:spPr/>
+        <p:txBody>
+          <a:bodyPr>
+            <a:normAutofit/>
+          </a:bodyPr>
+          <a:lstStyle/>
+          <a:p>
+            <a:pPr algn="l"/>
+            <a:r>
+              <a:rPr lang="en-US" sz="3200" u="sng" dirty="0">
+                <a:solidFill>
+                  <a:schemeClr val="tx2"/>
+                </a:solidFill>
+              </a:rPr>
+              <a:t>Version Control Example									</a:t>
+            </a:r>
+          </a:p>
+        </p:txBody>
+      </p:sp>
+      <p:pic>
+        <p:nvPicPr>
+          <p:cNvPr id="6" name="Picture 5" descr="Screen Shot 2018-02-23 at 11.33.49.png"/>
+          <p:cNvPicPr>
+            <a:picLocks noChangeAspect="1"/>
+          </p:cNvPicPr>
+          <p:nvPr/>
+        </p:nvPicPr>
+        <p:blipFill>
+          <a:blip r:embed="rId3">
+            <a:extLst>
+              <a:ext uri="{28A0092B-C50C-407E-A947-70E740481C1C}">
+                <a14:useLocalDpi xmlns:a14="http://schemas.microsoft.com/office/drawing/2010/main" val="0"/>
+              </a:ext>
+            </a:extLst>
+          </a:blip>
+          <a:stretch>
+            <a:fillRect/>
+          </a:stretch>
+        </p:blipFill>
+        <p:spPr>
+          <a:xfrm>
+            <a:off x="0" y="1236236"/>
+            <a:ext cx="9144000" cy="4910203"/>
+          </a:xfrm>
+          <a:prstGeom prst="rect">
+            <a:avLst/>
+          </a:prstGeom>
+        </p:spPr>
+      </p:pic>
+    </p:spTree>
+    <p:extLst>
+      <p:ext uri="{BB962C8B-B14F-4D97-AF65-F5344CB8AC3E}">
+        <p14:creationId xmlns:p14="http://schemas.microsoft.com/office/powerpoint/2010/main" val="118049913"/>
+      </p:ext>
+    </p:extLst>
+  </p:cSld>
+  <p:clrMapOvr>
+    <a:masterClrMapping/>
+  </p:clrMapOvr>
+  <p:timing>
+    <p:tnLst>
+      <p:par>
+        <p:cTn xmlns:p14="http://schemas.microsoft.com/office/powerpoint/2010/main" id="1" dur="indefinite" restart="never" nodeType="tmRoot"/>
+      </p:par>
+    </p:tnLst>
+  </p:timing>
+</p:sld>
+</file>
+
+<file path=ppt/slides/slide15.xml><?xml version="1.0" encoding="utf-8"?>
+<p:sld xmlns:a="http://schemas.openxmlformats.org/drawingml/2006/main" xmlns:r="http://schemas.openxmlformats.org/officeDocument/2006/relationships" xmlns:p="http://schemas.openxmlformats.org/presentationml/2006/main">
+  <p:cSld>
+    <p:spTree>
+      <p:nvGrpSpPr>
+        <p:cNvPr id="1" name=""/>
+        <p:cNvGrpSpPr/>
+        <p:nvPr/>
+      </p:nvGrpSpPr>
+      <p:grpSpPr>
+        <a:xfrm>
+          <a:off x="0" y="0"/>
+          <a:ext cx="0" cy="0"/>
+          <a:chOff x="0" y="0"/>
+          <a:chExt cx="0" cy="0"/>
+        </a:xfrm>
+      </p:grpSpPr>
+      <p:sp>
+        <p:nvSpPr>
+          <p:cNvPr id="2" name="Title 1"/>
+          <p:cNvSpPr>
+            <a:spLocks noGrp="1"/>
+          </p:cNvSpPr>
+          <p:nvPr>
+            <p:ph type="title"/>
+          </p:nvPr>
+        </p:nvSpPr>
+        <p:spPr/>
+        <p:txBody>
+          <a:bodyPr>
+            <a:normAutofit/>
+          </a:bodyPr>
+          <a:lstStyle/>
+          <a:p>
+            <a:pPr algn="l"/>
+            <a:r>
+              <a:rPr lang="en-US" sz="3200" u="sng" dirty="0">
+                <a:solidFill>
+                  <a:schemeClr val="tx2"/>
+                </a:solidFill>
+              </a:rPr>
+              <a:t>Folder Structure												</a:t>
+            </a:r>
+          </a:p>
+        </p:txBody>
+      </p:sp>
+      <p:sp>
+        <p:nvSpPr>
+          <p:cNvPr id="3" name="Content Placeholder 2"/>
+          <p:cNvSpPr>
+            <a:spLocks noGrp="1"/>
+          </p:cNvSpPr>
+          <p:nvPr>
+            <p:ph idx="1"/>
+          </p:nvPr>
+        </p:nvSpPr>
+        <p:spPr>
+          <a:xfrm>
+            <a:off x="457200" y="1204171"/>
+            <a:ext cx="8229600" cy="5130097"/>
+          </a:xfrm>
+        </p:spPr>
+        <p:txBody>
+          <a:bodyPr>
+            <a:normAutofit/>
+          </a:bodyPr>
+          <a:lstStyle/>
+          <a:p>
+            <a:r>
+              <a:rPr lang="en-US" sz="2400" dirty="0"/>
+              <a:t>Methods of </a:t>
+            </a:r>
+            <a:r>
+              <a:rPr lang="en-US" sz="2400" dirty="0" err="1"/>
+              <a:t>organising</a:t>
+            </a:r>
+            <a:r>
+              <a:rPr lang="en-US" sz="2400" dirty="0"/>
+              <a:t> electronic material</a:t>
+            </a:r>
+          </a:p>
+          <a:p>
+            <a:pPr lvl="1" indent="-342900"/>
+            <a:r>
+              <a:rPr lang="en-US" sz="1900" b="1" dirty="0">
+                <a:solidFill>
+                  <a:srgbClr val="0000FF"/>
+                </a:solidFill>
+              </a:rPr>
+              <a:t>Hierarchical</a:t>
+            </a:r>
+            <a:r>
+              <a:rPr lang="en-US" sz="1900" dirty="0"/>
+              <a:t>: Items </a:t>
+            </a:r>
+            <a:r>
+              <a:rPr lang="en-US" sz="1900" dirty="0" err="1"/>
+              <a:t>organised</a:t>
+            </a:r>
+            <a:r>
+              <a:rPr lang="en-US" sz="1900" dirty="0"/>
+              <a:t> in folders and sub-folders</a:t>
+            </a:r>
+          </a:p>
+          <a:p>
+            <a:pPr lvl="1" indent="-342900"/>
+            <a:r>
+              <a:rPr lang="en-US" sz="1900" b="1" dirty="0">
+                <a:solidFill>
+                  <a:srgbClr val="0000FF"/>
+                </a:solidFill>
+              </a:rPr>
+              <a:t>Tag-based</a:t>
+            </a:r>
+            <a:r>
+              <a:rPr lang="en-US" sz="1900" dirty="0"/>
+              <a:t>: Each item assigned one or more tags</a:t>
+            </a:r>
+          </a:p>
+          <a:p>
+            <a:pPr lvl="1" indent="-342900"/>
+            <a:r>
+              <a:rPr lang="en-US" sz="1900" b="1" dirty="0">
+                <a:solidFill>
+                  <a:srgbClr val="0000FF"/>
+                </a:solidFill>
+              </a:rPr>
+              <a:t>Hybrid</a:t>
+            </a:r>
+            <a:r>
+              <a:rPr lang="en-US" sz="1900" dirty="0"/>
+              <a:t> combination of hierarchical and tag-based</a:t>
+            </a:r>
+          </a:p>
+          <a:p>
+            <a:pPr marL="0" indent="0">
+              <a:buNone/>
+            </a:pPr>
+            <a:endParaRPr lang="en-US" sz="2400" u="sng" dirty="0">
+              <a:solidFill>
+                <a:srgbClr val="0000FF"/>
+              </a:solidFill>
+            </a:endParaRPr>
+          </a:p>
+        </p:txBody>
+      </p:sp>
+    </p:spTree>
+    <p:extLst>
+      <p:ext uri="{BB962C8B-B14F-4D97-AF65-F5344CB8AC3E}">
+        <p14:creationId xmlns:p14="http://schemas.microsoft.com/office/powerpoint/2010/main" val="697587528"/>
+      </p:ext>
+    </p:extLst>
+  </p:cSld>
+  <p:clrMapOvr>
+    <a:masterClrMapping/>
+  </p:clrMapOvr>
+  <p:timing>
+    <p:tnLst>
+      <p:par>
+        <p:cTn xmlns:p14="http://schemas.microsoft.com/office/powerpoint/2010/main" id="1" dur="indefinite" restart="never" nodeType="tmRoot"/>
+      </p:par>
+    </p:tnLst>
+  </p:timing>
+</p:sld>
+</file>
+
+<file path=ppt/slides/slide16.xml><?xml version="1.0" encoding="utf-8"?>
+<p:sld xmlns:a="http://schemas.openxmlformats.org/drawingml/2006/main" xmlns:r="http://schemas.openxmlformats.org/officeDocument/2006/relationships" xmlns:p="http://schemas.openxmlformats.org/presentationml/2006/main">
+  <p:cSld>
+    <p:spTree>
+      <p:nvGrpSpPr>
+        <p:cNvPr id="1" name=""/>
+        <p:cNvGrpSpPr/>
+        <p:nvPr/>
+      </p:nvGrpSpPr>
+      <p:grpSpPr>
+        <a:xfrm>
+          <a:off x="0" y="0"/>
+          <a:ext cx="0" cy="0"/>
+          <a:chOff x="0" y="0"/>
+          <a:chExt cx="0" cy="0"/>
+        </a:xfrm>
+      </p:grpSpPr>
+      <p:sp>
+        <p:nvSpPr>
+          <p:cNvPr id="2" name="Title 1"/>
+          <p:cNvSpPr>
+            <a:spLocks noGrp="1"/>
+          </p:cNvSpPr>
+          <p:nvPr>
+            <p:ph type="title"/>
+          </p:nvPr>
+        </p:nvSpPr>
+        <p:spPr/>
+        <p:txBody>
+          <a:bodyPr>
+            <a:normAutofit/>
+          </a:bodyPr>
+          <a:lstStyle/>
+          <a:p>
+            <a:pPr algn="l"/>
+            <a:r>
+              <a:rPr lang="en-US" sz="3200" u="sng" dirty="0">
+                <a:solidFill>
+                  <a:schemeClr val="tx2"/>
+                </a:solidFill>
+              </a:rPr>
+              <a:t>Folder Structure Examples – Tag-based			</a:t>
+            </a:r>
+          </a:p>
+        </p:txBody>
+      </p:sp>
+      <p:pic>
+        <p:nvPicPr>
+          <p:cNvPr id="4" name="Picture 3"/>
+          <p:cNvPicPr>
+            <a:picLocks noChangeAspect="1"/>
+          </p:cNvPicPr>
+          <p:nvPr/>
+        </p:nvPicPr>
+        <p:blipFill>
+          <a:blip r:embed="rId3"/>
+          <a:stretch>
+            <a:fillRect/>
+          </a:stretch>
+        </p:blipFill>
+        <p:spPr>
+          <a:xfrm>
+            <a:off x="458286" y="1084133"/>
+            <a:ext cx="8065966" cy="5506345"/>
+          </a:xfrm>
+          <a:prstGeom prst="rect">
+            <a:avLst/>
+          </a:prstGeom>
+        </p:spPr>
+      </p:pic>
+    </p:spTree>
+    <p:extLst>
+      <p:ext uri="{BB962C8B-B14F-4D97-AF65-F5344CB8AC3E}">
+        <p14:creationId xmlns:p14="http://schemas.microsoft.com/office/powerpoint/2010/main" val="1387589393"/>
+      </p:ext>
+    </p:extLst>
+  </p:cSld>
+  <p:clrMapOvr>
+    <a:masterClrMapping/>
+  </p:clrMapOvr>
+  <p:timing>
+    <p:tnLst>
+      <p:par>
+        <p:cTn xmlns:p14="http://schemas.microsoft.com/office/powerpoint/2010/main" id="1" dur="indefinite" restart="never" nodeType="tmRoot"/>
+      </p:par>
+    </p:tnLst>
+  </p:timing>
+</p:sld>
+</file>
+
+<file path=ppt/slides/slide17.xml><?xml version="1.0" encoding="utf-8"?>
+<p:sld xmlns:a="http://schemas.openxmlformats.org/drawingml/2006/main" xmlns:r="http://schemas.openxmlformats.org/officeDocument/2006/relationships" xmlns:p="http://schemas.openxmlformats.org/presentationml/2006/main">
+  <p:cSld>
+    <p:spTree>
+      <p:nvGrpSpPr>
+        <p:cNvPr id="1" name=""/>
+        <p:cNvGrpSpPr/>
+        <p:nvPr/>
+      </p:nvGrpSpPr>
+      <p:grpSpPr>
+        <a:xfrm>
+          <a:off x="0" y="0"/>
+          <a:ext cx="0" cy="0"/>
+          <a:chOff x="0" y="0"/>
+          <a:chExt cx="0" cy="0"/>
+        </a:xfrm>
+      </p:grpSpPr>
+      <p:sp>
+        <p:nvSpPr>
+          <p:cNvPr id="2" name="Title 1"/>
+          <p:cNvSpPr>
+            <a:spLocks noGrp="1"/>
+          </p:cNvSpPr>
+          <p:nvPr>
+            <p:ph type="title"/>
+          </p:nvPr>
+        </p:nvSpPr>
+        <p:spPr/>
+        <p:txBody>
+          <a:bodyPr>
+            <a:normAutofit/>
+          </a:bodyPr>
+          <a:lstStyle/>
+          <a:p>
+            <a:pPr algn="l"/>
+            <a:r>
+              <a:rPr lang="en-US" sz="3200" u="sng" dirty="0">
+                <a:solidFill>
+                  <a:schemeClr val="tx2"/>
+                </a:solidFill>
+              </a:rPr>
+              <a:t>Folder Structure Examples – Hierarchical			</a:t>
+            </a:r>
+          </a:p>
+        </p:txBody>
+      </p:sp>
+      <p:pic>
+        <p:nvPicPr>
+          <p:cNvPr id="6" name="Content Placeholder 5" descr="Screen Shot 2018-02-23 at 11.01.13.png"/>
+          <p:cNvPicPr>
+            <a:picLocks noGrp="1" noChangeAspect="1"/>
+          </p:cNvPicPr>
+          <p:nvPr>
+            <p:ph idx="1"/>
+          </p:nvPr>
+        </p:nvPicPr>
+        <p:blipFill>
+          <a:blip r:embed="rId3">
+            <a:extLst>
+              <a:ext uri="{28A0092B-C50C-407E-A947-70E740481C1C}">
+                <a14:useLocalDpi xmlns:a14="http://schemas.microsoft.com/office/drawing/2010/main" val="0"/>
+              </a:ext>
+            </a:extLst>
+          </a:blip>
+          <a:srcRect l="-65439" r="-65439"/>
+          <a:stretch>
+            <a:fillRect/>
+          </a:stretch>
+        </p:blipFill>
+        <p:spPr>
+          <a:xfrm>
+            <a:off x="457200" y="1200259"/>
+            <a:ext cx="8229600" cy="5357675"/>
+          </a:xfrm>
+        </p:spPr>
+      </p:pic>
+    </p:spTree>
+    <p:extLst>
+      <p:ext uri="{BB962C8B-B14F-4D97-AF65-F5344CB8AC3E}">
+        <p14:creationId xmlns:p14="http://schemas.microsoft.com/office/powerpoint/2010/main" val="3570695689"/>
+      </p:ext>
+    </p:extLst>
+  </p:cSld>
+  <p:clrMapOvr>
+    <a:masterClrMapping/>
+  </p:clrMapOvr>
+  <p:timing>
+    <p:tnLst>
+      <p:par>
+        <p:cTn xmlns:p14="http://schemas.microsoft.com/office/powerpoint/2010/main" id="1" dur="indefinite" restart="never" nodeType="tmRoot"/>
+      </p:par>
+    </p:tnLst>
+  </p:timing>
+</p:sld>
+</file>
+
+<file path=ppt/slides/slide18.xml><?xml version="1.0" encoding="utf-8"?>
+<p:sld xmlns:a="http://schemas.openxmlformats.org/drawingml/2006/main" xmlns:r="http://schemas.openxmlformats.org/officeDocument/2006/relationships" xmlns:p="http://schemas.openxmlformats.org/presentationml/2006/main">
+  <p:cSld>
+    <p:spTree>
+      <p:nvGrpSpPr>
+        <p:cNvPr id="1" name=""/>
+        <p:cNvGrpSpPr/>
+        <p:nvPr/>
+      </p:nvGrpSpPr>
+      <p:grpSpPr>
+        <a:xfrm>
+          <a:off x="0" y="0"/>
+          <a:ext cx="0" cy="0"/>
+          <a:chOff x="0" y="0"/>
+          <a:chExt cx="0" cy="0"/>
+        </a:xfrm>
+      </p:grpSpPr>
+      <p:pic>
+        <p:nvPicPr>
+          <p:cNvPr id="11" name="Picture 10">
+            <a:extLst>
+              <a:ext uri="{FF2B5EF4-FFF2-40B4-BE49-F238E27FC236}">
+                <a16:creationId xmlns:a16="http://schemas.microsoft.com/office/drawing/2014/main" xmlns="" id="{E6F1BE2A-EC94-9E4A-AC59-67474BFF6EA3}"/>
+              </a:ext>
+            </a:extLst>
+          </p:cNvPr>
+          <p:cNvPicPr>
+            <a:picLocks noChangeAspect="1"/>
+          </p:cNvPicPr>
+          <p:nvPr/>
+        </p:nvPicPr>
+        <p:blipFill>
+          <a:blip r:embed="rId3"/>
+          <a:stretch>
+            <a:fillRect/>
+          </a:stretch>
+        </p:blipFill>
+        <p:spPr>
+          <a:xfrm>
+            <a:off x="2204489" y="0"/>
+            <a:ext cx="4735021" cy="6858000"/>
+          </a:xfrm>
+          <a:prstGeom prst="rect">
+            <a:avLst/>
+          </a:prstGeom>
+        </p:spPr>
+      </p:pic>
+    </p:spTree>
+    <p:extLst>
+      <p:ext uri="{BB962C8B-B14F-4D97-AF65-F5344CB8AC3E}">
+        <p14:creationId xmlns:p14="http://schemas.microsoft.com/office/powerpoint/2010/main" val="2150412620"/>
+      </p:ext>
+    </p:extLst>
+  </p:cSld>
+  <p:clrMapOvr>
+    <a:masterClrMapping/>
+  </p:clrMapOvr>
+  <p:timing>
+    <p:tnLst>
+      <p:par>
+        <p:cTn xmlns:p14="http://schemas.microsoft.com/office/powerpoint/2010/main" id="1" dur="indefinite" restart="never" nodeType="tmRoot"/>
+      </p:par>
+    </p:tnLst>
+  </p:timing>
+</p:sld>
+</file>
+
+<file path=ppt/slides/slide19.xml><?xml version="1.0" encoding="utf-8"?>
+<p:sld xmlns:a="http://schemas.openxmlformats.org/drawingml/2006/main" xmlns:r="http://schemas.openxmlformats.org/officeDocument/2006/relationships" xmlns:p="http://schemas.openxmlformats.org/presentationml/2006/main">
+  <p:cSld>
+    <p:spTree>
+      <p:nvGrpSpPr>
+        <p:cNvPr id="1" name=""/>
+        <p:cNvGrpSpPr/>
+        <p:nvPr/>
+      </p:nvGrpSpPr>
+      <p:grpSpPr>
+        <a:xfrm>
+          <a:off x="0" y="0"/>
+          <a:ext cx="0" cy="0"/>
+          <a:chOff x="0" y="0"/>
+          <a:chExt cx="0" cy="0"/>
+        </a:xfrm>
+      </p:grpSpPr>
+      <p:sp>
+        <p:nvSpPr>
+          <p:cNvPr id="2" name="Title 1"/>
+          <p:cNvSpPr>
+            <a:spLocks noGrp="1"/>
+          </p:cNvSpPr>
+          <p:nvPr>
+            <p:ph type="title"/>
+          </p:nvPr>
+        </p:nvSpPr>
+        <p:spPr/>
+        <p:txBody>
+          <a:bodyPr>
+            <a:normAutofit/>
+          </a:bodyPr>
+          <a:lstStyle/>
+          <a:p>
+            <a:pPr algn="l"/>
+            <a:r>
+              <a:rPr lang="en-US" sz="3200" u="sng" dirty="0">
+                <a:solidFill>
+                  <a:schemeClr val="tx2"/>
+                </a:solidFill>
+              </a:rPr>
+              <a:t>Small Group Discussion									</a:t>
+            </a:r>
+          </a:p>
+        </p:txBody>
+      </p:sp>
+      <p:sp>
+        <p:nvSpPr>
+          <p:cNvPr id="3" name="Content Placeholder 2"/>
+          <p:cNvSpPr>
+            <a:spLocks noGrp="1"/>
+          </p:cNvSpPr>
+          <p:nvPr>
+            <p:ph idx="1"/>
+          </p:nvPr>
+        </p:nvSpPr>
+        <p:spPr>
+          <a:xfrm>
+            <a:off x="457200" y="1600200"/>
+            <a:ext cx="8229600" cy="4734068"/>
+          </a:xfrm>
+        </p:spPr>
+        <p:txBody>
+          <a:bodyPr>
+            <a:normAutofit/>
+          </a:bodyPr>
+          <a:lstStyle/>
+          <a:p>
+            <a:r>
+              <a:rPr lang="en-US" sz="2400" dirty="0"/>
+              <a:t>What sort of structure(s) do you currently use?</a:t>
+            </a:r>
+          </a:p>
+          <a:p>
+            <a:r>
+              <a:rPr lang="en-US" sz="2400" dirty="0"/>
+              <a:t>What do you see as the key advantages and disadvantages of the different types of system?</a:t>
+            </a:r>
+          </a:p>
+          <a:p>
+            <a:r>
+              <a:rPr lang="en-US" sz="2400" dirty="0"/>
+              <a:t>Are there specific tasks one sort of system seems particularly suitable for? How does this apply to your research project?</a:t>
+            </a:r>
+          </a:p>
+        </p:txBody>
+      </p:sp>
+    </p:spTree>
+    <p:extLst>
+      <p:ext uri="{BB962C8B-B14F-4D97-AF65-F5344CB8AC3E}">
+        <p14:creationId xmlns:p14="http://schemas.microsoft.com/office/powerpoint/2010/main" val="3580087969"/>
+      </p:ext>
+    </p:extLst>
+  </p:cSld>
+  <p:clrMapOvr>
+    <a:masterClrMapping/>
+  </p:clrMapOvr>
+  <p:timing>
+    <p:tnLst>
+      <p:par>
+        <p:cTn xmlns:p14="http://schemas.microsoft.com/office/powerpoint/2010/main" id="1" dur="indefinite" restart="never" nodeType="tmRoot"/>
+      </p:par>
+    </p:tnLst>
+  </p:timing>
+</p:sld>
+</file>
+
+<file path=ppt/slides/slide2.xml><?xml version="1.0" encoding="utf-8"?>
+<p:sld xmlns:a="http://schemas.openxmlformats.org/drawingml/2006/main" xmlns:r="http://schemas.openxmlformats.org/officeDocument/2006/relationships" xmlns:p="http://schemas.openxmlformats.org/presentationml/2006/main">
+  <p:cSld>
+    <p:spTree>
+      <p:nvGrpSpPr>
+        <p:cNvPr id="1" name=""/>
+        <p:cNvGrpSpPr/>
+        <p:nvPr/>
+      </p:nvGrpSpPr>
+      <p:grpSpPr>
+        <a:xfrm>
+          <a:off x="0" y="0"/>
+          <a:ext cx="0" cy="0"/>
+          <a:chOff x="0" y="0"/>
+          <a:chExt cx="0" cy="0"/>
+        </a:xfrm>
+      </p:grpSpPr>
+      <p:sp>
+        <p:nvSpPr>
+          <p:cNvPr id="2" name="Title 1"/>
+          <p:cNvSpPr>
+            <a:spLocks noGrp="1"/>
+          </p:cNvSpPr>
+          <p:nvPr>
+            <p:ph type="title"/>
+          </p:nvPr>
+        </p:nvSpPr>
+        <p:spPr/>
+        <p:txBody>
+          <a:bodyPr>
+            <a:normAutofit/>
+          </a:bodyPr>
+          <a:lstStyle/>
+          <a:p>
+            <a:pPr algn="l"/>
+            <a:r>
+              <a:rPr lang="en-US" sz="3200" u="sng" dirty="0" smtClean="0">
+                <a:solidFill>
+                  <a:schemeClr val="tx2"/>
+                </a:solidFill>
+              </a:rPr>
+              <a:t>Introduction</a:t>
+            </a:r>
+            <a:r>
+              <a:rPr lang="en-US" sz="3200" u="sng" dirty="0">
+                <a:solidFill>
+                  <a:schemeClr val="tx2"/>
+                </a:solidFill>
+              </a:rPr>
+              <a:t>										</a:t>
+            </a:r>
+          </a:p>
+        </p:txBody>
+      </p:sp>
+      <p:sp>
+        <p:nvSpPr>
+          <p:cNvPr id="3" name="Content Placeholder 2"/>
+          <p:cNvSpPr>
+            <a:spLocks noGrp="1"/>
+          </p:cNvSpPr>
+          <p:nvPr>
+            <p:ph idx="1"/>
+          </p:nvPr>
+        </p:nvSpPr>
+        <p:spPr>
+          <a:xfrm>
+            <a:off x="457200" y="1600200"/>
+            <a:ext cx="8229600" cy="4734068"/>
+          </a:xfrm>
+        </p:spPr>
+        <p:txBody>
+          <a:bodyPr>
+            <a:normAutofit fontScale="85000" lnSpcReduction="10000"/>
+          </a:bodyPr>
+          <a:lstStyle/>
+          <a:p>
+            <a:r>
+              <a:rPr lang="en-US" dirty="0"/>
+              <a:t>Why file management of your research data is important</a:t>
+            </a:r>
+          </a:p>
+          <a:p>
+            <a:endParaRPr lang="en-US" sz="2600" dirty="0"/>
+          </a:p>
+          <a:p>
+            <a:r>
+              <a:rPr lang="en-US" dirty="0"/>
+              <a:t>Specific techniques for organizing your research data,</a:t>
+            </a:r>
+          </a:p>
+          <a:p>
+            <a:pPr marL="857250" lvl="1" indent="-457200"/>
+            <a:r>
+              <a:rPr lang="en-US" dirty="0" smtClean="0"/>
+              <a:t>File </a:t>
+            </a:r>
+            <a:r>
+              <a:rPr lang="en-US" dirty="0"/>
+              <a:t>structures</a:t>
+            </a:r>
+          </a:p>
+          <a:p>
+            <a:pPr marL="857250" lvl="1" indent="-457200"/>
+            <a:r>
+              <a:rPr lang="en-US" dirty="0" smtClean="0"/>
+              <a:t>File </a:t>
+            </a:r>
+            <a:r>
+              <a:rPr lang="en-US" dirty="0"/>
+              <a:t>naming</a:t>
+            </a:r>
+          </a:p>
+          <a:p>
+            <a:pPr marL="857250" lvl="1" indent="-457200"/>
+            <a:r>
+              <a:rPr lang="en-US" dirty="0" smtClean="0"/>
+              <a:t>Version control</a:t>
+            </a:r>
+          </a:p>
+          <a:p>
+            <a:pPr marL="857250" lvl="1" indent="-457200"/>
+            <a:r>
+              <a:rPr lang="en-US" dirty="0" smtClean="0"/>
+              <a:t>Storage</a:t>
+            </a:r>
+            <a:endParaRPr lang="en-US" dirty="0"/>
+          </a:p>
+          <a:p>
+            <a:pPr marL="0" indent="0">
+              <a:buNone/>
+            </a:pPr>
+            <a:endParaRPr lang="en-US" dirty="0"/>
+          </a:p>
+          <a:p>
+            <a:r>
+              <a:rPr lang="en-US" dirty="0"/>
+              <a:t>Focuses on research data, also applies to other types of files</a:t>
+            </a:r>
+          </a:p>
+          <a:p>
+            <a:endParaRPr lang="en-US" dirty="0"/>
+          </a:p>
+        </p:txBody>
+      </p:sp>
+    </p:spTree>
+    <p:extLst>
+      <p:ext uri="{BB962C8B-B14F-4D97-AF65-F5344CB8AC3E}">
+        <p14:creationId xmlns:p14="http://schemas.microsoft.com/office/powerpoint/2010/main" val="296149702"/>
+      </p:ext>
+    </p:extLst>
+  </p:cSld>
+  <p:clrMapOvr>
+    <a:masterClrMapping/>
+  </p:clrMapOvr>
+  <p:timing>
+    <p:tnLst>
+      <p:par>
+        <p:cTn xmlns:p14="http://schemas.microsoft.com/office/powerpoint/2010/main" id="1" dur="indefinite" restart="never" nodeType="tmRoot"/>
+      </p:par>
+    </p:tnLst>
+  </p:timing>
+</p:sld>
+</file>
+
+<file path=ppt/slides/slide3.xml><?xml version="1.0" encoding="utf-8"?>
+<p:sld xmlns:a="http://schemas.openxmlformats.org/drawingml/2006/main" xmlns:r="http://schemas.openxmlformats.org/officeDocument/2006/relationships" xmlns:p="http://schemas.openxmlformats.org/presentationml/2006/main">
+  <p:cSld>
+    <p:spTree>
+      <p:nvGrpSpPr>
+        <p:cNvPr id="1" name=""/>
+        <p:cNvGrpSpPr/>
+        <p:nvPr/>
+      </p:nvGrpSpPr>
+      <p:grpSpPr>
+        <a:xfrm>
+          <a:off x="0" y="0"/>
+          <a:ext cx="0" cy="0"/>
+          <a:chOff x="0" y="0"/>
+          <a:chExt cx="0" cy="0"/>
+        </a:xfrm>
+      </p:grpSpPr>
+      <p:sp>
+        <p:nvSpPr>
+          <p:cNvPr id="2" name="Title 1"/>
+          <p:cNvSpPr>
+            <a:spLocks noGrp="1"/>
+          </p:cNvSpPr>
+          <p:nvPr>
+            <p:ph type="title"/>
+          </p:nvPr>
+        </p:nvSpPr>
+        <p:spPr/>
+        <p:txBody>
+          <a:bodyPr>
+            <a:normAutofit/>
+          </a:bodyPr>
+          <a:lstStyle/>
+          <a:p>
+            <a:pPr algn="l"/>
+            <a:r>
+              <a:rPr lang="en-US" sz="3200" u="sng" dirty="0">
+                <a:solidFill>
+                  <a:schemeClr val="tx2"/>
+                </a:solidFill>
+              </a:rPr>
+              <a:t>Research Data Lifecycle									</a:t>
+            </a:r>
+          </a:p>
+        </p:txBody>
+      </p:sp>
+      <p:sp>
+        <p:nvSpPr>
+          <p:cNvPr id="3" name="Content Placeholder 2"/>
+          <p:cNvSpPr>
+            <a:spLocks noGrp="1"/>
+          </p:cNvSpPr>
+          <p:nvPr>
+            <p:ph idx="1"/>
+          </p:nvPr>
+        </p:nvSpPr>
+        <p:spPr>
+          <a:xfrm>
+            <a:off x="457200" y="1600200"/>
+            <a:ext cx="8229600" cy="4734068"/>
+          </a:xfrm>
+        </p:spPr>
+        <p:txBody>
+          <a:bodyPr>
+            <a:normAutofit/>
+          </a:bodyPr>
+          <a:lstStyle/>
+          <a:p>
+            <a:pPr marL="0" indent="0" algn="ctr">
+              <a:buNone/>
+            </a:pPr>
+            <a:r>
+              <a:rPr lang="en-US" sz="2400" dirty="0">
+                <a:hlinkClick r:id="rId3"/>
+              </a:rPr>
+              <a:t>Lifecycle: </a:t>
+            </a:r>
+            <a:r>
+              <a:rPr lang="en-US" sz="2400" dirty="0"/>
+              <a:t> </a:t>
+            </a:r>
+            <a:r>
+              <a:rPr lang="en-US" sz="2400" dirty="0">
+                <a:hlinkClick r:id="rId4"/>
+              </a:rPr>
+              <a:t>https://www.youtube.com/watch-wjFMMQD3UA&amp;feature=youtu.be</a:t>
+            </a:r>
+            <a:endParaRPr lang="en-US" sz="2400" dirty="0"/>
+          </a:p>
+          <a:p>
+            <a:pPr marL="0" indent="0" algn="ctr">
+              <a:buNone/>
+            </a:pPr>
+            <a:endParaRPr lang="en-US" sz="2400" dirty="0"/>
+          </a:p>
+        </p:txBody>
+      </p:sp>
+      <p:pic>
+        <p:nvPicPr>
+          <p:cNvPr id="4" name="Picture 3" descr="Screen Shot 2018-02-23 at 08.09.56.png"/>
+          <p:cNvPicPr>
+            <a:picLocks noChangeAspect="1"/>
+          </p:cNvPicPr>
+          <p:nvPr/>
+        </p:nvPicPr>
+        <p:blipFill>
+          <a:blip r:embed="rId5">
+            <a:extLst>
+              <a:ext uri="{28A0092B-C50C-407E-A947-70E740481C1C}">
+                <a14:useLocalDpi xmlns:a14="http://schemas.microsoft.com/office/drawing/2010/main" val="0"/>
+              </a:ext>
+            </a:extLst>
+          </a:blip>
+          <a:stretch>
+            <a:fillRect/>
+          </a:stretch>
+        </p:blipFill>
+        <p:spPr>
+          <a:xfrm>
+            <a:off x="1683517" y="1353240"/>
+            <a:ext cx="5656425" cy="5225359"/>
+          </a:xfrm>
+          <a:prstGeom prst="rect">
+            <a:avLst/>
+          </a:prstGeom>
+        </p:spPr>
+      </p:pic>
+    </p:spTree>
+    <p:extLst>
+      <p:ext uri="{BB962C8B-B14F-4D97-AF65-F5344CB8AC3E}">
+        <p14:creationId xmlns:p14="http://schemas.microsoft.com/office/powerpoint/2010/main" val="4089800931"/>
+      </p:ext>
+    </p:extLst>
+  </p:cSld>
+  <p:clrMapOvr>
+    <a:masterClrMapping/>
+  </p:clrMapOvr>
+  <p:timing>
+    <p:tnLst>
+      <p:par>
+        <p:cTn xmlns:p14="http://schemas.microsoft.com/office/powerpoint/2010/main" id="1" dur="indefinite" restart="never" nodeType="tmRoot"/>
+      </p:par>
+    </p:tnLst>
+  </p:timing>
+</p:sld>
+</file>
+
+<file path=ppt/slides/slide4.xml><?xml version="1.0" encoding="utf-8"?>
+<p:sld xmlns:a="http://schemas.openxmlformats.org/drawingml/2006/main" xmlns:r="http://schemas.openxmlformats.org/officeDocument/2006/relationships" xmlns:p="http://schemas.openxmlformats.org/presentationml/2006/main">
+  <p:cSld>
+    <p:spTree>
+      <p:nvGrpSpPr>
+        <p:cNvPr id="1" name=""/>
+        <p:cNvGrpSpPr/>
+        <p:nvPr/>
+      </p:nvGrpSpPr>
+      <p:grpSpPr>
+        <a:xfrm>
+          <a:off x="0" y="0"/>
+          <a:ext cx="0" cy="0"/>
+          <a:chOff x="0" y="0"/>
+          <a:chExt cx="0" cy="0"/>
+        </a:xfrm>
+      </p:grpSpPr>
+      <p:sp>
+        <p:nvSpPr>
+          <p:cNvPr id="2" name="Title 1"/>
+          <p:cNvSpPr>
+            <a:spLocks noGrp="1"/>
+          </p:cNvSpPr>
+          <p:nvPr>
+            <p:ph type="title"/>
+          </p:nvPr>
+        </p:nvSpPr>
+        <p:spPr/>
+        <p:txBody>
+          <a:bodyPr>
+            <a:normAutofit/>
+          </a:bodyPr>
+          <a:lstStyle/>
+          <a:p>
+            <a:pPr algn="l"/>
+            <a:r>
+              <a:rPr lang="en-US" sz="3200" u="sng" dirty="0">
+                <a:solidFill>
+                  <a:schemeClr val="tx2"/>
+                </a:solidFill>
+              </a:rPr>
+              <a:t>Data Management Checklist 1/2						</a:t>
+            </a:r>
+          </a:p>
+        </p:txBody>
+      </p:sp>
+      <p:sp>
+        <p:nvSpPr>
+          <p:cNvPr id="3" name="Content Placeholder 2"/>
+          <p:cNvSpPr>
+            <a:spLocks noGrp="1"/>
+          </p:cNvSpPr>
+          <p:nvPr>
+            <p:ph idx="1"/>
+          </p:nvPr>
+        </p:nvSpPr>
+        <p:spPr>
+          <a:xfrm>
+            <a:off x="457200" y="1600200"/>
+            <a:ext cx="8229600" cy="4734068"/>
+          </a:xfrm>
+        </p:spPr>
+        <p:txBody>
+          <a:bodyPr>
+            <a:normAutofit/>
+          </a:bodyPr>
+          <a:lstStyle/>
+          <a:p>
+            <a:pPr marL="0" indent="0">
+              <a:buNone/>
+            </a:pPr>
+            <a:endParaRPr lang="en-US" sz="2400" dirty="0"/>
+          </a:p>
+          <a:p>
+            <a:pPr marL="0" indent="0">
+              <a:buNone/>
+            </a:pPr>
+            <a:endParaRPr lang="en-US" sz="2400" dirty="0"/>
+          </a:p>
+        </p:txBody>
+      </p:sp>
+      <p:pic>
+        <p:nvPicPr>
+          <p:cNvPr id="6" name="Picture 5" descr="Screen Shot 2018-02-23 at 08.17.28.png"/>
+          <p:cNvPicPr>
+            <a:picLocks noChangeAspect="1"/>
+          </p:cNvPicPr>
+          <p:nvPr/>
+        </p:nvPicPr>
+        <p:blipFill>
+          <a:blip r:embed="rId3">
+            <a:extLst>
+              <a:ext uri="{28A0092B-C50C-407E-A947-70E740481C1C}">
+                <a14:useLocalDpi xmlns:a14="http://schemas.microsoft.com/office/drawing/2010/main" val="0"/>
+              </a:ext>
+            </a:extLst>
+          </a:blip>
+          <a:stretch>
+            <a:fillRect/>
+          </a:stretch>
+        </p:blipFill>
+        <p:spPr>
+          <a:xfrm>
+            <a:off x="1003300" y="1236188"/>
+            <a:ext cx="7124700" cy="4686300"/>
+          </a:xfrm>
+          <a:prstGeom prst="rect">
+            <a:avLst/>
+          </a:prstGeom>
+        </p:spPr>
+      </p:pic>
+    </p:spTree>
+    <p:extLst>
+      <p:ext uri="{BB962C8B-B14F-4D97-AF65-F5344CB8AC3E}">
+        <p14:creationId xmlns:p14="http://schemas.microsoft.com/office/powerpoint/2010/main" val="3022230750"/>
+      </p:ext>
+    </p:extLst>
+  </p:cSld>
+  <p:clrMapOvr>
+    <a:masterClrMapping/>
+  </p:clrMapOvr>
+  <p:timing>
+    <p:tnLst>
+      <p:par>
+        <p:cTn xmlns:p14="http://schemas.microsoft.com/office/powerpoint/2010/main" id="1" dur="indefinite" restart="never" nodeType="tmRoot"/>
+      </p:par>
+    </p:tnLst>
+  </p:timing>
+</p:sld>
+</file>
+
+<file path=ppt/slides/slide5.xml><?xml version="1.0" encoding="utf-8"?>
+<p:sld xmlns:a="http://schemas.openxmlformats.org/drawingml/2006/main" xmlns:r="http://schemas.openxmlformats.org/officeDocument/2006/relationships" xmlns:p="http://schemas.openxmlformats.org/presentationml/2006/main">
+  <p:cSld>
+    <p:spTree>
+      <p:nvGrpSpPr>
+        <p:cNvPr id="1" name=""/>
+        <p:cNvGrpSpPr/>
+        <p:nvPr/>
+      </p:nvGrpSpPr>
+      <p:grpSpPr>
+        <a:xfrm>
+          <a:off x="0" y="0"/>
+          <a:ext cx="0" cy="0"/>
+          <a:chOff x="0" y="0"/>
+          <a:chExt cx="0" cy="0"/>
+        </a:xfrm>
+      </p:grpSpPr>
+      <p:sp>
+        <p:nvSpPr>
+          <p:cNvPr id="2" name="Title 1"/>
+          <p:cNvSpPr>
+            <a:spLocks noGrp="1"/>
+          </p:cNvSpPr>
+          <p:nvPr>
+            <p:ph type="title"/>
+          </p:nvPr>
+        </p:nvSpPr>
+        <p:spPr/>
+        <p:txBody>
+          <a:bodyPr>
+            <a:normAutofit/>
+          </a:bodyPr>
+          <a:lstStyle/>
+          <a:p>
+            <a:pPr algn="l"/>
+            <a:r>
+              <a:rPr lang="en-US" sz="3200" u="sng" dirty="0">
+                <a:solidFill>
+                  <a:schemeClr val="tx2"/>
+                </a:solidFill>
+              </a:rPr>
+              <a:t>Data Management Checklist 2/2						</a:t>
+            </a:r>
+          </a:p>
+        </p:txBody>
+      </p:sp>
+      <p:sp>
+        <p:nvSpPr>
+          <p:cNvPr id="3" name="Content Placeholder 2"/>
+          <p:cNvSpPr>
+            <a:spLocks noGrp="1"/>
+          </p:cNvSpPr>
+          <p:nvPr>
+            <p:ph idx="1"/>
+          </p:nvPr>
+        </p:nvSpPr>
+        <p:spPr>
+          <a:xfrm>
+            <a:off x="457200" y="1600200"/>
+            <a:ext cx="8229600" cy="4734068"/>
+          </a:xfrm>
+        </p:spPr>
+        <p:txBody>
+          <a:bodyPr>
+            <a:normAutofit/>
+          </a:bodyPr>
+          <a:lstStyle/>
+          <a:p>
+            <a:pPr marL="0" indent="0">
+              <a:buNone/>
+            </a:pPr>
+            <a:endParaRPr lang="en-US" sz="2400" dirty="0"/>
+          </a:p>
+          <a:p>
+            <a:pPr marL="0" indent="0">
+              <a:buNone/>
+            </a:pPr>
+            <a:endParaRPr lang="en-US" sz="2400" dirty="0"/>
+          </a:p>
+        </p:txBody>
+      </p:sp>
+      <p:pic>
+        <p:nvPicPr>
+          <p:cNvPr id="6" name="Picture 5" descr="Screen Shot 2018-02-23 at 08.17.48.png"/>
+          <p:cNvPicPr>
+            <a:picLocks noChangeAspect="1"/>
+          </p:cNvPicPr>
+          <p:nvPr/>
+        </p:nvPicPr>
+        <p:blipFill>
+          <a:blip r:embed="rId3">
+            <a:extLst>
+              <a:ext uri="{28A0092B-C50C-407E-A947-70E740481C1C}">
+                <a14:useLocalDpi xmlns:a14="http://schemas.microsoft.com/office/drawing/2010/main" val="0"/>
+              </a:ext>
+            </a:extLst>
+          </a:blip>
+          <a:stretch>
+            <a:fillRect/>
+          </a:stretch>
+        </p:blipFill>
+        <p:spPr>
+          <a:xfrm>
+            <a:off x="1003300" y="1187233"/>
+            <a:ext cx="7137400" cy="4965700"/>
+          </a:xfrm>
+          <a:prstGeom prst="rect">
+            <a:avLst/>
+          </a:prstGeom>
+        </p:spPr>
+      </p:pic>
+    </p:spTree>
+    <p:extLst>
+      <p:ext uri="{BB962C8B-B14F-4D97-AF65-F5344CB8AC3E}">
+        <p14:creationId xmlns:p14="http://schemas.microsoft.com/office/powerpoint/2010/main" val="690212975"/>
+      </p:ext>
+    </p:extLst>
+  </p:cSld>
+  <p:clrMapOvr>
+    <a:masterClrMapping/>
+  </p:clrMapOvr>
+  <p:timing>
+    <p:tnLst>
+      <p:par>
+        <p:cTn xmlns:p14="http://schemas.microsoft.com/office/powerpoint/2010/main" id="1" dur="indefinite" restart="never" nodeType="tmRoot"/>
+      </p:par>
+    </p:tnLst>
+  </p:timing>
+</p:sld>
+</file>
+
+<file path=ppt/slides/slide6.xml><?xml version="1.0" encoding="utf-8"?>
+<p:sld xmlns:a="http://schemas.openxmlformats.org/drawingml/2006/main" xmlns:r="http://schemas.openxmlformats.org/officeDocument/2006/relationships" xmlns:p="http://schemas.openxmlformats.org/presentationml/2006/main">
+  <p:cSld>
+    <p:spTree>
+      <p:nvGrpSpPr>
+        <p:cNvPr id="1" name=""/>
+        <p:cNvGrpSpPr/>
+        <p:nvPr/>
+      </p:nvGrpSpPr>
+      <p:grpSpPr>
+        <a:xfrm>
+          <a:off x="0" y="0"/>
+          <a:ext cx="0" cy="0"/>
+          <a:chOff x="0" y="0"/>
+          <a:chExt cx="0" cy="0"/>
+        </a:xfrm>
+      </p:grpSpPr>
+      <p:sp>
+        <p:nvSpPr>
+          <p:cNvPr id="2" name="Title 1"/>
+          <p:cNvSpPr>
+            <a:spLocks noGrp="1"/>
+          </p:cNvSpPr>
+          <p:nvPr>
+            <p:ph type="title"/>
+          </p:nvPr>
+        </p:nvSpPr>
+        <p:spPr/>
+        <p:txBody>
+          <a:bodyPr>
+            <a:normAutofit/>
+          </a:bodyPr>
+          <a:lstStyle/>
+          <a:p>
+            <a:pPr algn="l"/>
+            <a:r>
+              <a:rPr lang="en-US" sz="3200" u="sng" dirty="0">
+                <a:solidFill>
+                  <a:schemeClr val="tx2"/>
+                </a:solidFill>
+              </a:rPr>
+              <a:t>Data Management Checklist							</a:t>
+            </a:r>
+          </a:p>
+        </p:txBody>
+      </p:sp>
+      <p:sp>
+        <p:nvSpPr>
+          <p:cNvPr id="3" name="Content Placeholder 2"/>
+          <p:cNvSpPr>
+            <a:spLocks noGrp="1"/>
+          </p:cNvSpPr>
+          <p:nvPr>
+            <p:ph idx="1"/>
+          </p:nvPr>
+        </p:nvSpPr>
+        <p:spPr>
+          <a:xfrm>
+            <a:off x="457200" y="1600200"/>
+            <a:ext cx="8229600" cy="4734068"/>
+          </a:xfrm>
+        </p:spPr>
+        <p:txBody>
+          <a:bodyPr>
+            <a:normAutofit/>
+          </a:bodyPr>
+          <a:lstStyle/>
+          <a:p>
+            <a:pPr marL="0" indent="0">
+              <a:buNone/>
+            </a:pPr>
+            <a:endParaRPr lang="en-US" sz="2400" dirty="0"/>
+          </a:p>
+          <a:p>
+            <a:pPr marL="0" indent="0">
+              <a:buNone/>
+            </a:pPr>
+            <a:endParaRPr lang="en-US" sz="2400" dirty="0"/>
+          </a:p>
+        </p:txBody>
+      </p:sp>
+      <p:sp>
+        <p:nvSpPr>
+          <p:cNvPr id="5" name="Content Placeholder 2"/>
+          <p:cNvSpPr txBox="1">
+            <a:spLocks/>
+          </p:cNvSpPr>
+          <p:nvPr/>
+        </p:nvSpPr>
+        <p:spPr>
+          <a:xfrm>
+            <a:off x="609600" y="1274230"/>
+            <a:ext cx="8229600" cy="5389947"/>
+          </a:xfrm>
+          <a:prstGeom prst="rect">
+            <a:avLst/>
+          </a:prstGeom>
+        </p:spPr>
+        <p:txBody>
+          <a:bodyPr vert="horz" lIns="91440" tIns="45720" rIns="91440" bIns="45720" rtlCol="0">
+            <a:normAutofit/>
+          </a:bodyPr>
+          <a:lstStyle>
+            <a:lvl1pPr marL="342900" indent="-342900" algn="l" defTabSz="457200" rtl="0" eaLnBrk="1" latinLnBrk="0" hangingPunct="1">
+              <a:spcBef>
+                <a:spcPct val="20000"/>
+              </a:spcBef>
+              <a:buFont typeface="Arial"/>
+              <a:buChar char="•"/>
+              <a:defRPr sz="3200" kern="1200">
+                <a:solidFill>
+                  <a:schemeClr val="tx1"/>
+                </a:solidFill>
+                <a:latin typeface="+mn-lt"/>
+                <a:ea typeface="+mn-ea"/>
+                <a:cs typeface="+mn-cs"/>
+              </a:defRPr>
+            </a:lvl1pPr>
+            <a:lvl2pPr marL="742950" indent="-285750" algn="l" defTabSz="457200" rtl="0" eaLnBrk="1" latinLnBrk="0" hangingPunct="1">
+              <a:spcBef>
+                <a:spcPct val="20000"/>
+              </a:spcBef>
+              <a:buFont typeface="Arial"/>
+              <a:buChar char="–"/>
+              <a:defRPr sz="2800" kern="1200">
+                <a:solidFill>
+                  <a:schemeClr val="tx1"/>
+                </a:solidFill>
+                <a:latin typeface="+mn-lt"/>
+                <a:ea typeface="+mn-ea"/>
+                <a:cs typeface="+mn-cs"/>
+              </a:defRPr>
+            </a:lvl2pPr>
+            <a:lvl3pPr marL="1143000" indent="-228600" algn="l" defTabSz="457200" rtl="0" eaLnBrk="1" latinLnBrk="0" hangingPunct="1">
+              <a:spcBef>
+                <a:spcPct val="20000"/>
+              </a:spcBef>
+              <a:buFont typeface="Arial"/>
+              <a:buChar char="•"/>
+              <a:defRPr sz="2400" kern="1200">
+                <a:solidFill>
+                  <a:schemeClr val="tx1"/>
+                </a:solidFill>
+                <a:latin typeface="+mn-lt"/>
+                <a:ea typeface="+mn-ea"/>
+                <a:cs typeface="+mn-cs"/>
+              </a:defRPr>
+            </a:lvl3pPr>
+            <a:lvl4pPr marL="1600200" indent="-228600" algn="l" defTabSz="457200" rtl="0" eaLnBrk="1" latinLnBrk="0" hangingPunct="1">
+              <a:spcBef>
+                <a:spcPct val="20000"/>
+              </a:spcBef>
+              <a:buFont typeface="Arial"/>
+              <a:buChar char="–"/>
+              <a:defRPr sz="2000" kern="1200">
+                <a:solidFill>
+                  <a:schemeClr val="tx1"/>
+                </a:solidFill>
+                <a:latin typeface="+mn-lt"/>
+                <a:ea typeface="+mn-ea"/>
+                <a:cs typeface="+mn-cs"/>
+              </a:defRPr>
+            </a:lvl4pPr>
+            <a:lvl5pPr marL="2057400" indent="-228600" algn="l" defTabSz="457200" rtl="0" eaLnBrk="1" latinLnBrk="0" hangingPunct="1">
+              <a:spcBef>
+                <a:spcPct val="20000"/>
+              </a:spcBef>
+              <a:buFont typeface="Arial"/>
+              <a:buChar char="»"/>
+              <a:defRPr sz="2000" kern="1200">
+                <a:solidFill>
+                  <a:schemeClr val="tx1"/>
+                </a:solidFill>
+                <a:latin typeface="+mn-lt"/>
+                <a:ea typeface="+mn-ea"/>
+                <a:cs typeface="+mn-cs"/>
+              </a:defRPr>
+            </a:lvl5pPr>
+            <a:lvl6pPr marL="2514600" indent="-228600" algn="l" defTabSz="457200" rtl="0" eaLnBrk="1" latinLnBrk="0" hangingPunct="1">
+              <a:spcBef>
+                <a:spcPct val="20000"/>
+              </a:spcBef>
+              <a:buFont typeface="Arial"/>
+              <a:buChar char="•"/>
+              <a:defRPr sz="2000" kern="1200">
+                <a:solidFill>
+                  <a:schemeClr val="tx1"/>
+                </a:solidFill>
+                <a:latin typeface="+mn-lt"/>
+                <a:ea typeface="+mn-ea"/>
+                <a:cs typeface="+mn-cs"/>
+              </a:defRPr>
+            </a:lvl6pPr>
+            <a:lvl7pPr marL="2971800" indent="-228600" algn="l" defTabSz="457200" rtl="0" eaLnBrk="1" latinLnBrk="0" hangingPunct="1">
+              <a:spcBef>
+                <a:spcPct val="20000"/>
+              </a:spcBef>
+              <a:buFont typeface="Arial"/>
+              <a:buChar char="•"/>
+              <a:defRPr sz="2000" kern="1200">
+                <a:solidFill>
+                  <a:schemeClr val="tx1"/>
+                </a:solidFill>
+                <a:latin typeface="+mn-lt"/>
+                <a:ea typeface="+mn-ea"/>
+                <a:cs typeface="+mn-cs"/>
+              </a:defRPr>
+            </a:lvl7pPr>
+            <a:lvl8pPr marL="3429000" indent="-228600" algn="l" defTabSz="457200" rtl="0" eaLnBrk="1" latinLnBrk="0" hangingPunct="1">
+              <a:spcBef>
+                <a:spcPct val="20000"/>
+              </a:spcBef>
+              <a:buFont typeface="Arial"/>
+              <a:buChar char="•"/>
+              <a:defRPr sz="2000" kern="1200">
+                <a:solidFill>
+                  <a:schemeClr val="tx1"/>
+                </a:solidFill>
+                <a:latin typeface="+mn-lt"/>
+                <a:ea typeface="+mn-ea"/>
+                <a:cs typeface="+mn-cs"/>
+              </a:defRPr>
+            </a:lvl8pPr>
+            <a:lvl9pPr marL="3886200" indent="-228600" algn="l" defTabSz="457200" rtl="0" eaLnBrk="1" latinLnBrk="0" hangingPunct="1">
+              <a:spcBef>
+                <a:spcPct val="20000"/>
+              </a:spcBef>
+              <a:buFont typeface="Arial"/>
+              <a:buChar char="•"/>
+              <a:defRPr sz="2000" kern="1200">
+                <a:solidFill>
+                  <a:schemeClr val="tx1"/>
+                </a:solidFill>
+                <a:latin typeface="+mn-lt"/>
+                <a:ea typeface="+mn-ea"/>
+                <a:cs typeface="+mn-cs"/>
+              </a:defRPr>
+            </a:lvl9pPr>
+          </a:lstStyle>
+          <a:p>
+            <a:r>
+              <a:rPr lang="en-US" sz="2400" b="1" dirty="0">
+                <a:solidFill>
+                  <a:srgbClr val="0000FF"/>
+                </a:solidFill>
+              </a:rPr>
+              <a:t>What</a:t>
+            </a:r>
+            <a:r>
+              <a:rPr lang="en-US" sz="2400" dirty="0"/>
+              <a:t> types of data and for how long?</a:t>
+            </a:r>
+          </a:p>
+          <a:p>
+            <a:pPr marL="0" indent="0">
+              <a:buNone/>
+            </a:pPr>
+            <a:r>
+              <a:rPr lang="en-US" sz="2000" dirty="0">
+                <a:solidFill>
+                  <a:schemeClr val="accent3"/>
+                </a:solidFill>
+              </a:rPr>
+              <a:t>	Five steps to decide what data to keep</a:t>
+            </a:r>
+          </a:p>
+          <a:p>
+            <a:pPr marL="0" indent="0">
+              <a:buNone/>
+            </a:pPr>
+            <a:endParaRPr lang="en-US" sz="2400" dirty="0"/>
+          </a:p>
+          <a:p>
+            <a:pPr marL="0" indent="0">
+              <a:buNone/>
+            </a:pPr>
+            <a:endParaRPr lang="en-US" sz="2400" dirty="0"/>
+          </a:p>
+          <a:p>
+            <a:pPr marL="0" indent="0">
+              <a:buNone/>
+            </a:pPr>
+            <a:endParaRPr lang="en-US" sz="2400" dirty="0"/>
+          </a:p>
+          <a:p>
+            <a:pPr marL="0" indent="0">
+              <a:buNone/>
+            </a:pPr>
+            <a:endParaRPr lang="en-US" sz="2400" dirty="0"/>
+          </a:p>
+          <a:p>
+            <a:pPr marL="0" indent="0">
+              <a:buNone/>
+            </a:pPr>
+            <a:r>
+              <a:rPr lang="en-US" sz="2400" dirty="0"/>
+              <a:t>•   </a:t>
+            </a:r>
+            <a:r>
+              <a:rPr lang="en-US" sz="2400" b="1" dirty="0">
+                <a:solidFill>
+                  <a:srgbClr val="0000FF"/>
+                </a:solidFill>
+              </a:rPr>
+              <a:t>Who</a:t>
+            </a:r>
+            <a:r>
+              <a:rPr lang="en-US" sz="2400" dirty="0"/>
+              <a:t> will be responsible to collect and document the data?</a:t>
+            </a:r>
+          </a:p>
+          <a:p>
+            <a:pPr marL="0" indent="0">
+              <a:buFont typeface="Arial"/>
+              <a:buNone/>
+            </a:pPr>
+            <a:r>
+              <a:rPr lang="en-US" sz="2000" dirty="0">
+                <a:solidFill>
+                  <a:srgbClr val="9BBB59"/>
+                </a:solidFill>
+              </a:rPr>
+              <a:t>	Roles and responsibilities. Legal and ethical obligations and right. Plan   	and consent to share.</a:t>
+            </a:r>
+          </a:p>
+          <a:p>
+            <a:pPr marL="0" indent="0">
+              <a:buNone/>
+            </a:pPr>
+            <a:r>
+              <a:rPr lang="en-US" sz="2400" dirty="0"/>
+              <a:t>•   </a:t>
+            </a:r>
+            <a:r>
+              <a:rPr lang="en-US" sz="2400" b="1" dirty="0">
+                <a:solidFill>
+                  <a:srgbClr val="0000FF"/>
+                </a:solidFill>
+              </a:rPr>
+              <a:t>How </a:t>
+            </a:r>
+            <a:r>
+              <a:rPr lang="en-US" sz="2400" dirty="0"/>
+              <a:t>to document different types of </a:t>
+            </a:r>
+            <a:r>
+              <a:rPr lang="en-US" sz="2400" dirty="0">
+                <a:solidFill>
+                  <a:srgbClr val="000000"/>
+                </a:solidFill>
+              </a:rPr>
+              <a:t>data? </a:t>
+            </a:r>
+          </a:p>
+          <a:p>
+            <a:pPr marL="0" indent="0">
+              <a:buNone/>
+            </a:pPr>
+            <a:r>
+              <a:rPr lang="en-US" sz="2000" dirty="0">
+                <a:solidFill>
+                  <a:srgbClr val="0000FF"/>
+                </a:solidFill>
+              </a:rPr>
+              <a:t>	</a:t>
+            </a:r>
+            <a:r>
+              <a:rPr lang="en-US" sz="2000" dirty="0">
+                <a:solidFill>
+                  <a:srgbClr val="9BBB59"/>
+                </a:solidFill>
+              </a:rPr>
+              <a:t>Study-level, Data-level, and Metadata</a:t>
+            </a:r>
+          </a:p>
+          <a:p>
+            <a:pPr marL="0" indent="0">
+              <a:buNone/>
+            </a:pPr>
+            <a:r>
+              <a:rPr lang="en-US" sz="2000" dirty="0">
+                <a:solidFill>
+                  <a:srgbClr val="9BBB59"/>
+                </a:solidFill>
+              </a:rPr>
+              <a:t>	Wet lab: </a:t>
+            </a:r>
+            <a:r>
+              <a:rPr lang="en-US" sz="2000" dirty="0">
+                <a:solidFill>
+                  <a:srgbClr val="9BBB59"/>
+                </a:solidFill>
+                <a:hlinkClick r:id="rId3"/>
+              </a:rPr>
+              <a:t>Electronic Lab Notebook (ELN) </a:t>
+            </a:r>
+            <a:endParaRPr lang="en-US" sz="2000" dirty="0">
+              <a:solidFill>
+                <a:srgbClr val="9BBB59"/>
+              </a:solidFill>
+            </a:endParaRPr>
+          </a:p>
+          <a:p>
+            <a:pPr marL="0" indent="0">
+              <a:buNone/>
+            </a:pPr>
+            <a:r>
+              <a:rPr lang="en-US" sz="2000" dirty="0">
+                <a:solidFill>
+                  <a:srgbClr val="9BBB59"/>
+                </a:solidFill>
+              </a:rPr>
+              <a:t>	Computational: large size sequencing data, consortium data (TCGA, ICGC)</a:t>
+            </a:r>
+          </a:p>
+        </p:txBody>
+      </p:sp>
+      <p:pic>
+        <p:nvPicPr>
+          <p:cNvPr id="4" name="Picture 3" descr="Screen Shot 2018-02-23 at 08.40.11.png"/>
+          <p:cNvPicPr>
+            <a:picLocks noChangeAspect="1"/>
+          </p:cNvPicPr>
+          <p:nvPr/>
+        </p:nvPicPr>
+        <p:blipFill>
+          <a:blip r:embed="rId4">
+            <a:extLst>
+              <a:ext uri="{28A0092B-C50C-407E-A947-70E740481C1C}">
+                <a14:useLocalDpi xmlns:a14="http://schemas.microsoft.com/office/drawing/2010/main" val="0"/>
+              </a:ext>
+            </a:extLst>
+          </a:blip>
+          <a:stretch>
+            <a:fillRect/>
+          </a:stretch>
+        </p:blipFill>
+        <p:spPr>
+          <a:xfrm>
+            <a:off x="1102366" y="2083235"/>
+            <a:ext cx="4254500" cy="1689100"/>
+          </a:xfrm>
+          <a:prstGeom prst="rect">
+            <a:avLst/>
+          </a:prstGeom>
+        </p:spPr>
+      </p:pic>
+    </p:spTree>
+    <p:extLst>
+      <p:ext uri="{BB962C8B-B14F-4D97-AF65-F5344CB8AC3E}">
+        <p14:creationId xmlns:p14="http://schemas.microsoft.com/office/powerpoint/2010/main" val="233415531"/>
+      </p:ext>
+    </p:extLst>
+  </p:cSld>
+  <p:clrMapOvr>
+    <a:masterClrMapping/>
+  </p:clrMapOvr>
+  <p:timing>
+    <p:tnLst>
+      <p:par>
+        <p:cTn xmlns:p14="http://schemas.microsoft.com/office/powerpoint/2010/main" id="1" dur="indefinite" restart="never" nodeType="tmRoot"/>
+      </p:par>
+    </p:tnLst>
+  </p:timing>
+</p:sld>
+</file>
+
+<file path=ppt/slides/slide7.xml><?xml version="1.0" encoding="utf-8"?>
+<p:sld xmlns:a="http://schemas.openxmlformats.org/drawingml/2006/main" xmlns:r="http://schemas.openxmlformats.org/officeDocument/2006/relationships" xmlns:p="http://schemas.openxmlformats.org/presentationml/2006/main">
+  <p:cSld>
+    <p:spTree>
+      <p:nvGrpSpPr>
+        <p:cNvPr id="1" name=""/>
+        <p:cNvGrpSpPr/>
+        <p:nvPr/>
+      </p:nvGrpSpPr>
+      <p:grpSpPr>
+        <a:xfrm>
+          <a:off x="0" y="0"/>
+          <a:ext cx="0" cy="0"/>
+          <a:chOff x="0" y="0"/>
+          <a:chExt cx="0" cy="0"/>
+        </a:xfrm>
+      </p:grpSpPr>
+      <p:sp>
+        <p:nvSpPr>
+          <p:cNvPr id="2" name="Title 1"/>
+          <p:cNvSpPr>
+            <a:spLocks noGrp="1"/>
+          </p:cNvSpPr>
+          <p:nvPr>
+            <p:ph type="title"/>
+          </p:nvPr>
+        </p:nvSpPr>
+        <p:spPr/>
+        <p:txBody>
+          <a:bodyPr>
+            <a:normAutofit/>
+          </a:bodyPr>
+          <a:lstStyle/>
+          <a:p>
+            <a:pPr algn="l"/>
+            <a:r>
+              <a:rPr lang="en-US" sz="3200" u="sng" dirty="0">
+                <a:solidFill>
+                  <a:schemeClr val="tx2"/>
+                </a:solidFill>
+              </a:rPr>
+              <a:t>Data Management Checklist						</a:t>
+            </a:r>
+          </a:p>
+        </p:txBody>
+      </p:sp>
+      <p:sp>
+        <p:nvSpPr>
+          <p:cNvPr id="3" name="Content Placeholder 2"/>
+          <p:cNvSpPr>
+            <a:spLocks noGrp="1"/>
+          </p:cNvSpPr>
+          <p:nvPr>
+            <p:ph idx="1"/>
+          </p:nvPr>
+        </p:nvSpPr>
+        <p:spPr>
+          <a:xfrm>
+            <a:off x="457200" y="1600200"/>
+            <a:ext cx="8229600" cy="4734068"/>
+          </a:xfrm>
+        </p:spPr>
+        <p:txBody>
+          <a:bodyPr>
+            <a:normAutofit/>
+          </a:bodyPr>
+          <a:lstStyle/>
+          <a:p>
+            <a:pPr marL="0" indent="0">
+              <a:buNone/>
+            </a:pPr>
+            <a:endParaRPr lang="en-US" sz="2400" dirty="0"/>
+          </a:p>
+          <a:p>
+            <a:pPr marL="0" indent="0">
+              <a:buNone/>
+            </a:pPr>
+            <a:endParaRPr lang="en-US" sz="2400" dirty="0"/>
+          </a:p>
+        </p:txBody>
+      </p:sp>
+      <p:pic>
+        <p:nvPicPr>
+          <p:cNvPr id="6" name="Picture 5" descr="Screen Shot 2018-02-23 at 09.05.17.png"/>
+          <p:cNvPicPr>
+            <a:picLocks noChangeAspect="1"/>
+          </p:cNvPicPr>
+          <p:nvPr/>
+        </p:nvPicPr>
+        <p:blipFill rotWithShape="1">
+          <a:blip r:embed="rId3">
+            <a:extLst>
+              <a:ext uri="{28A0092B-C50C-407E-A947-70E740481C1C}">
+                <a14:useLocalDpi xmlns:a14="http://schemas.microsoft.com/office/drawing/2010/main" val="0"/>
+              </a:ext>
+            </a:extLst>
+          </a:blip>
+          <a:srcRect t="6" b="20989"/>
+          <a:stretch/>
+        </p:blipFill>
+        <p:spPr>
+          <a:xfrm>
+            <a:off x="457200" y="428882"/>
+            <a:ext cx="8229600" cy="6115621"/>
+          </a:xfrm>
+          <a:prstGeom prst="rect">
+            <a:avLst/>
+          </a:prstGeom>
+        </p:spPr>
+      </p:pic>
+    </p:spTree>
+    <p:extLst>
+      <p:ext uri="{BB962C8B-B14F-4D97-AF65-F5344CB8AC3E}">
+        <p14:creationId xmlns:p14="http://schemas.microsoft.com/office/powerpoint/2010/main" val="490608242"/>
+      </p:ext>
+    </p:extLst>
+  </p:cSld>
+  <p:clrMapOvr>
+    <a:masterClrMapping/>
+  </p:clrMapOvr>
+  <p:timing>
+    <p:tnLst>
+      <p:par>
+        <p:cTn xmlns:p14="http://schemas.microsoft.com/office/powerpoint/2010/main" id="1" dur="indefinite" restart="never" nodeType="tmRoot"/>
+      </p:par>
+    </p:tnLst>
+  </p:timing>
+</p:sld>
+</file>
+
+<file path=ppt/slides/slide8.xml><?xml version="1.0" encoding="utf-8"?>
+<p:sld xmlns:a="http://schemas.openxmlformats.org/drawingml/2006/main" xmlns:r="http://schemas.openxmlformats.org/officeDocument/2006/relationships" xmlns:p="http://schemas.openxmlformats.org/presentationml/2006/main">
+  <p:cSld>
+    <p:spTree>
+      <p:nvGrpSpPr>
+        <p:cNvPr id="1" name=""/>
+        <p:cNvGrpSpPr/>
+        <p:nvPr/>
+      </p:nvGrpSpPr>
+      <p:grpSpPr>
+        <a:xfrm>
+          <a:off x="0" y="0"/>
+          <a:ext cx="0" cy="0"/>
+          <a:chOff x="0" y="0"/>
+          <a:chExt cx="0" cy="0"/>
+        </a:xfrm>
+      </p:grpSpPr>
+      <p:sp>
+        <p:nvSpPr>
+          <p:cNvPr id="2" name="Title 1"/>
+          <p:cNvSpPr>
+            <a:spLocks noGrp="1"/>
+          </p:cNvSpPr>
+          <p:nvPr>
+            <p:ph type="title"/>
+          </p:nvPr>
+        </p:nvSpPr>
+        <p:spPr/>
+        <p:txBody>
+          <a:bodyPr>
+            <a:normAutofit/>
+          </a:bodyPr>
+          <a:lstStyle/>
+          <a:p>
+            <a:pPr algn="l"/>
+            <a:r>
+              <a:rPr lang="en-US" sz="3200" u="sng" dirty="0">
+                <a:solidFill>
+                  <a:schemeClr val="tx2"/>
+                </a:solidFill>
+              </a:rPr>
+              <a:t>Formats: Data type and sources						</a:t>
+            </a:r>
+          </a:p>
+        </p:txBody>
+      </p:sp>
+      <p:sp>
+        <p:nvSpPr>
+          <p:cNvPr id="3" name="Content Placeholder 2"/>
+          <p:cNvSpPr>
+            <a:spLocks noGrp="1"/>
+          </p:cNvSpPr>
+          <p:nvPr>
+            <p:ph idx="1"/>
+          </p:nvPr>
+        </p:nvSpPr>
+        <p:spPr>
+          <a:xfrm>
+            <a:off x="457200" y="1600200"/>
+            <a:ext cx="8229600" cy="4734068"/>
+          </a:xfrm>
+        </p:spPr>
+        <p:txBody>
+          <a:bodyPr>
+            <a:normAutofit/>
+          </a:bodyPr>
+          <a:lstStyle/>
+          <a:p>
+            <a:pPr marL="0" indent="0">
+              <a:buNone/>
+            </a:pPr>
+            <a:r>
+              <a:rPr lang="en-US" sz="2400" dirty="0">
+                <a:hlinkClick r:id="rId3"/>
+              </a:rPr>
+              <a:t>File formats currently </a:t>
+            </a:r>
+            <a:r>
+              <a:rPr lang="en-US" sz="2400" u="sng" dirty="0">
+                <a:solidFill>
+                  <a:srgbClr val="0000FF"/>
+                </a:solidFill>
+                <a:hlinkClick r:id="rId3"/>
+              </a:rPr>
+              <a:t>recommended</a:t>
+            </a:r>
+            <a:r>
+              <a:rPr lang="en-US" sz="2400" u="sng" dirty="0">
+                <a:solidFill>
+                  <a:srgbClr val="0000FF"/>
+                </a:solidFill>
+              </a:rPr>
+              <a:t> by UK Data Archive for long term preservation for </a:t>
+            </a:r>
+            <a:r>
+              <a:rPr lang="en-US" sz="2400" u="sng" dirty="0" err="1">
+                <a:solidFill>
+                  <a:srgbClr val="0000FF"/>
+                </a:solidFill>
+              </a:rPr>
+              <a:t>rsearch</a:t>
+            </a:r>
+            <a:r>
+              <a:rPr lang="en-US" sz="2400" u="sng" dirty="0">
+                <a:solidFill>
+                  <a:srgbClr val="0000FF"/>
+                </a:solidFill>
+              </a:rPr>
+              <a:t> data</a:t>
+            </a:r>
+          </a:p>
+        </p:txBody>
+      </p:sp>
+    </p:spTree>
+    <p:extLst>
+      <p:ext uri="{BB962C8B-B14F-4D97-AF65-F5344CB8AC3E}">
+        <p14:creationId xmlns:p14="http://schemas.microsoft.com/office/powerpoint/2010/main" val="3022230750"/>
+      </p:ext>
+    </p:extLst>
+  </p:cSld>
+  <p:clrMapOvr>
+    <a:masterClrMapping/>
+  </p:clrMapOvr>
+  <p:timing>
+    <p:tnLst>
+      <p:par>
+        <p:cTn xmlns:p14="http://schemas.microsoft.com/office/powerpoint/2010/main" id="1" dur="indefinite" restart="never" nodeType="tmRoot"/>
+      </p:par>
+    </p:tnLst>
+  </p:timing>
+</p:sld>
+</file>
+
+<file path=ppt/slides/slide9.xml><?xml version="1.0" encoding="utf-8"?>
 <p:sld xmlns:a="http://schemas.openxmlformats.org/drawingml/2006/main" xmlns:r="http://schemas.openxmlformats.org/officeDocument/2006/relationships" xmlns:p="http://schemas.openxmlformats.org/presentationml/2006/main">
   <p:cSld>
     <p:spTree>
@@ -7442,3513 +10211,13 @@
   <p:clrMapOvr>
     <a:masterClrMapping/>
   </p:clrMapOvr>
-</p:sld>
-</file>
-
-<file path=ppt/slides/slide11.xml><?xml version="1.0" encoding="utf-8"?>
-<p:sld xmlns:a="http://schemas.openxmlformats.org/drawingml/2006/main" xmlns:r="http://schemas.openxmlformats.org/officeDocument/2006/relationships" xmlns:p="http://schemas.openxmlformats.org/presentationml/2006/main">
-  <p:cSld>
-    <p:spTree>
-      <p:nvGrpSpPr>
-        <p:cNvPr id="1" name=""/>
-        <p:cNvGrpSpPr/>
-        <p:nvPr/>
-      </p:nvGrpSpPr>
-      <p:grpSpPr>
-        <a:xfrm>
-          <a:off x="0" y="0"/>
-          <a:ext cx="0" cy="0"/>
-          <a:chOff x="0" y="0"/>
-          <a:chExt cx="0" cy="0"/>
-        </a:xfrm>
-      </p:grpSpPr>
-      <p:sp>
-        <p:nvSpPr>
-          <p:cNvPr id="2" name="Title 1"/>
-          <p:cNvSpPr>
-            <a:spLocks noGrp="1"/>
-          </p:cNvSpPr>
-          <p:nvPr>
-            <p:ph type="title"/>
-          </p:nvPr>
-        </p:nvSpPr>
-        <p:spPr/>
-        <p:txBody>
-          <a:bodyPr>
-            <a:normAutofit/>
-          </a:bodyPr>
-          <a:lstStyle/>
-          <a:p>
-            <a:pPr algn="l"/>
-            <a:r>
-              <a:rPr lang="en-US" sz="3200" u="sng" dirty="0">
-                <a:solidFill>
-                  <a:schemeClr val="tx2"/>
-                </a:solidFill>
-              </a:rPr>
-              <a:t>File Naming Conventions									</a:t>
-            </a:r>
-          </a:p>
-        </p:txBody>
-      </p:sp>
-      <p:sp>
-        <p:nvSpPr>
-          <p:cNvPr id="3" name="Content Placeholder 2"/>
-          <p:cNvSpPr>
-            <a:spLocks noGrp="1"/>
-          </p:cNvSpPr>
-          <p:nvPr>
-            <p:ph idx="1"/>
-          </p:nvPr>
-        </p:nvSpPr>
-        <p:spPr>
-          <a:xfrm>
-            <a:off x="457200" y="1417638"/>
-            <a:ext cx="8229600" cy="4916630"/>
-          </a:xfrm>
-        </p:spPr>
-        <p:txBody>
-          <a:bodyPr>
-            <a:normAutofit fontScale="92500" lnSpcReduction="20000"/>
-          </a:bodyPr>
-          <a:lstStyle/>
-          <a:p>
-            <a:r>
-              <a:rPr lang="en-US" sz="2400" dirty="0"/>
-              <a:t>Make file names unique </a:t>
-            </a:r>
-          </a:p>
-          <a:p>
-            <a:r>
-              <a:rPr lang="en-US" sz="2400" dirty="0"/>
-              <a:t>Include most important identifying information of the project: </a:t>
-            </a:r>
-          </a:p>
-          <a:p>
-            <a:pPr lvl="1">
-              <a:buFont typeface="Wingdings" charset="2"/>
-              <a:buChar char="ü"/>
-            </a:pPr>
-            <a:r>
-              <a:rPr lang="en-US" sz="2000" dirty="0">
-                <a:solidFill>
-                  <a:schemeClr val="accent3"/>
-                </a:solidFill>
-              </a:rPr>
-              <a:t>project name</a:t>
-            </a:r>
-          </a:p>
-          <a:p>
-            <a:pPr lvl="1">
-              <a:buFont typeface="Wingdings" charset="2"/>
-              <a:buChar char="ü"/>
-            </a:pPr>
-            <a:r>
-              <a:rPr lang="en-US" sz="2000" dirty="0">
-                <a:solidFill>
-                  <a:schemeClr val="accent3"/>
-                </a:solidFill>
-              </a:rPr>
-              <a:t>acronym, or research data name</a:t>
-            </a:r>
-          </a:p>
-          <a:p>
-            <a:pPr lvl="1">
-              <a:buFont typeface="Wingdings" charset="2"/>
-              <a:buChar char="ü"/>
-            </a:pPr>
-            <a:r>
-              <a:rPr lang="en-US" sz="2000" dirty="0">
-                <a:solidFill>
-                  <a:schemeClr val="accent3"/>
-                </a:solidFill>
-              </a:rPr>
-              <a:t> study title</a:t>
-            </a:r>
-          </a:p>
-          <a:p>
-            <a:pPr lvl="1">
-              <a:buFont typeface="Wingdings" charset="2"/>
-              <a:buChar char="ü"/>
-            </a:pPr>
-            <a:r>
-              <a:rPr lang="en-US" sz="2000" dirty="0">
-                <a:solidFill>
-                  <a:schemeClr val="accent3"/>
-                </a:solidFill>
-              </a:rPr>
-              <a:t>location information </a:t>
-            </a:r>
-          </a:p>
-          <a:p>
-            <a:pPr lvl="1">
-              <a:buFont typeface="Wingdings" charset="2"/>
-              <a:buChar char="ü"/>
-            </a:pPr>
-            <a:r>
-              <a:rPr lang="en-US" sz="2000" dirty="0">
-                <a:solidFill>
-                  <a:schemeClr val="accent3"/>
-                </a:solidFill>
-              </a:rPr>
-              <a:t>researcher initials</a:t>
-            </a:r>
-          </a:p>
-          <a:p>
-            <a:pPr lvl="1">
-              <a:buFont typeface="Wingdings" charset="2"/>
-              <a:buChar char="ü"/>
-            </a:pPr>
-            <a:r>
-              <a:rPr lang="en-US" sz="2000" dirty="0">
-                <a:solidFill>
-                  <a:schemeClr val="accent3"/>
-                </a:solidFill>
-              </a:rPr>
-              <a:t>date (consistently formatted, e.g. YYYYMMDD)</a:t>
-            </a:r>
-          </a:p>
-          <a:p>
-            <a:pPr lvl="1">
-              <a:buFont typeface="Wingdings" charset="2"/>
-              <a:buChar char="ü"/>
-            </a:pPr>
-            <a:r>
-              <a:rPr lang="en-US" sz="2000" dirty="0">
-                <a:solidFill>
-                  <a:schemeClr val="accent3"/>
-                </a:solidFill>
-              </a:rPr>
-              <a:t>version</a:t>
-            </a:r>
-            <a:endParaRPr lang="en-US" sz="2400" dirty="0"/>
-          </a:p>
-          <a:p>
-            <a:r>
-              <a:rPr lang="en-US" sz="2400" dirty="0"/>
-              <a:t>Use underscores to separate elements; avoid special characters, spaces and periods.</a:t>
-            </a:r>
-          </a:p>
-          <a:p>
-            <a:r>
-              <a:rPr lang="en-US" sz="2400" dirty="0"/>
-              <a:t>Use leading zeros when incorporating numbers to enable sorting (a sequence of 1-100 should be numbered 001-100).</a:t>
-            </a:r>
-          </a:p>
-          <a:p>
-            <a:r>
-              <a:rPr lang="en-US" sz="2400" dirty="0"/>
-              <a:t>File names should be short enough to be readable, while still conveying enough pertinent information (limits 255 chars)</a:t>
-            </a:r>
-          </a:p>
-          <a:p>
-            <a:pPr marL="0" indent="0">
-              <a:buNone/>
-            </a:pPr>
-            <a:endParaRPr lang="en-US" sz="2400" u="sng" dirty="0">
-              <a:solidFill>
-                <a:srgbClr val="0000FF"/>
-              </a:solidFill>
-            </a:endParaRPr>
-          </a:p>
-        </p:txBody>
-      </p:sp>
-    </p:spTree>
-    <p:extLst>
-      <p:ext uri="{BB962C8B-B14F-4D97-AF65-F5344CB8AC3E}">
-        <p14:creationId xmlns:p14="http://schemas.microsoft.com/office/powerpoint/2010/main" val="2116630936"/>
-      </p:ext>
-    </p:extLst>
-  </p:cSld>
-  <p:clrMapOvr>
-    <a:masterClrMapping/>
-  </p:clrMapOvr>
-</p:sld>
-</file>
-
-<file path=ppt/slides/slide12.xml><?xml version="1.0" encoding="utf-8"?>
-<p:sld xmlns:a="http://schemas.openxmlformats.org/drawingml/2006/main" xmlns:r="http://schemas.openxmlformats.org/officeDocument/2006/relationships" xmlns:p="http://schemas.openxmlformats.org/presentationml/2006/main">
-  <p:cSld>
-    <p:spTree>
-      <p:nvGrpSpPr>
-        <p:cNvPr id="1" name=""/>
-        <p:cNvGrpSpPr/>
-        <p:nvPr/>
-      </p:nvGrpSpPr>
-      <p:grpSpPr>
-        <a:xfrm>
-          <a:off x="0" y="0"/>
-          <a:ext cx="0" cy="0"/>
-          <a:chOff x="0" y="0"/>
-          <a:chExt cx="0" cy="0"/>
-        </a:xfrm>
-      </p:grpSpPr>
-      <p:sp>
-        <p:nvSpPr>
-          <p:cNvPr id="2" name="Title 1"/>
-          <p:cNvSpPr>
-            <a:spLocks noGrp="1"/>
-          </p:cNvSpPr>
-          <p:nvPr>
-            <p:ph type="title"/>
-          </p:nvPr>
-        </p:nvSpPr>
-        <p:spPr/>
-        <p:txBody>
-          <a:bodyPr>
-            <a:normAutofit/>
-          </a:bodyPr>
-          <a:lstStyle/>
-          <a:p>
-            <a:pPr algn="l"/>
-            <a:r>
-              <a:rPr lang="en-US" sz="3200" u="sng" dirty="0">
-                <a:solidFill>
-                  <a:schemeClr val="tx2"/>
-                </a:solidFill>
-              </a:rPr>
-              <a:t>File Naming Conventions Examples					</a:t>
-            </a:r>
-          </a:p>
-        </p:txBody>
-      </p:sp>
-      <p:sp>
-        <p:nvSpPr>
-          <p:cNvPr id="3" name="Content Placeholder 2"/>
-          <p:cNvSpPr>
-            <a:spLocks noGrp="1"/>
-          </p:cNvSpPr>
-          <p:nvPr>
-            <p:ph idx="1"/>
-          </p:nvPr>
-        </p:nvSpPr>
-        <p:spPr>
-          <a:xfrm>
-            <a:off x="457200" y="1219691"/>
-            <a:ext cx="8229600" cy="5440363"/>
-          </a:xfrm>
-        </p:spPr>
-        <p:txBody>
-          <a:bodyPr>
-            <a:normAutofit fontScale="92500" lnSpcReduction="10000"/>
-          </a:bodyPr>
-          <a:lstStyle/>
-          <a:p>
-            <a:r>
-              <a:rPr lang="en-US" sz="2400" b="1" dirty="0">
-                <a:solidFill>
-                  <a:srgbClr val="0000FF"/>
-                </a:solidFill>
-              </a:rPr>
-              <a:t>The Good: </a:t>
-            </a:r>
-            <a:r>
-              <a:rPr lang="en-US" sz="2400" b="1" dirty="0">
-                <a:solidFill>
-                  <a:srgbClr val="008000"/>
-                </a:solidFill>
-              </a:rPr>
-              <a:t>DryValleySoil_ICPOES_20101115_JDSv2.</a:t>
-            </a:r>
-            <a:r>
-              <a:rPr lang="en-US" sz="2400" b="1" u="sng" dirty="0">
-                <a:solidFill>
-                  <a:srgbClr val="008000"/>
-                </a:solidFill>
-              </a:rPr>
-              <a:t>dat</a:t>
-            </a:r>
-          </a:p>
-          <a:p>
-            <a:pPr lvl="1"/>
-            <a:r>
-              <a:rPr lang="en-US" sz="2000" dirty="0" err="1"/>
-              <a:t>DryValleySoil</a:t>
-            </a:r>
-            <a:r>
-              <a:rPr lang="en-US" sz="2000" dirty="0"/>
-              <a:t>, project name</a:t>
-            </a:r>
-          </a:p>
-          <a:p>
-            <a:pPr lvl="1"/>
-            <a:r>
-              <a:rPr lang="en-US" sz="2000" dirty="0"/>
-              <a:t>ICPOES, instrument name</a:t>
-            </a:r>
-          </a:p>
-          <a:p>
-            <a:pPr lvl="1"/>
-            <a:r>
-              <a:rPr lang="en-US" sz="2000" dirty="0"/>
-              <a:t>20101115 date of sample created</a:t>
-            </a:r>
-          </a:p>
-          <a:p>
-            <a:pPr lvl="1"/>
-            <a:r>
-              <a:rPr lang="en-US" sz="2000" dirty="0"/>
-              <a:t>JDS, initials of the scientist </a:t>
-            </a:r>
-          </a:p>
-          <a:p>
-            <a:pPr lvl="1"/>
-            <a:r>
-              <a:rPr lang="en-US" sz="2000" dirty="0"/>
-              <a:t>V2, second version</a:t>
-            </a:r>
-          </a:p>
-          <a:p>
-            <a:pPr marL="0" indent="0">
-              <a:buNone/>
-            </a:pPr>
-            <a:endParaRPr lang="en-US" sz="2400" dirty="0"/>
-          </a:p>
-          <a:p>
-            <a:r>
-              <a:rPr lang="en-US" sz="2400" b="1" dirty="0">
-                <a:solidFill>
-                  <a:srgbClr val="0000FF"/>
-                </a:solidFill>
-              </a:rPr>
-              <a:t>The Bad</a:t>
-            </a:r>
-            <a:r>
-              <a:rPr lang="en-US" sz="2400" b="1" dirty="0"/>
-              <a:t>: </a:t>
-            </a:r>
-            <a:r>
-              <a:rPr lang="en-US" sz="2000" b="1" dirty="0">
-                <a:solidFill>
-                  <a:srgbClr val="FF6600"/>
-                </a:solidFill>
-              </a:rPr>
-              <a:t>my Data @</a:t>
-            </a:r>
-            <a:r>
-              <a:rPr lang="en-US" sz="2000" b="1" dirty="0" err="1">
-                <a:solidFill>
-                  <a:srgbClr val="FF6600"/>
-                </a:solidFill>
-              </a:rPr>
-              <a:t>DryValley</a:t>
-            </a:r>
-            <a:r>
-              <a:rPr lang="en-US" sz="2000" b="1" dirty="0">
-                <a:solidFill>
-                  <a:srgbClr val="FF6600"/>
-                </a:solidFill>
-              </a:rPr>
-              <a:t> November 15 </a:t>
-            </a:r>
-            <a:r>
-              <a:rPr lang="en-US" sz="2000" dirty="0">
-                <a:solidFill>
-                  <a:srgbClr val="FF6600"/>
-                </a:solidFill>
-              </a:rPr>
-              <a:t>2010.v2.</a:t>
-            </a:r>
-            <a:r>
-              <a:rPr lang="en-US" sz="2000" u="sng" dirty="0">
-                <a:solidFill>
-                  <a:srgbClr val="FF6600"/>
-                </a:solidFill>
-              </a:rPr>
-              <a:t>dat</a:t>
-            </a:r>
-          </a:p>
-          <a:p>
-            <a:pPr marL="0" indent="0">
-              <a:buNone/>
-            </a:pPr>
-            <a:endParaRPr lang="en-US" sz="2400" dirty="0"/>
-          </a:p>
-          <a:p>
-            <a:r>
-              <a:rPr lang="en-US" sz="2400" b="1" dirty="0">
-                <a:solidFill>
-                  <a:srgbClr val="0000FF"/>
-                </a:solidFill>
-              </a:rPr>
-              <a:t>The Ugly:</a:t>
-            </a:r>
-          </a:p>
-          <a:p>
-            <a:pPr marL="0" indent="0">
-              <a:buNone/>
-            </a:pPr>
-            <a:r>
-              <a:rPr lang="en-US" sz="2400" dirty="0"/>
-              <a:t>	</a:t>
-            </a:r>
-            <a:r>
-              <a:rPr lang="en-US" sz="1900" dirty="0"/>
-              <a:t>Can you understand/use these data files? Would anyone 5 years from now?</a:t>
-            </a:r>
-          </a:p>
-          <a:p>
-            <a:pPr marL="800100" lvl="2" indent="0">
-              <a:buNone/>
-            </a:pPr>
-            <a:r>
-              <a:rPr lang="en-US" sz="1900" dirty="0">
-                <a:solidFill>
-                  <a:srgbClr val="FF6600"/>
-                </a:solidFill>
-              </a:rPr>
-              <a:t>• </a:t>
-            </a:r>
-            <a:r>
-              <a:rPr lang="en-US" sz="1900" dirty="0" err="1">
-                <a:solidFill>
-                  <a:srgbClr val="FF6600"/>
-                </a:solidFill>
-              </a:rPr>
-              <a:t>SrvMthdDraft.doc</a:t>
-            </a:r>
-            <a:endParaRPr lang="en-US" sz="1900" dirty="0">
-              <a:solidFill>
-                <a:srgbClr val="FF6600"/>
-              </a:solidFill>
-            </a:endParaRPr>
-          </a:p>
-          <a:p>
-            <a:pPr marL="800100" lvl="2" indent="0">
-              <a:buNone/>
-            </a:pPr>
-            <a:r>
-              <a:rPr lang="en-US" sz="1900" dirty="0">
-                <a:solidFill>
-                  <a:srgbClr val="FF6600"/>
-                </a:solidFill>
-              </a:rPr>
-              <a:t>• </a:t>
-            </a:r>
-            <a:r>
-              <a:rPr lang="en-US" sz="1900" dirty="0" err="1">
-                <a:solidFill>
-                  <a:srgbClr val="FF6600"/>
-                </a:solidFill>
-              </a:rPr>
-              <a:t>SrvMthdFinal.doc</a:t>
-            </a:r>
-            <a:endParaRPr lang="en-US" sz="1900" dirty="0">
-              <a:solidFill>
-                <a:srgbClr val="FF6600"/>
-              </a:solidFill>
-            </a:endParaRPr>
-          </a:p>
-          <a:p>
-            <a:pPr marL="800100" lvl="2" indent="0">
-              <a:buNone/>
-            </a:pPr>
-            <a:r>
-              <a:rPr lang="en-US" sz="1900" dirty="0">
-                <a:solidFill>
-                  <a:srgbClr val="FF6600"/>
-                </a:solidFill>
-              </a:rPr>
-              <a:t>• </a:t>
-            </a:r>
-            <a:r>
-              <a:rPr lang="en-US" sz="1900" dirty="0" err="1">
-                <a:solidFill>
-                  <a:srgbClr val="FF6600"/>
-                </a:solidFill>
-              </a:rPr>
-              <a:t>SrvMthdLastOne.doc</a:t>
-            </a:r>
-            <a:endParaRPr lang="en-US" sz="1900" dirty="0">
-              <a:solidFill>
-                <a:srgbClr val="FF6600"/>
-              </a:solidFill>
-            </a:endParaRPr>
-          </a:p>
-          <a:p>
-            <a:pPr marL="800100" lvl="2" indent="0">
-              <a:buNone/>
-            </a:pPr>
-            <a:r>
-              <a:rPr lang="en-US" sz="1900" dirty="0">
-                <a:solidFill>
-                  <a:srgbClr val="FF6600"/>
-                </a:solidFill>
-              </a:rPr>
-              <a:t>• </a:t>
-            </a:r>
-            <a:r>
-              <a:rPr lang="en-US" sz="1900" dirty="0" err="1">
-                <a:solidFill>
-                  <a:srgbClr val="FF6600"/>
-                </a:solidFill>
-              </a:rPr>
-              <a:t>SrvMthdRealVersion.doc</a:t>
-            </a:r>
-            <a:endParaRPr lang="en-US" sz="1900" dirty="0">
-              <a:solidFill>
-                <a:srgbClr val="FF6600"/>
-              </a:solidFill>
-            </a:endParaRPr>
-          </a:p>
-          <a:p>
-            <a:pPr marL="800100" lvl="2" indent="0">
-              <a:buNone/>
-            </a:pPr>
-            <a:r>
-              <a:rPr lang="en-US" sz="2000" dirty="0"/>
-              <a:t>Use content-or descriptive information</a:t>
-            </a:r>
-          </a:p>
-          <a:p>
-            <a:pPr marL="800100" lvl="2" indent="0">
-              <a:buNone/>
-            </a:pPr>
-            <a:endParaRPr lang="en-US" sz="1900" u="sng" dirty="0">
-              <a:solidFill>
-                <a:srgbClr val="0000FF"/>
-              </a:solidFill>
-            </a:endParaRPr>
-          </a:p>
-        </p:txBody>
-      </p:sp>
-    </p:spTree>
-    <p:extLst>
-      <p:ext uri="{BB962C8B-B14F-4D97-AF65-F5344CB8AC3E}">
-        <p14:creationId xmlns:p14="http://schemas.microsoft.com/office/powerpoint/2010/main" val="1887716706"/>
-      </p:ext>
-    </p:extLst>
-  </p:cSld>
-  <p:clrMapOvr>
-    <a:masterClrMapping/>
-  </p:clrMapOvr>
-</p:sld>
-</file>
-
-<file path=ppt/slides/slide13.xml><?xml version="1.0" encoding="utf-8"?>
-<p:sld xmlns:a="http://schemas.openxmlformats.org/drawingml/2006/main" xmlns:r="http://schemas.openxmlformats.org/officeDocument/2006/relationships" xmlns:p="http://schemas.openxmlformats.org/presentationml/2006/main">
-  <p:cSld>
-    <p:spTree>
-      <p:nvGrpSpPr>
-        <p:cNvPr id="1" name=""/>
-        <p:cNvGrpSpPr/>
-        <p:nvPr/>
-      </p:nvGrpSpPr>
-      <p:grpSpPr>
-        <a:xfrm>
-          <a:off x="0" y="0"/>
-          <a:ext cx="0" cy="0"/>
-          <a:chOff x="0" y="0"/>
-          <a:chExt cx="0" cy="0"/>
-        </a:xfrm>
-      </p:grpSpPr>
-      <p:sp>
-        <p:nvSpPr>
-          <p:cNvPr id="2" name="Title 1"/>
-          <p:cNvSpPr>
-            <a:spLocks noGrp="1"/>
-          </p:cNvSpPr>
-          <p:nvPr>
-            <p:ph type="title"/>
-          </p:nvPr>
-        </p:nvSpPr>
-        <p:spPr/>
-        <p:txBody>
-          <a:bodyPr>
-            <a:normAutofit/>
-          </a:bodyPr>
-          <a:lstStyle/>
-          <a:p>
-            <a:pPr algn="l"/>
-            <a:r>
-              <a:rPr lang="en-US" sz="3200" u="sng" dirty="0">
-                <a:solidFill>
-                  <a:schemeClr val="tx2"/>
-                </a:solidFill>
-              </a:rPr>
-              <a:t>Batching Renaming Tools								</a:t>
-            </a:r>
-          </a:p>
-        </p:txBody>
-      </p:sp>
-      <p:sp>
-        <p:nvSpPr>
-          <p:cNvPr id="3" name="Content Placeholder 2"/>
-          <p:cNvSpPr>
-            <a:spLocks noGrp="1"/>
-          </p:cNvSpPr>
-          <p:nvPr>
-            <p:ph idx="1"/>
-          </p:nvPr>
-        </p:nvSpPr>
-        <p:spPr>
-          <a:xfrm>
-            <a:off x="457200" y="1022720"/>
-            <a:ext cx="8229600" cy="5707440"/>
-          </a:xfrm>
-        </p:spPr>
-        <p:txBody>
-          <a:bodyPr>
-            <a:noAutofit/>
-          </a:bodyPr>
-          <a:lstStyle/>
-          <a:p>
-            <a:r>
-              <a:rPr lang="en-US" sz="1600" dirty="0"/>
-              <a:t>Windows:</a:t>
-            </a:r>
-          </a:p>
-          <a:p>
-            <a:pPr marL="400050" lvl="1" indent="0">
-              <a:buNone/>
-            </a:pPr>
-            <a:r>
-              <a:rPr lang="en-US" sz="1500" dirty="0"/>
-              <a:t>• Adobe Bridge (via any Creative Cloud products): http://</a:t>
-            </a:r>
-            <a:r>
-              <a:rPr lang="en-US" sz="1500" dirty="0" err="1"/>
-              <a:t>ist.mit.edu</a:t>
-            </a:r>
-            <a:r>
-              <a:rPr lang="en-US" sz="1500" dirty="0"/>
-              <a:t>/adobe-creative-cloud</a:t>
-            </a:r>
-          </a:p>
-          <a:p>
-            <a:pPr marL="400050" lvl="1" indent="0">
-              <a:buNone/>
-            </a:pPr>
-            <a:r>
-              <a:rPr lang="en-US" sz="1500" dirty="0"/>
-              <a:t>• Ant </a:t>
-            </a:r>
-            <a:r>
-              <a:rPr lang="en-US" sz="1500" u="sng" dirty="0" err="1"/>
-              <a:t>Renamer</a:t>
-            </a:r>
-            <a:r>
-              <a:rPr lang="en-US" sz="1500" u="sng" dirty="0"/>
-              <a:t>: http://</a:t>
-            </a:r>
-            <a:r>
-              <a:rPr lang="en-US" sz="1500" u="sng" dirty="0" err="1"/>
-              <a:t>www.antp.be</a:t>
-            </a:r>
-            <a:r>
-              <a:rPr lang="en-US" sz="1500" u="sng" dirty="0"/>
-              <a:t>/software/</a:t>
-            </a:r>
-            <a:r>
-              <a:rPr lang="en-US" sz="1500" u="sng" dirty="0" err="1"/>
-              <a:t>renamer</a:t>
-            </a:r>
-            <a:endParaRPr lang="en-US" sz="1500" u="sng" dirty="0"/>
-          </a:p>
-          <a:p>
-            <a:pPr marL="400050" lvl="1" indent="0">
-              <a:buNone/>
-            </a:pPr>
-            <a:r>
-              <a:rPr lang="en-US" sz="1500" dirty="0"/>
-              <a:t>• Bulk Rename Utility: http://</a:t>
-            </a:r>
-            <a:r>
-              <a:rPr lang="en-US" sz="1500" dirty="0" err="1"/>
-              <a:t>www.bulkrenameutility.co.uk</a:t>
-            </a:r>
-            <a:r>
-              <a:rPr lang="en-US" sz="1500" dirty="0"/>
-              <a:t>/</a:t>
-            </a:r>
-          </a:p>
-          <a:p>
-            <a:pPr marL="400050" lvl="1" indent="0">
-              <a:buNone/>
-            </a:pPr>
-            <a:r>
-              <a:rPr lang="en-US" sz="1500" dirty="0"/>
-              <a:t>• </a:t>
-            </a:r>
-            <a:r>
-              <a:rPr lang="en-US" sz="1500" dirty="0" err="1"/>
-              <a:t>ImageMagick</a:t>
-            </a:r>
-            <a:r>
-              <a:rPr lang="en-US" sz="1500" dirty="0"/>
-              <a:t>: http://</a:t>
-            </a:r>
-            <a:r>
-              <a:rPr lang="en-US" sz="1500" dirty="0" err="1"/>
-              <a:t>www.imagemagick.org</a:t>
-            </a:r>
-            <a:r>
-              <a:rPr lang="en-US" sz="1500" dirty="0"/>
-              <a:t>/</a:t>
-            </a:r>
-          </a:p>
-          <a:p>
-            <a:pPr marL="400050" lvl="1" indent="0">
-              <a:buNone/>
-            </a:pPr>
-            <a:r>
-              <a:rPr lang="en-US" sz="1500" dirty="0"/>
-              <a:t>• </a:t>
-            </a:r>
-            <a:r>
-              <a:rPr lang="en-US" sz="1500" dirty="0" err="1"/>
-              <a:t>PSRenamer</a:t>
-            </a:r>
-            <a:r>
-              <a:rPr lang="en-US" sz="1500" dirty="0"/>
-              <a:t>: http://</a:t>
-            </a:r>
-            <a:r>
-              <a:rPr lang="en-US" sz="1500" dirty="0" err="1"/>
-              <a:t>www.powersurgepub.com</a:t>
-            </a:r>
-            <a:r>
-              <a:rPr lang="en-US" sz="1500" dirty="0"/>
-              <a:t>/products/</a:t>
-            </a:r>
-            <a:r>
-              <a:rPr lang="en-US" sz="1500" dirty="0" err="1"/>
-              <a:t>psrenamer.html</a:t>
-            </a:r>
-            <a:endParaRPr lang="en-US" sz="1500" dirty="0"/>
-          </a:p>
-          <a:p>
-            <a:pPr marL="400050" lvl="1" indent="0">
-              <a:buNone/>
-            </a:pPr>
-            <a:r>
-              <a:rPr lang="en-US" sz="1500" dirty="0"/>
-              <a:t>• </a:t>
-            </a:r>
-            <a:r>
-              <a:rPr lang="en-US" sz="1500" dirty="0" err="1"/>
-              <a:t>RenameIT</a:t>
-            </a:r>
-            <a:r>
-              <a:rPr lang="en-US" sz="1500" dirty="0"/>
-              <a:t>: </a:t>
-            </a:r>
-            <a:r>
-              <a:rPr lang="en-US" sz="1500" dirty="0">
-                <a:hlinkClick r:id="rId3"/>
-              </a:rPr>
-              <a:t>http://</a:t>
-            </a:r>
-            <a:r>
-              <a:rPr lang="en-US" sz="1500" dirty="0" err="1">
-                <a:hlinkClick r:id="rId3"/>
-              </a:rPr>
-              <a:t>sourceforge.net</a:t>
-            </a:r>
-            <a:r>
-              <a:rPr lang="en-US" sz="1500" dirty="0">
-                <a:hlinkClick r:id="rId3"/>
-              </a:rPr>
-              <a:t>/</a:t>
-            </a:r>
-            <a:r>
-              <a:rPr lang="en-US" sz="1500" dirty="0" err="1">
-                <a:hlinkClick r:id="rId3"/>
-              </a:rPr>
-              <a:t>prpjects</a:t>
-            </a:r>
-            <a:r>
-              <a:rPr lang="en-US" sz="1500" dirty="0">
-                <a:hlinkClick r:id="rId3"/>
-              </a:rPr>
-              <a:t>/</a:t>
-            </a:r>
-            <a:r>
-              <a:rPr lang="en-US" sz="1500" dirty="0" err="1">
-                <a:hlinkClick r:id="rId3"/>
-              </a:rPr>
-              <a:t>renameit</a:t>
-            </a:r>
-            <a:endParaRPr lang="en-US" sz="1500" dirty="0"/>
-          </a:p>
-          <a:p>
-            <a:r>
-              <a:rPr lang="en-US" sz="1600" dirty="0"/>
-              <a:t>Mac:</a:t>
-            </a:r>
-          </a:p>
-          <a:p>
-            <a:pPr marL="400050" lvl="1" indent="0">
-              <a:buNone/>
-            </a:pPr>
-            <a:r>
-              <a:rPr lang="en-US" sz="1500" dirty="0"/>
-              <a:t>• Adobe Bridge (via any Creative Cloud products): http://</a:t>
-            </a:r>
-            <a:r>
-              <a:rPr lang="en-US" sz="1500" dirty="0" err="1"/>
-              <a:t>ist.mit.edu</a:t>
-            </a:r>
-            <a:r>
-              <a:rPr lang="en-US" sz="1500" dirty="0"/>
-              <a:t>/adobe-creative-cloud</a:t>
-            </a:r>
-          </a:p>
-          <a:p>
-            <a:pPr marL="400050" lvl="1" indent="0">
-              <a:buNone/>
-            </a:pPr>
-            <a:r>
-              <a:rPr lang="en-US" sz="1500" dirty="0"/>
-              <a:t>• </a:t>
-            </a:r>
-            <a:r>
-              <a:rPr lang="en-US" sz="1500" dirty="0" err="1"/>
-              <a:t>ImageMagick</a:t>
-            </a:r>
-            <a:r>
-              <a:rPr lang="en-US" sz="1500" dirty="0"/>
-              <a:t>: http://</a:t>
-            </a:r>
-            <a:r>
-              <a:rPr lang="en-US" sz="1500" dirty="0" err="1"/>
-              <a:t>www.imagemagick.org</a:t>
-            </a:r>
-            <a:r>
-              <a:rPr lang="en-US" sz="1500" dirty="0"/>
-              <a:t>/</a:t>
-            </a:r>
-          </a:p>
-          <a:p>
-            <a:pPr marL="400050" lvl="1" indent="0">
-              <a:buNone/>
-            </a:pPr>
-            <a:r>
-              <a:rPr lang="en-US" sz="1500" dirty="0"/>
-              <a:t>• Name Changer: http://</a:t>
-            </a:r>
-            <a:r>
-              <a:rPr lang="en-US" sz="1500" dirty="0" err="1"/>
-              <a:t>web.mac.com</a:t>
-            </a:r>
-            <a:r>
-              <a:rPr lang="en-US" sz="1500" dirty="0"/>
-              <a:t>/</a:t>
-            </a:r>
-            <a:r>
-              <a:rPr lang="en-US" sz="1500" dirty="0" err="1"/>
-              <a:t>mickeyroberson</a:t>
-            </a:r>
-            <a:r>
-              <a:rPr lang="en-US" sz="1500" dirty="0"/>
-              <a:t>/</a:t>
-            </a:r>
-            <a:r>
-              <a:rPr lang="en-US" sz="1500" dirty="0" err="1"/>
-              <a:t>MRR_Software</a:t>
-            </a:r>
-            <a:r>
-              <a:rPr lang="en-US" sz="1500" dirty="0"/>
-              <a:t>/</a:t>
-            </a:r>
-            <a:r>
-              <a:rPr lang="en-US" sz="1500" dirty="0" err="1"/>
-              <a:t>NameChanger.html</a:t>
-            </a:r>
-            <a:endParaRPr lang="en-US" sz="1500" dirty="0"/>
-          </a:p>
-          <a:p>
-            <a:pPr marL="400050" lvl="1" indent="0">
-              <a:buNone/>
-            </a:pPr>
-            <a:r>
-              <a:rPr lang="en-US" sz="1500" dirty="0"/>
-              <a:t>• </a:t>
-            </a:r>
-            <a:r>
-              <a:rPr lang="en-US" sz="1500" dirty="0" err="1"/>
-              <a:t>PSRenamer</a:t>
-            </a:r>
-            <a:r>
-              <a:rPr lang="en-US" sz="1500" dirty="0"/>
-              <a:t>: http://</a:t>
-            </a:r>
-            <a:r>
-              <a:rPr lang="en-US" sz="1500" dirty="0" err="1"/>
-              <a:t>www.powersurgepub.com</a:t>
-            </a:r>
-            <a:r>
-              <a:rPr lang="en-US" sz="1500" dirty="0"/>
-              <a:t>/products/</a:t>
-            </a:r>
-            <a:r>
-              <a:rPr lang="en-US" sz="1500" dirty="0" err="1"/>
-              <a:t>psrenamer.html</a:t>
-            </a:r>
-            <a:endParaRPr lang="en-US" sz="1500" dirty="0"/>
-          </a:p>
-          <a:p>
-            <a:pPr marL="400050" lvl="1" indent="0">
-              <a:buNone/>
-            </a:pPr>
-            <a:r>
-              <a:rPr lang="en-US" sz="1500" dirty="0"/>
-              <a:t>• Renamer4Mac : http://renamer4mac.com/</a:t>
-            </a:r>
-          </a:p>
-          <a:p>
-            <a:pPr marL="400050" lvl="1" indent="0">
-              <a:buNone/>
-            </a:pPr>
-            <a:r>
-              <a:rPr lang="en-US" sz="1500" dirty="0"/>
-              <a:t>• Name </a:t>
-            </a:r>
-            <a:r>
-              <a:rPr lang="en-US" sz="1500" dirty="0" err="1"/>
-              <a:t>Mangler</a:t>
-            </a:r>
-            <a:r>
-              <a:rPr lang="en-US" sz="1500" dirty="0"/>
-              <a:t>: http://</a:t>
-            </a:r>
-            <a:r>
-              <a:rPr lang="en-US" sz="1500" dirty="0" err="1"/>
-              <a:t>manytricks.com</a:t>
-            </a:r>
-            <a:r>
-              <a:rPr lang="en-US" sz="1500" dirty="0"/>
-              <a:t>/</a:t>
-            </a:r>
-            <a:r>
-              <a:rPr lang="en-US" sz="1500" dirty="0" err="1"/>
-              <a:t>namemangler</a:t>
-            </a:r>
-            <a:r>
-              <a:rPr lang="en-US" sz="1500" dirty="0"/>
-              <a:t>/</a:t>
-            </a:r>
-          </a:p>
-          <a:p>
-            <a:r>
-              <a:rPr lang="en-US" sz="1600" dirty="0"/>
-              <a:t>Linux:</a:t>
-            </a:r>
-          </a:p>
-          <a:p>
-            <a:pPr marL="400050" lvl="1" indent="0">
-              <a:buNone/>
-            </a:pPr>
-            <a:r>
-              <a:rPr lang="en-US" sz="1500" dirty="0"/>
-              <a:t>• GNOME Commander: http://</a:t>
-            </a:r>
-            <a:r>
-              <a:rPr lang="en-US" sz="1500" dirty="0" err="1"/>
-              <a:t>www.nongnu.org</a:t>
-            </a:r>
-            <a:r>
-              <a:rPr lang="en-US" sz="1500" dirty="0"/>
-              <a:t>/</a:t>
-            </a:r>
-            <a:r>
-              <a:rPr lang="en-US" sz="1500" dirty="0" err="1"/>
-              <a:t>gcmd</a:t>
-            </a:r>
-            <a:r>
-              <a:rPr lang="en-US" sz="1500" dirty="0"/>
-              <a:t>/</a:t>
-            </a:r>
-          </a:p>
-          <a:p>
-            <a:pPr marL="400050" lvl="1" indent="0">
-              <a:buNone/>
-            </a:pPr>
-            <a:r>
-              <a:rPr lang="en-US" sz="1500" dirty="0"/>
-              <a:t>• </a:t>
-            </a:r>
-            <a:r>
-              <a:rPr lang="en-US" sz="1500" dirty="0" err="1"/>
-              <a:t>GPRename</a:t>
-            </a:r>
-            <a:r>
-              <a:rPr lang="en-US" sz="1500" dirty="0"/>
-              <a:t>: http://</a:t>
-            </a:r>
-            <a:r>
-              <a:rPr lang="en-US" sz="1500" dirty="0" err="1"/>
-              <a:t>gprename.sourceforge.net</a:t>
-            </a:r>
-            <a:r>
-              <a:rPr lang="en-US" sz="1500" dirty="0"/>
-              <a:t>/</a:t>
-            </a:r>
-          </a:p>
-          <a:p>
-            <a:pPr marL="400050" lvl="1" indent="0">
-              <a:buNone/>
-            </a:pPr>
-            <a:r>
-              <a:rPr lang="en-US" sz="1500" dirty="0"/>
-              <a:t>• </a:t>
-            </a:r>
-            <a:r>
-              <a:rPr lang="en-US" sz="1500" dirty="0" err="1"/>
-              <a:t>ImageMagick</a:t>
-            </a:r>
-            <a:r>
-              <a:rPr lang="en-US" sz="1500" dirty="0"/>
-              <a:t>: http://</a:t>
-            </a:r>
-            <a:r>
-              <a:rPr lang="en-US" sz="1500" dirty="0" err="1"/>
-              <a:t>www.imagemagick.org</a:t>
-            </a:r>
-            <a:r>
-              <a:rPr lang="en-US" sz="1500" dirty="0"/>
-              <a:t>/</a:t>
-            </a:r>
-          </a:p>
-          <a:p>
-            <a:pPr marL="400050" lvl="1" indent="0">
-              <a:buNone/>
-            </a:pPr>
-            <a:r>
-              <a:rPr lang="en-US" sz="1500" dirty="0"/>
-              <a:t>• </a:t>
-            </a:r>
-            <a:r>
-              <a:rPr lang="en-US" sz="1500" dirty="0" err="1"/>
-              <a:t>PSRenamer</a:t>
-            </a:r>
-            <a:r>
-              <a:rPr lang="en-US" sz="1500" dirty="0"/>
-              <a:t>: http://</a:t>
-            </a:r>
-            <a:r>
-              <a:rPr lang="en-US" sz="1500" dirty="0" err="1"/>
-              <a:t>www.powersurgepub.com</a:t>
-            </a:r>
-            <a:r>
-              <a:rPr lang="en-US" sz="1500" dirty="0"/>
-              <a:t>/products/</a:t>
-            </a:r>
-            <a:r>
-              <a:rPr lang="en-US" sz="1500" dirty="0" err="1"/>
-              <a:t>psrenamer.html</a:t>
-            </a:r>
-            <a:endParaRPr lang="en-US" sz="1500" dirty="0"/>
-          </a:p>
-          <a:p>
-            <a:r>
-              <a:rPr lang="en-US" sz="1600" dirty="0"/>
-              <a:t>Unix</a:t>
-            </a:r>
-          </a:p>
-          <a:p>
-            <a:pPr marL="400050" lvl="1" indent="0">
-              <a:buNone/>
-            </a:pPr>
-            <a:r>
-              <a:rPr lang="en-US" sz="1500" dirty="0"/>
-              <a:t>• The use of the </a:t>
-            </a:r>
-            <a:r>
-              <a:rPr lang="en-US" sz="1500" u="sng" dirty="0" err="1"/>
-              <a:t>grep</a:t>
-            </a:r>
-            <a:r>
-              <a:rPr lang="en-US" sz="1500" u="sng" dirty="0"/>
-              <a:t> command to search for regular expressions</a:t>
-            </a:r>
-            <a:endParaRPr lang="en-US" sz="1500" u="sng" dirty="0">
-              <a:solidFill>
-                <a:srgbClr val="0000FF"/>
-              </a:solidFill>
-            </a:endParaRPr>
-          </a:p>
-        </p:txBody>
-      </p:sp>
-    </p:spTree>
-    <p:extLst>
-      <p:ext uri="{BB962C8B-B14F-4D97-AF65-F5344CB8AC3E}">
-        <p14:creationId xmlns:p14="http://schemas.microsoft.com/office/powerpoint/2010/main" val="1531381446"/>
-      </p:ext>
-    </p:extLst>
-  </p:cSld>
-  <p:clrMapOvr>
-    <a:masterClrMapping/>
-  </p:clrMapOvr>
-</p:sld>
-</file>
-
-<file path=ppt/slides/slide14.xml><?xml version="1.0" encoding="utf-8"?>
-<p:sld xmlns:a="http://schemas.openxmlformats.org/drawingml/2006/main" xmlns:r="http://schemas.openxmlformats.org/officeDocument/2006/relationships" xmlns:p="http://schemas.openxmlformats.org/presentationml/2006/main">
-  <p:cSld>
-    <p:spTree>
-      <p:nvGrpSpPr>
-        <p:cNvPr id="1" name=""/>
-        <p:cNvGrpSpPr/>
-        <p:nvPr/>
-      </p:nvGrpSpPr>
-      <p:grpSpPr>
-        <a:xfrm>
-          <a:off x="0" y="0"/>
-          <a:ext cx="0" cy="0"/>
-          <a:chOff x="0" y="0"/>
-          <a:chExt cx="0" cy="0"/>
-        </a:xfrm>
-      </p:grpSpPr>
-      <p:pic>
-        <p:nvPicPr>
-          <p:cNvPr id="5" name="Picture 4">
-            <a:extLst>
-              <a:ext uri="{FF2B5EF4-FFF2-40B4-BE49-F238E27FC236}">
-                <a16:creationId xmlns:a16="http://schemas.microsoft.com/office/drawing/2014/main" id="{EC568268-CF6C-DE46-B1D4-6757C86396EB}"/>
-              </a:ext>
-            </a:extLst>
-          </p:cNvPr>
-          <p:cNvPicPr>
-            <a:picLocks noChangeAspect="1"/>
-          </p:cNvPicPr>
-          <p:nvPr/>
-        </p:nvPicPr>
-        <p:blipFill>
-          <a:blip r:embed="rId3"/>
-          <a:stretch>
-            <a:fillRect/>
-          </a:stretch>
-        </p:blipFill>
-        <p:spPr>
-          <a:xfrm>
-            <a:off x="0" y="748684"/>
-            <a:ext cx="9144000" cy="5360631"/>
-          </a:xfrm>
-          <a:prstGeom prst="rect">
-            <a:avLst/>
-          </a:prstGeom>
-        </p:spPr>
-      </p:pic>
-    </p:spTree>
-    <p:extLst>
-      <p:ext uri="{BB962C8B-B14F-4D97-AF65-F5344CB8AC3E}">
-        <p14:creationId xmlns:p14="http://schemas.microsoft.com/office/powerpoint/2010/main" val="2595069639"/>
-      </p:ext>
-    </p:extLst>
-  </p:cSld>
-  <p:clrMapOvr>
-    <a:masterClrMapping/>
-  </p:clrMapOvr>
-</p:sld>
-</file>
-
-<file path=ppt/slides/slide15.xml><?xml version="1.0" encoding="utf-8"?>
-<p:sld xmlns:a="http://schemas.openxmlformats.org/drawingml/2006/main" xmlns:r="http://schemas.openxmlformats.org/officeDocument/2006/relationships" xmlns:p="http://schemas.openxmlformats.org/presentationml/2006/main">
-  <p:cSld>
-    <p:spTree>
-      <p:nvGrpSpPr>
-        <p:cNvPr id="1" name=""/>
-        <p:cNvGrpSpPr/>
-        <p:nvPr/>
-      </p:nvGrpSpPr>
-      <p:grpSpPr>
-        <a:xfrm>
-          <a:off x="0" y="0"/>
-          <a:ext cx="0" cy="0"/>
-          <a:chOff x="0" y="0"/>
-          <a:chExt cx="0" cy="0"/>
-        </a:xfrm>
-      </p:grpSpPr>
-      <p:pic>
-        <p:nvPicPr>
-          <p:cNvPr id="3" name="Picture 2">
-            <a:extLst>
-              <a:ext uri="{FF2B5EF4-FFF2-40B4-BE49-F238E27FC236}">
-                <a16:creationId xmlns:a16="http://schemas.microsoft.com/office/drawing/2014/main" id="{F33D43B0-0FA4-484E-992A-F94C6363E41B}"/>
-              </a:ext>
-            </a:extLst>
-          </p:cNvPr>
-          <p:cNvPicPr>
-            <a:picLocks noChangeAspect="1"/>
-          </p:cNvPicPr>
-          <p:nvPr/>
-        </p:nvPicPr>
-        <p:blipFill>
-          <a:blip r:embed="rId3"/>
-          <a:stretch>
-            <a:fillRect/>
-          </a:stretch>
-        </p:blipFill>
-        <p:spPr>
-          <a:xfrm>
-            <a:off x="0" y="741720"/>
-            <a:ext cx="9144000" cy="5374559"/>
-          </a:xfrm>
-          <a:prstGeom prst="rect">
-            <a:avLst/>
-          </a:prstGeom>
-        </p:spPr>
-      </p:pic>
-    </p:spTree>
-    <p:extLst>
-      <p:ext uri="{BB962C8B-B14F-4D97-AF65-F5344CB8AC3E}">
-        <p14:creationId xmlns:p14="http://schemas.microsoft.com/office/powerpoint/2010/main" val="4071741266"/>
-      </p:ext>
-    </p:extLst>
-  </p:cSld>
-  <p:clrMapOvr>
-    <a:masterClrMapping/>
-  </p:clrMapOvr>
-</p:sld>
-</file>
-
-<file path=ppt/slides/slide16.xml><?xml version="1.0" encoding="utf-8"?>
-<p:sld xmlns:a="http://schemas.openxmlformats.org/drawingml/2006/main" xmlns:r="http://schemas.openxmlformats.org/officeDocument/2006/relationships" xmlns:p="http://schemas.openxmlformats.org/presentationml/2006/main">
-  <p:cSld>
-    <p:spTree>
-      <p:nvGrpSpPr>
-        <p:cNvPr id="1" name=""/>
-        <p:cNvGrpSpPr/>
-        <p:nvPr/>
-      </p:nvGrpSpPr>
-      <p:grpSpPr>
-        <a:xfrm>
-          <a:off x="0" y="0"/>
-          <a:ext cx="0" cy="0"/>
-          <a:chOff x="0" y="0"/>
-          <a:chExt cx="0" cy="0"/>
-        </a:xfrm>
-      </p:grpSpPr>
-      <p:sp>
-        <p:nvSpPr>
-          <p:cNvPr id="2" name="Title 1"/>
-          <p:cNvSpPr>
-            <a:spLocks noGrp="1"/>
-          </p:cNvSpPr>
-          <p:nvPr>
-            <p:ph type="title"/>
-          </p:nvPr>
-        </p:nvSpPr>
-        <p:spPr/>
-        <p:txBody>
-          <a:bodyPr>
-            <a:normAutofit/>
-          </a:bodyPr>
-          <a:lstStyle/>
-          <a:p>
-            <a:pPr algn="l"/>
-            <a:r>
-              <a:rPr lang="en-US" sz="3200" u="sng" dirty="0">
-                <a:solidFill>
-                  <a:schemeClr val="tx2"/>
-                </a:solidFill>
-              </a:rPr>
-              <a:t>Version Control												</a:t>
-            </a:r>
-          </a:p>
-        </p:txBody>
-      </p:sp>
-      <p:sp>
-        <p:nvSpPr>
-          <p:cNvPr id="3" name="Content Placeholder 2"/>
-          <p:cNvSpPr>
-            <a:spLocks noGrp="1"/>
-          </p:cNvSpPr>
-          <p:nvPr>
-            <p:ph idx="1"/>
-          </p:nvPr>
-        </p:nvSpPr>
-        <p:spPr>
-          <a:xfrm>
-            <a:off x="457200" y="1204171"/>
-            <a:ext cx="8229600" cy="5130097"/>
-          </a:xfrm>
-        </p:spPr>
-        <p:txBody>
-          <a:bodyPr>
-            <a:normAutofit fontScale="85000" lnSpcReduction="20000"/>
-          </a:bodyPr>
-          <a:lstStyle/>
-          <a:p>
-            <a:pPr marL="0" indent="0">
-              <a:buNone/>
-            </a:pPr>
-            <a:r>
-              <a:rPr lang="en-US" sz="2400" b="1" dirty="0">
-                <a:solidFill>
-                  <a:srgbClr val="0000FF"/>
-                </a:solidFill>
-              </a:rPr>
-              <a:t>Aim</a:t>
-            </a:r>
-            <a:r>
-              <a:rPr lang="en-US" sz="2400" dirty="0"/>
-              <a:t>: </a:t>
-            </a:r>
-            <a:r>
-              <a:rPr lang="en-US" sz="2400" dirty="0">
-                <a:solidFill>
-                  <a:schemeClr val="accent3"/>
-                </a:solidFill>
-              </a:rPr>
-              <a:t>Keep raw data untouched and reverse to earlier version</a:t>
-            </a:r>
-          </a:p>
-          <a:p>
-            <a:pPr marL="0" indent="0">
-              <a:buNone/>
-            </a:pPr>
-            <a:endParaRPr lang="en-US" sz="1100" dirty="0"/>
-          </a:p>
-          <a:p>
-            <a:r>
-              <a:rPr lang="en-US" sz="2400" dirty="0"/>
-              <a:t>Save an untouched copy of the raw data, work on save untouched copy</a:t>
-            </a:r>
-          </a:p>
-          <a:p>
-            <a:r>
-              <a:rPr lang="en-US" sz="2400" dirty="0"/>
-              <a:t>Use a file naming convention (like v001, v002 or v1_0, v1_2, v2_0</a:t>
-            </a:r>
-          </a:p>
-          <a:p>
-            <a:r>
-              <a:rPr lang="en-US" sz="2400" dirty="0"/>
-              <a:t>Use a directory structure naming convention that includes version information</a:t>
-            </a:r>
-          </a:p>
-          <a:p>
-            <a:r>
-              <a:rPr lang="en-US" sz="2400" dirty="0"/>
-              <a:t>Date can be part of the file name, e.g. </a:t>
-            </a:r>
-          </a:p>
-          <a:p>
-            <a:pPr marL="0" indent="0">
-              <a:buNone/>
-            </a:pPr>
-            <a:r>
-              <a:rPr lang="en-US" sz="2400" b="1" dirty="0">
-                <a:solidFill>
-                  <a:schemeClr val="accent3"/>
-                </a:solidFill>
-              </a:rPr>
-              <a:t>		2012-02-27_Template_soil _</a:t>
-            </a:r>
-            <a:r>
-              <a:rPr lang="en-US" sz="2400" b="1" dirty="0" err="1">
-                <a:solidFill>
-                  <a:schemeClr val="accent3"/>
-                </a:solidFill>
-              </a:rPr>
-              <a:t>testing.xlsx</a:t>
-            </a:r>
-            <a:endParaRPr lang="en-US" sz="2400" b="1" dirty="0">
-              <a:solidFill>
-                <a:schemeClr val="accent3"/>
-              </a:solidFill>
-            </a:endParaRPr>
-          </a:p>
-          <a:p>
-            <a:r>
-              <a:rPr lang="en-US" sz="2400" dirty="0"/>
-              <a:t>Append the author’s name to the file name, e.g. </a:t>
-            </a:r>
-          </a:p>
-          <a:p>
-            <a:pPr marL="0" indent="0">
-              <a:buNone/>
-            </a:pPr>
-            <a:r>
-              <a:rPr lang="en-US" sz="2200" b="1" dirty="0">
-                <a:solidFill>
-                  <a:srgbClr val="9BBB59"/>
-                </a:solidFill>
-              </a:rPr>
-              <a:t>		</a:t>
-            </a:r>
-            <a:r>
-              <a:rPr lang="en-US" sz="2200" b="1" dirty="0" err="1">
-                <a:solidFill>
-                  <a:srgbClr val="9BBB59"/>
-                </a:solidFill>
-              </a:rPr>
-              <a:t>Template_soil</a:t>
-            </a:r>
-            <a:r>
-              <a:rPr lang="en-US" sz="2200" b="1" dirty="0">
-                <a:solidFill>
-                  <a:srgbClr val="9BBB59"/>
-                </a:solidFill>
-              </a:rPr>
-              <a:t> _</a:t>
-            </a:r>
-            <a:r>
-              <a:rPr lang="en-US" sz="2200" b="1" dirty="0" err="1">
-                <a:solidFill>
-                  <a:srgbClr val="9BBB59"/>
-                </a:solidFill>
-              </a:rPr>
-              <a:t>testing_modified_by_AH.xlsx</a:t>
-            </a:r>
-            <a:endParaRPr lang="en-US" sz="2200" b="1" dirty="0">
-              <a:solidFill>
-                <a:srgbClr val="9BBB59"/>
-              </a:solidFill>
-            </a:endParaRPr>
-          </a:p>
-          <a:p>
-            <a:r>
-              <a:rPr lang="en-US" sz="2400" dirty="0"/>
-              <a:t>Add a version number after reach major edit, e.g.  </a:t>
-            </a:r>
-          </a:p>
-          <a:p>
-            <a:pPr marL="914400" lvl="2" indent="0">
-              <a:buNone/>
-            </a:pPr>
-            <a:r>
-              <a:rPr lang="en-US" sz="2200" b="1" dirty="0" err="1">
-                <a:solidFill>
-                  <a:srgbClr val="9BBB59"/>
-                </a:solidFill>
-              </a:rPr>
-              <a:t>Template_soil</a:t>
-            </a:r>
-            <a:r>
-              <a:rPr lang="en-US" sz="2200" b="1" dirty="0">
-                <a:solidFill>
-                  <a:srgbClr val="9BBB59"/>
-                </a:solidFill>
-              </a:rPr>
-              <a:t> _testing_v03.xlsx</a:t>
-            </a:r>
-          </a:p>
-          <a:p>
-            <a:r>
-              <a:rPr lang="en-US" sz="2400" dirty="0"/>
-              <a:t>Directory top-level folders should include the project title, unique identifier, and date (year), but the files themselves should be well-described independent of the directory structure.</a:t>
-            </a:r>
-          </a:p>
-          <a:p>
-            <a:r>
-              <a:rPr lang="en-US" sz="2400" dirty="0"/>
-              <a:t>Version control tools: </a:t>
-            </a:r>
-          </a:p>
-          <a:p>
-            <a:pPr lvl="1" indent="-342900"/>
-            <a:r>
-              <a:rPr lang="en-US" sz="2000" dirty="0"/>
-              <a:t>Wet lab: Electronic Lab Notebooks/Box/LIMS</a:t>
-            </a:r>
-          </a:p>
-          <a:p>
-            <a:pPr lvl="1" indent="-342900"/>
-            <a:r>
-              <a:rPr lang="en-US" sz="2000" dirty="0"/>
-              <a:t>Dry lab: SVN/</a:t>
-            </a:r>
-            <a:r>
-              <a:rPr lang="en-US" sz="2000" dirty="0" err="1"/>
-              <a:t>GitHub</a:t>
-            </a:r>
-            <a:endParaRPr lang="en-US" sz="2000" dirty="0"/>
-          </a:p>
-          <a:p>
-            <a:pPr marL="0" indent="0">
-              <a:buNone/>
-            </a:pPr>
-            <a:endParaRPr lang="en-US" sz="2400" dirty="0"/>
-          </a:p>
-          <a:p>
-            <a:pPr marL="0" indent="0">
-              <a:buNone/>
-            </a:pPr>
-            <a:endParaRPr lang="en-US" sz="2400" u="sng" dirty="0">
-              <a:solidFill>
-                <a:srgbClr val="0000FF"/>
-              </a:solidFill>
-            </a:endParaRPr>
-          </a:p>
-        </p:txBody>
-      </p:sp>
-    </p:spTree>
-    <p:extLst>
-      <p:ext uri="{BB962C8B-B14F-4D97-AF65-F5344CB8AC3E}">
-        <p14:creationId xmlns:p14="http://schemas.microsoft.com/office/powerpoint/2010/main" val="2849588677"/>
-      </p:ext>
-    </p:extLst>
-  </p:cSld>
-  <p:clrMapOvr>
-    <a:masterClrMapping/>
-  </p:clrMapOvr>
-</p:sld>
-</file>
-
-<file path=ppt/slides/slide17.xml><?xml version="1.0" encoding="utf-8"?>
-<p:sld xmlns:a="http://schemas.openxmlformats.org/drawingml/2006/main" xmlns:r="http://schemas.openxmlformats.org/officeDocument/2006/relationships" xmlns:p="http://schemas.openxmlformats.org/presentationml/2006/main">
-  <p:cSld>
-    <p:spTree>
-      <p:nvGrpSpPr>
-        <p:cNvPr id="1" name=""/>
-        <p:cNvGrpSpPr/>
-        <p:nvPr/>
-      </p:nvGrpSpPr>
-      <p:grpSpPr>
-        <a:xfrm>
-          <a:off x="0" y="0"/>
-          <a:ext cx="0" cy="0"/>
-          <a:chOff x="0" y="0"/>
-          <a:chExt cx="0" cy="0"/>
-        </a:xfrm>
-      </p:grpSpPr>
-      <p:sp>
-        <p:nvSpPr>
-          <p:cNvPr id="2" name="Title 1"/>
-          <p:cNvSpPr>
-            <a:spLocks noGrp="1"/>
-          </p:cNvSpPr>
-          <p:nvPr>
-            <p:ph type="title"/>
-          </p:nvPr>
-        </p:nvSpPr>
-        <p:spPr/>
-        <p:txBody>
-          <a:bodyPr>
-            <a:normAutofit/>
-          </a:bodyPr>
-          <a:lstStyle/>
-          <a:p>
-            <a:pPr algn="l"/>
-            <a:r>
-              <a:rPr lang="en-US" sz="3200" u="sng" dirty="0">
-                <a:solidFill>
-                  <a:schemeClr val="tx2"/>
-                </a:solidFill>
-              </a:rPr>
-              <a:t>Version Control Example									</a:t>
-            </a:r>
-          </a:p>
-        </p:txBody>
-      </p:sp>
-      <p:pic>
-        <p:nvPicPr>
-          <p:cNvPr id="6" name="Picture 5" descr="Screen Shot 2018-02-23 at 11.33.49.png"/>
-          <p:cNvPicPr>
-            <a:picLocks noChangeAspect="1"/>
-          </p:cNvPicPr>
-          <p:nvPr/>
-        </p:nvPicPr>
-        <p:blipFill>
-          <a:blip r:embed="rId3">
-            <a:extLst>
-              <a:ext uri="{28A0092B-C50C-407E-A947-70E740481C1C}">
-                <a14:useLocalDpi xmlns:a14="http://schemas.microsoft.com/office/drawing/2010/main" val="0"/>
-              </a:ext>
-            </a:extLst>
-          </a:blip>
-          <a:stretch>
-            <a:fillRect/>
-          </a:stretch>
-        </p:blipFill>
-        <p:spPr>
-          <a:xfrm>
-            <a:off x="0" y="1236236"/>
-            <a:ext cx="9144000" cy="4910203"/>
-          </a:xfrm>
-          <a:prstGeom prst="rect">
-            <a:avLst/>
-          </a:prstGeom>
-        </p:spPr>
-      </p:pic>
-    </p:spTree>
-    <p:extLst>
-      <p:ext uri="{BB962C8B-B14F-4D97-AF65-F5344CB8AC3E}">
-        <p14:creationId xmlns:p14="http://schemas.microsoft.com/office/powerpoint/2010/main" val="118049913"/>
-      </p:ext>
-    </p:extLst>
-  </p:cSld>
-  <p:clrMapOvr>
-    <a:masterClrMapping/>
-  </p:clrMapOvr>
-</p:sld>
-</file>
-
-<file path=ppt/slides/slide18.xml><?xml version="1.0" encoding="utf-8"?>
-<p:sld xmlns:a="http://schemas.openxmlformats.org/drawingml/2006/main" xmlns:r="http://schemas.openxmlformats.org/officeDocument/2006/relationships" xmlns:p="http://schemas.openxmlformats.org/presentationml/2006/main">
-  <p:cSld>
-    <p:spTree>
-      <p:nvGrpSpPr>
-        <p:cNvPr id="1" name=""/>
-        <p:cNvGrpSpPr/>
-        <p:nvPr/>
-      </p:nvGrpSpPr>
-      <p:grpSpPr>
-        <a:xfrm>
-          <a:off x="0" y="0"/>
-          <a:ext cx="0" cy="0"/>
-          <a:chOff x="0" y="0"/>
-          <a:chExt cx="0" cy="0"/>
-        </a:xfrm>
-      </p:grpSpPr>
-      <p:sp>
-        <p:nvSpPr>
-          <p:cNvPr id="2" name="Title 1"/>
-          <p:cNvSpPr>
-            <a:spLocks noGrp="1"/>
-          </p:cNvSpPr>
-          <p:nvPr>
-            <p:ph type="title"/>
-          </p:nvPr>
-        </p:nvSpPr>
-        <p:spPr/>
-        <p:txBody>
-          <a:bodyPr>
-            <a:normAutofit/>
-          </a:bodyPr>
-          <a:lstStyle/>
-          <a:p>
-            <a:pPr algn="l"/>
-            <a:r>
-              <a:rPr lang="en-US" sz="3200" u="sng" dirty="0">
-                <a:solidFill>
-                  <a:schemeClr val="tx2"/>
-                </a:solidFill>
-              </a:rPr>
-              <a:t>Folder Structure												</a:t>
-            </a:r>
-          </a:p>
-        </p:txBody>
-      </p:sp>
-      <p:sp>
-        <p:nvSpPr>
-          <p:cNvPr id="3" name="Content Placeholder 2"/>
-          <p:cNvSpPr>
-            <a:spLocks noGrp="1"/>
-          </p:cNvSpPr>
-          <p:nvPr>
-            <p:ph idx="1"/>
-          </p:nvPr>
-        </p:nvSpPr>
-        <p:spPr>
-          <a:xfrm>
-            <a:off x="457200" y="1204171"/>
-            <a:ext cx="8229600" cy="5130097"/>
-          </a:xfrm>
-        </p:spPr>
-        <p:txBody>
-          <a:bodyPr>
-            <a:normAutofit/>
-          </a:bodyPr>
-          <a:lstStyle/>
-          <a:p>
-            <a:r>
-              <a:rPr lang="en-US" sz="2400" dirty="0"/>
-              <a:t>Methods of </a:t>
-            </a:r>
-            <a:r>
-              <a:rPr lang="en-US" sz="2400" dirty="0" err="1"/>
-              <a:t>organising</a:t>
-            </a:r>
-            <a:r>
-              <a:rPr lang="en-US" sz="2400" dirty="0"/>
-              <a:t> electronic material</a:t>
-            </a:r>
-          </a:p>
-          <a:p>
-            <a:pPr lvl="1" indent="-342900"/>
-            <a:r>
-              <a:rPr lang="en-US" sz="1900" b="1" dirty="0">
-                <a:solidFill>
-                  <a:srgbClr val="0000FF"/>
-                </a:solidFill>
-              </a:rPr>
-              <a:t>Hierarchical</a:t>
-            </a:r>
-            <a:r>
-              <a:rPr lang="en-US" sz="1900" dirty="0"/>
-              <a:t>: Items </a:t>
-            </a:r>
-            <a:r>
-              <a:rPr lang="en-US" sz="1900" dirty="0" err="1"/>
-              <a:t>organised</a:t>
-            </a:r>
-            <a:r>
-              <a:rPr lang="en-US" sz="1900" dirty="0"/>
-              <a:t> in folders and sub-folders</a:t>
-            </a:r>
-          </a:p>
-          <a:p>
-            <a:pPr lvl="1" indent="-342900"/>
-            <a:r>
-              <a:rPr lang="en-US" sz="1900" b="1" dirty="0">
-                <a:solidFill>
-                  <a:srgbClr val="0000FF"/>
-                </a:solidFill>
-              </a:rPr>
-              <a:t>Tag-based</a:t>
-            </a:r>
-            <a:r>
-              <a:rPr lang="en-US" sz="1900" dirty="0"/>
-              <a:t>: Each item assigned one or more tags</a:t>
-            </a:r>
-          </a:p>
-          <a:p>
-            <a:pPr lvl="1" indent="-342900"/>
-            <a:r>
-              <a:rPr lang="en-US" sz="1900" b="1" dirty="0">
-                <a:solidFill>
-                  <a:srgbClr val="0000FF"/>
-                </a:solidFill>
-              </a:rPr>
-              <a:t>Hybrid</a:t>
-            </a:r>
-            <a:r>
-              <a:rPr lang="en-US" sz="1900" dirty="0"/>
-              <a:t> combination of hierarchical and tag-based</a:t>
-            </a:r>
-          </a:p>
-          <a:p>
-            <a:pPr marL="0" indent="0">
-              <a:buNone/>
-            </a:pPr>
-            <a:endParaRPr lang="en-US" sz="2400" u="sng" dirty="0">
-              <a:solidFill>
-                <a:srgbClr val="0000FF"/>
-              </a:solidFill>
-            </a:endParaRPr>
-          </a:p>
-        </p:txBody>
-      </p:sp>
-    </p:spTree>
-    <p:extLst>
-      <p:ext uri="{BB962C8B-B14F-4D97-AF65-F5344CB8AC3E}">
-        <p14:creationId xmlns:p14="http://schemas.microsoft.com/office/powerpoint/2010/main" val="697587528"/>
-      </p:ext>
-    </p:extLst>
-  </p:cSld>
-  <p:clrMapOvr>
-    <a:masterClrMapping/>
-  </p:clrMapOvr>
-</p:sld>
-</file>
-
-<file path=ppt/slides/slide19.xml><?xml version="1.0" encoding="utf-8"?>
-<p:sld xmlns:a="http://schemas.openxmlformats.org/drawingml/2006/main" xmlns:r="http://schemas.openxmlformats.org/officeDocument/2006/relationships" xmlns:p="http://schemas.openxmlformats.org/presentationml/2006/main">
-  <p:cSld>
-    <p:spTree>
-      <p:nvGrpSpPr>
-        <p:cNvPr id="1" name=""/>
-        <p:cNvGrpSpPr/>
-        <p:nvPr/>
-      </p:nvGrpSpPr>
-      <p:grpSpPr>
-        <a:xfrm>
-          <a:off x="0" y="0"/>
-          <a:ext cx="0" cy="0"/>
-          <a:chOff x="0" y="0"/>
-          <a:chExt cx="0" cy="0"/>
-        </a:xfrm>
-      </p:grpSpPr>
-      <p:sp>
-        <p:nvSpPr>
-          <p:cNvPr id="2" name="Title 1"/>
-          <p:cNvSpPr>
-            <a:spLocks noGrp="1"/>
-          </p:cNvSpPr>
-          <p:nvPr>
-            <p:ph type="title"/>
-          </p:nvPr>
-        </p:nvSpPr>
-        <p:spPr/>
-        <p:txBody>
-          <a:bodyPr>
-            <a:normAutofit/>
-          </a:bodyPr>
-          <a:lstStyle/>
-          <a:p>
-            <a:pPr algn="l"/>
-            <a:r>
-              <a:rPr lang="en-US" sz="3200" u="sng" dirty="0">
-                <a:solidFill>
-                  <a:schemeClr val="tx2"/>
-                </a:solidFill>
-              </a:rPr>
-              <a:t>Folder Structure Examples – Hierarchical			</a:t>
-            </a:r>
-          </a:p>
-        </p:txBody>
-      </p:sp>
-      <p:pic>
-        <p:nvPicPr>
-          <p:cNvPr id="6" name="Content Placeholder 5" descr="Screen Shot 2018-02-23 at 11.01.13.png"/>
-          <p:cNvPicPr>
-            <a:picLocks noGrp="1" noChangeAspect="1"/>
-          </p:cNvPicPr>
-          <p:nvPr>
-            <p:ph idx="1"/>
-          </p:nvPr>
-        </p:nvPicPr>
-        <p:blipFill>
-          <a:blip r:embed="rId3">
-            <a:extLst>
-              <a:ext uri="{28A0092B-C50C-407E-A947-70E740481C1C}">
-                <a14:useLocalDpi xmlns:a14="http://schemas.microsoft.com/office/drawing/2010/main" val="0"/>
-              </a:ext>
-            </a:extLst>
-          </a:blip>
-          <a:srcRect l="-65439" r="-65439"/>
-          <a:stretch>
-            <a:fillRect/>
-          </a:stretch>
-        </p:blipFill>
-        <p:spPr>
-          <a:xfrm>
-            <a:off x="457200" y="1200259"/>
-            <a:ext cx="8229600" cy="5357675"/>
-          </a:xfrm>
-        </p:spPr>
-      </p:pic>
-    </p:spTree>
-    <p:extLst>
-      <p:ext uri="{BB962C8B-B14F-4D97-AF65-F5344CB8AC3E}">
-        <p14:creationId xmlns:p14="http://schemas.microsoft.com/office/powerpoint/2010/main" val="3570695689"/>
-      </p:ext>
-    </p:extLst>
-  </p:cSld>
-  <p:clrMapOvr>
-    <a:masterClrMapping/>
-  </p:clrMapOvr>
-</p:sld>
-</file>
-
-<file path=ppt/slides/slide2.xml><?xml version="1.0" encoding="utf-8"?>
-<p:sld xmlns:a="http://schemas.openxmlformats.org/drawingml/2006/main" xmlns:r="http://schemas.openxmlformats.org/officeDocument/2006/relationships" xmlns:p="http://schemas.openxmlformats.org/presentationml/2006/main">
-  <p:cSld>
-    <p:spTree>
-      <p:nvGrpSpPr>
-        <p:cNvPr id="1" name=""/>
-        <p:cNvGrpSpPr/>
-        <p:nvPr/>
-      </p:nvGrpSpPr>
-      <p:grpSpPr>
-        <a:xfrm>
-          <a:off x="0" y="0"/>
-          <a:ext cx="0" cy="0"/>
-          <a:chOff x="0" y="0"/>
-          <a:chExt cx="0" cy="0"/>
-        </a:xfrm>
-      </p:grpSpPr>
-      <p:sp>
-        <p:nvSpPr>
-          <p:cNvPr id="2" name="Title 1"/>
-          <p:cNvSpPr>
-            <a:spLocks noGrp="1"/>
-          </p:cNvSpPr>
-          <p:nvPr>
-            <p:ph type="title"/>
-          </p:nvPr>
-        </p:nvSpPr>
-        <p:spPr/>
-        <p:txBody>
-          <a:bodyPr>
-            <a:normAutofit/>
-          </a:bodyPr>
-          <a:lstStyle/>
-          <a:p>
-            <a:pPr algn="l"/>
-            <a:r>
-              <a:rPr lang="en-US" sz="3200" u="sng" dirty="0">
-                <a:solidFill>
-                  <a:schemeClr val="tx2"/>
-                </a:solidFill>
-              </a:rPr>
-              <a:t>What You Will Learn										</a:t>
-            </a:r>
-          </a:p>
-        </p:txBody>
-      </p:sp>
-      <p:sp>
-        <p:nvSpPr>
-          <p:cNvPr id="3" name="Content Placeholder 2"/>
-          <p:cNvSpPr>
-            <a:spLocks noGrp="1"/>
-          </p:cNvSpPr>
-          <p:nvPr>
-            <p:ph idx="1"/>
-          </p:nvPr>
-        </p:nvSpPr>
-        <p:spPr>
-          <a:xfrm>
-            <a:off x="457200" y="1600200"/>
-            <a:ext cx="8229600" cy="4734068"/>
-          </a:xfrm>
-        </p:spPr>
-        <p:txBody>
-          <a:bodyPr>
-            <a:normAutofit fontScale="70000" lnSpcReduction="20000"/>
-          </a:bodyPr>
-          <a:lstStyle/>
-          <a:p>
-            <a:r>
-              <a:rPr lang="en-US" dirty="0"/>
-              <a:t>Why file management of your research data is important</a:t>
-            </a:r>
-          </a:p>
-          <a:p>
-            <a:endParaRPr lang="en-US" sz="2600" dirty="0"/>
-          </a:p>
-          <a:p>
-            <a:r>
-              <a:rPr lang="en-US" dirty="0"/>
-              <a:t>Specific techniques for organizing your research data,</a:t>
-            </a:r>
-          </a:p>
-          <a:p>
-            <a:pPr marL="400050" lvl="1" indent="0">
-              <a:buNone/>
-            </a:pPr>
-            <a:r>
-              <a:rPr lang="en-US" dirty="0"/>
-              <a:t>– File structures</a:t>
-            </a:r>
-          </a:p>
-          <a:p>
-            <a:pPr marL="400050" lvl="1" indent="0">
-              <a:buNone/>
-            </a:pPr>
-            <a:r>
-              <a:rPr lang="en-US" dirty="0"/>
-              <a:t>– File naming</a:t>
-            </a:r>
-          </a:p>
-          <a:p>
-            <a:pPr marL="400050" lvl="1" indent="0">
-              <a:buNone/>
-            </a:pPr>
-            <a:r>
-              <a:rPr lang="en-US" dirty="0"/>
-              <a:t>– Version control</a:t>
-            </a:r>
-          </a:p>
-          <a:p>
-            <a:pPr marL="400050" lvl="1" indent="0">
-              <a:buNone/>
-            </a:pPr>
-            <a:r>
-              <a:rPr lang="en-US" dirty="0"/>
-              <a:t>- Storage</a:t>
-            </a:r>
-          </a:p>
-          <a:p>
-            <a:endParaRPr lang="en-US" sz="2600" dirty="0"/>
-          </a:p>
-          <a:p>
-            <a:r>
-              <a:rPr lang="en-US" dirty="0"/>
-              <a:t>Including:</a:t>
-            </a:r>
-          </a:p>
-          <a:p>
-            <a:pPr marL="400050" lvl="1" indent="0">
-              <a:buNone/>
-            </a:pPr>
-            <a:r>
-              <a:rPr lang="en-US" dirty="0"/>
-              <a:t>– Small group discussion</a:t>
-            </a:r>
-          </a:p>
-          <a:p>
-            <a:pPr marL="400050" lvl="1" indent="0">
-              <a:buNone/>
-            </a:pPr>
-            <a:r>
-              <a:rPr lang="en-US" dirty="0"/>
-              <a:t>– Exercise for organizing your own data</a:t>
-            </a:r>
-          </a:p>
-          <a:p>
-            <a:endParaRPr lang="en-US" dirty="0"/>
-          </a:p>
-          <a:p>
-            <a:r>
-              <a:rPr lang="en-US" dirty="0"/>
-              <a:t>Focuses on research data, also applies to other types of files</a:t>
-            </a:r>
-          </a:p>
-          <a:p>
-            <a:endParaRPr lang="en-US" dirty="0"/>
-          </a:p>
-        </p:txBody>
-      </p:sp>
-    </p:spTree>
-    <p:extLst>
-      <p:ext uri="{BB962C8B-B14F-4D97-AF65-F5344CB8AC3E}">
-        <p14:creationId xmlns:p14="http://schemas.microsoft.com/office/powerpoint/2010/main" val="296149702"/>
-      </p:ext>
-    </p:extLst>
-  </p:cSld>
-  <p:clrMapOvr>
-    <a:masterClrMapping/>
-  </p:clrMapOvr>
-</p:sld>
-</file>
-
-<file path=ppt/slides/slide20.xml><?xml version="1.0" encoding="utf-8"?>
-<p:sld xmlns:a="http://schemas.openxmlformats.org/drawingml/2006/main" xmlns:r="http://schemas.openxmlformats.org/officeDocument/2006/relationships" xmlns:p="http://schemas.openxmlformats.org/presentationml/2006/main">
-  <p:cSld>
-    <p:spTree>
-      <p:nvGrpSpPr>
-        <p:cNvPr id="1" name=""/>
-        <p:cNvGrpSpPr/>
-        <p:nvPr/>
-      </p:nvGrpSpPr>
-      <p:grpSpPr>
-        <a:xfrm>
-          <a:off x="0" y="0"/>
-          <a:ext cx="0" cy="0"/>
-          <a:chOff x="0" y="0"/>
-          <a:chExt cx="0" cy="0"/>
-        </a:xfrm>
-      </p:grpSpPr>
-      <p:sp>
-        <p:nvSpPr>
-          <p:cNvPr id="2" name="Title 1"/>
-          <p:cNvSpPr>
-            <a:spLocks noGrp="1"/>
-          </p:cNvSpPr>
-          <p:nvPr>
-            <p:ph type="title"/>
-          </p:nvPr>
-        </p:nvSpPr>
-        <p:spPr/>
-        <p:txBody>
-          <a:bodyPr>
-            <a:normAutofit/>
-          </a:bodyPr>
-          <a:lstStyle/>
-          <a:p>
-            <a:pPr algn="l"/>
-            <a:r>
-              <a:rPr lang="en-US" sz="3200" u="sng" dirty="0">
-                <a:solidFill>
-                  <a:schemeClr val="tx2"/>
-                </a:solidFill>
-              </a:rPr>
-              <a:t>Folder Structure Examples – Tag-based			</a:t>
-            </a:r>
-          </a:p>
-        </p:txBody>
-      </p:sp>
-      <p:pic>
-        <p:nvPicPr>
-          <p:cNvPr id="4" name="Picture 3"/>
-          <p:cNvPicPr>
-            <a:picLocks noChangeAspect="1"/>
-          </p:cNvPicPr>
-          <p:nvPr/>
-        </p:nvPicPr>
-        <p:blipFill>
-          <a:blip r:embed="rId3"/>
-          <a:stretch>
-            <a:fillRect/>
-          </a:stretch>
-        </p:blipFill>
-        <p:spPr>
-          <a:xfrm>
-            <a:off x="458286" y="1084133"/>
-            <a:ext cx="8065966" cy="5506345"/>
-          </a:xfrm>
-          <a:prstGeom prst="rect">
-            <a:avLst/>
-          </a:prstGeom>
-        </p:spPr>
-      </p:pic>
-    </p:spTree>
-    <p:extLst>
-      <p:ext uri="{BB962C8B-B14F-4D97-AF65-F5344CB8AC3E}">
-        <p14:creationId xmlns:p14="http://schemas.microsoft.com/office/powerpoint/2010/main" val="1387589393"/>
-      </p:ext>
-    </p:extLst>
-  </p:cSld>
-  <p:clrMapOvr>
-    <a:masterClrMapping/>
-  </p:clrMapOvr>
-</p:sld>
-</file>
-
-<file path=ppt/slides/slide21.xml><?xml version="1.0" encoding="utf-8"?>
-<p:sld xmlns:a="http://schemas.openxmlformats.org/drawingml/2006/main" xmlns:r="http://schemas.openxmlformats.org/officeDocument/2006/relationships" xmlns:p="http://schemas.openxmlformats.org/presentationml/2006/main">
-  <p:cSld>
-    <p:spTree>
-      <p:nvGrpSpPr>
-        <p:cNvPr id="1" name=""/>
-        <p:cNvGrpSpPr/>
-        <p:nvPr/>
-      </p:nvGrpSpPr>
-      <p:grpSpPr>
-        <a:xfrm>
-          <a:off x="0" y="0"/>
-          <a:ext cx="0" cy="0"/>
-          <a:chOff x="0" y="0"/>
-          <a:chExt cx="0" cy="0"/>
-        </a:xfrm>
-      </p:grpSpPr>
-      <p:pic>
-        <p:nvPicPr>
-          <p:cNvPr id="11" name="Picture 10">
-            <a:extLst>
-              <a:ext uri="{FF2B5EF4-FFF2-40B4-BE49-F238E27FC236}">
-                <a16:creationId xmlns:a16="http://schemas.microsoft.com/office/drawing/2014/main" id="{E6F1BE2A-EC94-9E4A-AC59-67474BFF6EA3}"/>
-              </a:ext>
-            </a:extLst>
-          </p:cNvPr>
-          <p:cNvPicPr>
-            <a:picLocks noChangeAspect="1"/>
-          </p:cNvPicPr>
-          <p:nvPr/>
-        </p:nvPicPr>
-        <p:blipFill>
-          <a:blip r:embed="rId3"/>
-          <a:stretch>
-            <a:fillRect/>
-          </a:stretch>
-        </p:blipFill>
-        <p:spPr>
-          <a:xfrm>
-            <a:off x="2204489" y="0"/>
-            <a:ext cx="4735021" cy="6858000"/>
-          </a:xfrm>
-          <a:prstGeom prst="rect">
-            <a:avLst/>
-          </a:prstGeom>
-        </p:spPr>
-      </p:pic>
-    </p:spTree>
-    <p:extLst>
-      <p:ext uri="{BB962C8B-B14F-4D97-AF65-F5344CB8AC3E}">
-        <p14:creationId xmlns:p14="http://schemas.microsoft.com/office/powerpoint/2010/main" val="2150412620"/>
-      </p:ext>
-    </p:extLst>
-  </p:cSld>
-  <p:clrMapOvr>
-    <a:masterClrMapping/>
-  </p:clrMapOvr>
-</p:sld>
-</file>
-
-<file path=ppt/slides/slide22.xml><?xml version="1.0" encoding="utf-8"?>
-<p:sld xmlns:a="http://schemas.openxmlformats.org/drawingml/2006/main" xmlns:r="http://schemas.openxmlformats.org/officeDocument/2006/relationships" xmlns:p="http://schemas.openxmlformats.org/presentationml/2006/main">
-  <p:cSld>
-    <p:spTree>
-      <p:nvGrpSpPr>
-        <p:cNvPr id="1" name=""/>
-        <p:cNvGrpSpPr/>
-        <p:nvPr/>
-      </p:nvGrpSpPr>
-      <p:grpSpPr>
-        <a:xfrm>
-          <a:off x="0" y="0"/>
-          <a:ext cx="0" cy="0"/>
-          <a:chOff x="0" y="0"/>
-          <a:chExt cx="0" cy="0"/>
-        </a:xfrm>
-      </p:grpSpPr>
-      <p:sp>
-        <p:nvSpPr>
-          <p:cNvPr id="2" name="Title 1"/>
-          <p:cNvSpPr>
-            <a:spLocks noGrp="1"/>
-          </p:cNvSpPr>
-          <p:nvPr>
-            <p:ph type="title"/>
-          </p:nvPr>
-        </p:nvSpPr>
-        <p:spPr/>
-        <p:txBody>
-          <a:bodyPr>
-            <a:normAutofit/>
-          </a:bodyPr>
-          <a:lstStyle/>
-          <a:p>
-            <a:pPr algn="l"/>
-            <a:r>
-              <a:rPr lang="en-US" sz="3200" u="sng" dirty="0">
-                <a:solidFill>
-                  <a:schemeClr val="tx2"/>
-                </a:solidFill>
-              </a:rPr>
-              <a:t>Small Group Discussion									</a:t>
-            </a:r>
-          </a:p>
-        </p:txBody>
-      </p:sp>
-      <p:sp>
-        <p:nvSpPr>
-          <p:cNvPr id="3" name="Content Placeholder 2"/>
-          <p:cNvSpPr>
-            <a:spLocks noGrp="1"/>
-          </p:cNvSpPr>
-          <p:nvPr>
-            <p:ph idx="1"/>
-          </p:nvPr>
-        </p:nvSpPr>
-        <p:spPr>
-          <a:xfrm>
-            <a:off x="457200" y="1600200"/>
-            <a:ext cx="8229600" cy="4734068"/>
-          </a:xfrm>
-        </p:spPr>
-        <p:txBody>
-          <a:bodyPr>
-            <a:normAutofit/>
-          </a:bodyPr>
-          <a:lstStyle/>
-          <a:p>
-            <a:r>
-              <a:rPr lang="en-US" sz="2400" dirty="0"/>
-              <a:t>What sort of structure(s) do you currently use?</a:t>
-            </a:r>
-          </a:p>
-          <a:p>
-            <a:r>
-              <a:rPr lang="en-US" sz="2400" dirty="0"/>
-              <a:t>What do you see as the key advantages and disadvantages of the different types of system?</a:t>
-            </a:r>
-          </a:p>
-          <a:p>
-            <a:r>
-              <a:rPr lang="en-US" sz="2400" dirty="0"/>
-              <a:t>Are there specific tasks one sort of system seems particularly suitable for? How does this apply to your research project?</a:t>
-            </a:r>
-          </a:p>
-        </p:txBody>
-      </p:sp>
-    </p:spTree>
-    <p:extLst>
-      <p:ext uri="{BB962C8B-B14F-4D97-AF65-F5344CB8AC3E}">
-        <p14:creationId xmlns:p14="http://schemas.microsoft.com/office/powerpoint/2010/main" val="3580087969"/>
-      </p:ext>
-    </p:extLst>
-  </p:cSld>
-  <p:clrMapOvr>
-    <a:masterClrMapping/>
-  </p:clrMapOvr>
-</p:sld>
-</file>
-
-<file path=ppt/slides/slide3.xml><?xml version="1.0" encoding="utf-8"?>
-<p:sld xmlns:a="http://schemas.openxmlformats.org/drawingml/2006/main" xmlns:r="http://schemas.openxmlformats.org/officeDocument/2006/relationships" xmlns:p="http://schemas.openxmlformats.org/presentationml/2006/main">
-  <p:cSld>
-    <p:spTree>
-      <p:nvGrpSpPr>
-        <p:cNvPr id="1" name=""/>
-        <p:cNvGrpSpPr/>
-        <p:nvPr/>
-      </p:nvGrpSpPr>
-      <p:grpSpPr>
-        <a:xfrm>
-          <a:off x="0" y="0"/>
-          <a:ext cx="0" cy="0"/>
-          <a:chOff x="0" y="0"/>
-          <a:chExt cx="0" cy="0"/>
-        </a:xfrm>
-      </p:grpSpPr>
-      <p:sp>
-        <p:nvSpPr>
-          <p:cNvPr id="2" name="Title 1"/>
-          <p:cNvSpPr>
-            <a:spLocks noGrp="1"/>
-          </p:cNvSpPr>
-          <p:nvPr>
-            <p:ph type="title"/>
-          </p:nvPr>
-        </p:nvSpPr>
-        <p:spPr/>
-        <p:txBody>
-          <a:bodyPr>
-            <a:normAutofit/>
-          </a:bodyPr>
-          <a:lstStyle/>
-          <a:p>
-            <a:pPr algn="l"/>
-            <a:r>
-              <a:rPr lang="en-US" sz="3200" u="sng" dirty="0">
-                <a:solidFill>
-                  <a:schemeClr val="tx2"/>
-                </a:solidFill>
-              </a:rPr>
-              <a:t>Small Group Discussion									</a:t>
-            </a:r>
-          </a:p>
-        </p:txBody>
-      </p:sp>
-      <p:sp>
-        <p:nvSpPr>
-          <p:cNvPr id="3" name="Content Placeholder 2"/>
-          <p:cNvSpPr>
-            <a:spLocks noGrp="1"/>
-          </p:cNvSpPr>
-          <p:nvPr>
-            <p:ph idx="1"/>
-          </p:nvPr>
-        </p:nvSpPr>
-        <p:spPr>
-          <a:xfrm>
-            <a:off x="457200" y="1600200"/>
-            <a:ext cx="8229600" cy="4734068"/>
-          </a:xfrm>
-        </p:spPr>
-        <p:txBody>
-          <a:bodyPr>
-            <a:normAutofit/>
-          </a:bodyPr>
-          <a:lstStyle/>
-          <a:p>
-            <a:pPr marL="0" indent="0">
-              <a:buNone/>
-            </a:pPr>
-            <a:r>
-              <a:rPr lang="en-US" sz="2400" dirty="0"/>
-              <a:t>• What kind of data do you work with?</a:t>
-            </a:r>
-          </a:p>
-          <a:p>
-            <a:pPr marL="0" indent="0">
-              <a:buNone/>
-            </a:pPr>
-            <a:r>
-              <a:rPr lang="en-US" sz="2400" dirty="0"/>
-              <a:t>• What organizational challenges have you faced?</a:t>
-            </a:r>
-          </a:p>
-          <a:p>
-            <a:pPr marL="0" indent="0">
-              <a:buNone/>
-            </a:pPr>
-            <a:r>
-              <a:rPr lang="en-US" sz="2400" dirty="0"/>
-              <a:t>• What tools or techniques work for you?</a:t>
-            </a:r>
-          </a:p>
-          <a:p>
-            <a:pPr marL="0" indent="0">
-              <a:buNone/>
-            </a:pPr>
-            <a:endParaRPr lang="en-US" sz="2400" dirty="0"/>
-          </a:p>
-        </p:txBody>
-      </p:sp>
-    </p:spTree>
-    <p:extLst>
-      <p:ext uri="{BB962C8B-B14F-4D97-AF65-F5344CB8AC3E}">
-        <p14:creationId xmlns:p14="http://schemas.microsoft.com/office/powerpoint/2010/main" val="2100974308"/>
-      </p:ext>
-    </p:extLst>
-  </p:cSld>
-  <p:clrMapOvr>
-    <a:masterClrMapping/>
-  </p:clrMapOvr>
-</p:sld>
-</file>
-
-<file path=ppt/slides/slide4.xml><?xml version="1.0" encoding="utf-8"?>
-<p:sld xmlns:a="http://schemas.openxmlformats.org/drawingml/2006/main" xmlns:r="http://schemas.openxmlformats.org/officeDocument/2006/relationships" xmlns:p="http://schemas.openxmlformats.org/presentationml/2006/main">
-  <p:cSld>
-    <p:spTree>
-      <p:nvGrpSpPr>
-        <p:cNvPr id="1" name=""/>
-        <p:cNvGrpSpPr/>
-        <p:nvPr/>
-      </p:nvGrpSpPr>
-      <p:grpSpPr>
-        <a:xfrm>
-          <a:off x="0" y="0"/>
-          <a:ext cx="0" cy="0"/>
-          <a:chOff x="0" y="0"/>
-          <a:chExt cx="0" cy="0"/>
-        </a:xfrm>
-      </p:grpSpPr>
-      <p:sp>
-        <p:nvSpPr>
-          <p:cNvPr id="2" name="Title 1"/>
-          <p:cNvSpPr>
-            <a:spLocks noGrp="1"/>
-          </p:cNvSpPr>
-          <p:nvPr>
-            <p:ph type="title"/>
-          </p:nvPr>
-        </p:nvSpPr>
-        <p:spPr/>
-        <p:txBody>
-          <a:bodyPr>
-            <a:normAutofit/>
-          </a:bodyPr>
-          <a:lstStyle/>
-          <a:p>
-            <a:pPr algn="l"/>
-            <a:r>
-              <a:rPr lang="en-US" sz="3200" u="sng" dirty="0">
-                <a:solidFill>
-                  <a:schemeClr val="tx2"/>
-                </a:solidFill>
-              </a:rPr>
-              <a:t>Research Data Lifecycle									</a:t>
-            </a:r>
-          </a:p>
-        </p:txBody>
-      </p:sp>
-      <p:sp>
-        <p:nvSpPr>
-          <p:cNvPr id="3" name="Content Placeholder 2"/>
-          <p:cNvSpPr>
-            <a:spLocks noGrp="1"/>
-          </p:cNvSpPr>
-          <p:nvPr>
-            <p:ph idx="1"/>
-          </p:nvPr>
-        </p:nvSpPr>
-        <p:spPr>
-          <a:xfrm>
-            <a:off x="457200" y="1600200"/>
-            <a:ext cx="8229600" cy="4734068"/>
-          </a:xfrm>
-        </p:spPr>
-        <p:txBody>
-          <a:bodyPr>
-            <a:normAutofit/>
-          </a:bodyPr>
-          <a:lstStyle/>
-          <a:p>
-            <a:pPr marL="0" indent="0" algn="ctr">
-              <a:buNone/>
-            </a:pPr>
-            <a:r>
-              <a:rPr lang="en-US" sz="2400" dirty="0">
-                <a:hlinkClick r:id="rId3"/>
-              </a:rPr>
-              <a:t>Lifecycle: </a:t>
-            </a:r>
-            <a:r>
-              <a:rPr lang="en-US" sz="2400" dirty="0"/>
-              <a:t> </a:t>
-            </a:r>
-            <a:r>
-              <a:rPr lang="en-US" sz="2400" dirty="0">
-                <a:hlinkClick r:id="rId4"/>
-              </a:rPr>
-              <a:t>https://www.youtube.com/watch-wjFMMQD3UA&amp;feature=youtu.be</a:t>
-            </a:r>
-            <a:endParaRPr lang="en-US" sz="2400" dirty="0"/>
-          </a:p>
-          <a:p>
-            <a:pPr marL="0" indent="0" algn="ctr">
-              <a:buNone/>
-            </a:pPr>
-            <a:endParaRPr lang="en-US" sz="2400" dirty="0"/>
-          </a:p>
-        </p:txBody>
-      </p:sp>
-      <p:pic>
-        <p:nvPicPr>
-          <p:cNvPr id="4" name="Picture 3" descr="Screen Shot 2018-02-23 at 08.09.56.png"/>
-          <p:cNvPicPr>
-            <a:picLocks noChangeAspect="1"/>
-          </p:cNvPicPr>
-          <p:nvPr/>
-        </p:nvPicPr>
-        <p:blipFill>
-          <a:blip r:embed="rId5">
-            <a:extLst>
-              <a:ext uri="{28A0092B-C50C-407E-A947-70E740481C1C}">
-                <a14:useLocalDpi xmlns:a14="http://schemas.microsoft.com/office/drawing/2010/main" val="0"/>
-              </a:ext>
-            </a:extLst>
-          </a:blip>
-          <a:stretch>
-            <a:fillRect/>
-          </a:stretch>
-        </p:blipFill>
-        <p:spPr>
-          <a:xfrm>
-            <a:off x="1683517" y="1353240"/>
-            <a:ext cx="5656425" cy="5225359"/>
-          </a:xfrm>
-          <a:prstGeom prst="rect">
-            <a:avLst/>
-          </a:prstGeom>
-        </p:spPr>
-      </p:pic>
-    </p:spTree>
-    <p:extLst>
-      <p:ext uri="{BB962C8B-B14F-4D97-AF65-F5344CB8AC3E}">
-        <p14:creationId xmlns:p14="http://schemas.microsoft.com/office/powerpoint/2010/main" val="4089800931"/>
-      </p:ext>
-    </p:extLst>
-  </p:cSld>
-  <p:clrMapOvr>
-    <a:masterClrMapping/>
-  </p:clrMapOvr>
-</p:sld>
-</file>
-
-<file path=ppt/slides/slide5.xml><?xml version="1.0" encoding="utf-8"?>
-<p:sld xmlns:a="http://schemas.openxmlformats.org/drawingml/2006/main" xmlns:r="http://schemas.openxmlformats.org/officeDocument/2006/relationships" xmlns:p="http://schemas.openxmlformats.org/presentationml/2006/main">
-  <p:cSld>
-    <p:spTree>
-      <p:nvGrpSpPr>
-        <p:cNvPr id="1" name=""/>
-        <p:cNvGrpSpPr/>
-        <p:nvPr/>
-      </p:nvGrpSpPr>
-      <p:grpSpPr>
-        <a:xfrm>
-          <a:off x="0" y="0"/>
-          <a:ext cx="0" cy="0"/>
-          <a:chOff x="0" y="0"/>
-          <a:chExt cx="0" cy="0"/>
-        </a:xfrm>
-      </p:grpSpPr>
-      <p:sp>
-        <p:nvSpPr>
-          <p:cNvPr id="2" name="Title 1"/>
-          <p:cNvSpPr>
-            <a:spLocks noGrp="1"/>
-          </p:cNvSpPr>
-          <p:nvPr>
-            <p:ph type="title"/>
-          </p:nvPr>
-        </p:nvSpPr>
-        <p:spPr/>
-        <p:txBody>
-          <a:bodyPr>
-            <a:normAutofit/>
-          </a:bodyPr>
-          <a:lstStyle/>
-          <a:p>
-            <a:pPr algn="l"/>
-            <a:r>
-              <a:rPr lang="en-US" sz="3200" u="sng" dirty="0">
-                <a:solidFill>
-                  <a:schemeClr val="tx2"/>
-                </a:solidFill>
-              </a:rPr>
-              <a:t>Data Management Checklist 1/2						</a:t>
-            </a:r>
-          </a:p>
-        </p:txBody>
-      </p:sp>
-      <p:sp>
-        <p:nvSpPr>
-          <p:cNvPr id="3" name="Content Placeholder 2"/>
-          <p:cNvSpPr>
-            <a:spLocks noGrp="1"/>
-          </p:cNvSpPr>
-          <p:nvPr>
-            <p:ph idx="1"/>
-          </p:nvPr>
-        </p:nvSpPr>
-        <p:spPr>
-          <a:xfrm>
-            <a:off x="457200" y="1600200"/>
-            <a:ext cx="8229600" cy="4734068"/>
-          </a:xfrm>
-        </p:spPr>
-        <p:txBody>
-          <a:bodyPr>
-            <a:normAutofit/>
-          </a:bodyPr>
-          <a:lstStyle/>
-          <a:p>
-            <a:pPr marL="0" indent="0">
-              <a:buNone/>
-            </a:pPr>
-            <a:endParaRPr lang="en-US" sz="2400" dirty="0"/>
-          </a:p>
-          <a:p>
-            <a:pPr marL="0" indent="0">
-              <a:buNone/>
-            </a:pPr>
-            <a:endParaRPr lang="en-US" sz="2400" dirty="0"/>
-          </a:p>
-        </p:txBody>
-      </p:sp>
-      <p:pic>
-        <p:nvPicPr>
-          <p:cNvPr id="6" name="Picture 5" descr="Screen Shot 2018-02-23 at 08.17.28.png"/>
-          <p:cNvPicPr>
-            <a:picLocks noChangeAspect="1"/>
-          </p:cNvPicPr>
-          <p:nvPr/>
-        </p:nvPicPr>
-        <p:blipFill>
-          <a:blip r:embed="rId3">
-            <a:extLst>
-              <a:ext uri="{28A0092B-C50C-407E-A947-70E740481C1C}">
-                <a14:useLocalDpi xmlns:a14="http://schemas.microsoft.com/office/drawing/2010/main" val="0"/>
-              </a:ext>
-            </a:extLst>
-          </a:blip>
-          <a:stretch>
-            <a:fillRect/>
-          </a:stretch>
-        </p:blipFill>
-        <p:spPr>
-          <a:xfrm>
-            <a:off x="1003300" y="1236188"/>
-            <a:ext cx="7124700" cy="4686300"/>
-          </a:xfrm>
-          <a:prstGeom prst="rect">
-            <a:avLst/>
-          </a:prstGeom>
-        </p:spPr>
-      </p:pic>
-    </p:spTree>
-    <p:extLst>
-      <p:ext uri="{BB962C8B-B14F-4D97-AF65-F5344CB8AC3E}">
-        <p14:creationId xmlns:p14="http://schemas.microsoft.com/office/powerpoint/2010/main" val="3022230750"/>
-      </p:ext>
-    </p:extLst>
-  </p:cSld>
-  <p:clrMapOvr>
-    <a:masterClrMapping/>
-  </p:clrMapOvr>
-</p:sld>
-</file>
-
-<file path=ppt/slides/slide6.xml><?xml version="1.0" encoding="utf-8"?>
-<p:sld xmlns:a="http://schemas.openxmlformats.org/drawingml/2006/main" xmlns:r="http://schemas.openxmlformats.org/officeDocument/2006/relationships" xmlns:p="http://schemas.openxmlformats.org/presentationml/2006/main">
-  <p:cSld>
-    <p:spTree>
-      <p:nvGrpSpPr>
-        <p:cNvPr id="1" name=""/>
-        <p:cNvGrpSpPr/>
-        <p:nvPr/>
-      </p:nvGrpSpPr>
-      <p:grpSpPr>
-        <a:xfrm>
-          <a:off x="0" y="0"/>
-          <a:ext cx="0" cy="0"/>
-          <a:chOff x="0" y="0"/>
-          <a:chExt cx="0" cy="0"/>
-        </a:xfrm>
-      </p:grpSpPr>
-      <p:sp>
-        <p:nvSpPr>
-          <p:cNvPr id="2" name="Title 1"/>
-          <p:cNvSpPr>
-            <a:spLocks noGrp="1"/>
-          </p:cNvSpPr>
-          <p:nvPr>
-            <p:ph type="title"/>
-          </p:nvPr>
-        </p:nvSpPr>
-        <p:spPr/>
-        <p:txBody>
-          <a:bodyPr>
-            <a:normAutofit/>
-          </a:bodyPr>
-          <a:lstStyle/>
-          <a:p>
-            <a:pPr algn="l"/>
-            <a:r>
-              <a:rPr lang="en-US" sz="3200" u="sng" dirty="0">
-                <a:solidFill>
-                  <a:schemeClr val="tx2"/>
-                </a:solidFill>
-              </a:rPr>
-              <a:t>Data Management Checklist 2/2						</a:t>
-            </a:r>
-          </a:p>
-        </p:txBody>
-      </p:sp>
-      <p:sp>
-        <p:nvSpPr>
-          <p:cNvPr id="3" name="Content Placeholder 2"/>
-          <p:cNvSpPr>
-            <a:spLocks noGrp="1"/>
-          </p:cNvSpPr>
-          <p:nvPr>
-            <p:ph idx="1"/>
-          </p:nvPr>
-        </p:nvSpPr>
-        <p:spPr>
-          <a:xfrm>
-            <a:off x="457200" y="1600200"/>
-            <a:ext cx="8229600" cy="4734068"/>
-          </a:xfrm>
-        </p:spPr>
-        <p:txBody>
-          <a:bodyPr>
-            <a:normAutofit/>
-          </a:bodyPr>
-          <a:lstStyle/>
-          <a:p>
-            <a:pPr marL="0" indent="0">
-              <a:buNone/>
-            </a:pPr>
-            <a:endParaRPr lang="en-US" sz="2400" dirty="0"/>
-          </a:p>
-          <a:p>
-            <a:pPr marL="0" indent="0">
-              <a:buNone/>
-            </a:pPr>
-            <a:endParaRPr lang="en-US" sz="2400" dirty="0"/>
-          </a:p>
-        </p:txBody>
-      </p:sp>
-      <p:pic>
-        <p:nvPicPr>
-          <p:cNvPr id="6" name="Picture 5" descr="Screen Shot 2018-02-23 at 08.17.48.png"/>
-          <p:cNvPicPr>
-            <a:picLocks noChangeAspect="1"/>
-          </p:cNvPicPr>
-          <p:nvPr/>
-        </p:nvPicPr>
-        <p:blipFill>
-          <a:blip r:embed="rId3">
-            <a:extLst>
-              <a:ext uri="{28A0092B-C50C-407E-A947-70E740481C1C}">
-                <a14:useLocalDpi xmlns:a14="http://schemas.microsoft.com/office/drawing/2010/main" val="0"/>
-              </a:ext>
-            </a:extLst>
-          </a:blip>
-          <a:stretch>
-            <a:fillRect/>
-          </a:stretch>
-        </p:blipFill>
-        <p:spPr>
-          <a:xfrm>
-            <a:off x="1003300" y="1187233"/>
-            <a:ext cx="7137400" cy="4965700"/>
-          </a:xfrm>
-          <a:prstGeom prst="rect">
-            <a:avLst/>
-          </a:prstGeom>
-        </p:spPr>
-      </p:pic>
-    </p:spTree>
-    <p:extLst>
-      <p:ext uri="{BB962C8B-B14F-4D97-AF65-F5344CB8AC3E}">
-        <p14:creationId xmlns:p14="http://schemas.microsoft.com/office/powerpoint/2010/main" val="690212975"/>
-      </p:ext>
-    </p:extLst>
-  </p:cSld>
-  <p:clrMapOvr>
-    <a:masterClrMapping/>
-  </p:clrMapOvr>
-</p:sld>
-</file>
-
-<file path=ppt/slides/slide7.xml><?xml version="1.0" encoding="utf-8"?>
-<p:sld xmlns:a="http://schemas.openxmlformats.org/drawingml/2006/main" xmlns:r="http://schemas.openxmlformats.org/officeDocument/2006/relationships" xmlns:p="http://schemas.openxmlformats.org/presentationml/2006/main">
-  <p:cSld>
-    <p:spTree>
-      <p:nvGrpSpPr>
-        <p:cNvPr id="1" name=""/>
-        <p:cNvGrpSpPr/>
-        <p:nvPr/>
-      </p:nvGrpSpPr>
-      <p:grpSpPr>
-        <a:xfrm>
-          <a:off x="0" y="0"/>
-          <a:ext cx="0" cy="0"/>
-          <a:chOff x="0" y="0"/>
-          <a:chExt cx="0" cy="0"/>
-        </a:xfrm>
-      </p:grpSpPr>
-      <p:sp>
-        <p:nvSpPr>
-          <p:cNvPr id="2" name="Title 1"/>
-          <p:cNvSpPr>
-            <a:spLocks noGrp="1"/>
-          </p:cNvSpPr>
-          <p:nvPr>
-            <p:ph type="title"/>
-          </p:nvPr>
-        </p:nvSpPr>
-        <p:spPr/>
-        <p:txBody>
-          <a:bodyPr>
-            <a:normAutofit/>
-          </a:bodyPr>
-          <a:lstStyle/>
-          <a:p>
-            <a:pPr algn="l"/>
-            <a:r>
-              <a:rPr lang="en-US" sz="3200" u="sng" dirty="0">
-                <a:solidFill>
-                  <a:schemeClr val="tx2"/>
-                </a:solidFill>
-              </a:rPr>
-              <a:t>Data Management Checklist							</a:t>
-            </a:r>
-          </a:p>
-        </p:txBody>
-      </p:sp>
-      <p:sp>
-        <p:nvSpPr>
-          <p:cNvPr id="3" name="Content Placeholder 2"/>
-          <p:cNvSpPr>
-            <a:spLocks noGrp="1"/>
-          </p:cNvSpPr>
-          <p:nvPr>
-            <p:ph idx="1"/>
-          </p:nvPr>
-        </p:nvSpPr>
-        <p:spPr>
-          <a:xfrm>
-            <a:off x="457200" y="1600200"/>
-            <a:ext cx="8229600" cy="4734068"/>
-          </a:xfrm>
-        </p:spPr>
-        <p:txBody>
-          <a:bodyPr>
-            <a:normAutofit/>
-          </a:bodyPr>
-          <a:lstStyle/>
-          <a:p>
-            <a:pPr marL="0" indent="0">
-              <a:buNone/>
-            </a:pPr>
-            <a:endParaRPr lang="en-US" sz="2400" dirty="0"/>
-          </a:p>
-          <a:p>
-            <a:pPr marL="0" indent="0">
-              <a:buNone/>
-            </a:pPr>
-            <a:endParaRPr lang="en-US" sz="2400" dirty="0"/>
-          </a:p>
-        </p:txBody>
-      </p:sp>
-      <p:sp>
-        <p:nvSpPr>
-          <p:cNvPr id="5" name="Content Placeholder 2"/>
-          <p:cNvSpPr txBox="1">
-            <a:spLocks/>
-          </p:cNvSpPr>
-          <p:nvPr/>
-        </p:nvSpPr>
-        <p:spPr>
-          <a:xfrm>
-            <a:off x="609600" y="1274230"/>
-            <a:ext cx="8229600" cy="5389947"/>
-          </a:xfrm>
-          <a:prstGeom prst="rect">
-            <a:avLst/>
-          </a:prstGeom>
-        </p:spPr>
-        <p:txBody>
-          <a:bodyPr vert="horz" lIns="91440" tIns="45720" rIns="91440" bIns="45720" rtlCol="0">
-            <a:normAutofit/>
-          </a:bodyPr>
-          <a:lstStyle>
-            <a:lvl1pPr marL="342900" indent="-342900" algn="l" defTabSz="457200" rtl="0" eaLnBrk="1" latinLnBrk="0" hangingPunct="1">
-              <a:spcBef>
-                <a:spcPct val="20000"/>
-              </a:spcBef>
-              <a:buFont typeface="Arial"/>
-              <a:buChar char="•"/>
-              <a:defRPr sz="3200" kern="1200">
-                <a:solidFill>
-                  <a:schemeClr val="tx1"/>
-                </a:solidFill>
-                <a:latin typeface="+mn-lt"/>
-                <a:ea typeface="+mn-ea"/>
-                <a:cs typeface="+mn-cs"/>
-              </a:defRPr>
-            </a:lvl1pPr>
-            <a:lvl2pPr marL="742950" indent="-285750" algn="l" defTabSz="457200" rtl="0" eaLnBrk="1" latinLnBrk="0" hangingPunct="1">
-              <a:spcBef>
-                <a:spcPct val="20000"/>
-              </a:spcBef>
-              <a:buFont typeface="Arial"/>
-              <a:buChar char="–"/>
-              <a:defRPr sz="2800" kern="1200">
-                <a:solidFill>
-                  <a:schemeClr val="tx1"/>
-                </a:solidFill>
-                <a:latin typeface="+mn-lt"/>
-                <a:ea typeface="+mn-ea"/>
-                <a:cs typeface="+mn-cs"/>
-              </a:defRPr>
-            </a:lvl2pPr>
-            <a:lvl3pPr marL="1143000" indent="-228600" algn="l" defTabSz="457200" rtl="0" eaLnBrk="1" latinLnBrk="0" hangingPunct="1">
-              <a:spcBef>
-                <a:spcPct val="20000"/>
-              </a:spcBef>
-              <a:buFont typeface="Arial"/>
-              <a:buChar char="•"/>
-              <a:defRPr sz="2400" kern="1200">
-                <a:solidFill>
-                  <a:schemeClr val="tx1"/>
-                </a:solidFill>
-                <a:latin typeface="+mn-lt"/>
-                <a:ea typeface="+mn-ea"/>
-                <a:cs typeface="+mn-cs"/>
-              </a:defRPr>
-            </a:lvl3pPr>
-            <a:lvl4pPr marL="1600200" indent="-228600" algn="l" defTabSz="457200" rtl="0" eaLnBrk="1" latinLnBrk="0" hangingPunct="1">
-              <a:spcBef>
-                <a:spcPct val="20000"/>
-              </a:spcBef>
-              <a:buFont typeface="Arial"/>
-              <a:buChar char="–"/>
-              <a:defRPr sz="2000" kern="1200">
-                <a:solidFill>
-                  <a:schemeClr val="tx1"/>
-                </a:solidFill>
-                <a:latin typeface="+mn-lt"/>
-                <a:ea typeface="+mn-ea"/>
-                <a:cs typeface="+mn-cs"/>
-              </a:defRPr>
-            </a:lvl4pPr>
-            <a:lvl5pPr marL="2057400" indent="-228600" algn="l" defTabSz="457200" rtl="0" eaLnBrk="1" latinLnBrk="0" hangingPunct="1">
-              <a:spcBef>
-                <a:spcPct val="20000"/>
-              </a:spcBef>
-              <a:buFont typeface="Arial"/>
-              <a:buChar char="»"/>
-              <a:defRPr sz="2000" kern="1200">
-                <a:solidFill>
-                  <a:schemeClr val="tx1"/>
-                </a:solidFill>
-                <a:latin typeface="+mn-lt"/>
-                <a:ea typeface="+mn-ea"/>
-                <a:cs typeface="+mn-cs"/>
-              </a:defRPr>
-            </a:lvl5pPr>
-            <a:lvl6pPr marL="2514600" indent="-228600" algn="l" defTabSz="457200" rtl="0" eaLnBrk="1" latinLnBrk="0" hangingPunct="1">
-              <a:spcBef>
-                <a:spcPct val="20000"/>
-              </a:spcBef>
-              <a:buFont typeface="Arial"/>
-              <a:buChar char="•"/>
-              <a:defRPr sz="2000" kern="1200">
-                <a:solidFill>
-                  <a:schemeClr val="tx1"/>
-                </a:solidFill>
-                <a:latin typeface="+mn-lt"/>
-                <a:ea typeface="+mn-ea"/>
-                <a:cs typeface="+mn-cs"/>
-              </a:defRPr>
-            </a:lvl6pPr>
-            <a:lvl7pPr marL="2971800" indent="-228600" algn="l" defTabSz="457200" rtl="0" eaLnBrk="1" latinLnBrk="0" hangingPunct="1">
-              <a:spcBef>
-                <a:spcPct val="20000"/>
-              </a:spcBef>
-              <a:buFont typeface="Arial"/>
-              <a:buChar char="•"/>
-              <a:defRPr sz="2000" kern="1200">
-                <a:solidFill>
-                  <a:schemeClr val="tx1"/>
-                </a:solidFill>
-                <a:latin typeface="+mn-lt"/>
-                <a:ea typeface="+mn-ea"/>
-                <a:cs typeface="+mn-cs"/>
-              </a:defRPr>
-            </a:lvl7pPr>
-            <a:lvl8pPr marL="3429000" indent="-228600" algn="l" defTabSz="457200" rtl="0" eaLnBrk="1" latinLnBrk="0" hangingPunct="1">
-              <a:spcBef>
-                <a:spcPct val="20000"/>
-              </a:spcBef>
-              <a:buFont typeface="Arial"/>
-              <a:buChar char="•"/>
-              <a:defRPr sz="2000" kern="1200">
-                <a:solidFill>
-                  <a:schemeClr val="tx1"/>
-                </a:solidFill>
-                <a:latin typeface="+mn-lt"/>
-                <a:ea typeface="+mn-ea"/>
-                <a:cs typeface="+mn-cs"/>
-              </a:defRPr>
-            </a:lvl8pPr>
-            <a:lvl9pPr marL="3886200" indent="-228600" algn="l" defTabSz="457200" rtl="0" eaLnBrk="1" latinLnBrk="0" hangingPunct="1">
-              <a:spcBef>
-                <a:spcPct val="20000"/>
-              </a:spcBef>
-              <a:buFont typeface="Arial"/>
-              <a:buChar char="•"/>
-              <a:defRPr sz="2000" kern="1200">
-                <a:solidFill>
-                  <a:schemeClr val="tx1"/>
-                </a:solidFill>
-                <a:latin typeface="+mn-lt"/>
-                <a:ea typeface="+mn-ea"/>
-                <a:cs typeface="+mn-cs"/>
-              </a:defRPr>
-            </a:lvl9pPr>
-          </a:lstStyle>
-          <a:p>
-            <a:r>
-              <a:rPr lang="en-US" sz="2400" b="1" dirty="0">
-                <a:solidFill>
-                  <a:srgbClr val="0000FF"/>
-                </a:solidFill>
-              </a:rPr>
-              <a:t>What</a:t>
-            </a:r>
-            <a:r>
-              <a:rPr lang="en-US" sz="2400" dirty="0"/>
-              <a:t> types of data and for how long?</a:t>
-            </a:r>
-          </a:p>
-          <a:p>
-            <a:pPr marL="0" indent="0">
-              <a:buNone/>
-            </a:pPr>
-            <a:r>
-              <a:rPr lang="en-US" sz="2000" dirty="0">
-                <a:solidFill>
-                  <a:schemeClr val="accent3"/>
-                </a:solidFill>
-              </a:rPr>
-              <a:t>	Five steps to decide what data to keep</a:t>
-            </a:r>
-          </a:p>
-          <a:p>
-            <a:pPr marL="0" indent="0">
-              <a:buNone/>
-            </a:pPr>
-            <a:endParaRPr lang="en-US" sz="2400" dirty="0"/>
-          </a:p>
-          <a:p>
-            <a:pPr marL="0" indent="0">
-              <a:buNone/>
-            </a:pPr>
-            <a:endParaRPr lang="en-US" sz="2400" dirty="0"/>
-          </a:p>
-          <a:p>
-            <a:pPr marL="0" indent="0">
-              <a:buNone/>
-            </a:pPr>
-            <a:endParaRPr lang="en-US" sz="2400" dirty="0"/>
-          </a:p>
-          <a:p>
-            <a:pPr marL="0" indent="0">
-              <a:buNone/>
-            </a:pPr>
-            <a:endParaRPr lang="en-US" sz="2400" dirty="0"/>
-          </a:p>
-          <a:p>
-            <a:pPr marL="0" indent="0">
-              <a:buNone/>
-            </a:pPr>
-            <a:r>
-              <a:rPr lang="en-US" sz="2400" dirty="0"/>
-              <a:t>•   </a:t>
-            </a:r>
-            <a:r>
-              <a:rPr lang="en-US" sz="2400" b="1" dirty="0">
-                <a:solidFill>
-                  <a:srgbClr val="0000FF"/>
-                </a:solidFill>
-              </a:rPr>
-              <a:t>Who</a:t>
-            </a:r>
-            <a:r>
-              <a:rPr lang="en-US" sz="2400" dirty="0"/>
-              <a:t> will be responsible to collect and document the data?</a:t>
-            </a:r>
-          </a:p>
-          <a:p>
-            <a:pPr marL="0" indent="0">
-              <a:buFont typeface="Arial"/>
-              <a:buNone/>
-            </a:pPr>
-            <a:r>
-              <a:rPr lang="en-US" sz="2000" dirty="0">
-                <a:solidFill>
-                  <a:srgbClr val="9BBB59"/>
-                </a:solidFill>
-              </a:rPr>
-              <a:t>	Roles and responsibilities. Legal and ethical obligations and right. Plan   	and consent to share.</a:t>
-            </a:r>
-          </a:p>
-          <a:p>
-            <a:pPr marL="0" indent="0">
-              <a:buNone/>
-            </a:pPr>
-            <a:r>
-              <a:rPr lang="en-US" sz="2400" dirty="0"/>
-              <a:t>•   </a:t>
-            </a:r>
-            <a:r>
-              <a:rPr lang="en-US" sz="2400" b="1" dirty="0">
-                <a:solidFill>
-                  <a:srgbClr val="0000FF"/>
-                </a:solidFill>
-              </a:rPr>
-              <a:t>How </a:t>
-            </a:r>
-            <a:r>
-              <a:rPr lang="en-US" sz="2400" dirty="0"/>
-              <a:t>to document different types of </a:t>
-            </a:r>
-            <a:r>
-              <a:rPr lang="en-US" sz="2400" dirty="0">
-                <a:solidFill>
-                  <a:srgbClr val="000000"/>
-                </a:solidFill>
-              </a:rPr>
-              <a:t>data? </a:t>
-            </a:r>
-          </a:p>
-          <a:p>
-            <a:pPr marL="0" indent="0">
-              <a:buNone/>
-            </a:pPr>
-            <a:r>
-              <a:rPr lang="en-US" sz="2000" dirty="0">
-                <a:solidFill>
-                  <a:srgbClr val="0000FF"/>
-                </a:solidFill>
-              </a:rPr>
-              <a:t>	</a:t>
-            </a:r>
-            <a:r>
-              <a:rPr lang="en-US" sz="2000" dirty="0">
-                <a:solidFill>
-                  <a:srgbClr val="9BBB59"/>
-                </a:solidFill>
-              </a:rPr>
-              <a:t>Study-level, Data-level, and Metadata</a:t>
-            </a:r>
-          </a:p>
-          <a:p>
-            <a:pPr marL="0" indent="0">
-              <a:buNone/>
-            </a:pPr>
-            <a:r>
-              <a:rPr lang="en-US" sz="2000" dirty="0">
-                <a:solidFill>
-                  <a:srgbClr val="9BBB59"/>
-                </a:solidFill>
-              </a:rPr>
-              <a:t>	Wet lab: </a:t>
-            </a:r>
-            <a:r>
-              <a:rPr lang="en-US" sz="2000" dirty="0">
-                <a:solidFill>
-                  <a:srgbClr val="9BBB59"/>
-                </a:solidFill>
-                <a:hlinkClick r:id="rId3"/>
-              </a:rPr>
-              <a:t>Electronic Lab Notebook (ELN) </a:t>
-            </a:r>
-            <a:endParaRPr lang="en-US" sz="2000" dirty="0">
-              <a:solidFill>
-                <a:srgbClr val="9BBB59"/>
-              </a:solidFill>
-            </a:endParaRPr>
-          </a:p>
-          <a:p>
-            <a:pPr marL="0" indent="0">
-              <a:buNone/>
-            </a:pPr>
-            <a:r>
-              <a:rPr lang="en-US" sz="2000" dirty="0">
-                <a:solidFill>
-                  <a:srgbClr val="9BBB59"/>
-                </a:solidFill>
-              </a:rPr>
-              <a:t>	Computational: large size sequencing data, consortium data (TCGA, ICGC)</a:t>
-            </a:r>
-          </a:p>
-        </p:txBody>
-      </p:sp>
-      <p:pic>
-        <p:nvPicPr>
-          <p:cNvPr id="4" name="Picture 3" descr="Screen Shot 2018-02-23 at 08.40.11.png"/>
-          <p:cNvPicPr>
-            <a:picLocks noChangeAspect="1"/>
-          </p:cNvPicPr>
-          <p:nvPr/>
-        </p:nvPicPr>
-        <p:blipFill>
-          <a:blip r:embed="rId4">
-            <a:extLst>
-              <a:ext uri="{28A0092B-C50C-407E-A947-70E740481C1C}">
-                <a14:useLocalDpi xmlns:a14="http://schemas.microsoft.com/office/drawing/2010/main" val="0"/>
-              </a:ext>
-            </a:extLst>
-          </a:blip>
-          <a:stretch>
-            <a:fillRect/>
-          </a:stretch>
-        </p:blipFill>
-        <p:spPr>
-          <a:xfrm>
-            <a:off x="1102366" y="2083235"/>
-            <a:ext cx="4254500" cy="1689100"/>
-          </a:xfrm>
-          <a:prstGeom prst="rect">
-            <a:avLst/>
-          </a:prstGeom>
-        </p:spPr>
-      </p:pic>
-    </p:spTree>
-    <p:extLst>
-      <p:ext uri="{BB962C8B-B14F-4D97-AF65-F5344CB8AC3E}">
-        <p14:creationId xmlns:p14="http://schemas.microsoft.com/office/powerpoint/2010/main" val="233415531"/>
-      </p:ext>
-    </p:extLst>
-  </p:cSld>
-  <p:clrMapOvr>
-    <a:masterClrMapping/>
-  </p:clrMapOvr>
-</p:sld>
-</file>
-
-<file path=ppt/slides/slide8.xml><?xml version="1.0" encoding="utf-8"?>
-<p:sld xmlns:a="http://schemas.openxmlformats.org/drawingml/2006/main" xmlns:r="http://schemas.openxmlformats.org/officeDocument/2006/relationships" xmlns:p="http://schemas.openxmlformats.org/presentationml/2006/main">
-  <p:cSld>
-    <p:spTree>
-      <p:nvGrpSpPr>
-        <p:cNvPr id="1" name=""/>
-        <p:cNvGrpSpPr/>
-        <p:nvPr/>
-      </p:nvGrpSpPr>
-      <p:grpSpPr>
-        <a:xfrm>
-          <a:off x="0" y="0"/>
-          <a:ext cx="0" cy="0"/>
-          <a:chOff x="0" y="0"/>
-          <a:chExt cx="0" cy="0"/>
-        </a:xfrm>
-      </p:grpSpPr>
-      <p:sp>
-        <p:nvSpPr>
-          <p:cNvPr id="2" name="Title 1"/>
-          <p:cNvSpPr>
-            <a:spLocks noGrp="1"/>
-          </p:cNvSpPr>
-          <p:nvPr>
-            <p:ph type="title"/>
-          </p:nvPr>
-        </p:nvSpPr>
-        <p:spPr/>
-        <p:txBody>
-          <a:bodyPr>
-            <a:normAutofit/>
-          </a:bodyPr>
-          <a:lstStyle/>
-          <a:p>
-            <a:pPr algn="l"/>
-            <a:r>
-              <a:rPr lang="en-US" sz="3200" u="sng" dirty="0">
-                <a:solidFill>
-                  <a:schemeClr val="tx2"/>
-                </a:solidFill>
-              </a:rPr>
-              <a:t>Data Management Checklist						</a:t>
-            </a:r>
-          </a:p>
-        </p:txBody>
-      </p:sp>
-      <p:sp>
-        <p:nvSpPr>
-          <p:cNvPr id="3" name="Content Placeholder 2"/>
-          <p:cNvSpPr>
-            <a:spLocks noGrp="1"/>
-          </p:cNvSpPr>
-          <p:nvPr>
-            <p:ph idx="1"/>
-          </p:nvPr>
-        </p:nvSpPr>
-        <p:spPr>
-          <a:xfrm>
-            <a:off x="457200" y="1600200"/>
-            <a:ext cx="8229600" cy="4734068"/>
-          </a:xfrm>
-        </p:spPr>
-        <p:txBody>
-          <a:bodyPr>
-            <a:normAutofit/>
-          </a:bodyPr>
-          <a:lstStyle/>
-          <a:p>
-            <a:pPr marL="0" indent="0">
-              <a:buNone/>
-            </a:pPr>
-            <a:endParaRPr lang="en-US" sz="2400" dirty="0"/>
-          </a:p>
-          <a:p>
-            <a:pPr marL="0" indent="0">
-              <a:buNone/>
-            </a:pPr>
-            <a:endParaRPr lang="en-US" sz="2400" dirty="0"/>
-          </a:p>
-        </p:txBody>
-      </p:sp>
-      <p:pic>
-        <p:nvPicPr>
-          <p:cNvPr id="6" name="Picture 5" descr="Screen Shot 2018-02-23 at 09.05.17.png"/>
-          <p:cNvPicPr>
-            <a:picLocks noChangeAspect="1"/>
-          </p:cNvPicPr>
-          <p:nvPr/>
-        </p:nvPicPr>
-        <p:blipFill rotWithShape="1">
-          <a:blip r:embed="rId3">
-            <a:extLst>
-              <a:ext uri="{28A0092B-C50C-407E-A947-70E740481C1C}">
-                <a14:useLocalDpi xmlns:a14="http://schemas.microsoft.com/office/drawing/2010/main" val="0"/>
-              </a:ext>
-            </a:extLst>
-          </a:blip>
-          <a:srcRect t="6" b="20989"/>
-          <a:stretch/>
-        </p:blipFill>
-        <p:spPr>
-          <a:xfrm>
-            <a:off x="457200" y="428882"/>
-            <a:ext cx="8229600" cy="6115621"/>
-          </a:xfrm>
-          <a:prstGeom prst="rect">
-            <a:avLst/>
-          </a:prstGeom>
-        </p:spPr>
-      </p:pic>
-    </p:spTree>
-    <p:extLst>
-      <p:ext uri="{BB962C8B-B14F-4D97-AF65-F5344CB8AC3E}">
-        <p14:creationId xmlns:p14="http://schemas.microsoft.com/office/powerpoint/2010/main" val="490608242"/>
-      </p:ext>
-    </p:extLst>
-  </p:cSld>
-  <p:clrMapOvr>
-    <a:masterClrMapping/>
-  </p:clrMapOvr>
-</p:sld>
-</file>
-
-<file path=ppt/slides/slide9.xml><?xml version="1.0" encoding="utf-8"?>
-<p:sld xmlns:a="http://schemas.openxmlformats.org/drawingml/2006/main" xmlns:r="http://schemas.openxmlformats.org/officeDocument/2006/relationships" xmlns:p="http://schemas.openxmlformats.org/presentationml/2006/main">
-  <p:cSld>
-    <p:spTree>
-      <p:nvGrpSpPr>
-        <p:cNvPr id="1" name=""/>
-        <p:cNvGrpSpPr/>
-        <p:nvPr/>
-      </p:nvGrpSpPr>
-      <p:grpSpPr>
-        <a:xfrm>
-          <a:off x="0" y="0"/>
-          <a:ext cx="0" cy="0"/>
-          <a:chOff x="0" y="0"/>
-          <a:chExt cx="0" cy="0"/>
-        </a:xfrm>
-      </p:grpSpPr>
-      <p:sp>
-        <p:nvSpPr>
-          <p:cNvPr id="2" name="Title 1"/>
-          <p:cNvSpPr>
-            <a:spLocks noGrp="1"/>
-          </p:cNvSpPr>
-          <p:nvPr>
-            <p:ph type="title"/>
-          </p:nvPr>
-        </p:nvSpPr>
-        <p:spPr/>
-        <p:txBody>
-          <a:bodyPr>
-            <a:normAutofit/>
-          </a:bodyPr>
-          <a:lstStyle/>
-          <a:p>
-            <a:pPr algn="l"/>
-            <a:r>
-              <a:rPr lang="en-US" sz="3200" u="sng" dirty="0">
-                <a:solidFill>
-                  <a:schemeClr val="tx2"/>
-                </a:solidFill>
-              </a:rPr>
-              <a:t>Formats: Data type and sources						</a:t>
-            </a:r>
-          </a:p>
-        </p:txBody>
-      </p:sp>
-      <p:sp>
-        <p:nvSpPr>
-          <p:cNvPr id="3" name="Content Placeholder 2"/>
-          <p:cNvSpPr>
-            <a:spLocks noGrp="1"/>
-          </p:cNvSpPr>
-          <p:nvPr>
-            <p:ph idx="1"/>
-          </p:nvPr>
-        </p:nvSpPr>
-        <p:spPr>
-          <a:xfrm>
-            <a:off x="457200" y="1600200"/>
-            <a:ext cx="8229600" cy="4734068"/>
-          </a:xfrm>
-        </p:spPr>
-        <p:txBody>
-          <a:bodyPr>
-            <a:normAutofit/>
-          </a:bodyPr>
-          <a:lstStyle/>
-          <a:p>
-            <a:pPr marL="0" indent="0">
-              <a:buNone/>
-            </a:pPr>
-            <a:r>
-              <a:rPr lang="en-US" sz="2400" dirty="0">
-                <a:hlinkClick r:id="rId3"/>
-              </a:rPr>
-              <a:t>File formats currently </a:t>
-            </a:r>
-            <a:r>
-              <a:rPr lang="en-US" sz="2400" u="sng" dirty="0">
-                <a:solidFill>
-                  <a:srgbClr val="0000FF"/>
-                </a:solidFill>
-                <a:hlinkClick r:id="rId3"/>
-              </a:rPr>
-              <a:t>recommended</a:t>
-            </a:r>
-            <a:r>
-              <a:rPr lang="en-US" sz="2400" u="sng" dirty="0">
-                <a:solidFill>
-                  <a:srgbClr val="0000FF"/>
-                </a:solidFill>
-              </a:rPr>
-              <a:t> by UK Data Archive for long term preservation for </a:t>
-            </a:r>
-            <a:r>
-              <a:rPr lang="en-US" sz="2400" u="sng" dirty="0" err="1">
-                <a:solidFill>
-                  <a:srgbClr val="0000FF"/>
-                </a:solidFill>
-              </a:rPr>
-              <a:t>rsearch</a:t>
-            </a:r>
-            <a:r>
-              <a:rPr lang="en-US" sz="2400" u="sng" dirty="0">
-                <a:solidFill>
-                  <a:srgbClr val="0000FF"/>
-                </a:solidFill>
-              </a:rPr>
-              <a:t> data</a:t>
-            </a:r>
-          </a:p>
-        </p:txBody>
-      </p:sp>
-    </p:spTree>
-    <p:extLst>
-      <p:ext uri="{BB962C8B-B14F-4D97-AF65-F5344CB8AC3E}">
-        <p14:creationId xmlns:p14="http://schemas.microsoft.com/office/powerpoint/2010/main" val="3022230750"/>
-      </p:ext>
-    </p:extLst>
-  </p:cSld>
-  <p:clrMapOvr>
-    <a:masterClrMapping/>
-  </p:clrMapOvr>
+  <p:timing>
+    <p:tnLst>
+      <p:par>
+        <p:cTn xmlns:p14="http://schemas.microsoft.com/office/powerpoint/2010/main" id="1" dur="indefinite" restart="never" nodeType="tmRoot"/>
+      </p:par>
+    </p:tnLst>
+  </p:timing>
 </p:sld>
 </file>
 

--- a/file_management.pptx
+++ b/file_management.pptx
@@ -26,7 +26,7 @@
     <p:sldId id="275" r:id="rId17"/>
     <p:sldId id="273" r:id="rId18"/>
     <p:sldId id="293" r:id="rId19"/>
-    <p:sldId id="274" r:id="rId20"/>
+    <p:sldId id="294" r:id="rId20"/>
   </p:sldIdLst>
   <p:sldSz cx="9144000" cy="6858000" type="screen4x3"/>
   <p:notesSz cx="6858000" cy="9144000"/>
@@ -127,7 +127,7 @@
   </p:defaultTextStyle>
   <p:extLst>
     <p:ext uri="{EFAFB233-063F-42B5-8137-9DF3F51BA10A}">
-      <p15:sldGuideLst xmlns:p15="http://schemas.microsoft.com/office/powerpoint/2012/main" xmlns="">
+      <p15:sldGuideLst xmlns:p15="http://schemas.microsoft.com/office/powerpoint/2012/main">
         <p15:guide id="1" orient="horz" pos="2160">
           <p15:clr>
             <a:srgbClr val="A4A3A4"/>
@@ -226,7 +226,7 @@
           <a:p>
             <a:fld id="{51692F88-D5C3-BB44-8F9F-C03624D04443}" type="datetimeFigureOut">
               <a:rPr lang="en-US" smtClean="0"/>
-              <a:t>28/11/19</a:t>
+              <a:t>11/30/20</a:t>
             </a:fld>
             <a:endParaRPr lang="en-US"/>
           </a:p>
@@ -2366,160 +2366,6 @@
 </p:notes>
 </file>
 
-<file path=ppt/notesSlides/notesSlide18.xml><?xml version="1.0" encoding="utf-8"?>
-<p:notes xmlns:a="http://schemas.openxmlformats.org/drawingml/2006/main" xmlns:r="http://schemas.openxmlformats.org/officeDocument/2006/relationships" xmlns:p="http://schemas.openxmlformats.org/presentationml/2006/main">
-  <p:cSld>
-    <p:spTree>
-      <p:nvGrpSpPr>
-        <p:cNvPr id="1" name=""/>
-        <p:cNvGrpSpPr/>
-        <p:nvPr/>
-      </p:nvGrpSpPr>
-      <p:grpSpPr>
-        <a:xfrm>
-          <a:off x="0" y="0"/>
-          <a:ext cx="0" cy="0"/>
-          <a:chOff x="0" y="0"/>
-          <a:chExt cx="0" cy="0"/>
-        </a:xfrm>
-      </p:grpSpPr>
-      <p:sp>
-        <p:nvSpPr>
-          <p:cNvPr id="2" name="Slide Image Placeholder 1"/>
-          <p:cNvSpPr>
-            <a:spLocks noGrp="1" noRot="1" noChangeAspect="1"/>
-          </p:cNvSpPr>
-          <p:nvPr>
-            <p:ph type="sldImg"/>
-          </p:nvPr>
-        </p:nvSpPr>
-        <p:spPr/>
-      </p:sp>
-      <p:sp>
-        <p:nvSpPr>
-          <p:cNvPr id="3" name="Notes Placeholder 2"/>
-          <p:cNvSpPr>
-            <a:spLocks noGrp="1"/>
-          </p:cNvSpPr>
-          <p:nvPr>
-            <p:ph type="body" idx="1"/>
-          </p:nvPr>
-        </p:nvSpPr>
-        <p:spPr/>
-        <p:txBody>
-          <a:bodyPr/>
-          <a:lstStyle/>
-          <a:p>
-            <a:r>
-              <a:rPr lang="en-US" dirty="0"/>
-              <a:t>Why file organization of your research data is important</a:t>
-            </a:r>
-          </a:p>
-          <a:p>
-            <a:r>
-              <a:rPr lang="en-US" dirty="0"/>
-              <a:t>Specific techniques for organizing your research data,</a:t>
-            </a:r>
-          </a:p>
-          <a:p>
-            <a:r>
-              <a:rPr lang="en-US" dirty="0"/>
-              <a:t>including developing plans for:</a:t>
-            </a:r>
-          </a:p>
-          <a:p>
-            <a:r>
-              <a:rPr lang="en-US" dirty="0"/>
-              <a:t>– File structures - where to put data so you won’t lose it</a:t>
-            </a:r>
-          </a:p>
-          <a:p>
-            <a:r>
-              <a:rPr lang="en-US" dirty="0"/>
-              <a:t>(including tips on embedding </a:t>
-            </a:r>
-            <a:r>
-              <a:rPr lang="en-US" u="sng" dirty="0"/>
-              <a:t>metadata)</a:t>
-            </a:r>
-          </a:p>
-          <a:p>
-            <a:r>
-              <a:rPr lang="en-US" dirty="0"/>
-              <a:t>– File naming - what to call data so you know what it is</a:t>
-            </a:r>
-          </a:p>
-          <a:p>
-            <a:r>
-              <a:rPr lang="en-US" dirty="0"/>
-              <a:t>– A bit on version control - keeping track of data</a:t>
-            </a:r>
-          </a:p>
-          <a:p>
-            <a:r>
-              <a:rPr lang="en-US" dirty="0"/>
-              <a:t>• Will also include opportunities for:</a:t>
-            </a:r>
-          </a:p>
-          <a:p>
-            <a:r>
-              <a:rPr lang="en-US" dirty="0"/>
-              <a:t>– Small group discussion</a:t>
-            </a:r>
-          </a:p>
-          <a:p>
-            <a:r>
-              <a:rPr lang="en-US" dirty="0"/>
-              <a:t>– Exercise for organizing your own data</a:t>
-            </a:r>
-          </a:p>
-          <a:p>
-            <a:r>
-              <a:rPr lang="en-US" dirty="0"/>
-              <a:t>• Focuses on research data, but applies to other types of files as well</a:t>
-            </a:r>
-          </a:p>
-          <a:p>
-            <a:endParaRPr lang="en-US" dirty="0"/>
-          </a:p>
-        </p:txBody>
-      </p:sp>
-      <p:sp>
-        <p:nvSpPr>
-          <p:cNvPr id="4" name="Slide Number Placeholder 3"/>
-          <p:cNvSpPr>
-            <a:spLocks noGrp="1"/>
-          </p:cNvSpPr>
-          <p:nvPr>
-            <p:ph type="sldNum" sz="quarter" idx="10"/>
-          </p:nvPr>
-        </p:nvSpPr>
-        <p:spPr/>
-        <p:txBody>
-          <a:bodyPr/>
-          <a:lstStyle/>
-          <a:p>
-            <a:fld id="{B4AC918C-6F91-DF42-885D-FB52621DA1E3}" type="slidenum">
-              <a:rPr lang="en-US" smtClean="0"/>
-              <a:t>19</a:t>
-            </a:fld>
-            <a:endParaRPr lang="en-US"/>
-          </a:p>
-        </p:txBody>
-      </p:sp>
-    </p:spTree>
-    <p:extLst>
-      <p:ext uri="{BB962C8B-B14F-4D97-AF65-F5344CB8AC3E}">
-        <p14:creationId xmlns:p14="http://schemas.microsoft.com/office/powerpoint/2010/main" val="901667478"/>
-      </p:ext>
-    </p:extLst>
-  </p:cSld>
-  <p:clrMapOvr>
-    <a:masterClrMapping/>
-  </p:clrMapOvr>
-</p:notes>
-</file>
-
 <file path=ppt/notesSlides/notesSlide2.xml><?xml version="1.0" encoding="utf-8"?>
 <p:notes xmlns:a="http://schemas.openxmlformats.org/drawingml/2006/main" xmlns:r="http://schemas.openxmlformats.org/officeDocument/2006/relationships" xmlns:p="http://schemas.openxmlformats.org/presentationml/2006/main">
   <p:cSld>
@@ -4034,7 +3880,7 @@
           <a:p>
             <a:fld id="{346017C1-C055-114C-B2C2-19CD44202EC9}" type="datetimeFigureOut">
               <a:rPr lang="en-US" smtClean="0"/>
-              <a:t>28/11/19</a:t>
+              <a:t>11/30/20</a:t>
             </a:fld>
             <a:endParaRPr lang="en-US"/>
           </a:p>
@@ -4204,7 +4050,7 @@
           <a:p>
             <a:fld id="{346017C1-C055-114C-B2C2-19CD44202EC9}" type="datetimeFigureOut">
               <a:rPr lang="en-US" smtClean="0"/>
-              <a:t>28/11/19</a:t>
+              <a:t>11/30/20</a:t>
             </a:fld>
             <a:endParaRPr lang="en-US"/>
           </a:p>
@@ -4384,7 +4230,7 @@
           <a:p>
             <a:fld id="{346017C1-C055-114C-B2C2-19CD44202EC9}" type="datetimeFigureOut">
               <a:rPr lang="en-US" smtClean="0"/>
-              <a:t>28/11/19</a:t>
+              <a:t>11/30/20</a:t>
             </a:fld>
             <a:endParaRPr lang="en-US"/>
           </a:p>
@@ -4554,7 +4400,7 @@
           <a:p>
             <a:fld id="{346017C1-C055-114C-B2C2-19CD44202EC9}" type="datetimeFigureOut">
               <a:rPr lang="en-US" smtClean="0"/>
-              <a:t>28/11/19</a:t>
+              <a:t>11/30/20</a:t>
             </a:fld>
             <a:endParaRPr lang="en-US"/>
           </a:p>
@@ -4800,7 +4646,7 @@
           <a:p>
             <a:fld id="{346017C1-C055-114C-B2C2-19CD44202EC9}" type="datetimeFigureOut">
               <a:rPr lang="en-US" smtClean="0"/>
-              <a:t>28/11/19</a:t>
+              <a:t>11/30/20</a:t>
             </a:fld>
             <a:endParaRPr lang="en-US"/>
           </a:p>
@@ -5088,7 +4934,7 @@
           <a:p>
             <a:fld id="{346017C1-C055-114C-B2C2-19CD44202EC9}" type="datetimeFigureOut">
               <a:rPr lang="en-US" smtClean="0"/>
-              <a:t>28/11/19</a:t>
+              <a:t>11/30/20</a:t>
             </a:fld>
             <a:endParaRPr lang="en-US"/>
           </a:p>
@@ -5510,7 +5356,7 @@
           <a:p>
             <a:fld id="{346017C1-C055-114C-B2C2-19CD44202EC9}" type="datetimeFigureOut">
               <a:rPr lang="en-US" smtClean="0"/>
-              <a:t>28/11/19</a:t>
+              <a:t>11/30/20</a:t>
             </a:fld>
             <a:endParaRPr lang="en-US"/>
           </a:p>
@@ -5628,7 +5474,7 @@
           <a:p>
             <a:fld id="{346017C1-C055-114C-B2C2-19CD44202EC9}" type="datetimeFigureOut">
               <a:rPr lang="en-US" smtClean="0"/>
-              <a:t>28/11/19</a:t>
+              <a:t>11/30/20</a:t>
             </a:fld>
             <a:endParaRPr lang="en-US"/>
           </a:p>
@@ -5723,7 +5569,7 @@
           <a:p>
             <a:fld id="{346017C1-C055-114C-B2C2-19CD44202EC9}" type="datetimeFigureOut">
               <a:rPr lang="en-US" smtClean="0"/>
-              <a:t>28/11/19</a:t>
+              <a:t>11/30/20</a:t>
             </a:fld>
             <a:endParaRPr lang="en-US"/>
           </a:p>
@@ -6000,7 +5846,7 @@
           <a:p>
             <a:fld id="{346017C1-C055-114C-B2C2-19CD44202EC9}" type="datetimeFigureOut">
               <a:rPr lang="en-US" smtClean="0"/>
-              <a:t>28/11/19</a:t>
+              <a:t>11/30/20</a:t>
             </a:fld>
             <a:endParaRPr lang="en-US"/>
           </a:p>
@@ -6253,7 +6099,7 @@
           <a:p>
             <a:fld id="{346017C1-C055-114C-B2C2-19CD44202EC9}" type="datetimeFigureOut">
               <a:rPr lang="en-US" smtClean="0"/>
-              <a:t>28/11/19</a:t>
+              <a:t>11/30/20</a:t>
             </a:fld>
             <a:endParaRPr lang="en-US"/>
           </a:p>
@@ -6466,7 +6312,7 @@
           <a:p>
             <a:fld id="{346017C1-C055-114C-B2C2-19CD44202EC9}" type="datetimeFigureOut">
               <a:rPr lang="en-US" smtClean="0"/>
-              <a:t>28/11/19</a:t>
+              <a:t>11/30/20</a:t>
             </a:fld>
             <a:endParaRPr lang="en-US"/>
           </a:p>
@@ -6903,7 +6749,7 @@
           <a:p>
             <a:pPr algn="r"/>
             <a:r>
-              <a:rPr lang="en-US" sz="2000" dirty="0" smtClean="0"/>
+              <a:rPr lang="en-US" sz="2000" dirty="0"/>
               <a:t>Based on Slides by Jing Su</a:t>
             </a:r>
             <a:endParaRPr lang="en-US" sz="1600" dirty="0"/>
@@ -6920,13 +6766,6 @@
   <p:clrMapOvr>
     <a:masterClrMapping/>
   </p:clrMapOvr>
-  <p:timing>
-    <p:tnLst>
-      <p:par>
-        <p:cTn xmlns:p14="http://schemas.microsoft.com/office/powerpoint/2010/main" id="1" dur="indefinite" restart="never" nodeType="tmRoot"/>
-      </p:par>
-    </p:tnLst>
-  </p:timing>
 </p:sld>
 </file>
 
@@ -7123,13 +6962,8 @@
           <a:p>
             <a:r>
               <a:rPr lang="en-US" sz="2400" dirty="0"/>
-              <a:t>File names should be short enough to be readable, while still conveying enough pertinent </a:t>
-            </a:r>
-            <a:r>
-              <a:rPr lang="en-US" sz="2400" dirty="0" smtClean="0"/>
-              <a:t>information</a:t>
-            </a:r>
-            <a:endParaRPr lang="en-US" sz="2400" dirty="0"/>
+              <a:t>File names should be short enough to be readable, while still conveying enough pertinent information</a:t>
+            </a:r>
           </a:p>
           <a:p>
             <a:pPr marL="0" indent="0">
@@ -7153,13 +6987,6 @@
   <p:clrMapOvr>
     <a:masterClrMapping/>
   </p:clrMapOvr>
-  <p:timing>
-    <p:tnLst>
-      <p:par>
-        <p:cTn xmlns:p14="http://schemas.microsoft.com/office/powerpoint/2010/main" id="1" dur="indefinite" restart="never" nodeType="tmRoot"/>
-      </p:par>
-    </p:tnLst>
-  </p:timing>
 </p:sld>
 </file>
 
@@ -7519,13 +7346,6 @@
   <p:clrMapOvr>
     <a:masterClrMapping/>
   </p:clrMapOvr>
-  <p:timing>
-    <p:tnLst>
-      <p:par>
-        <p:cTn xmlns:p14="http://schemas.microsoft.com/office/powerpoint/2010/main" id="1" dur="indefinite" restart="never" nodeType="tmRoot"/>
-      </p:par>
-    </p:tnLst>
-  </p:timing>
 </p:sld>
 </file>
 
@@ -7607,12 +7427,8 @@
               <a:buNone/>
             </a:pPr>
             <a:r>
-              <a:rPr lang="en-US" sz="1800" dirty="0" smtClean="0"/>
-              <a:t>• </a:t>
-            </a:r>
-            <a:r>
               <a:rPr lang="en-US" sz="1800" dirty="0"/>
-              <a:t>Ant </a:t>
+              <a:t>• Ant </a:t>
             </a:r>
             <a:r>
               <a:rPr lang="en-US" sz="1800" u="sng" dirty="0" err="1"/>
@@ -7648,22 +7464,16 @@
               <a:rPr lang="en-US" sz="1800" dirty="0">
                 <a:hlinkClick r:id="rId3"/>
               </a:rPr>
-              <a:t>http://www.bulkrenameutility.co.uk</a:t>
-            </a:r>
-            <a:r>
-              <a:rPr lang="en-US" sz="1800" dirty="0" smtClean="0">
-                <a:hlinkClick r:id="rId3"/>
-              </a:rPr>
-              <a:t>/</a:t>
-            </a:r>
-            <a:endParaRPr lang="en-US" sz="1800" dirty="0" smtClean="0"/>
+              <a:t>http://www.bulkrenameutility.co.uk/</a:t>
+            </a:r>
+            <a:endParaRPr lang="en-US" sz="1800" dirty="0"/>
           </a:p>
           <a:p>
             <a:pPr marL="400050" lvl="1" indent="0">
               <a:buNone/>
             </a:pPr>
             <a:r>
-              <a:rPr lang="en-US" sz="1800" dirty="0" smtClean="0"/>
+              <a:rPr lang="en-US" sz="1800" dirty="0"/>
               <a:t>• </a:t>
             </a:r>
             <a:r>
@@ -7683,14 +7493,14 @@
               <a:t>/products/</a:t>
             </a:r>
             <a:r>
-              <a:rPr lang="en-US" sz="1800" dirty="0" err="1" smtClean="0"/>
+              <a:rPr lang="en-US" sz="1800" dirty="0" err="1"/>
               <a:t>psrenamer.html</a:t>
             </a:r>
-            <a:endParaRPr lang="en-US" sz="1800" dirty="0" smtClean="0"/>
-          </a:p>
-          <a:p>
-            <a:r>
-              <a:rPr lang="en-US" sz="2000" dirty="0" smtClean="0"/>
+            <a:endParaRPr lang="en-US" sz="1800" dirty="0"/>
+          </a:p>
+          <a:p>
+            <a:r>
+              <a:rPr lang="en-US" sz="2000" dirty="0"/>
               <a:t>Mac:</a:t>
             </a:r>
           </a:p>
@@ -7699,7 +7509,7 @@
               <a:buNone/>
             </a:pPr>
             <a:r>
-              <a:rPr lang="en-US" sz="1800" dirty="0" smtClean="0"/>
+              <a:rPr lang="en-US" sz="1800" dirty="0"/>
               <a:t>• </a:t>
             </a:r>
             <a:r>
@@ -7768,10 +7578,9 @@
           </a:p>
           <a:p>
             <a:r>
-              <a:rPr lang="en-US" sz="2000" dirty="0" smtClean="0"/>
+              <a:rPr lang="en-US" sz="2000" dirty="0"/>
               <a:t>Linux/Unix:</a:t>
             </a:r>
-            <a:endParaRPr lang="en-US" sz="2000" dirty="0"/>
           </a:p>
           <a:p>
             <a:pPr marL="400050" lvl="1" indent="0">
@@ -7785,22 +7594,16 @@
               <a:rPr lang="en-US" sz="1800" dirty="0">
                 <a:hlinkClick r:id="rId4"/>
               </a:rPr>
-              <a:t>http://www.nongnu.org/gcmd</a:t>
-            </a:r>
-            <a:r>
-              <a:rPr lang="en-US" sz="1800" dirty="0" smtClean="0">
-                <a:hlinkClick r:id="rId4"/>
-              </a:rPr>
-              <a:t>/</a:t>
-            </a:r>
-            <a:endParaRPr lang="en-US" sz="1800" dirty="0" smtClean="0"/>
+              <a:t>http://www.nongnu.org/gcmd/</a:t>
+            </a:r>
+            <a:endParaRPr lang="en-US" sz="1800" dirty="0"/>
           </a:p>
           <a:p>
             <a:pPr marL="400050" lvl="1" indent="0">
               <a:buNone/>
             </a:pPr>
             <a:r>
-              <a:rPr lang="en-US" sz="1800" dirty="0" smtClean="0"/>
+              <a:rPr lang="en-US" sz="1800" dirty="0"/>
               <a:t>• </a:t>
             </a:r>
             <a:r>
@@ -7815,71 +7618,45 @@
               <a:rPr lang="en-US" sz="1800" dirty="0">
                 <a:hlinkClick r:id="rId5"/>
               </a:rPr>
-              <a:t>http://www.powersurgepub.com/products/</a:t>
-            </a:r>
-            <a:r>
-              <a:rPr lang="en-US" sz="1800" dirty="0" smtClean="0">
-                <a:hlinkClick r:id="rId5"/>
-              </a:rPr>
-              <a:t>psrenamer.html</a:t>
-            </a:r>
-            <a:endParaRPr lang="en-US" sz="1800" dirty="0" smtClean="0"/>
+              <a:t>http://www.powersurgepub.com/products/psrenamer.html</a:t>
+            </a:r>
+            <a:endParaRPr lang="en-US" sz="1800" dirty="0"/>
           </a:p>
           <a:p>
             <a:pPr marL="400050" lvl="1" indent="0">
               <a:buNone/>
             </a:pPr>
             <a:r>
-              <a:rPr lang="en-US" sz="1800" dirty="0" smtClean="0"/>
-              <a:t>• </a:t>
-            </a:r>
-            <a:r>
               <a:rPr lang="en-US" sz="1800" dirty="0"/>
-              <a:t>U</a:t>
-            </a:r>
-            <a:r>
-              <a:rPr lang="en-US" sz="1800" dirty="0" smtClean="0"/>
-              <a:t>se </a:t>
-            </a:r>
-            <a:r>
-              <a:rPr lang="en-US" sz="1800" i="1" u="sng" dirty="0" err="1" smtClean="0"/>
+              <a:t>• Use </a:t>
+            </a:r>
+            <a:r>
+              <a:rPr lang="en-US" sz="1800" i="1" u="sng" dirty="0" err="1"/>
               <a:t>grep</a:t>
             </a:r>
             <a:r>
-              <a:rPr lang="en-US" sz="1800" i="1" u="sng" dirty="0" smtClean="0"/>
+              <a:rPr lang="en-US" sz="1800" i="1" u="sng" dirty="0"/>
               <a:t>, </a:t>
             </a:r>
             <a:r>
-              <a:rPr lang="en-US" sz="1800" i="1" u="sng" dirty="0" err="1" smtClean="0"/>
+              <a:rPr lang="en-US" sz="1800" i="1" u="sng" dirty="0" err="1"/>
               <a:t>sed</a:t>
+            </a:r>
+            <a:r>
+              <a:rPr lang="en-US" sz="1800" i="1" u="sng" dirty="0"/>
+              <a:t> and </a:t>
+            </a:r>
+            <a:r>
+              <a:rPr lang="en-US" sz="1800" i="1" u="sng" dirty="0" err="1"/>
+              <a:t>awk</a:t>
             </a:r>
             <a:r>
               <a:rPr lang="en-US" sz="1800" i="1" u="sng" dirty="0"/>
               <a:t> </a:t>
             </a:r>
             <a:r>
-              <a:rPr lang="en-US" sz="1800" i="1" u="sng" dirty="0" smtClean="0"/>
-              <a:t>and </a:t>
-            </a:r>
-            <a:r>
-              <a:rPr lang="en-US" sz="1800" i="1" u="sng" dirty="0" err="1" smtClean="0"/>
-              <a:t>awk</a:t>
-            </a:r>
-            <a:r>
-              <a:rPr lang="en-US" sz="1800" i="1" u="sng" dirty="0" smtClean="0"/>
-              <a:t> </a:t>
-            </a:r>
-            <a:r>
-              <a:rPr lang="en-US" sz="1800" u="sng" dirty="0" smtClean="0"/>
-              <a:t>to </a:t>
-            </a:r>
-            <a:r>
               <a:rPr lang="en-US" sz="1800" u="sng" dirty="0"/>
-              <a:t>search for </a:t>
-            </a:r>
-            <a:r>
-              <a:rPr lang="en-US" sz="1800" u="sng" dirty="0" smtClean="0"/>
-              <a:t>and change</a:t>
+              <a:t>to search for and change</a:t>
             </a:r>
             <a:endParaRPr lang="en-US" sz="1800" u="sng" dirty="0">
               <a:solidFill>
@@ -7899,13 +7676,6 @@
   <p:clrMapOvr>
     <a:masterClrMapping/>
   </p:clrMapOvr>
-  <p:timing>
-    <p:tnLst>
-      <p:par>
-        <p:cTn xmlns:p14="http://schemas.microsoft.com/office/powerpoint/2010/main" id="1" dur="indefinite" restart="never" nodeType="tmRoot"/>
-      </p:par>
-    </p:tnLst>
-  </p:timing>
 </p:sld>
 </file>
 
@@ -8135,15 +7905,7 @@
           <a:p>
             <a:r>
               <a:rPr lang="en-US" sz="2400" dirty="0"/>
-              <a:t>Directory top-level folders should include the project title, unique identifier, and date (year), but the files themselves </a:t>
-            </a:r>
-            <a:r>
-              <a:rPr lang="en-US" sz="2400" dirty="0" smtClean="0"/>
-              <a:t>should </a:t>
-            </a:r>
-            <a:r>
-              <a:rPr lang="en-US" sz="2400" dirty="0"/>
-              <a:t>be well-described independent of the directory structure.</a:t>
+              <a:t>Directory top-level folders should include the project title, unique identifier, and date (year), but the files themselves should be well-described independent of the directory structure.</a:t>
             </a:r>
           </a:p>
           <a:p>
@@ -8166,30 +7928,29 @@
               <a:t>Dry lab: </a:t>
             </a:r>
             <a:r>
-              <a:rPr lang="en-US" sz="2000" dirty="0" err="1" smtClean="0"/>
+              <a:rPr lang="en-US" sz="2000" dirty="0" err="1"/>
               <a:t>Git</a:t>
             </a:r>
             <a:r>
-              <a:rPr lang="en-US" sz="2000" dirty="0" smtClean="0"/>
+              <a:rPr lang="en-US" sz="2000" dirty="0"/>
               <a:t> (</a:t>
             </a:r>
             <a:r>
-              <a:rPr lang="en-US" sz="2000" dirty="0" err="1" smtClean="0"/>
+              <a:rPr lang="en-US" sz="2000" dirty="0" err="1"/>
               <a:t>GitHub</a:t>
             </a:r>
             <a:r>
-              <a:rPr lang="en-US" sz="2000" dirty="0" smtClean="0"/>
+              <a:rPr lang="en-US" sz="2000" dirty="0"/>
               <a:t>/</a:t>
             </a:r>
             <a:r>
-              <a:rPr lang="en-US" sz="2000" dirty="0" err="1" smtClean="0"/>
+              <a:rPr lang="en-US" sz="2000" dirty="0" err="1"/>
               <a:t>GitLab</a:t>
             </a:r>
             <a:r>
-              <a:rPr lang="en-US" sz="2000" dirty="0" smtClean="0"/>
+              <a:rPr lang="en-US" sz="2000" dirty="0"/>
               <a:t>), Subversion (SVN)</a:t>
             </a:r>
-            <a:endParaRPr lang="en-US" sz="2000" dirty="0"/>
           </a:p>
           <a:p>
             <a:pPr marL="0" indent="0">
@@ -8219,13 +7980,6 @@
   <p:clrMapOvr>
     <a:masterClrMapping/>
   </p:clrMapOvr>
-  <p:timing>
-    <p:tnLst>
-      <p:par>
-        <p:cTn xmlns:p14="http://schemas.microsoft.com/office/powerpoint/2010/main" id="1" dur="indefinite" restart="never" nodeType="tmRoot"/>
-      </p:par>
-    </p:tnLst>
-  </p:timing>
 </p:sld>
 </file>
 
@@ -8315,13 +8069,6 @@
   <p:clrMapOvr>
     <a:masterClrMapping/>
   </p:clrMapOvr>
-  <p:timing>
-    <p:tnLst>
-      <p:par>
-        <p:cTn xmlns:p14="http://schemas.microsoft.com/office/powerpoint/2010/main" id="1" dur="indefinite" restart="never" nodeType="tmRoot"/>
-      </p:par>
-    </p:tnLst>
-  </p:timing>
 </p:sld>
 </file>
 
@@ -8481,13 +8228,6 @@
   <p:clrMapOvr>
     <a:masterClrMapping/>
   </p:clrMapOvr>
-  <p:timing>
-    <p:tnLst>
-      <p:par>
-        <p:cTn xmlns:p14="http://schemas.microsoft.com/office/powerpoint/2010/main" id="1" dur="indefinite" restart="never" nodeType="tmRoot"/>
-      </p:par>
-    </p:tnLst>
-  </p:timing>
 </p:sld>
 </file>
 
@@ -8571,13 +8311,6 @@
   <p:clrMapOvr>
     <a:masterClrMapping/>
   </p:clrMapOvr>
-  <p:timing>
-    <p:tnLst>
-      <p:par>
-        <p:cTn xmlns:p14="http://schemas.microsoft.com/office/powerpoint/2010/main" id="1" dur="indefinite" restart="never" nodeType="tmRoot"/>
-      </p:par>
-    </p:tnLst>
-  </p:timing>
 </p:sld>
 </file>
 
@@ -8667,13 +8400,6 @@
   <p:clrMapOvr>
     <a:masterClrMapping/>
   </p:clrMapOvr>
-  <p:timing>
-    <p:tnLst>
-      <p:par>
-        <p:cTn xmlns:p14="http://schemas.microsoft.com/office/powerpoint/2010/main" id="1" dur="indefinite" restart="never" nodeType="tmRoot"/>
-      </p:par>
-    </p:tnLst>
-  </p:timing>
 </p:sld>
 </file>
 
@@ -8699,7 +8425,7 @@
           <p:cNvPr id="11" name="Picture 10">
             <a:extLst>
               <a:ext uri="{FF2B5EF4-FFF2-40B4-BE49-F238E27FC236}">
-                <a16:creationId xmlns:a16="http://schemas.microsoft.com/office/drawing/2014/main" xmlns="" id="{E6F1BE2A-EC94-9E4A-AC59-67474BFF6EA3}"/>
+                <a16:creationId xmlns:a16="http://schemas.microsoft.com/office/drawing/2014/main" id="{E6F1BE2A-EC94-9E4A-AC59-67474BFF6EA3}"/>
               </a:ext>
             </a:extLst>
           </p:cNvPr>
@@ -8734,13 +8460,6 @@
   <p:clrMapOvr>
     <a:masterClrMapping/>
   </p:clrMapOvr>
-  <p:timing>
-    <p:tnLst>
-      <p:par>
-        <p:cTn xmlns:p14="http://schemas.microsoft.com/office/powerpoint/2010/main" id="1" dur="indefinite" restart="never" nodeType="tmRoot"/>
-      </p:par>
-    </p:tnLst>
-  </p:timing>
 </p:sld>
 </file>
 
@@ -8761,93 +8480,99 @@
           <a:chExt cx="0" cy="0"/>
         </a:xfrm>
       </p:grpSpPr>
-      <p:sp>
-        <p:nvSpPr>
-          <p:cNvPr id="2" name="Title 1"/>
-          <p:cNvSpPr>
-            <a:spLocks noGrp="1"/>
-          </p:cNvSpPr>
-          <p:nvPr>
-            <p:ph type="title"/>
-          </p:nvPr>
-        </p:nvSpPr>
-        <p:spPr/>
-        <p:txBody>
-          <a:bodyPr>
-            <a:normAutofit/>
-          </a:bodyPr>
-          <a:lstStyle/>
-          <a:p>
-            <a:pPr algn="l"/>
-            <a:r>
-              <a:rPr lang="en-US" sz="3200" u="sng" dirty="0">
-                <a:solidFill>
-                  <a:schemeClr val="tx2"/>
-                </a:solidFill>
-              </a:rPr>
-              <a:t>Small Group Discussion									</a:t>
-            </a:r>
-          </a:p>
-        </p:txBody>
-      </p:sp>
-      <p:sp>
-        <p:nvSpPr>
-          <p:cNvPr id="3" name="Content Placeholder 2"/>
-          <p:cNvSpPr>
-            <a:spLocks noGrp="1"/>
-          </p:cNvSpPr>
-          <p:nvPr>
-            <p:ph idx="1"/>
-          </p:nvPr>
-        </p:nvSpPr>
+      <p:pic>
+        <p:nvPicPr>
+          <p:cNvPr id="5" name="Picture 4">
+            <a:extLst>
+              <a:ext uri="{FF2B5EF4-FFF2-40B4-BE49-F238E27FC236}">
+                <a16:creationId xmlns:a16="http://schemas.microsoft.com/office/drawing/2014/main" id="{5009BF83-60DA-5B43-BCC7-CD95733C2ABD}"/>
+              </a:ext>
+            </a:extLst>
+          </p:cNvPr>
+          <p:cNvPicPr>
+            <a:picLocks noChangeAspect="1"/>
+          </p:cNvPicPr>
+          <p:nvPr/>
+        </p:nvPicPr>
+        <p:blipFill>
+          <a:blip r:embed="rId2"/>
+          <a:stretch>
+            <a:fillRect/>
+          </a:stretch>
+        </p:blipFill>
         <p:spPr>
           <a:xfrm>
-            <a:off x="457200" y="1600200"/>
-            <a:ext cx="8229600" cy="4734068"/>
+            <a:off x="0" y="996950"/>
+            <a:ext cx="9144000" cy="4864100"/>
           </a:xfrm>
+          <a:prstGeom prst="rect">
+            <a:avLst/>
+          </a:prstGeom>
         </p:spPr>
-        <p:txBody>
-          <a:bodyPr>
-            <a:normAutofit/>
-          </a:bodyPr>
-          <a:lstStyle/>
-          <a:p>
-            <a:r>
-              <a:rPr lang="en-US" sz="2400" dirty="0"/>
-              <a:t>What sort of structure(s) do you currently use?</a:t>
-            </a:r>
-          </a:p>
-          <a:p>
-            <a:r>
-              <a:rPr lang="en-US" sz="2400" dirty="0"/>
-              <a:t>What do you see as the key advantages and disadvantages of the different types of system?</a:t>
-            </a:r>
-          </a:p>
-          <a:p>
-            <a:r>
-              <a:rPr lang="en-US" sz="2400" dirty="0"/>
-              <a:t>Are there specific tasks one sort of system seems particularly suitable for? How does this apply to your research project?</a:t>
-            </a:r>
+      </p:pic>
+      <p:sp>
+        <p:nvSpPr>
+          <p:cNvPr id="7" name="Rectangle 6">
+            <a:extLst>
+              <a:ext uri="{FF2B5EF4-FFF2-40B4-BE49-F238E27FC236}">
+                <a16:creationId xmlns:a16="http://schemas.microsoft.com/office/drawing/2014/main" id="{FB444285-C464-C545-8B1B-E3F4DAEC3E03}"/>
+              </a:ext>
+            </a:extLst>
+          </p:cNvPr>
+          <p:cNvSpPr/>
+          <p:nvPr/>
+        </p:nvSpPr>
+        <p:spPr>
+          <a:xfrm>
+            <a:off x="0" y="1955800"/>
+            <a:ext cx="508000" cy="114300"/>
+          </a:xfrm>
+          <a:prstGeom prst="rect">
+            <a:avLst/>
+          </a:prstGeom>
+          <a:solidFill>
+            <a:schemeClr val="bg1"/>
+          </a:solidFill>
+          <a:ln>
+            <a:solidFill>
+              <a:schemeClr val="bg1"/>
+            </a:solidFill>
+          </a:ln>
+          <a:effectLst/>
+        </p:spPr>
+        <p:style>
+          <a:lnRef idx="1">
+            <a:schemeClr val="accent1"/>
+          </a:lnRef>
+          <a:fillRef idx="3">
+            <a:schemeClr val="accent1"/>
+          </a:fillRef>
+          <a:effectRef idx="2">
+            <a:schemeClr val="accent1"/>
+          </a:effectRef>
+          <a:fontRef idx="minor">
+            <a:schemeClr val="lt1"/>
+          </a:fontRef>
+        </p:style>
+        <p:txBody>
+          <a:bodyPr rtlCol="0" anchor="ctr"/>
+          <a:lstStyle/>
+          <a:p>
+            <a:pPr algn="ctr"/>
+            <a:endParaRPr lang="en-US"/>
           </a:p>
         </p:txBody>
       </p:sp>
     </p:spTree>
     <p:extLst>
       <p:ext uri="{BB962C8B-B14F-4D97-AF65-F5344CB8AC3E}">
-        <p14:creationId xmlns:p14="http://schemas.microsoft.com/office/powerpoint/2010/main" val="3580087969"/>
+        <p14:creationId xmlns:p14="http://schemas.microsoft.com/office/powerpoint/2010/main" val="932812651"/>
       </p:ext>
     </p:extLst>
   </p:cSld>
   <p:clrMapOvr>
     <a:masterClrMapping/>
   </p:clrMapOvr>
-  <p:timing>
-    <p:tnLst>
-      <p:par>
-        <p:cTn xmlns:p14="http://schemas.microsoft.com/office/powerpoint/2010/main" id="1" dur="indefinite" restart="never" nodeType="tmRoot"/>
-      </p:par>
-    </p:tnLst>
-  </p:timing>
 </p:sld>
 </file>
 
@@ -8887,20 +8612,12 @@
           <a:p>
             <a:pPr algn="l"/>
             <a:r>
-              <a:rPr lang="en-US" sz="3200" u="sng" dirty="0" smtClean="0">
+              <a:rPr lang="en-US" sz="3200" u="sng" dirty="0">
                 <a:solidFill>
                   <a:schemeClr val="tx2"/>
                 </a:solidFill>
               </a:rPr>
-              <a:t>Introduction</a:t>
-            </a:r>
-            <a:r>
-              <a:rPr lang="en-US" sz="3200" u="sng" dirty="0">
-                <a:solidFill>
-                  <a:schemeClr val="tx2"/>
-                </a:solidFill>
-              </a:rPr>
-              <a:t>										</a:t>
+              <a:t>Introduction										</a:t>
             </a:r>
           </a:p>
         </p:txBody>
@@ -8944,39 +8661,30 @@
           <a:p>
             <a:pPr marL="857250" lvl="1" indent="-457200"/>
             <a:r>
-              <a:rPr lang="en-US" dirty="0" smtClean="0"/>
-              <a:t>File </a:t>
-            </a:r>
-            <a:r>
-              <a:rPr lang="en-US" dirty="0"/>
-              <a:t>structures</a:t>
+              <a:rPr lang="en-US" dirty="0"/>
+              <a:t>File structures</a:t>
             </a:r>
           </a:p>
           <a:p>
             <a:pPr marL="857250" lvl="1" indent="-457200"/>
             <a:r>
-              <a:rPr lang="en-US" dirty="0" smtClean="0"/>
-              <a:t>File </a:t>
-            </a:r>
-            <a:r>
-              <a:rPr lang="en-US" dirty="0"/>
-              <a:t>naming</a:t>
+              <a:rPr lang="en-US" dirty="0"/>
+              <a:t>File naming</a:t>
             </a:r>
           </a:p>
           <a:p>
             <a:pPr marL="857250" lvl="1" indent="-457200"/>
             <a:r>
-              <a:rPr lang="en-US" dirty="0" smtClean="0"/>
+              <a:rPr lang="en-US" dirty="0"/>
               <a:t>Version control</a:t>
             </a:r>
           </a:p>
           <a:p>
             <a:pPr marL="857250" lvl="1" indent="-457200"/>
             <a:r>
-              <a:rPr lang="en-US" dirty="0" smtClean="0"/>
+              <a:rPr lang="en-US" dirty="0"/>
               <a:t>Storage</a:t>
             </a:r>
-            <a:endParaRPr lang="en-US" dirty="0"/>
           </a:p>
           <a:p>
             <a:pPr marL="0" indent="0">
@@ -9005,13 +8713,6 @@
   <p:clrMapOvr>
     <a:masterClrMapping/>
   </p:clrMapOvr>
-  <p:timing>
-    <p:tnLst>
-      <p:par>
-        <p:cTn xmlns:p14="http://schemas.microsoft.com/office/powerpoint/2010/main" id="1" dur="indefinite" restart="never" nodeType="tmRoot"/>
-      </p:par>
-    </p:tnLst>
-  </p:timing>
 </p:sld>
 </file>
 
@@ -9152,13 +8853,6 @@
   <p:clrMapOvr>
     <a:masterClrMapping/>
   </p:clrMapOvr>
-  <p:timing>
-    <p:tnLst>
-      <p:par>
-        <p:cTn xmlns:p14="http://schemas.microsoft.com/office/powerpoint/2010/main" id="1" dur="indefinite" restart="never" nodeType="tmRoot"/>
-      </p:par>
-    </p:tnLst>
-  </p:timing>
 </p:sld>
 </file>
 
@@ -9283,13 +8977,6 @@
   <p:clrMapOvr>
     <a:masterClrMapping/>
   </p:clrMapOvr>
-  <p:timing>
-    <p:tnLst>
-      <p:par>
-        <p:cTn xmlns:p14="http://schemas.microsoft.com/office/powerpoint/2010/main" id="1" dur="indefinite" restart="never" nodeType="tmRoot"/>
-      </p:par>
-    </p:tnLst>
-  </p:timing>
 </p:sld>
 </file>
 
@@ -9414,13 +9101,6 @@
   <p:clrMapOvr>
     <a:masterClrMapping/>
   </p:clrMapOvr>
-  <p:timing>
-    <p:tnLst>
-      <p:par>
-        <p:cTn xmlns:p14="http://schemas.microsoft.com/office/powerpoint/2010/main" id="1" dur="indefinite" restart="never" nodeType="tmRoot"/>
-      </p:par>
-    </p:tnLst>
-  </p:timing>
 </p:sld>
 </file>
 
@@ -9881,13 +9561,6 @@
   <p:clrMapOvr>
     <a:masterClrMapping/>
   </p:clrMapOvr>
-  <p:timing>
-    <p:tnLst>
-      <p:par>
-        <p:cTn xmlns:p14="http://schemas.microsoft.com/office/powerpoint/2010/main" id="1" dur="indefinite" restart="never" nodeType="tmRoot"/>
-      </p:par>
-    </p:tnLst>
-  </p:timing>
 </p:sld>
 </file>
 
@@ -10011,13 +9684,6 @@
   <p:clrMapOvr>
     <a:masterClrMapping/>
   </p:clrMapOvr>
-  <p:timing>
-    <p:tnLst>
-      <p:par>
-        <p:cTn xmlns:p14="http://schemas.microsoft.com/office/powerpoint/2010/main" id="1" dur="indefinite" restart="never" nodeType="tmRoot"/>
-      </p:par>
-    </p:tnLst>
-  </p:timing>
 </p:sld>
 </file>
 
@@ -10113,23 +9779,7 @@
                   <a:srgbClr val="0000FF"/>
                 </a:solidFill>
               </a:rPr>
-              <a:t> by UK Data Archive for long term preservation for </a:t>
-            </a:r>
-            <a:r>
-              <a:rPr lang="en-US" sz="2400" u="sng" dirty="0" err="1">
-                <a:solidFill>
-                  <a:srgbClr val="0000FF"/>
-                </a:solidFill>
-              </a:rPr>
-              <a:t>rsearch</a:t>
-            </a:r>
-            <a:r>
-              <a:rPr lang="en-US" sz="2400" u="sng" dirty="0">
-                <a:solidFill>
-                  <a:srgbClr val="0000FF"/>
-                </a:solidFill>
-              </a:rPr>
-              <a:t> data</a:t>
+              <a:t> by UK Data Archive for long term preservation for research data</a:t>
             </a:r>
           </a:p>
         </p:txBody>
@@ -10144,13 +9794,6 @@
   <p:clrMapOvr>
     <a:masterClrMapping/>
   </p:clrMapOvr>
-  <p:timing>
-    <p:tnLst>
-      <p:par>
-        <p:cTn xmlns:p14="http://schemas.microsoft.com/office/powerpoint/2010/main" id="1" dur="indefinite" restart="never" nodeType="tmRoot"/>
-      </p:par>
-    </p:tnLst>
-  </p:timing>
 </p:sld>
 </file>
 
@@ -10211,13 +9854,6 @@
   <p:clrMapOvr>
     <a:masterClrMapping/>
   </p:clrMapOvr>
-  <p:timing>
-    <p:tnLst>
-      <p:par>
-        <p:cTn xmlns:p14="http://schemas.microsoft.com/office/powerpoint/2010/main" id="1" dur="indefinite" restart="never" nodeType="tmRoot"/>
-      </p:par>
-    </p:tnLst>
-  </p:timing>
 </p:sld>
 </file>
 
